--- a/Презентация GeoQuest.pptx
+++ b/Презентация GeoQuest.pptx
@@ -16,6 +16,7 @@
     <p:sldId id="263" r:id="rId10"/>
     <p:sldId id="264" r:id="rId11"/>
     <p:sldId id="265" r:id="rId12"/>
+    <p:sldId id="267" r:id="rId13"/>
   </p:sldIdLst>
   <p:sldSz cx="12192000" cy="6858000"/>
   <p:notesSz cx="6858000" cy="9144000"/>
@@ -114,6 +115,11 @@
       </a:defRPr>
     </a:lvl9pPr>
   </p:defaultTextStyle>
+  <p:extLst>
+    <p:ext uri="{EFAFB233-063F-42B5-8137-9DF3F51BA10A}">
+      <p15:sldGuideLst xmlns:p15="http://schemas.microsoft.com/office/powerpoint/2012/main"/>
+    </p:ext>
+  </p:extLst>
 </p:presentation>
 </file>
 
@@ -3956,6 +3962,217 @@
 </p:sld>
 </file>
 
+<file path=ppt/slides/slide12.xml><?xml version="1.0" encoding="utf-8"?>
+<p:sld xmlns:a="http://schemas.openxmlformats.org/drawingml/2006/main" xmlns:r="http://schemas.openxmlformats.org/officeDocument/2006/relationships" xmlns:p="http://schemas.openxmlformats.org/presentationml/2006/main">
+  <p:cSld>
+    <p:spTree>
+      <p:nvGrpSpPr>
+        <p:cNvPr id="1" name=""/>
+        <p:cNvGrpSpPr/>
+        <p:nvPr/>
+      </p:nvGrpSpPr>
+      <p:grpSpPr>
+        <a:xfrm>
+          <a:off x="0" y="0"/>
+          <a:ext cx="0" cy="0"/>
+          <a:chOff x="0" y="0"/>
+          <a:chExt cx="0" cy="0"/>
+        </a:xfrm>
+      </p:grpSpPr>
+      <p:sp>
+        <p:nvSpPr>
+          <p:cNvPr id="3" name="Заголовок 1">
+            <a:extLst>
+              <a:ext uri="{FF2B5EF4-FFF2-40B4-BE49-F238E27FC236}">
+                <a16:creationId xmlns:a16="http://schemas.microsoft.com/office/drawing/2014/main" id="{A7074DAD-2A23-436E-07F1-567E65A194CB}"/>
+              </a:ext>
+            </a:extLst>
+          </p:cNvPr>
+          <p:cNvSpPr>
+            <a:spLocks noGrp="1"/>
+          </p:cNvSpPr>
+          <p:nvPr>
+            <p:ph type="title"/>
+          </p:nvPr>
+        </p:nvSpPr>
+        <p:spPr>
+          <a:xfrm>
+            <a:off x="441434" y="435458"/>
+            <a:ext cx="6926318" cy="803288"/>
+          </a:xfrm>
+        </p:spPr>
+        <p:txBody>
+          <a:bodyPr>
+            <a:normAutofit/>
+          </a:bodyPr>
+          <a:lstStyle/>
+          <a:p>
+            <a:r>
+              <a:rPr lang="ru-RU" b="1" dirty="0">
+                <a:latin typeface="HSE Sans" panose="02000000000000000000" pitchFamily="2" charset="0"/>
+              </a:rPr>
+              <a:t>Проблемы проекта</a:t>
+            </a:r>
+          </a:p>
+        </p:txBody>
+      </p:sp>
+      <p:sp>
+        <p:nvSpPr>
+          <p:cNvPr id="2" name="Заголовок 1">
+            <a:extLst>
+              <a:ext uri="{FF2B5EF4-FFF2-40B4-BE49-F238E27FC236}">
+                <a16:creationId xmlns:a16="http://schemas.microsoft.com/office/drawing/2014/main" id="{D2984469-DCAD-0CBC-3188-E93055F0C2BD}"/>
+              </a:ext>
+            </a:extLst>
+          </p:cNvPr>
+          <p:cNvSpPr txBox="1">
+            <a:spLocks/>
+          </p:cNvSpPr>
+          <p:nvPr/>
+        </p:nvSpPr>
+        <p:spPr>
+          <a:xfrm>
+            <a:off x="441433" y="1337334"/>
+            <a:ext cx="11183008" cy="1195660"/>
+          </a:xfrm>
+          <a:prstGeom prst="rect">
+            <a:avLst/>
+          </a:prstGeom>
+        </p:spPr>
+        <p:txBody>
+          <a:bodyPr vert="horz" lIns="91440" tIns="45720" rIns="91440" bIns="45720" rtlCol="0" anchor="t">
+            <a:normAutofit/>
+          </a:bodyPr>
+          <a:lstStyle>
+            <a:lvl1pPr algn="l" defTabSz="914400" rtl="0" eaLnBrk="1" latinLnBrk="0" hangingPunct="1">
+              <a:lnSpc>
+                <a:spcPct val="90000"/>
+              </a:lnSpc>
+              <a:spcBef>
+                <a:spcPct val="0"/>
+              </a:spcBef>
+              <a:buNone/>
+              <a:defRPr sz="4400" kern="1200">
+                <a:solidFill>
+                  <a:schemeClr val="tx1"/>
+                </a:solidFill>
+                <a:latin typeface="+mj-lt"/>
+                <a:ea typeface="+mj-ea"/>
+                <a:cs typeface="+mj-cs"/>
+              </a:defRPr>
+            </a:lvl1pPr>
+          </a:lstStyle>
+          <a:p>
+            <a:pPr marL="571500" indent="-571500">
+              <a:buFont typeface="Arial" panose="020B0604020202020204" pitchFamily="34" charset="0"/>
+              <a:buChar char="•"/>
+            </a:pPr>
+            <a:r>
+              <a:rPr lang="ru-RU" sz="3600" dirty="0">
+                <a:latin typeface="HSE Sans" panose="02000000000000000000" pitchFamily="2" charset="0"/>
+              </a:rPr>
+              <a:t>Ограничение запросов в </a:t>
+            </a:r>
+            <a:r>
+              <a:rPr lang="en-US" sz="3600" dirty="0">
+                <a:latin typeface="HSE Sans" panose="02000000000000000000" pitchFamily="2" charset="0"/>
+              </a:rPr>
+              <a:t>API</a:t>
+            </a:r>
+            <a:r>
+              <a:rPr lang="ru-RU" sz="3600" dirty="0">
+                <a:latin typeface="HSE Sans" panose="02000000000000000000" pitchFamily="2" charset="0"/>
+              </a:rPr>
+              <a:t> по количеству</a:t>
+            </a:r>
+            <a:r>
+              <a:rPr lang="en-US" sz="3600" dirty="0">
+                <a:latin typeface="HSE Sans" panose="02000000000000000000" pitchFamily="2" charset="0"/>
+              </a:rPr>
+              <a:t> (100</a:t>
+            </a:r>
+            <a:r>
+              <a:rPr lang="ru-RU" sz="3600" dirty="0">
+                <a:latin typeface="HSE Sans" panose="02000000000000000000" pitchFamily="2" charset="0"/>
+              </a:rPr>
+              <a:t> в месяц) и скорости</a:t>
+            </a:r>
+          </a:p>
+        </p:txBody>
+      </p:sp>
+      <p:sp>
+        <p:nvSpPr>
+          <p:cNvPr id="4" name="Заголовок 1">
+            <a:extLst>
+              <a:ext uri="{FF2B5EF4-FFF2-40B4-BE49-F238E27FC236}">
+                <a16:creationId xmlns:a16="http://schemas.microsoft.com/office/drawing/2014/main" id="{1CE4FFE6-AAC6-71DD-3303-1B88D35B0E28}"/>
+              </a:ext>
+            </a:extLst>
+          </p:cNvPr>
+          <p:cNvSpPr txBox="1">
+            <a:spLocks/>
+          </p:cNvSpPr>
+          <p:nvPr/>
+        </p:nvSpPr>
+        <p:spPr>
+          <a:xfrm>
+            <a:off x="441433" y="2631582"/>
+            <a:ext cx="11183008" cy="1195660"/>
+          </a:xfrm>
+          <a:prstGeom prst="rect">
+            <a:avLst/>
+          </a:prstGeom>
+        </p:spPr>
+        <p:txBody>
+          <a:bodyPr vert="horz" lIns="91440" tIns="45720" rIns="91440" bIns="45720" rtlCol="0" anchor="t">
+            <a:normAutofit/>
+          </a:bodyPr>
+          <a:lstStyle>
+            <a:lvl1pPr algn="l" defTabSz="914400" rtl="0" eaLnBrk="1" latinLnBrk="0" hangingPunct="1">
+              <a:lnSpc>
+                <a:spcPct val="90000"/>
+              </a:lnSpc>
+              <a:spcBef>
+                <a:spcPct val="0"/>
+              </a:spcBef>
+              <a:buNone/>
+              <a:defRPr sz="4400" kern="1200">
+                <a:solidFill>
+                  <a:schemeClr val="tx1"/>
+                </a:solidFill>
+                <a:latin typeface="+mj-lt"/>
+                <a:ea typeface="+mj-ea"/>
+                <a:cs typeface="+mj-cs"/>
+              </a:defRPr>
+            </a:lvl1pPr>
+          </a:lstStyle>
+          <a:p>
+            <a:pPr marL="571500" indent="-571500">
+              <a:buFont typeface="Arial" panose="020B0604020202020204" pitchFamily="34" charset="0"/>
+              <a:buChar char="•"/>
+            </a:pPr>
+            <a:r>
+              <a:rPr lang="ru-RU" sz="3600" dirty="0">
+                <a:latin typeface="HSE Sans" panose="02000000000000000000" pitchFamily="2" charset="0"/>
+              </a:rPr>
+              <a:t>Возможна выдача неадекватных фотографий, не позволяющих угадать город или страну</a:t>
+            </a:r>
+          </a:p>
+        </p:txBody>
+      </p:sp>
+    </p:spTree>
+    <p:extLst>
+      <p:ext uri="{BB962C8B-B14F-4D97-AF65-F5344CB8AC3E}">
+        <p14:creationId xmlns:p14="http://schemas.microsoft.com/office/powerpoint/2010/main" val="290659439"/>
+      </p:ext>
+    </p:extLst>
+  </p:cSld>
+  <p:clrMapOvr>
+    <a:masterClrMapping/>
+  </p:clrMapOvr>
+</p:sld>
+</file>
+
 <file path=ppt/slides/slide2.xml><?xml version="1.0" encoding="utf-8"?>
 <p:sld xmlns:a="http://schemas.openxmlformats.org/drawingml/2006/main" xmlns:r="http://schemas.openxmlformats.org/officeDocument/2006/relationships" xmlns:p="http://schemas.openxmlformats.org/presentationml/2006/main">
   <p:cSld>

--- a/Презентация GeoQuest.pptx
+++ b/Презентация GeoQuest.pptx
@@ -7,16 +7,18 @@
   <p:sldIdLst>
     <p:sldId id="256" r:id="rId2"/>
     <p:sldId id="257" r:id="rId3"/>
-    <p:sldId id="266" r:id="rId4"/>
-    <p:sldId id="258" r:id="rId5"/>
-    <p:sldId id="260" r:id="rId6"/>
-    <p:sldId id="261" r:id="rId7"/>
-    <p:sldId id="262" r:id="rId8"/>
-    <p:sldId id="259" r:id="rId9"/>
-    <p:sldId id="263" r:id="rId10"/>
-    <p:sldId id="264" r:id="rId11"/>
-    <p:sldId id="265" r:id="rId12"/>
-    <p:sldId id="267" r:id="rId13"/>
+    <p:sldId id="272" r:id="rId4"/>
+    <p:sldId id="260" r:id="rId5"/>
+    <p:sldId id="261" r:id="rId6"/>
+    <p:sldId id="262" r:id="rId7"/>
+    <p:sldId id="259" r:id="rId8"/>
+    <p:sldId id="263" r:id="rId9"/>
+    <p:sldId id="264" r:id="rId10"/>
+    <p:sldId id="265" r:id="rId11"/>
+    <p:sldId id="270" r:id="rId12"/>
+    <p:sldId id="268" r:id="rId13"/>
+    <p:sldId id="271" r:id="rId14"/>
+    <p:sldId id="267" r:id="rId15"/>
   </p:sldIdLst>
   <p:sldSz cx="12192000" cy="6858000"/>
   <p:notesSz cx="6858000" cy="9144000"/>
@@ -270,7 +272,7 @@
           <a:p>
             <a:fld id="{680DAA94-26E2-1742-B349-986C74FAAB48}" type="datetimeFigureOut">
               <a:rPr lang="ru-RU" smtClean="0"/>
-              <a:t>21.12.2023</a:t>
+              <a:t>24.12.2023</a:t>
             </a:fld>
             <a:endParaRPr lang="ru-RU"/>
           </a:p>
@@ -468,7 +470,7 @@
           <a:p>
             <a:fld id="{680DAA94-26E2-1742-B349-986C74FAAB48}" type="datetimeFigureOut">
               <a:rPr lang="ru-RU" smtClean="0"/>
-              <a:t>21.12.2023</a:t>
+              <a:t>24.12.2023</a:t>
             </a:fld>
             <a:endParaRPr lang="ru-RU"/>
           </a:p>
@@ -676,7 +678,7 @@
           <a:p>
             <a:fld id="{680DAA94-26E2-1742-B349-986C74FAAB48}" type="datetimeFigureOut">
               <a:rPr lang="ru-RU" smtClean="0"/>
-              <a:t>21.12.2023</a:t>
+              <a:t>24.12.2023</a:t>
             </a:fld>
             <a:endParaRPr lang="ru-RU"/>
           </a:p>
@@ -874,7 +876,7 @@
           <a:p>
             <a:fld id="{680DAA94-26E2-1742-B349-986C74FAAB48}" type="datetimeFigureOut">
               <a:rPr lang="ru-RU" smtClean="0"/>
-              <a:t>21.12.2023</a:t>
+              <a:t>24.12.2023</a:t>
             </a:fld>
             <a:endParaRPr lang="ru-RU"/>
           </a:p>
@@ -1149,7 +1151,7 @@
           <a:p>
             <a:fld id="{680DAA94-26E2-1742-B349-986C74FAAB48}" type="datetimeFigureOut">
               <a:rPr lang="ru-RU" smtClean="0"/>
-              <a:t>21.12.2023</a:t>
+              <a:t>24.12.2023</a:t>
             </a:fld>
             <a:endParaRPr lang="ru-RU"/>
           </a:p>
@@ -1414,7 +1416,7 @@
           <a:p>
             <a:fld id="{680DAA94-26E2-1742-B349-986C74FAAB48}" type="datetimeFigureOut">
               <a:rPr lang="ru-RU" smtClean="0"/>
-              <a:t>21.12.2023</a:t>
+              <a:t>24.12.2023</a:t>
             </a:fld>
             <a:endParaRPr lang="ru-RU"/>
           </a:p>
@@ -1826,7 +1828,7 @@
           <a:p>
             <a:fld id="{680DAA94-26E2-1742-B349-986C74FAAB48}" type="datetimeFigureOut">
               <a:rPr lang="ru-RU" smtClean="0"/>
-              <a:t>21.12.2023</a:t>
+              <a:t>24.12.2023</a:t>
             </a:fld>
             <a:endParaRPr lang="ru-RU"/>
           </a:p>
@@ -1967,7 +1969,7 @@
           <a:p>
             <a:fld id="{680DAA94-26E2-1742-B349-986C74FAAB48}" type="datetimeFigureOut">
               <a:rPr lang="ru-RU" smtClean="0"/>
-              <a:t>21.12.2023</a:t>
+              <a:t>24.12.2023</a:t>
             </a:fld>
             <a:endParaRPr lang="ru-RU"/>
           </a:p>
@@ -2080,7 +2082,7 @@
           <a:p>
             <a:fld id="{680DAA94-26E2-1742-B349-986C74FAAB48}" type="datetimeFigureOut">
               <a:rPr lang="ru-RU" smtClean="0"/>
-              <a:t>21.12.2023</a:t>
+              <a:t>24.12.2023</a:t>
             </a:fld>
             <a:endParaRPr lang="ru-RU"/>
           </a:p>
@@ -2391,7 +2393,7 @@
           <a:p>
             <a:fld id="{680DAA94-26E2-1742-B349-986C74FAAB48}" type="datetimeFigureOut">
               <a:rPr lang="ru-RU" smtClean="0"/>
-              <a:t>21.12.2023</a:t>
+              <a:t>24.12.2023</a:t>
             </a:fld>
             <a:endParaRPr lang="ru-RU"/>
           </a:p>
@@ -2679,7 +2681,7 @@
           <a:p>
             <a:fld id="{680DAA94-26E2-1742-B349-986C74FAAB48}" type="datetimeFigureOut">
               <a:rPr lang="ru-RU" smtClean="0"/>
-              <a:t>21.12.2023</a:t>
+              <a:t>24.12.2023</a:t>
             </a:fld>
             <a:endParaRPr lang="ru-RU"/>
           </a:p>
@@ -2920,7 +2922,7 @@
           <a:p>
             <a:fld id="{680DAA94-26E2-1742-B349-986C74FAAB48}" type="datetimeFigureOut">
               <a:rPr lang="ru-RU" smtClean="0"/>
-              <a:t>21.12.2023</a:t>
+              <a:t>24.12.2023</a:t>
             </a:fld>
             <a:endParaRPr lang="ru-RU"/>
           </a:p>
@@ -3386,7 +3388,12 @@
             <p:ph type="subTitle" idx="1"/>
           </p:nvPr>
         </p:nvSpPr>
-        <p:spPr/>
+        <p:spPr>
+          <a:xfrm>
+            <a:off x="1524000" y="3602038"/>
+            <a:ext cx="9144000" cy="549548"/>
+          </a:xfrm>
+        </p:spPr>
         <p:txBody>
           <a:bodyPr/>
           <a:lstStyle/>
@@ -3396,6 +3403,226 @@
                 <a:latin typeface="HSE Sans" panose="02000000000000000000" pitchFamily="2" charset="0"/>
               </a:rPr>
               <a:t>Телеграмм-бот</a:t>
+            </a:r>
+          </a:p>
+        </p:txBody>
+      </p:sp>
+      <p:sp>
+        <p:nvSpPr>
+          <p:cNvPr id="4" name="Подзаголовок 2">
+            <a:extLst>
+              <a:ext uri="{FF2B5EF4-FFF2-40B4-BE49-F238E27FC236}">
+                <a16:creationId xmlns:a16="http://schemas.microsoft.com/office/drawing/2014/main" id="{9050DB6C-C516-EA26-B093-6F1714D077B5}"/>
+              </a:ext>
+            </a:extLst>
+          </p:cNvPr>
+          <p:cNvSpPr txBox="1">
+            <a:spLocks/>
+          </p:cNvSpPr>
+          <p:nvPr/>
+        </p:nvSpPr>
+        <p:spPr>
+          <a:xfrm>
+            <a:off x="373116" y="5186089"/>
+            <a:ext cx="2874581" cy="1498490"/>
+          </a:xfrm>
+          <a:prstGeom prst="rect">
+            <a:avLst/>
+          </a:prstGeom>
+        </p:spPr>
+        <p:txBody>
+          <a:bodyPr vert="horz" lIns="91440" tIns="45720" rIns="91440" bIns="45720" rtlCol="0">
+            <a:normAutofit/>
+          </a:bodyPr>
+          <a:lstStyle>
+            <a:lvl1pPr marL="0" indent="0" algn="ctr" defTabSz="914400" rtl="0" eaLnBrk="1" latinLnBrk="0" hangingPunct="1">
+              <a:lnSpc>
+                <a:spcPct val="90000"/>
+              </a:lnSpc>
+              <a:spcBef>
+                <a:spcPts val="1000"/>
+              </a:spcBef>
+              <a:buFont typeface="Arial" panose="020B0604020202020204" pitchFamily="34" charset="0"/>
+              <a:buNone/>
+              <a:defRPr sz="2400" kern="1200">
+                <a:solidFill>
+                  <a:schemeClr val="tx1"/>
+                </a:solidFill>
+                <a:latin typeface="+mn-lt"/>
+                <a:ea typeface="+mn-ea"/>
+                <a:cs typeface="+mn-cs"/>
+              </a:defRPr>
+            </a:lvl1pPr>
+            <a:lvl2pPr marL="457200" indent="0" algn="ctr" defTabSz="914400" rtl="0" eaLnBrk="1" latinLnBrk="0" hangingPunct="1">
+              <a:lnSpc>
+                <a:spcPct val="90000"/>
+              </a:lnSpc>
+              <a:spcBef>
+                <a:spcPts val="500"/>
+              </a:spcBef>
+              <a:buFont typeface="Arial" panose="020B0604020202020204" pitchFamily="34" charset="0"/>
+              <a:buNone/>
+              <a:defRPr sz="2000" kern="1200">
+                <a:solidFill>
+                  <a:schemeClr val="tx1"/>
+                </a:solidFill>
+                <a:latin typeface="+mn-lt"/>
+                <a:ea typeface="+mn-ea"/>
+                <a:cs typeface="+mn-cs"/>
+              </a:defRPr>
+            </a:lvl2pPr>
+            <a:lvl3pPr marL="914400" indent="0" algn="ctr" defTabSz="914400" rtl="0" eaLnBrk="1" latinLnBrk="0" hangingPunct="1">
+              <a:lnSpc>
+                <a:spcPct val="90000"/>
+              </a:lnSpc>
+              <a:spcBef>
+                <a:spcPts val="500"/>
+              </a:spcBef>
+              <a:buFont typeface="Arial" panose="020B0604020202020204" pitchFamily="34" charset="0"/>
+              <a:buNone/>
+              <a:defRPr sz="1800" kern="1200">
+                <a:solidFill>
+                  <a:schemeClr val="tx1"/>
+                </a:solidFill>
+                <a:latin typeface="+mn-lt"/>
+                <a:ea typeface="+mn-ea"/>
+                <a:cs typeface="+mn-cs"/>
+              </a:defRPr>
+            </a:lvl3pPr>
+            <a:lvl4pPr marL="1371600" indent="0" algn="ctr" defTabSz="914400" rtl="0" eaLnBrk="1" latinLnBrk="0" hangingPunct="1">
+              <a:lnSpc>
+                <a:spcPct val="90000"/>
+              </a:lnSpc>
+              <a:spcBef>
+                <a:spcPts val="500"/>
+              </a:spcBef>
+              <a:buFont typeface="Arial" panose="020B0604020202020204" pitchFamily="34" charset="0"/>
+              <a:buNone/>
+              <a:defRPr sz="1600" kern="1200">
+                <a:solidFill>
+                  <a:schemeClr val="tx1"/>
+                </a:solidFill>
+                <a:latin typeface="+mn-lt"/>
+                <a:ea typeface="+mn-ea"/>
+                <a:cs typeface="+mn-cs"/>
+              </a:defRPr>
+            </a:lvl4pPr>
+            <a:lvl5pPr marL="1828800" indent="0" algn="ctr" defTabSz="914400" rtl="0" eaLnBrk="1" latinLnBrk="0" hangingPunct="1">
+              <a:lnSpc>
+                <a:spcPct val="90000"/>
+              </a:lnSpc>
+              <a:spcBef>
+                <a:spcPts val="500"/>
+              </a:spcBef>
+              <a:buFont typeface="Arial" panose="020B0604020202020204" pitchFamily="34" charset="0"/>
+              <a:buNone/>
+              <a:defRPr sz="1600" kern="1200">
+                <a:solidFill>
+                  <a:schemeClr val="tx1"/>
+                </a:solidFill>
+                <a:latin typeface="+mn-lt"/>
+                <a:ea typeface="+mn-ea"/>
+                <a:cs typeface="+mn-cs"/>
+              </a:defRPr>
+            </a:lvl5pPr>
+            <a:lvl6pPr marL="2286000" indent="0" algn="ctr" defTabSz="914400" rtl="0" eaLnBrk="1" latinLnBrk="0" hangingPunct="1">
+              <a:lnSpc>
+                <a:spcPct val="90000"/>
+              </a:lnSpc>
+              <a:spcBef>
+                <a:spcPts val="500"/>
+              </a:spcBef>
+              <a:buFont typeface="Arial" panose="020B0604020202020204" pitchFamily="34" charset="0"/>
+              <a:buNone/>
+              <a:defRPr sz="1600" kern="1200">
+                <a:solidFill>
+                  <a:schemeClr val="tx1"/>
+                </a:solidFill>
+                <a:latin typeface="+mn-lt"/>
+                <a:ea typeface="+mn-ea"/>
+                <a:cs typeface="+mn-cs"/>
+              </a:defRPr>
+            </a:lvl6pPr>
+            <a:lvl7pPr marL="2743200" indent="0" algn="ctr" defTabSz="914400" rtl="0" eaLnBrk="1" latinLnBrk="0" hangingPunct="1">
+              <a:lnSpc>
+                <a:spcPct val="90000"/>
+              </a:lnSpc>
+              <a:spcBef>
+                <a:spcPts val="500"/>
+              </a:spcBef>
+              <a:buFont typeface="Arial" panose="020B0604020202020204" pitchFamily="34" charset="0"/>
+              <a:buNone/>
+              <a:defRPr sz="1600" kern="1200">
+                <a:solidFill>
+                  <a:schemeClr val="tx1"/>
+                </a:solidFill>
+                <a:latin typeface="+mn-lt"/>
+                <a:ea typeface="+mn-ea"/>
+                <a:cs typeface="+mn-cs"/>
+              </a:defRPr>
+            </a:lvl7pPr>
+            <a:lvl8pPr marL="3200400" indent="0" algn="ctr" defTabSz="914400" rtl="0" eaLnBrk="1" latinLnBrk="0" hangingPunct="1">
+              <a:lnSpc>
+                <a:spcPct val="90000"/>
+              </a:lnSpc>
+              <a:spcBef>
+                <a:spcPts val="500"/>
+              </a:spcBef>
+              <a:buFont typeface="Arial" panose="020B0604020202020204" pitchFamily="34" charset="0"/>
+              <a:buNone/>
+              <a:defRPr sz="1600" kern="1200">
+                <a:solidFill>
+                  <a:schemeClr val="tx1"/>
+                </a:solidFill>
+                <a:latin typeface="+mn-lt"/>
+                <a:ea typeface="+mn-ea"/>
+                <a:cs typeface="+mn-cs"/>
+              </a:defRPr>
+            </a:lvl8pPr>
+            <a:lvl9pPr marL="3657600" indent="0" algn="ctr" defTabSz="914400" rtl="0" eaLnBrk="1" latinLnBrk="0" hangingPunct="1">
+              <a:lnSpc>
+                <a:spcPct val="90000"/>
+              </a:lnSpc>
+              <a:spcBef>
+                <a:spcPts val="500"/>
+              </a:spcBef>
+              <a:buFont typeface="Arial" panose="020B0604020202020204" pitchFamily="34" charset="0"/>
+              <a:buNone/>
+              <a:defRPr sz="1600" kern="1200">
+                <a:solidFill>
+                  <a:schemeClr val="tx1"/>
+                </a:solidFill>
+                <a:latin typeface="+mn-lt"/>
+                <a:ea typeface="+mn-ea"/>
+                <a:cs typeface="+mn-cs"/>
+              </a:defRPr>
+            </a:lvl9pPr>
+          </a:lstStyle>
+          <a:p>
+            <a:pPr algn="l"/>
+            <a:r>
+              <a:rPr lang="ru-RU" dirty="0">
+                <a:latin typeface="HSE Sans" panose="02000000000000000000" pitchFamily="2" charset="0"/>
+              </a:rPr>
+              <a:t>Тищенко Михаил</a:t>
+            </a:r>
+          </a:p>
+          <a:p>
+            <a:pPr algn="l"/>
+            <a:r>
+              <a:rPr lang="ru-RU" dirty="0">
+                <a:latin typeface="HSE Sans" panose="02000000000000000000" pitchFamily="2" charset="0"/>
+              </a:rPr>
+              <a:t>Хитрин Глеб</a:t>
+            </a:r>
+          </a:p>
+          <a:p>
+            <a:pPr algn="l"/>
+            <a:r>
+              <a:rPr lang="ru-RU" dirty="0">
+                <a:latin typeface="HSE Sans" panose="02000000000000000000" pitchFamily="2" charset="0"/>
+              </a:rPr>
+              <a:t>Югансон Наталья</a:t>
             </a:r>
           </a:p>
         </p:txBody>
@@ -3462,7 +3689,7 @@
               <a:rPr lang="ru-RU" b="1" dirty="0">
                 <a:latin typeface="HSE Sans" panose="02000000000000000000" pitchFamily="2" charset="0"/>
               </a:rPr>
-              <a:t>Получение фотографий</a:t>
+              <a:t>Выдача фотографий</a:t>
             </a:r>
           </a:p>
         </p:txBody>
@@ -3550,6 +3777,47 @@
           </a:fontRef>
         </p:style>
       </p:cxnSp>
+      <p:cxnSp>
+        <p:nvCxnSpPr>
+          <p:cNvPr id="12" name="Прямая со стрелкой 11">
+            <a:extLst>
+              <a:ext uri="{FF2B5EF4-FFF2-40B4-BE49-F238E27FC236}">
+                <a16:creationId xmlns:a16="http://schemas.microsoft.com/office/drawing/2014/main" id="{AD62E1BF-89C0-88CC-FD91-4590A7B0A00B}"/>
+              </a:ext>
+            </a:extLst>
+          </p:cNvPr>
+          <p:cNvCxnSpPr>
+            <a:cxnSpLocks/>
+          </p:cNvCxnSpPr>
+          <p:nvPr/>
+        </p:nvCxnSpPr>
+        <p:spPr>
+          <a:xfrm flipH="1">
+            <a:off x="5475890" y="5329671"/>
+            <a:ext cx="620110" cy="11246"/>
+          </a:xfrm>
+          <a:prstGeom prst="straightConnector1">
+            <a:avLst/>
+          </a:prstGeom>
+          <a:ln>
+            <a:tailEnd type="triangle"/>
+          </a:ln>
+        </p:spPr>
+        <p:style>
+          <a:lnRef idx="3">
+            <a:schemeClr val="dk1"/>
+          </a:lnRef>
+          <a:fillRef idx="0">
+            <a:schemeClr val="dk1"/>
+          </a:fillRef>
+          <a:effectRef idx="2">
+            <a:schemeClr val="dk1"/>
+          </a:effectRef>
+          <a:fontRef idx="minor">
+            <a:schemeClr val="tx1"/>
+          </a:fontRef>
+        </p:style>
+      </p:cxnSp>
       <p:pic>
         <p:nvPicPr>
           <p:cNvPr id="14" name="Рисунок 13">
@@ -3639,10 +3907,40 @@
           </a:prstGeom>
         </p:spPr>
       </p:pic>
+      <p:pic>
+        <p:nvPicPr>
+          <p:cNvPr id="29" name="Рисунок 28">
+            <a:extLst>
+              <a:ext uri="{FF2B5EF4-FFF2-40B4-BE49-F238E27FC236}">
+                <a16:creationId xmlns:a16="http://schemas.microsoft.com/office/drawing/2014/main" id="{492BA39B-47FC-E848-B651-7F7B4E677D3B}"/>
+              </a:ext>
+            </a:extLst>
+          </p:cNvPr>
+          <p:cNvPicPr>
+            <a:picLocks noChangeAspect="1"/>
+          </p:cNvPicPr>
+          <p:nvPr/>
+        </p:nvPicPr>
+        <p:blipFill>
+          <a:blip r:embed="rId5"/>
+          <a:stretch>
+            <a:fillRect/>
+          </a:stretch>
+        </p:blipFill>
+        <p:spPr>
+          <a:xfrm>
+            <a:off x="217095" y="4469299"/>
+            <a:ext cx="5173832" cy="1743235"/>
+          </a:xfrm>
+          <a:prstGeom prst="rect">
+            <a:avLst/>
+          </a:prstGeom>
+        </p:spPr>
+      </p:pic>
     </p:spTree>
     <p:extLst>
       <p:ext uri="{BB962C8B-B14F-4D97-AF65-F5344CB8AC3E}">
-        <p14:creationId xmlns:p14="http://schemas.microsoft.com/office/powerpoint/2010/main" val="2495044685"/>
+        <p14:creationId xmlns:p14="http://schemas.microsoft.com/office/powerpoint/2010/main" val="637793569"/>
       </p:ext>
     </p:extLst>
   </p:cSld>
@@ -3687,12 +3985,12 @@
         </p:nvSpPr>
         <p:spPr>
           <a:xfrm>
-            <a:off x="441434" y="435458"/>
-            <a:ext cx="6926318" cy="803288"/>
-          </a:xfrm>
-        </p:spPr>
-        <p:txBody>
-          <a:bodyPr>
+            <a:off x="441433" y="435457"/>
+            <a:ext cx="10562897" cy="1445895"/>
+          </a:xfrm>
+        </p:spPr>
+        <p:txBody>
+          <a:bodyPr anchor="t">
             <a:normAutofit/>
           </a:bodyPr>
           <a:lstStyle/>
@@ -3701,258 +3999,29 @@
               <a:rPr lang="ru-RU" b="1" dirty="0">
                 <a:latin typeface="HSE Sans" panose="02000000000000000000" pitchFamily="2" charset="0"/>
               </a:rPr>
-              <a:t>Получение фотографий</a:t>
-            </a:r>
-          </a:p>
-        </p:txBody>
-      </p:sp>
-      <p:cxnSp>
-        <p:nvCxnSpPr>
-          <p:cNvPr id="6" name="Прямая со стрелкой 5">
-            <a:extLst>
-              <a:ext uri="{FF2B5EF4-FFF2-40B4-BE49-F238E27FC236}">
-                <a16:creationId xmlns:a16="http://schemas.microsoft.com/office/drawing/2014/main" id="{178125AD-28CD-5611-F201-383BA54BCC6C}"/>
-              </a:ext>
-            </a:extLst>
-          </p:cNvPr>
-          <p:cNvCxnSpPr>
-            <a:cxnSpLocks/>
-            <a:stCxn id="14" idx="3"/>
-          </p:cNvCxnSpPr>
-          <p:nvPr/>
-        </p:nvCxnSpPr>
-        <p:spPr>
-          <a:xfrm flipV="1">
-            <a:off x="4280767" y="2404627"/>
-            <a:ext cx="1436860" cy="14506"/>
-          </a:xfrm>
-          <a:prstGeom prst="straightConnector1">
-            <a:avLst/>
-          </a:prstGeom>
-          <a:ln>
-            <a:tailEnd type="triangle"/>
-          </a:ln>
-        </p:spPr>
-        <p:style>
-          <a:lnRef idx="3">
-            <a:schemeClr val="dk1"/>
-          </a:lnRef>
-          <a:fillRef idx="0">
-            <a:schemeClr val="dk1"/>
-          </a:fillRef>
-          <a:effectRef idx="2">
-            <a:schemeClr val="dk1"/>
-          </a:effectRef>
-          <a:fontRef idx="minor">
-            <a:schemeClr val="tx1"/>
-          </a:fontRef>
-        </p:style>
-      </p:cxnSp>
-      <p:cxnSp>
-        <p:nvCxnSpPr>
-          <p:cNvPr id="8" name="Прямая со стрелкой 7">
-            <a:extLst>
-              <a:ext uri="{FF2B5EF4-FFF2-40B4-BE49-F238E27FC236}">
-                <a16:creationId xmlns:a16="http://schemas.microsoft.com/office/drawing/2014/main" id="{3A02CBC6-7796-BE6A-8AF9-DA68FC56757E}"/>
-              </a:ext>
-            </a:extLst>
-          </p:cNvPr>
-          <p:cNvCxnSpPr>
-            <a:cxnSpLocks/>
-          </p:cNvCxnSpPr>
-          <p:nvPr/>
-        </p:nvCxnSpPr>
-        <p:spPr>
-          <a:xfrm>
-            <a:off x="8886497" y="3925612"/>
-            <a:ext cx="0" cy="960437"/>
-          </a:xfrm>
-          <a:prstGeom prst="straightConnector1">
-            <a:avLst/>
-          </a:prstGeom>
-          <a:ln>
-            <a:tailEnd type="triangle"/>
-          </a:ln>
-        </p:spPr>
-        <p:style>
-          <a:lnRef idx="3">
-            <a:schemeClr val="dk1"/>
-          </a:lnRef>
-          <a:fillRef idx="0">
-            <a:schemeClr val="dk1"/>
-          </a:fillRef>
-          <a:effectRef idx="2">
-            <a:schemeClr val="dk1"/>
-          </a:effectRef>
-          <a:fontRef idx="minor">
-            <a:schemeClr val="tx1"/>
-          </a:fontRef>
-        </p:style>
-      </p:cxnSp>
-      <p:cxnSp>
-        <p:nvCxnSpPr>
-          <p:cNvPr id="12" name="Прямая со стрелкой 11">
-            <a:extLst>
-              <a:ext uri="{FF2B5EF4-FFF2-40B4-BE49-F238E27FC236}">
-                <a16:creationId xmlns:a16="http://schemas.microsoft.com/office/drawing/2014/main" id="{AD62E1BF-89C0-88CC-FD91-4590A7B0A00B}"/>
-              </a:ext>
-            </a:extLst>
-          </p:cNvPr>
-          <p:cNvCxnSpPr>
-            <a:cxnSpLocks/>
-          </p:cNvCxnSpPr>
-          <p:nvPr/>
-        </p:nvCxnSpPr>
-        <p:spPr>
-          <a:xfrm flipH="1">
-            <a:off x="5475890" y="5329671"/>
-            <a:ext cx="620110" cy="11246"/>
-          </a:xfrm>
-          <a:prstGeom prst="straightConnector1">
-            <a:avLst/>
-          </a:prstGeom>
-          <a:ln>
-            <a:tailEnd type="triangle"/>
-          </a:ln>
-        </p:spPr>
-        <p:style>
-          <a:lnRef idx="3">
-            <a:schemeClr val="dk1"/>
-          </a:lnRef>
-          <a:fillRef idx="0">
-            <a:schemeClr val="dk1"/>
-          </a:fillRef>
-          <a:effectRef idx="2">
-            <a:schemeClr val="dk1"/>
-          </a:effectRef>
-          <a:fontRef idx="minor">
-            <a:schemeClr val="tx1"/>
-          </a:fontRef>
-        </p:style>
-      </p:cxnSp>
-      <p:pic>
-        <p:nvPicPr>
-          <p:cNvPr id="14" name="Рисунок 13">
-            <a:extLst>
-              <a:ext uri="{FF2B5EF4-FFF2-40B4-BE49-F238E27FC236}">
-                <a16:creationId xmlns:a16="http://schemas.microsoft.com/office/drawing/2014/main" id="{93A08D01-7C8A-2BCF-80B4-505BF90CA66A}"/>
-              </a:ext>
-            </a:extLst>
-          </p:cNvPr>
-          <p:cNvPicPr>
-            <a:picLocks noChangeAspect="1"/>
-          </p:cNvPicPr>
-          <p:nvPr/>
-        </p:nvPicPr>
-        <p:blipFill rotWithShape="1">
-          <a:blip r:embed="rId2"/>
-          <a:srcRect r="49274"/>
-          <a:stretch/>
-        </p:blipFill>
-        <p:spPr>
-          <a:xfrm>
-            <a:off x="339396" y="1337333"/>
-            <a:ext cx="3941371" cy="2163600"/>
-          </a:xfrm>
-          <a:prstGeom prst="rect">
-            <a:avLst/>
-          </a:prstGeom>
-        </p:spPr>
-      </p:pic>
-      <p:pic>
-        <p:nvPicPr>
-          <p:cNvPr id="18" name="Рисунок 17">
-            <a:extLst>
-              <a:ext uri="{FF2B5EF4-FFF2-40B4-BE49-F238E27FC236}">
-                <a16:creationId xmlns:a16="http://schemas.microsoft.com/office/drawing/2014/main" id="{341998B7-7D67-9A5E-983F-19F2B2A83658}"/>
-              </a:ext>
-            </a:extLst>
-          </p:cNvPr>
-          <p:cNvPicPr>
-            <a:picLocks noChangeAspect="1"/>
-          </p:cNvPicPr>
-          <p:nvPr/>
-        </p:nvPicPr>
-        <p:blipFill>
-          <a:blip r:embed="rId3"/>
-          <a:stretch>
-            <a:fillRect/>
-          </a:stretch>
-        </p:blipFill>
-        <p:spPr>
-          <a:xfrm>
-            <a:off x="5950827" y="1249647"/>
-            <a:ext cx="6241173" cy="2338971"/>
-          </a:xfrm>
-          <a:prstGeom prst="rect">
-            <a:avLst/>
-          </a:prstGeom>
-        </p:spPr>
-      </p:pic>
-      <p:pic>
-        <p:nvPicPr>
-          <p:cNvPr id="23" name="Рисунок 22">
-            <a:extLst>
-              <a:ext uri="{FF2B5EF4-FFF2-40B4-BE49-F238E27FC236}">
-                <a16:creationId xmlns:a16="http://schemas.microsoft.com/office/drawing/2014/main" id="{ADDDFB4A-70B2-EFAD-C2FA-83EFC0C2879A}"/>
-              </a:ext>
-            </a:extLst>
-          </p:cNvPr>
-          <p:cNvPicPr>
-            <a:picLocks noChangeAspect="1"/>
-          </p:cNvPicPr>
-          <p:nvPr/>
-        </p:nvPicPr>
-        <p:blipFill>
-          <a:blip r:embed="rId4"/>
-          <a:stretch>
-            <a:fillRect/>
-          </a:stretch>
-        </p:blipFill>
-        <p:spPr>
-          <a:xfrm>
-            <a:off x="6180963" y="5050990"/>
-            <a:ext cx="5411067" cy="557363"/>
-          </a:xfrm>
-          <a:prstGeom prst="rect">
-            <a:avLst/>
-          </a:prstGeom>
-        </p:spPr>
-      </p:pic>
-      <p:pic>
-        <p:nvPicPr>
-          <p:cNvPr id="29" name="Рисунок 28">
-            <a:extLst>
-              <a:ext uri="{FF2B5EF4-FFF2-40B4-BE49-F238E27FC236}">
-                <a16:creationId xmlns:a16="http://schemas.microsoft.com/office/drawing/2014/main" id="{492BA39B-47FC-E848-B651-7F7B4E677D3B}"/>
-              </a:ext>
-            </a:extLst>
-          </p:cNvPr>
-          <p:cNvPicPr>
-            <a:picLocks noChangeAspect="1"/>
-          </p:cNvPicPr>
-          <p:nvPr/>
-        </p:nvPicPr>
-        <p:blipFill>
-          <a:blip r:embed="rId5"/>
-          <a:stretch>
-            <a:fillRect/>
-          </a:stretch>
-        </p:blipFill>
-        <p:spPr>
-          <a:xfrm>
-            <a:off x="217095" y="4469299"/>
-            <a:ext cx="5173832" cy="1743235"/>
-          </a:xfrm>
-          <a:prstGeom prst="rect">
-            <a:avLst/>
-          </a:prstGeom>
-        </p:spPr>
-      </p:pic>
+              <a:t>Проверка ответов</a:t>
+            </a:r>
+            <a:br>
+              <a:rPr lang="ru-RU" b="1" dirty="0">
+                <a:latin typeface="HSE Sans" panose="02000000000000000000" pitchFamily="2" charset="0"/>
+              </a:rPr>
+            </a:br>
+            <a:r>
+              <a:rPr lang="ru-RU" sz="3200" i="1" dirty="0">
+                <a:latin typeface="HSE Sans" panose="02000000000000000000" pitchFamily="2" charset="0"/>
+              </a:rPr>
+              <a:t>Глеб Хитрин, Наталья Югансон</a:t>
+            </a:r>
+            <a:endParaRPr lang="ru-RU" b="1" i="1" dirty="0">
+              <a:latin typeface="HSE Sans" panose="02000000000000000000" pitchFamily="2" charset="0"/>
+            </a:endParaRPr>
+          </a:p>
+        </p:txBody>
+      </p:sp>
     </p:spTree>
     <p:extLst>
       <p:ext uri="{BB962C8B-B14F-4D97-AF65-F5344CB8AC3E}">
-        <p14:creationId xmlns:p14="http://schemas.microsoft.com/office/powerpoint/2010/main" val="637793569"/>
+        <p14:creationId xmlns:p14="http://schemas.microsoft.com/office/powerpoint/2010/main" val="3440790250"/>
       </p:ext>
     </p:extLst>
   </p:cSld>
@@ -3963,6 +4032,168 @@
 </file>
 
 <file path=ppt/slides/slide12.xml><?xml version="1.0" encoding="utf-8"?>
+<p:sld xmlns:a="http://schemas.openxmlformats.org/drawingml/2006/main" xmlns:r="http://schemas.openxmlformats.org/officeDocument/2006/relationships" xmlns:p="http://schemas.openxmlformats.org/presentationml/2006/main">
+  <p:cSld>
+    <p:spTree>
+      <p:nvGrpSpPr>
+        <p:cNvPr id="1" name=""/>
+        <p:cNvGrpSpPr/>
+        <p:nvPr/>
+      </p:nvGrpSpPr>
+      <p:grpSpPr>
+        <a:xfrm>
+          <a:off x="0" y="0"/>
+          <a:ext cx="0" cy="0"/>
+          <a:chOff x="0" y="0"/>
+          <a:chExt cx="0" cy="0"/>
+        </a:xfrm>
+      </p:grpSpPr>
+      <p:sp>
+        <p:nvSpPr>
+          <p:cNvPr id="3" name="Заголовок 1">
+            <a:extLst>
+              <a:ext uri="{FF2B5EF4-FFF2-40B4-BE49-F238E27FC236}">
+                <a16:creationId xmlns:a16="http://schemas.microsoft.com/office/drawing/2014/main" id="{A7074DAD-2A23-436E-07F1-567E65A194CB}"/>
+              </a:ext>
+            </a:extLst>
+          </p:cNvPr>
+          <p:cNvSpPr>
+            <a:spLocks noGrp="1"/>
+          </p:cNvSpPr>
+          <p:nvPr>
+            <p:ph type="title"/>
+          </p:nvPr>
+        </p:nvSpPr>
+        <p:spPr>
+          <a:xfrm>
+            <a:off x="441433" y="435458"/>
+            <a:ext cx="10562897" cy="1298750"/>
+          </a:xfrm>
+        </p:spPr>
+        <p:txBody>
+          <a:bodyPr anchor="t">
+            <a:normAutofit/>
+          </a:bodyPr>
+          <a:lstStyle/>
+          <a:p>
+            <a:r>
+              <a:rPr lang="ru-RU" b="1" dirty="0">
+                <a:latin typeface="HSE Sans" panose="02000000000000000000" pitchFamily="2" charset="0"/>
+              </a:rPr>
+              <a:t>Реализация бота</a:t>
+            </a:r>
+            <a:br>
+              <a:rPr lang="ru-RU" b="1" dirty="0">
+                <a:latin typeface="HSE Sans" panose="02000000000000000000" pitchFamily="2" charset="0"/>
+              </a:rPr>
+            </a:br>
+            <a:r>
+              <a:rPr lang="ru-RU" sz="3200" i="1" dirty="0">
+                <a:latin typeface="HSE Sans" panose="02000000000000000000" pitchFamily="2" charset="0"/>
+              </a:rPr>
+              <a:t>Михаил Тищенко</a:t>
+            </a:r>
+            <a:endParaRPr lang="ru-RU" b="1" i="1" dirty="0">
+              <a:latin typeface="HSE Sans" panose="02000000000000000000" pitchFamily="2" charset="0"/>
+            </a:endParaRPr>
+          </a:p>
+        </p:txBody>
+      </p:sp>
+    </p:spTree>
+    <p:extLst>
+      <p:ext uri="{BB962C8B-B14F-4D97-AF65-F5344CB8AC3E}">
+        <p14:creationId xmlns:p14="http://schemas.microsoft.com/office/powerpoint/2010/main" val="4118145410"/>
+      </p:ext>
+    </p:extLst>
+  </p:cSld>
+  <p:clrMapOvr>
+    <a:masterClrMapping/>
+  </p:clrMapOvr>
+</p:sld>
+</file>
+
+<file path=ppt/slides/slide13.xml><?xml version="1.0" encoding="utf-8"?>
+<p:sld xmlns:a="http://schemas.openxmlformats.org/drawingml/2006/main" xmlns:r="http://schemas.openxmlformats.org/officeDocument/2006/relationships" xmlns:p="http://schemas.openxmlformats.org/presentationml/2006/main">
+  <p:cSld>
+    <p:spTree>
+      <p:nvGrpSpPr>
+        <p:cNvPr id="1" name=""/>
+        <p:cNvGrpSpPr/>
+        <p:nvPr/>
+      </p:nvGrpSpPr>
+      <p:grpSpPr>
+        <a:xfrm>
+          <a:off x="0" y="0"/>
+          <a:ext cx="0" cy="0"/>
+          <a:chOff x="0" y="0"/>
+          <a:chExt cx="0" cy="0"/>
+        </a:xfrm>
+      </p:grpSpPr>
+      <p:sp>
+        <p:nvSpPr>
+          <p:cNvPr id="3" name="Заголовок 1">
+            <a:extLst>
+              <a:ext uri="{FF2B5EF4-FFF2-40B4-BE49-F238E27FC236}">
+                <a16:creationId xmlns:a16="http://schemas.microsoft.com/office/drawing/2014/main" id="{A7074DAD-2A23-436E-07F1-567E65A194CB}"/>
+              </a:ext>
+            </a:extLst>
+          </p:cNvPr>
+          <p:cNvSpPr>
+            <a:spLocks noGrp="1"/>
+          </p:cNvSpPr>
+          <p:nvPr>
+            <p:ph type="title"/>
+          </p:nvPr>
+        </p:nvSpPr>
+        <p:spPr>
+          <a:xfrm>
+            <a:off x="441433" y="435458"/>
+            <a:ext cx="10562897" cy="1298750"/>
+          </a:xfrm>
+        </p:spPr>
+        <p:txBody>
+          <a:bodyPr anchor="t">
+            <a:normAutofit/>
+          </a:bodyPr>
+          <a:lstStyle/>
+          <a:p>
+            <a:r>
+              <a:rPr lang="ru-RU" b="1" dirty="0">
+                <a:latin typeface="HSE Sans" panose="02000000000000000000" pitchFamily="2" charset="0"/>
+              </a:rPr>
+              <a:t>Хостинг</a:t>
+            </a:r>
+            <a:br>
+              <a:rPr lang="ru-RU" b="1" dirty="0">
+                <a:latin typeface="HSE Sans" panose="02000000000000000000" pitchFamily="2" charset="0"/>
+              </a:rPr>
+            </a:br>
+            <a:r>
+              <a:rPr lang="ru-RU" sz="3200" i="1" dirty="0">
+                <a:latin typeface="HSE Sans" panose="02000000000000000000" pitchFamily="2" charset="0"/>
+              </a:rPr>
+              <a:t>Наталья Югансон</a:t>
+            </a:r>
+            <a:endParaRPr lang="ru-RU" b="1" i="1" dirty="0">
+              <a:latin typeface="HSE Sans" panose="02000000000000000000" pitchFamily="2" charset="0"/>
+            </a:endParaRPr>
+          </a:p>
+        </p:txBody>
+      </p:sp>
+    </p:spTree>
+    <p:extLst>
+      <p:ext uri="{BB962C8B-B14F-4D97-AF65-F5344CB8AC3E}">
+        <p14:creationId xmlns:p14="http://schemas.microsoft.com/office/powerpoint/2010/main" val="2046649465"/>
+      </p:ext>
+    </p:extLst>
+  </p:cSld>
+  <p:clrMapOvr>
+    <a:masterClrMapping/>
+  </p:clrMapOvr>
+</p:sld>
+</file>
+
+<file path=ppt/slides/slide14.xml><?xml version="1.0" encoding="utf-8"?>
 <p:sld xmlns:a="http://schemas.openxmlformats.org/drawingml/2006/main" xmlns:r="http://schemas.openxmlformats.org/officeDocument/2006/relationships" xmlns:p="http://schemas.openxmlformats.org/presentationml/2006/main">
   <p:cSld>
     <p:spTree>
@@ -4309,16 +4540,10 @@
               <a:t>Аналог известной игры </a:t>
             </a:r>
             <a:r>
-              <a:rPr lang="en-US" sz="3600" dirty="0" err="1">
-                <a:latin typeface="HSE Sans" panose="02000000000000000000" pitchFamily="2" charset="0"/>
-              </a:rPr>
-              <a:t>Geoguessr</a:t>
-            </a:r>
-            <a:r>
               <a:rPr lang="en-US" sz="3600" dirty="0">
                 <a:latin typeface="HSE Sans" panose="02000000000000000000" pitchFamily="2" charset="0"/>
               </a:rPr>
-              <a:t> </a:t>
+              <a:t>Geoguessr </a:t>
             </a:r>
             <a:r>
               <a:rPr lang="ru-RU" sz="3600" dirty="0">
@@ -4377,12 +4602,12 @@
         </p:nvSpPr>
         <p:spPr>
           <a:xfrm>
-            <a:off x="441434" y="435458"/>
-            <a:ext cx="6926318" cy="803288"/>
-          </a:xfrm>
-        </p:spPr>
-        <p:txBody>
-          <a:bodyPr>
+            <a:off x="441433" y="435457"/>
+            <a:ext cx="10562897" cy="1445895"/>
+          </a:xfrm>
+        </p:spPr>
+        <p:txBody>
+          <a:bodyPr anchor="t">
             <a:normAutofit/>
           </a:bodyPr>
           <a:lstStyle/>
@@ -4391,8 +4616,22 @@
               <a:rPr lang="ru-RU" b="1" dirty="0">
                 <a:latin typeface="HSE Sans" panose="02000000000000000000" pitchFamily="2" charset="0"/>
               </a:rPr>
-              <a:t>Получение фотографий</a:t>
-            </a:r>
+              <a:t>Выдача фотографий</a:t>
+            </a:r>
+            <a:br>
+              <a:rPr lang="ru-RU" b="1" dirty="0">
+                <a:latin typeface="HSE Sans" panose="02000000000000000000" pitchFamily="2" charset="0"/>
+              </a:rPr>
+            </a:br>
+            <a:r>
+              <a:rPr lang="ru-RU" sz="3200" i="1" dirty="0">
+                <a:latin typeface="HSE Sans" panose="02000000000000000000" pitchFamily="2" charset="0"/>
+              </a:rPr>
+              <a:t>Глеб Хитрин</a:t>
+            </a:r>
+            <a:endParaRPr lang="ru-RU" b="1" i="1" dirty="0">
+              <a:latin typeface="HSE Sans" panose="02000000000000000000" pitchFamily="2" charset="0"/>
+            </a:endParaRPr>
           </a:p>
         </p:txBody>
       </p:sp>
@@ -4401,7 +4640,7 @@
           <p:cNvPr id="2" name="Рисунок 1">
             <a:extLst>
               <a:ext uri="{FF2B5EF4-FFF2-40B4-BE49-F238E27FC236}">
-                <a16:creationId xmlns:a16="http://schemas.microsoft.com/office/drawing/2014/main" id="{CEE7468A-36A1-1DD6-8EE9-067F1BBC2A4C}"/>
+                <a16:creationId xmlns:a16="http://schemas.microsoft.com/office/drawing/2014/main" id="{547A183C-4FBF-28F8-6760-4FA0DF54E105}"/>
               </a:ext>
             </a:extLst>
           </p:cNvPr>
@@ -4427,10 +4666,10 @@
       </p:pic>
       <p:pic>
         <p:nvPicPr>
-          <p:cNvPr id="5" name="Рисунок 4">
-            <a:extLst>
-              <a:ext uri="{FF2B5EF4-FFF2-40B4-BE49-F238E27FC236}">
-                <a16:creationId xmlns:a16="http://schemas.microsoft.com/office/drawing/2014/main" id="{0842D2BE-60A7-DB7E-C164-8559B2002B85}"/>
+          <p:cNvPr id="4" name="Рисунок 3">
+            <a:extLst>
+              <a:ext uri="{FF2B5EF4-FFF2-40B4-BE49-F238E27FC236}">
+                <a16:creationId xmlns:a16="http://schemas.microsoft.com/office/drawing/2014/main" id="{66B75983-F99F-937F-0255-5A31810FBD51}"/>
               </a:ext>
             </a:extLst>
           </p:cNvPr>
@@ -4457,10 +4696,10 @@
       </p:pic>
       <p:pic>
         <p:nvPicPr>
-          <p:cNvPr id="6" name="Рисунок 5">
-            <a:extLst>
-              <a:ext uri="{FF2B5EF4-FFF2-40B4-BE49-F238E27FC236}">
-                <a16:creationId xmlns:a16="http://schemas.microsoft.com/office/drawing/2014/main" id="{BC13B2B4-816F-2AD4-A2C8-57C2A86D8636}"/>
+          <p:cNvPr id="5" name="Рисунок 4">
+            <a:extLst>
+              <a:ext uri="{FF2B5EF4-FFF2-40B4-BE49-F238E27FC236}">
+                <a16:creationId xmlns:a16="http://schemas.microsoft.com/office/drawing/2014/main" id="{53BDA74D-26DC-5EFA-AD31-8096C6DD0E43}"/>
               </a:ext>
             </a:extLst>
           </p:cNvPr>
@@ -4488,7 +4727,7 @@
     </p:spTree>
     <p:extLst>
       <p:ext uri="{BB962C8B-B14F-4D97-AF65-F5344CB8AC3E}">
-        <p14:creationId xmlns:p14="http://schemas.microsoft.com/office/powerpoint/2010/main" val="2442730712"/>
+        <p14:creationId xmlns:p14="http://schemas.microsoft.com/office/powerpoint/2010/main" val="1469093645"/>
       </p:ext>
     </p:extLst>
   </p:cSld>
@@ -4547,7 +4786,7 @@
               <a:rPr lang="ru-RU" b="1" dirty="0">
                 <a:latin typeface="HSE Sans" panose="02000000000000000000" pitchFamily="2" charset="0"/>
               </a:rPr>
-              <a:t>Получение фотографий</a:t>
+              <a:t>Выдача фотографий</a:t>
             </a:r>
           </a:p>
         </p:txBody>
@@ -4609,10 +4848,117 @@
           </a:p>
         </p:txBody>
       </p:sp>
+      <p:cxnSp>
+        <p:nvCxnSpPr>
+          <p:cNvPr id="6" name="Прямая со стрелкой 5">
+            <a:extLst>
+              <a:ext uri="{FF2B5EF4-FFF2-40B4-BE49-F238E27FC236}">
+                <a16:creationId xmlns:a16="http://schemas.microsoft.com/office/drawing/2014/main" id="{178125AD-28CD-5611-F201-383BA54BCC6C}"/>
+              </a:ext>
+            </a:extLst>
+          </p:cNvPr>
+          <p:cNvCxnSpPr>
+            <a:stCxn id="4" idx="3"/>
+          </p:cNvCxnSpPr>
+          <p:nvPr/>
+        </p:nvCxnSpPr>
+        <p:spPr>
+          <a:xfrm flipV="1">
+            <a:off x="4382814" y="1965434"/>
+            <a:ext cx="2532993" cy="6516"/>
+          </a:xfrm>
+          <a:prstGeom prst="straightConnector1">
+            <a:avLst/>
+          </a:prstGeom>
+          <a:ln>
+            <a:tailEnd type="triangle"/>
+          </a:ln>
+        </p:spPr>
+        <p:style>
+          <a:lnRef idx="3">
+            <a:schemeClr val="dk1"/>
+          </a:lnRef>
+          <a:fillRef idx="0">
+            <a:schemeClr val="dk1"/>
+          </a:fillRef>
+          <a:effectRef idx="2">
+            <a:schemeClr val="dk1"/>
+          </a:effectRef>
+          <a:fontRef idx="minor">
+            <a:schemeClr val="tx1"/>
+          </a:fontRef>
+        </p:style>
+      </p:cxnSp>
+      <p:sp>
+        <p:nvSpPr>
+          <p:cNvPr id="7" name="Заголовок 1">
+            <a:extLst>
+              <a:ext uri="{FF2B5EF4-FFF2-40B4-BE49-F238E27FC236}">
+                <a16:creationId xmlns:a16="http://schemas.microsoft.com/office/drawing/2014/main" id="{F6F263D7-C112-0861-B515-664B465C628D}"/>
+              </a:ext>
+            </a:extLst>
+          </p:cNvPr>
+          <p:cNvSpPr txBox="1">
+            <a:spLocks/>
+          </p:cNvSpPr>
+          <p:nvPr/>
+        </p:nvSpPr>
+        <p:spPr>
+          <a:xfrm>
+            <a:off x="6915807" y="1337333"/>
+            <a:ext cx="3941380" cy="1269233"/>
+          </a:xfrm>
+          <a:prstGeom prst="rect">
+            <a:avLst/>
+          </a:prstGeom>
+        </p:spPr>
+        <p:txBody>
+          <a:bodyPr vert="horz" lIns="91440" tIns="45720" rIns="91440" bIns="45720" rtlCol="0" anchor="ctr">
+            <a:normAutofit/>
+          </a:bodyPr>
+          <a:lstStyle>
+            <a:lvl1pPr algn="l" defTabSz="914400" rtl="0" eaLnBrk="1" latinLnBrk="0" hangingPunct="1">
+              <a:lnSpc>
+                <a:spcPct val="90000"/>
+              </a:lnSpc>
+              <a:spcBef>
+                <a:spcPct val="0"/>
+              </a:spcBef>
+              <a:buNone/>
+              <a:defRPr sz="4400" kern="1200">
+                <a:solidFill>
+                  <a:schemeClr val="tx1"/>
+                </a:solidFill>
+                <a:latin typeface="+mj-lt"/>
+                <a:ea typeface="+mj-ea"/>
+                <a:cs typeface="+mj-cs"/>
+              </a:defRPr>
+            </a:lvl1pPr>
+          </a:lstStyle>
+          <a:p>
+            <a:pPr algn="ctr"/>
+            <a:r>
+              <a:rPr lang="ru-RU" sz="3600" dirty="0">
+                <a:latin typeface="HSE Sans" panose="02000000000000000000" pitchFamily="2" charset="0"/>
+              </a:rPr>
+              <a:t>Запрос в </a:t>
+            </a:r>
+            <a:r>
+              <a:rPr lang="en-US" sz="3600" dirty="0">
+                <a:latin typeface="HSE Sans" panose="02000000000000000000" pitchFamily="2" charset="0"/>
+              </a:rPr>
+              <a:t>Google Maps API</a:t>
+            </a:r>
+            <a:endParaRPr lang="ru-RU" sz="3600" dirty="0">
+              <a:latin typeface="HSE Sans" panose="02000000000000000000" pitchFamily="2" charset="0"/>
+            </a:endParaRPr>
+          </a:p>
+        </p:txBody>
+      </p:sp>
     </p:spTree>
     <p:extLst>
       <p:ext uri="{BB962C8B-B14F-4D97-AF65-F5344CB8AC3E}">
-        <p14:creationId xmlns:p14="http://schemas.microsoft.com/office/powerpoint/2010/main" val="3588110484"/>
+        <p14:creationId xmlns:p14="http://schemas.microsoft.com/office/powerpoint/2010/main" val="721618430"/>
       </p:ext>
     </p:extLst>
   </p:cSld>
@@ -4671,7 +5017,7 @@
               <a:rPr lang="ru-RU" b="1" dirty="0">
                 <a:latin typeface="HSE Sans" panose="02000000000000000000" pitchFamily="2" charset="0"/>
               </a:rPr>
-              <a:t>Получение фотографий</a:t>
+              <a:t>Выдача фотографий</a:t>
             </a:r>
           </a:p>
         </p:txBody>
@@ -4840,10 +5186,118 @@
           </a:p>
         </p:txBody>
       </p:sp>
+      <p:cxnSp>
+        <p:nvCxnSpPr>
+          <p:cNvPr id="8" name="Прямая со стрелкой 7">
+            <a:extLst>
+              <a:ext uri="{FF2B5EF4-FFF2-40B4-BE49-F238E27FC236}">
+                <a16:creationId xmlns:a16="http://schemas.microsoft.com/office/drawing/2014/main" id="{3A02CBC6-7796-BE6A-8AF9-DA68FC56757E}"/>
+              </a:ext>
+            </a:extLst>
+          </p:cNvPr>
+          <p:cNvCxnSpPr>
+            <a:cxnSpLocks/>
+            <a:stCxn id="7" idx="2"/>
+          </p:cNvCxnSpPr>
+          <p:nvPr/>
+        </p:nvCxnSpPr>
+        <p:spPr>
+          <a:xfrm>
+            <a:off x="8886497" y="2606566"/>
+            <a:ext cx="0" cy="1481958"/>
+          </a:xfrm>
+          <a:prstGeom prst="straightConnector1">
+            <a:avLst/>
+          </a:prstGeom>
+          <a:ln>
+            <a:tailEnd type="triangle"/>
+          </a:ln>
+        </p:spPr>
+        <p:style>
+          <a:lnRef idx="3">
+            <a:schemeClr val="dk1"/>
+          </a:lnRef>
+          <a:fillRef idx="0">
+            <a:schemeClr val="dk1"/>
+          </a:fillRef>
+          <a:effectRef idx="2">
+            <a:schemeClr val="dk1"/>
+          </a:effectRef>
+          <a:fontRef idx="minor">
+            <a:schemeClr val="tx1"/>
+          </a:fontRef>
+        </p:style>
+      </p:cxnSp>
+      <p:sp>
+        <p:nvSpPr>
+          <p:cNvPr id="11" name="Заголовок 1">
+            <a:extLst>
+              <a:ext uri="{FF2B5EF4-FFF2-40B4-BE49-F238E27FC236}">
+                <a16:creationId xmlns:a16="http://schemas.microsoft.com/office/drawing/2014/main" id="{ED921B46-47FA-A74B-8367-EFC16F942101}"/>
+              </a:ext>
+            </a:extLst>
+          </p:cNvPr>
+          <p:cNvSpPr txBox="1">
+            <a:spLocks/>
+          </p:cNvSpPr>
+          <p:nvPr/>
+        </p:nvSpPr>
+        <p:spPr>
+          <a:xfrm>
+            <a:off x="6915807" y="4251434"/>
+            <a:ext cx="3941380" cy="1269233"/>
+          </a:xfrm>
+          <a:prstGeom prst="rect">
+            <a:avLst/>
+          </a:prstGeom>
+        </p:spPr>
+        <p:txBody>
+          <a:bodyPr vert="horz" lIns="91440" tIns="45720" rIns="91440" bIns="45720" rtlCol="0" anchor="ctr">
+            <a:normAutofit/>
+          </a:bodyPr>
+          <a:lstStyle>
+            <a:lvl1pPr algn="l" defTabSz="914400" rtl="0" eaLnBrk="1" latinLnBrk="0" hangingPunct="1">
+              <a:lnSpc>
+                <a:spcPct val="90000"/>
+              </a:lnSpc>
+              <a:spcBef>
+                <a:spcPct val="0"/>
+              </a:spcBef>
+              <a:buNone/>
+              <a:defRPr sz="4400" kern="1200">
+                <a:solidFill>
+                  <a:schemeClr val="tx1"/>
+                </a:solidFill>
+                <a:latin typeface="+mj-lt"/>
+                <a:ea typeface="+mj-ea"/>
+                <a:cs typeface="+mj-cs"/>
+              </a:defRPr>
+            </a:lvl1pPr>
+          </a:lstStyle>
+          <a:p>
+            <a:pPr algn="ctr"/>
+            <a:r>
+              <a:rPr lang="ru-RU" sz="3600" dirty="0">
+                <a:latin typeface="HSE Sans" panose="02000000000000000000" pitchFamily="2" charset="0"/>
+              </a:rPr>
+              <a:t>Запрос в </a:t>
+            </a:r>
+            <a:r>
+              <a:rPr lang="en-US" sz="3600" dirty="0">
+                <a:latin typeface="HSE Sans" panose="02000000000000000000" pitchFamily="2" charset="0"/>
+              </a:rPr>
+              <a:t>Google Maps Photos API</a:t>
+            </a:r>
+            <a:endParaRPr lang="ru-RU" sz="3600" dirty="0">
+              <a:latin typeface="HSE Sans" panose="02000000000000000000" pitchFamily="2" charset="0"/>
+            </a:endParaRPr>
+          </a:p>
+        </p:txBody>
+      </p:sp>
     </p:spTree>
     <p:extLst>
       <p:ext uri="{BB962C8B-B14F-4D97-AF65-F5344CB8AC3E}">
-        <p14:creationId xmlns:p14="http://schemas.microsoft.com/office/powerpoint/2010/main" val="721618430"/>
+        <p14:creationId xmlns:p14="http://schemas.microsoft.com/office/powerpoint/2010/main" val="1342929471"/>
       </p:ext>
     </p:extLst>
   </p:cSld>
@@ -4902,7 +5356,7 @@
               <a:rPr lang="ru-RU" b="1" dirty="0">
                 <a:latin typeface="HSE Sans" panose="02000000000000000000" pitchFamily="2" charset="0"/>
               </a:rPr>
-              <a:t>Получение фотографий</a:t>
+              <a:t>Выдача фотографий</a:t>
             </a:r>
           </a:p>
         </p:txBody>
@@ -5179,10 +5633,109 @@
           </a:p>
         </p:txBody>
       </p:sp>
+      <p:cxnSp>
+        <p:nvCxnSpPr>
+          <p:cNvPr id="12" name="Прямая со стрелкой 11">
+            <a:extLst>
+              <a:ext uri="{FF2B5EF4-FFF2-40B4-BE49-F238E27FC236}">
+                <a16:creationId xmlns:a16="http://schemas.microsoft.com/office/drawing/2014/main" id="{AD62E1BF-89C0-88CC-FD91-4590A7B0A00B}"/>
+              </a:ext>
+            </a:extLst>
+          </p:cNvPr>
+          <p:cNvCxnSpPr>
+            <a:cxnSpLocks/>
+            <a:stCxn id="11" idx="1"/>
+          </p:cNvCxnSpPr>
+          <p:nvPr/>
+        </p:nvCxnSpPr>
+        <p:spPr>
+          <a:xfrm flipH="1">
+            <a:off x="4519448" y="4886051"/>
+            <a:ext cx="2396359" cy="0"/>
+          </a:xfrm>
+          <a:prstGeom prst="straightConnector1">
+            <a:avLst/>
+          </a:prstGeom>
+          <a:ln>
+            <a:tailEnd type="triangle"/>
+          </a:ln>
+        </p:spPr>
+        <p:style>
+          <a:lnRef idx="3">
+            <a:schemeClr val="dk1"/>
+          </a:lnRef>
+          <a:fillRef idx="0">
+            <a:schemeClr val="dk1"/>
+          </a:fillRef>
+          <a:effectRef idx="2">
+            <a:schemeClr val="dk1"/>
+          </a:effectRef>
+          <a:fontRef idx="minor">
+            <a:schemeClr val="tx1"/>
+          </a:fontRef>
+        </p:style>
+      </p:cxnSp>
+      <p:sp>
+        <p:nvSpPr>
+          <p:cNvPr id="15" name="Заголовок 1">
+            <a:extLst>
+              <a:ext uri="{FF2B5EF4-FFF2-40B4-BE49-F238E27FC236}">
+                <a16:creationId xmlns:a16="http://schemas.microsoft.com/office/drawing/2014/main" id="{B190CEBB-CA9A-67FC-3426-59F0EEE89DEC}"/>
+              </a:ext>
+            </a:extLst>
+          </p:cNvPr>
+          <p:cNvSpPr txBox="1">
+            <a:spLocks/>
+          </p:cNvSpPr>
+          <p:nvPr/>
+        </p:nvSpPr>
+        <p:spPr>
+          <a:xfrm>
+            <a:off x="441434" y="4251433"/>
+            <a:ext cx="3941380" cy="1269233"/>
+          </a:xfrm>
+          <a:prstGeom prst="rect">
+            <a:avLst/>
+          </a:prstGeom>
+        </p:spPr>
+        <p:txBody>
+          <a:bodyPr vert="horz" lIns="91440" tIns="45720" rIns="91440" bIns="45720" rtlCol="0" anchor="ctr">
+            <a:normAutofit/>
+          </a:bodyPr>
+          <a:lstStyle>
+            <a:lvl1pPr algn="l" defTabSz="914400" rtl="0" eaLnBrk="1" latinLnBrk="0" hangingPunct="1">
+              <a:lnSpc>
+                <a:spcPct val="90000"/>
+              </a:lnSpc>
+              <a:spcBef>
+                <a:spcPct val="0"/>
+              </a:spcBef>
+              <a:buNone/>
+              <a:defRPr sz="4400" kern="1200">
+                <a:solidFill>
+                  <a:schemeClr val="tx1"/>
+                </a:solidFill>
+                <a:latin typeface="+mj-lt"/>
+                <a:ea typeface="+mj-ea"/>
+                <a:cs typeface="+mj-cs"/>
+              </a:defRPr>
+            </a:lvl1pPr>
+          </a:lstStyle>
+          <a:p>
+            <a:pPr algn="ctr"/>
+            <a:r>
+              <a:rPr lang="ru-RU" sz="3600" dirty="0">
+                <a:latin typeface="HSE Sans" panose="02000000000000000000" pitchFamily="2" charset="0"/>
+              </a:rPr>
+              <a:t>Выдача случайных фотографий</a:t>
+            </a:r>
+          </a:p>
+        </p:txBody>
+      </p:sp>
     </p:spTree>
     <p:extLst>
       <p:ext uri="{BB962C8B-B14F-4D97-AF65-F5344CB8AC3E}">
-        <p14:creationId xmlns:p14="http://schemas.microsoft.com/office/powerpoint/2010/main" val="1342929471"/>
+        <p14:creationId xmlns:p14="http://schemas.microsoft.com/office/powerpoint/2010/main" val="2966452075"/>
       </p:ext>
     </p:extLst>
   </p:cSld>
@@ -5241,386 +5794,44 @@
               <a:rPr lang="ru-RU" b="1" dirty="0">
                 <a:latin typeface="HSE Sans" panose="02000000000000000000" pitchFamily="2" charset="0"/>
               </a:rPr>
-              <a:t>Получение фотографий</a:t>
-            </a:r>
-          </a:p>
-        </p:txBody>
-      </p:sp>
-      <p:sp>
-        <p:nvSpPr>
-          <p:cNvPr id="4" name="Заголовок 1">
-            <a:extLst>
-              <a:ext uri="{FF2B5EF4-FFF2-40B4-BE49-F238E27FC236}">
-                <a16:creationId xmlns:a16="http://schemas.microsoft.com/office/drawing/2014/main" id="{13A2292D-5D69-A67B-A6F2-D863D9916F94}"/>
-              </a:ext>
-            </a:extLst>
-          </p:cNvPr>
-          <p:cNvSpPr txBox="1">
-            <a:spLocks/>
-          </p:cNvSpPr>
+              <a:t>Выдача фотографий</a:t>
+            </a:r>
+          </a:p>
+        </p:txBody>
+      </p:sp>
+      <p:pic>
+        <p:nvPicPr>
+          <p:cNvPr id="14" name="Рисунок 13">
+            <a:extLst>
+              <a:ext uri="{FF2B5EF4-FFF2-40B4-BE49-F238E27FC236}">
+                <a16:creationId xmlns:a16="http://schemas.microsoft.com/office/drawing/2014/main" id="{93A08D01-7C8A-2BCF-80B4-505BF90CA66A}"/>
+              </a:ext>
+            </a:extLst>
+          </p:cNvPr>
+          <p:cNvPicPr>
+            <a:picLocks noChangeAspect="1"/>
+          </p:cNvPicPr>
           <p:nvPr/>
-        </p:nvSpPr>
-        <p:spPr>
-          <a:xfrm>
-            <a:off x="441434" y="1337333"/>
-            <a:ext cx="3941380" cy="1269233"/>
+        </p:nvPicPr>
+        <p:blipFill rotWithShape="1">
+          <a:blip r:embed="rId2"/>
+          <a:srcRect r="49274"/>
+          <a:stretch/>
+        </p:blipFill>
+        <p:spPr>
+          <a:xfrm>
+            <a:off x="339396" y="1337333"/>
+            <a:ext cx="3941371" cy="2163600"/>
           </a:xfrm>
           <a:prstGeom prst="rect">
             <a:avLst/>
           </a:prstGeom>
         </p:spPr>
-        <p:txBody>
-          <a:bodyPr vert="horz" lIns="91440" tIns="45720" rIns="91440" bIns="45720" rtlCol="0" anchor="ctr">
-            <a:normAutofit/>
-          </a:bodyPr>
-          <a:lstStyle>
-            <a:lvl1pPr algn="l" defTabSz="914400" rtl="0" eaLnBrk="1" latinLnBrk="0" hangingPunct="1">
-              <a:lnSpc>
-                <a:spcPct val="90000"/>
-              </a:lnSpc>
-              <a:spcBef>
-                <a:spcPct val="0"/>
-              </a:spcBef>
-              <a:buNone/>
-              <a:defRPr sz="4400" kern="1200">
-                <a:solidFill>
-                  <a:schemeClr val="tx1"/>
-                </a:solidFill>
-                <a:latin typeface="+mj-lt"/>
-                <a:ea typeface="+mj-ea"/>
-                <a:cs typeface="+mj-cs"/>
-              </a:defRPr>
-            </a:lvl1pPr>
-          </a:lstStyle>
-          <a:p>
-            <a:pPr algn="ctr"/>
-            <a:r>
-              <a:rPr lang="ru-RU" sz="3600" dirty="0">
-                <a:latin typeface="HSE Sans" panose="02000000000000000000" pitchFamily="2" charset="0"/>
-              </a:rPr>
-              <a:t>Выбор случайного города из списка</a:t>
-            </a:r>
-          </a:p>
-        </p:txBody>
-      </p:sp>
-      <p:cxnSp>
-        <p:nvCxnSpPr>
-          <p:cNvPr id="6" name="Прямая со стрелкой 5">
-            <a:extLst>
-              <a:ext uri="{FF2B5EF4-FFF2-40B4-BE49-F238E27FC236}">
-                <a16:creationId xmlns:a16="http://schemas.microsoft.com/office/drawing/2014/main" id="{178125AD-28CD-5611-F201-383BA54BCC6C}"/>
-              </a:ext>
-            </a:extLst>
-          </p:cNvPr>
-          <p:cNvCxnSpPr>
-            <a:stCxn id="4" idx="3"/>
-          </p:cNvCxnSpPr>
-          <p:nvPr/>
-        </p:nvCxnSpPr>
-        <p:spPr>
-          <a:xfrm flipV="1">
-            <a:off x="4382814" y="1965434"/>
-            <a:ext cx="2532993" cy="6516"/>
-          </a:xfrm>
-          <a:prstGeom prst="straightConnector1">
-            <a:avLst/>
-          </a:prstGeom>
-          <a:ln>
-            <a:tailEnd type="triangle"/>
-          </a:ln>
-        </p:spPr>
-        <p:style>
-          <a:lnRef idx="3">
-            <a:schemeClr val="dk1"/>
-          </a:lnRef>
-          <a:fillRef idx="0">
-            <a:schemeClr val="dk1"/>
-          </a:fillRef>
-          <a:effectRef idx="2">
-            <a:schemeClr val="dk1"/>
-          </a:effectRef>
-          <a:fontRef idx="minor">
-            <a:schemeClr val="tx1"/>
-          </a:fontRef>
-        </p:style>
-      </p:cxnSp>
-      <p:sp>
-        <p:nvSpPr>
-          <p:cNvPr id="7" name="Заголовок 1">
-            <a:extLst>
-              <a:ext uri="{FF2B5EF4-FFF2-40B4-BE49-F238E27FC236}">
-                <a16:creationId xmlns:a16="http://schemas.microsoft.com/office/drawing/2014/main" id="{F6F263D7-C112-0861-B515-664B465C628D}"/>
-              </a:ext>
-            </a:extLst>
-          </p:cNvPr>
-          <p:cNvSpPr txBox="1">
-            <a:spLocks/>
-          </p:cNvSpPr>
-          <p:nvPr/>
-        </p:nvSpPr>
-        <p:spPr>
-          <a:xfrm>
-            <a:off x="6915807" y="1337333"/>
-            <a:ext cx="3941380" cy="1269233"/>
-          </a:xfrm>
-          <a:prstGeom prst="rect">
-            <a:avLst/>
-          </a:prstGeom>
-        </p:spPr>
-        <p:txBody>
-          <a:bodyPr vert="horz" lIns="91440" tIns="45720" rIns="91440" bIns="45720" rtlCol="0" anchor="ctr">
-            <a:normAutofit/>
-          </a:bodyPr>
-          <a:lstStyle>
-            <a:lvl1pPr algn="l" defTabSz="914400" rtl="0" eaLnBrk="1" latinLnBrk="0" hangingPunct="1">
-              <a:lnSpc>
-                <a:spcPct val="90000"/>
-              </a:lnSpc>
-              <a:spcBef>
-                <a:spcPct val="0"/>
-              </a:spcBef>
-              <a:buNone/>
-              <a:defRPr sz="4400" kern="1200">
-                <a:solidFill>
-                  <a:schemeClr val="tx1"/>
-                </a:solidFill>
-                <a:latin typeface="+mj-lt"/>
-                <a:ea typeface="+mj-ea"/>
-                <a:cs typeface="+mj-cs"/>
-              </a:defRPr>
-            </a:lvl1pPr>
-          </a:lstStyle>
-          <a:p>
-            <a:pPr algn="ctr"/>
-            <a:r>
-              <a:rPr lang="ru-RU" sz="3600" dirty="0">
-                <a:latin typeface="HSE Sans" panose="02000000000000000000" pitchFamily="2" charset="0"/>
-              </a:rPr>
-              <a:t>Запрос в </a:t>
-            </a:r>
-            <a:r>
-              <a:rPr lang="en-US" sz="3600" dirty="0">
-                <a:latin typeface="HSE Sans" panose="02000000000000000000" pitchFamily="2" charset="0"/>
-              </a:rPr>
-              <a:t>Google Maps API</a:t>
-            </a:r>
-            <a:endParaRPr lang="ru-RU" sz="3600" dirty="0">
-              <a:latin typeface="HSE Sans" panose="02000000000000000000" pitchFamily="2" charset="0"/>
-            </a:endParaRPr>
-          </a:p>
-        </p:txBody>
-      </p:sp>
-      <p:cxnSp>
-        <p:nvCxnSpPr>
-          <p:cNvPr id="8" name="Прямая со стрелкой 7">
-            <a:extLst>
-              <a:ext uri="{FF2B5EF4-FFF2-40B4-BE49-F238E27FC236}">
-                <a16:creationId xmlns:a16="http://schemas.microsoft.com/office/drawing/2014/main" id="{3A02CBC6-7796-BE6A-8AF9-DA68FC56757E}"/>
-              </a:ext>
-            </a:extLst>
-          </p:cNvPr>
-          <p:cNvCxnSpPr>
-            <a:cxnSpLocks/>
-            <a:stCxn id="7" idx="2"/>
-          </p:cNvCxnSpPr>
-          <p:nvPr/>
-        </p:nvCxnSpPr>
-        <p:spPr>
-          <a:xfrm>
-            <a:off x="8886497" y="2606566"/>
-            <a:ext cx="0" cy="1481958"/>
-          </a:xfrm>
-          <a:prstGeom prst="straightConnector1">
-            <a:avLst/>
-          </a:prstGeom>
-          <a:ln>
-            <a:tailEnd type="triangle"/>
-          </a:ln>
-        </p:spPr>
-        <p:style>
-          <a:lnRef idx="3">
-            <a:schemeClr val="dk1"/>
-          </a:lnRef>
-          <a:fillRef idx="0">
-            <a:schemeClr val="dk1"/>
-          </a:fillRef>
-          <a:effectRef idx="2">
-            <a:schemeClr val="dk1"/>
-          </a:effectRef>
-          <a:fontRef idx="minor">
-            <a:schemeClr val="tx1"/>
-          </a:fontRef>
-        </p:style>
-      </p:cxnSp>
-      <p:sp>
-        <p:nvSpPr>
-          <p:cNvPr id="11" name="Заголовок 1">
-            <a:extLst>
-              <a:ext uri="{FF2B5EF4-FFF2-40B4-BE49-F238E27FC236}">
-                <a16:creationId xmlns:a16="http://schemas.microsoft.com/office/drawing/2014/main" id="{ED921B46-47FA-A74B-8367-EFC16F942101}"/>
-              </a:ext>
-            </a:extLst>
-          </p:cNvPr>
-          <p:cNvSpPr txBox="1">
-            <a:spLocks/>
-          </p:cNvSpPr>
-          <p:nvPr/>
-        </p:nvSpPr>
-        <p:spPr>
-          <a:xfrm>
-            <a:off x="6915807" y="4251434"/>
-            <a:ext cx="3941380" cy="1269233"/>
-          </a:xfrm>
-          <a:prstGeom prst="rect">
-            <a:avLst/>
-          </a:prstGeom>
-        </p:spPr>
-        <p:txBody>
-          <a:bodyPr vert="horz" lIns="91440" tIns="45720" rIns="91440" bIns="45720" rtlCol="0" anchor="ctr">
-            <a:normAutofit/>
-          </a:bodyPr>
-          <a:lstStyle>
-            <a:lvl1pPr algn="l" defTabSz="914400" rtl="0" eaLnBrk="1" latinLnBrk="0" hangingPunct="1">
-              <a:lnSpc>
-                <a:spcPct val="90000"/>
-              </a:lnSpc>
-              <a:spcBef>
-                <a:spcPct val="0"/>
-              </a:spcBef>
-              <a:buNone/>
-              <a:defRPr sz="4400" kern="1200">
-                <a:solidFill>
-                  <a:schemeClr val="tx1"/>
-                </a:solidFill>
-                <a:latin typeface="+mj-lt"/>
-                <a:ea typeface="+mj-ea"/>
-                <a:cs typeface="+mj-cs"/>
-              </a:defRPr>
-            </a:lvl1pPr>
-          </a:lstStyle>
-          <a:p>
-            <a:pPr algn="ctr"/>
-            <a:r>
-              <a:rPr lang="ru-RU" sz="3600" dirty="0">
-                <a:latin typeface="HSE Sans" panose="02000000000000000000" pitchFamily="2" charset="0"/>
-              </a:rPr>
-              <a:t>Запрос в </a:t>
-            </a:r>
-            <a:r>
-              <a:rPr lang="en-US" sz="3600" dirty="0">
-                <a:latin typeface="HSE Sans" panose="02000000000000000000" pitchFamily="2" charset="0"/>
-              </a:rPr>
-              <a:t>Google Maps Photos API</a:t>
-            </a:r>
-            <a:endParaRPr lang="ru-RU" sz="3600" dirty="0">
-              <a:latin typeface="HSE Sans" panose="02000000000000000000" pitchFamily="2" charset="0"/>
-            </a:endParaRPr>
-          </a:p>
-        </p:txBody>
-      </p:sp>
-      <p:cxnSp>
-        <p:nvCxnSpPr>
-          <p:cNvPr id="12" name="Прямая со стрелкой 11">
-            <a:extLst>
-              <a:ext uri="{FF2B5EF4-FFF2-40B4-BE49-F238E27FC236}">
-                <a16:creationId xmlns:a16="http://schemas.microsoft.com/office/drawing/2014/main" id="{AD62E1BF-89C0-88CC-FD91-4590A7B0A00B}"/>
-              </a:ext>
-            </a:extLst>
-          </p:cNvPr>
-          <p:cNvCxnSpPr>
-            <a:cxnSpLocks/>
-            <a:stCxn id="11" idx="1"/>
-          </p:cNvCxnSpPr>
-          <p:nvPr/>
-        </p:nvCxnSpPr>
-        <p:spPr>
-          <a:xfrm flipH="1">
-            <a:off x="4519448" y="4886051"/>
-            <a:ext cx="2396359" cy="0"/>
-          </a:xfrm>
-          <a:prstGeom prst="straightConnector1">
-            <a:avLst/>
-          </a:prstGeom>
-          <a:ln>
-            <a:tailEnd type="triangle"/>
-          </a:ln>
-        </p:spPr>
-        <p:style>
-          <a:lnRef idx="3">
-            <a:schemeClr val="dk1"/>
-          </a:lnRef>
-          <a:fillRef idx="0">
-            <a:schemeClr val="dk1"/>
-          </a:fillRef>
-          <a:effectRef idx="2">
-            <a:schemeClr val="dk1"/>
-          </a:effectRef>
-          <a:fontRef idx="minor">
-            <a:schemeClr val="tx1"/>
-          </a:fontRef>
-        </p:style>
-      </p:cxnSp>
-      <p:sp>
-        <p:nvSpPr>
-          <p:cNvPr id="15" name="Заголовок 1">
-            <a:extLst>
-              <a:ext uri="{FF2B5EF4-FFF2-40B4-BE49-F238E27FC236}">
-                <a16:creationId xmlns:a16="http://schemas.microsoft.com/office/drawing/2014/main" id="{B190CEBB-CA9A-67FC-3426-59F0EEE89DEC}"/>
-              </a:ext>
-            </a:extLst>
-          </p:cNvPr>
-          <p:cNvSpPr txBox="1">
-            <a:spLocks/>
-          </p:cNvSpPr>
-          <p:nvPr/>
-        </p:nvSpPr>
-        <p:spPr>
-          <a:xfrm>
-            <a:off x="441434" y="4251433"/>
-            <a:ext cx="3941380" cy="1269233"/>
-          </a:xfrm>
-          <a:prstGeom prst="rect">
-            <a:avLst/>
-          </a:prstGeom>
-        </p:spPr>
-        <p:txBody>
-          <a:bodyPr vert="horz" lIns="91440" tIns="45720" rIns="91440" bIns="45720" rtlCol="0" anchor="ctr">
-            <a:normAutofit/>
-          </a:bodyPr>
-          <a:lstStyle>
-            <a:lvl1pPr algn="l" defTabSz="914400" rtl="0" eaLnBrk="1" latinLnBrk="0" hangingPunct="1">
-              <a:lnSpc>
-                <a:spcPct val="90000"/>
-              </a:lnSpc>
-              <a:spcBef>
-                <a:spcPct val="0"/>
-              </a:spcBef>
-              <a:buNone/>
-              <a:defRPr sz="4400" kern="1200">
-                <a:solidFill>
-                  <a:schemeClr val="tx1"/>
-                </a:solidFill>
-                <a:latin typeface="+mj-lt"/>
-                <a:ea typeface="+mj-ea"/>
-                <a:cs typeface="+mj-cs"/>
-              </a:defRPr>
-            </a:lvl1pPr>
-          </a:lstStyle>
-          <a:p>
-            <a:pPr algn="ctr"/>
-            <a:r>
-              <a:rPr lang="ru-RU" sz="3600" dirty="0">
-                <a:latin typeface="HSE Sans" panose="02000000000000000000" pitchFamily="2" charset="0"/>
-              </a:rPr>
-              <a:t>Выдача случайных фотографий</a:t>
-            </a:r>
-          </a:p>
-        </p:txBody>
-      </p:sp>
+      </p:pic>
     </p:spTree>
     <p:extLst>
       <p:ext uri="{BB962C8B-B14F-4D97-AF65-F5344CB8AC3E}">
-        <p14:creationId xmlns:p14="http://schemas.microsoft.com/office/powerpoint/2010/main" val="2966452075"/>
+        <p14:creationId xmlns:p14="http://schemas.microsoft.com/office/powerpoint/2010/main" val="1844663721"/>
       </p:ext>
     </p:extLst>
   </p:cSld>
@@ -5679,11 +5890,53 @@
               <a:rPr lang="ru-RU" b="1" dirty="0">
                 <a:latin typeface="HSE Sans" panose="02000000000000000000" pitchFamily="2" charset="0"/>
               </a:rPr>
-              <a:t>Получение фотографий</a:t>
-            </a:r>
-          </a:p>
-        </p:txBody>
-      </p:sp>
+              <a:t>Выдача фотографий</a:t>
+            </a:r>
+          </a:p>
+        </p:txBody>
+      </p:sp>
+      <p:cxnSp>
+        <p:nvCxnSpPr>
+          <p:cNvPr id="6" name="Прямая со стрелкой 5">
+            <a:extLst>
+              <a:ext uri="{FF2B5EF4-FFF2-40B4-BE49-F238E27FC236}">
+                <a16:creationId xmlns:a16="http://schemas.microsoft.com/office/drawing/2014/main" id="{178125AD-28CD-5611-F201-383BA54BCC6C}"/>
+              </a:ext>
+            </a:extLst>
+          </p:cNvPr>
+          <p:cNvCxnSpPr>
+            <a:cxnSpLocks/>
+            <a:stCxn id="14" idx="3"/>
+          </p:cNvCxnSpPr>
+          <p:nvPr/>
+        </p:nvCxnSpPr>
+        <p:spPr>
+          <a:xfrm flipV="1">
+            <a:off x="4280767" y="2404627"/>
+            <a:ext cx="1436860" cy="14506"/>
+          </a:xfrm>
+          <a:prstGeom prst="straightConnector1">
+            <a:avLst/>
+          </a:prstGeom>
+          <a:ln>
+            <a:tailEnd type="triangle"/>
+          </a:ln>
+        </p:spPr>
+        <p:style>
+          <a:lnRef idx="3">
+            <a:schemeClr val="dk1"/>
+          </a:lnRef>
+          <a:fillRef idx="0">
+            <a:schemeClr val="dk1"/>
+          </a:fillRef>
+          <a:effectRef idx="2">
+            <a:schemeClr val="dk1"/>
+          </a:effectRef>
+          <a:fontRef idx="minor">
+            <a:schemeClr val="tx1"/>
+          </a:fontRef>
+        </p:style>
+      </p:cxnSp>
       <p:pic>
         <p:nvPicPr>
           <p:cNvPr id="14" name="Рисунок 13">
@@ -5713,10 +5966,40 @@
           </a:prstGeom>
         </p:spPr>
       </p:pic>
+      <p:pic>
+        <p:nvPicPr>
+          <p:cNvPr id="18" name="Рисунок 17">
+            <a:extLst>
+              <a:ext uri="{FF2B5EF4-FFF2-40B4-BE49-F238E27FC236}">
+                <a16:creationId xmlns:a16="http://schemas.microsoft.com/office/drawing/2014/main" id="{341998B7-7D67-9A5E-983F-19F2B2A83658}"/>
+              </a:ext>
+            </a:extLst>
+          </p:cNvPr>
+          <p:cNvPicPr>
+            <a:picLocks noChangeAspect="1"/>
+          </p:cNvPicPr>
+          <p:nvPr/>
+        </p:nvPicPr>
+        <p:blipFill>
+          <a:blip r:embed="rId3"/>
+          <a:stretch>
+            <a:fillRect/>
+          </a:stretch>
+        </p:blipFill>
+        <p:spPr>
+          <a:xfrm>
+            <a:off x="5950827" y="1249647"/>
+            <a:ext cx="6241173" cy="2338971"/>
+          </a:xfrm>
+          <a:prstGeom prst="rect">
+            <a:avLst/>
+          </a:prstGeom>
+        </p:spPr>
+      </p:pic>
     </p:spTree>
     <p:extLst>
       <p:ext uri="{BB962C8B-B14F-4D97-AF65-F5344CB8AC3E}">
-        <p14:creationId xmlns:p14="http://schemas.microsoft.com/office/powerpoint/2010/main" val="1844663721"/>
+        <p14:creationId xmlns:p14="http://schemas.microsoft.com/office/powerpoint/2010/main" val="4081743801"/>
       </p:ext>
     </p:extLst>
   </p:cSld>
@@ -5775,7 +6058,7 @@
               <a:rPr lang="ru-RU" b="1" dirty="0">
                 <a:latin typeface="HSE Sans" panose="02000000000000000000" pitchFamily="2" charset="0"/>
               </a:rPr>
-              <a:t>Получение фотографий</a:t>
+              <a:t>Выдача фотографий</a:t>
             </a:r>
           </a:p>
         </p:txBody>
@@ -5799,6 +6082,47 @@
           <a:xfrm flipV="1">
             <a:off x="4280767" y="2404627"/>
             <a:ext cx="1436860" cy="14506"/>
+          </a:xfrm>
+          <a:prstGeom prst="straightConnector1">
+            <a:avLst/>
+          </a:prstGeom>
+          <a:ln>
+            <a:tailEnd type="triangle"/>
+          </a:ln>
+        </p:spPr>
+        <p:style>
+          <a:lnRef idx="3">
+            <a:schemeClr val="dk1"/>
+          </a:lnRef>
+          <a:fillRef idx="0">
+            <a:schemeClr val="dk1"/>
+          </a:fillRef>
+          <a:effectRef idx="2">
+            <a:schemeClr val="dk1"/>
+          </a:effectRef>
+          <a:fontRef idx="minor">
+            <a:schemeClr val="tx1"/>
+          </a:fontRef>
+        </p:style>
+      </p:cxnSp>
+      <p:cxnSp>
+        <p:nvCxnSpPr>
+          <p:cNvPr id="8" name="Прямая со стрелкой 7">
+            <a:extLst>
+              <a:ext uri="{FF2B5EF4-FFF2-40B4-BE49-F238E27FC236}">
+                <a16:creationId xmlns:a16="http://schemas.microsoft.com/office/drawing/2014/main" id="{3A02CBC6-7796-BE6A-8AF9-DA68FC56757E}"/>
+              </a:ext>
+            </a:extLst>
+          </p:cNvPr>
+          <p:cNvCxnSpPr>
+            <a:cxnSpLocks/>
+          </p:cNvCxnSpPr>
+          <p:nvPr/>
+        </p:nvCxnSpPr>
+        <p:spPr>
+          <a:xfrm>
+            <a:off x="8886497" y="3925612"/>
+            <a:ext cx="0" cy="960437"/>
           </a:xfrm>
           <a:prstGeom prst="straightConnector1">
             <a:avLst/>
@@ -5881,10 +6205,40 @@
           </a:prstGeom>
         </p:spPr>
       </p:pic>
+      <p:pic>
+        <p:nvPicPr>
+          <p:cNvPr id="23" name="Рисунок 22">
+            <a:extLst>
+              <a:ext uri="{FF2B5EF4-FFF2-40B4-BE49-F238E27FC236}">
+                <a16:creationId xmlns:a16="http://schemas.microsoft.com/office/drawing/2014/main" id="{ADDDFB4A-70B2-EFAD-C2FA-83EFC0C2879A}"/>
+              </a:ext>
+            </a:extLst>
+          </p:cNvPr>
+          <p:cNvPicPr>
+            <a:picLocks noChangeAspect="1"/>
+          </p:cNvPicPr>
+          <p:nvPr/>
+        </p:nvPicPr>
+        <p:blipFill>
+          <a:blip r:embed="rId4"/>
+          <a:stretch>
+            <a:fillRect/>
+          </a:stretch>
+        </p:blipFill>
+        <p:spPr>
+          <a:xfrm>
+            <a:off x="6180963" y="5050990"/>
+            <a:ext cx="5411067" cy="557363"/>
+          </a:xfrm>
+          <a:prstGeom prst="rect">
+            <a:avLst/>
+          </a:prstGeom>
+        </p:spPr>
+      </p:pic>
     </p:spTree>
     <p:extLst>
       <p:ext uri="{BB962C8B-B14F-4D97-AF65-F5344CB8AC3E}">
-        <p14:creationId xmlns:p14="http://schemas.microsoft.com/office/powerpoint/2010/main" val="4081743801"/>
+        <p14:creationId xmlns:p14="http://schemas.microsoft.com/office/powerpoint/2010/main" val="2495044685"/>
       </p:ext>
     </p:extLst>
   </p:cSld>

--- a/Презентация GeoQuest.pptx
+++ b/Презентация GeoQuest.pptx
@@ -16,9 +16,10 @@
     <p:sldId id="264" r:id="rId10"/>
     <p:sldId id="265" r:id="rId11"/>
     <p:sldId id="270" r:id="rId12"/>
-    <p:sldId id="268" r:id="rId13"/>
-    <p:sldId id="271" r:id="rId14"/>
-    <p:sldId id="267" r:id="rId15"/>
+    <p:sldId id="273" r:id="rId13"/>
+    <p:sldId id="268" r:id="rId14"/>
+    <p:sldId id="271" r:id="rId15"/>
+    <p:sldId id="267" r:id="rId16"/>
   </p:sldIdLst>
   <p:sldSz cx="12192000" cy="6858000"/>
   <p:notesSz cx="6858000" cy="9144000"/>
@@ -4080,7 +4081,7 @@
               <a:rPr lang="ru-RU" b="1" dirty="0">
                 <a:latin typeface="HSE Sans" panose="02000000000000000000" pitchFamily="2" charset="0"/>
               </a:rPr>
-              <a:t>Реализация бота</a:t>
+              <a:t>База данных пользователей</a:t>
             </a:r>
             <a:br>
               <a:rPr lang="ru-RU" b="1" dirty="0">
@@ -4102,7 +4103,7 @@
     </p:spTree>
     <p:extLst>
       <p:ext uri="{BB962C8B-B14F-4D97-AF65-F5344CB8AC3E}">
-        <p14:creationId xmlns:p14="http://schemas.microsoft.com/office/powerpoint/2010/main" val="4118145410"/>
+        <p14:creationId xmlns:p14="http://schemas.microsoft.com/office/powerpoint/2010/main" val="795793177"/>
       </p:ext>
     </p:extLst>
   </p:cSld>
@@ -4161,6 +4162,87 @@
               <a:rPr lang="ru-RU" b="1" dirty="0">
                 <a:latin typeface="HSE Sans" panose="02000000000000000000" pitchFamily="2" charset="0"/>
               </a:rPr>
+              <a:t>Реализация бота</a:t>
+            </a:r>
+            <a:br>
+              <a:rPr lang="ru-RU" b="1" dirty="0">
+                <a:latin typeface="HSE Sans" panose="02000000000000000000" pitchFamily="2" charset="0"/>
+              </a:rPr>
+            </a:br>
+            <a:r>
+              <a:rPr lang="ru-RU" sz="3200" i="1" dirty="0">
+                <a:latin typeface="HSE Sans" panose="02000000000000000000" pitchFamily="2" charset="0"/>
+              </a:rPr>
+              <a:t>Михаил Тищенко</a:t>
+            </a:r>
+            <a:endParaRPr lang="ru-RU" b="1" i="1" dirty="0">
+              <a:latin typeface="HSE Sans" panose="02000000000000000000" pitchFamily="2" charset="0"/>
+            </a:endParaRPr>
+          </a:p>
+        </p:txBody>
+      </p:sp>
+    </p:spTree>
+    <p:extLst>
+      <p:ext uri="{BB962C8B-B14F-4D97-AF65-F5344CB8AC3E}">
+        <p14:creationId xmlns:p14="http://schemas.microsoft.com/office/powerpoint/2010/main" val="4118145410"/>
+      </p:ext>
+    </p:extLst>
+  </p:cSld>
+  <p:clrMapOvr>
+    <a:masterClrMapping/>
+  </p:clrMapOvr>
+</p:sld>
+</file>
+
+<file path=ppt/slides/slide14.xml><?xml version="1.0" encoding="utf-8"?>
+<p:sld xmlns:a="http://schemas.openxmlformats.org/drawingml/2006/main" xmlns:r="http://schemas.openxmlformats.org/officeDocument/2006/relationships" xmlns:p="http://schemas.openxmlformats.org/presentationml/2006/main">
+  <p:cSld>
+    <p:spTree>
+      <p:nvGrpSpPr>
+        <p:cNvPr id="1" name=""/>
+        <p:cNvGrpSpPr/>
+        <p:nvPr/>
+      </p:nvGrpSpPr>
+      <p:grpSpPr>
+        <a:xfrm>
+          <a:off x="0" y="0"/>
+          <a:ext cx="0" cy="0"/>
+          <a:chOff x="0" y="0"/>
+          <a:chExt cx="0" cy="0"/>
+        </a:xfrm>
+      </p:grpSpPr>
+      <p:sp>
+        <p:nvSpPr>
+          <p:cNvPr id="3" name="Заголовок 1">
+            <a:extLst>
+              <a:ext uri="{FF2B5EF4-FFF2-40B4-BE49-F238E27FC236}">
+                <a16:creationId xmlns:a16="http://schemas.microsoft.com/office/drawing/2014/main" id="{A7074DAD-2A23-436E-07F1-567E65A194CB}"/>
+              </a:ext>
+            </a:extLst>
+          </p:cNvPr>
+          <p:cNvSpPr>
+            <a:spLocks noGrp="1"/>
+          </p:cNvSpPr>
+          <p:nvPr>
+            <p:ph type="title"/>
+          </p:nvPr>
+        </p:nvSpPr>
+        <p:spPr>
+          <a:xfrm>
+            <a:off x="441433" y="435458"/>
+            <a:ext cx="10562897" cy="1298750"/>
+          </a:xfrm>
+        </p:spPr>
+        <p:txBody>
+          <a:bodyPr anchor="t">
+            <a:normAutofit/>
+          </a:bodyPr>
+          <a:lstStyle/>
+          <a:p>
+            <a:r>
+              <a:rPr lang="ru-RU" b="1" dirty="0">
+                <a:latin typeface="HSE Sans" panose="02000000000000000000" pitchFamily="2" charset="0"/>
+              </a:rPr>
               <a:t>Хостинг</a:t>
             </a:r>
             <a:br>
@@ -4193,7 +4275,7 @@
 </p:sld>
 </file>
 
-<file path=ppt/slides/slide14.xml><?xml version="1.0" encoding="utf-8"?>
+<file path=ppt/slides/slide15.xml><?xml version="1.0" encoding="utf-8"?>
 <p:sld xmlns:a="http://schemas.openxmlformats.org/drawingml/2006/main" xmlns:r="http://schemas.openxmlformats.org/officeDocument/2006/relationships" xmlns:p="http://schemas.openxmlformats.org/presentationml/2006/main">
   <p:cSld>
     <p:spTree>

--- a/Презентация GeoQuest.pptx
+++ b/Презентация GeoQuest.pptx
@@ -4000,7 +4000,7 @@
               <a:rPr lang="ru-RU" b="1" dirty="0">
                 <a:latin typeface="HSE Sans" panose="02000000000000000000" pitchFamily="2" charset="0"/>
               </a:rPr>
-              <a:t>Проверка ответов</a:t>
+              <a:t>Проверка ответов, начисление очков</a:t>
             </a:r>
             <a:br>
               <a:rPr lang="ru-RU" b="1" dirty="0">

--- a/Презентация GeoQuest.pptx
+++ b/Презентация GeoQuest.pptx
@@ -4,22 +4,37 @@
   <p:sldMasterIdLst>
     <p:sldMasterId id="2147483648" r:id="rId1"/>
   </p:sldMasterIdLst>
+  <p:notesMasterIdLst>
+    <p:notesMasterId r:id="rId29"/>
+  </p:notesMasterIdLst>
   <p:sldIdLst>
     <p:sldId id="256" r:id="rId2"/>
     <p:sldId id="257" r:id="rId3"/>
-    <p:sldId id="272" r:id="rId4"/>
-    <p:sldId id="260" r:id="rId5"/>
-    <p:sldId id="261" r:id="rId6"/>
-    <p:sldId id="262" r:id="rId7"/>
-    <p:sldId id="259" r:id="rId8"/>
-    <p:sldId id="263" r:id="rId9"/>
-    <p:sldId id="264" r:id="rId10"/>
-    <p:sldId id="265" r:id="rId11"/>
-    <p:sldId id="270" r:id="rId12"/>
-    <p:sldId id="273" r:id="rId13"/>
-    <p:sldId id="268" r:id="rId14"/>
-    <p:sldId id="271" r:id="rId15"/>
-    <p:sldId id="267" r:id="rId16"/>
+    <p:sldId id="278" r:id="rId4"/>
+    <p:sldId id="277" r:id="rId5"/>
+    <p:sldId id="276" r:id="rId6"/>
+    <p:sldId id="282" r:id="rId7"/>
+    <p:sldId id="283" r:id="rId8"/>
+    <p:sldId id="284" r:id="rId9"/>
+    <p:sldId id="285" r:id="rId10"/>
+    <p:sldId id="272" r:id="rId11"/>
+    <p:sldId id="260" r:id="rId12"/>
+    <p:sldId id="261" r:id="rId13"/>
+    <p:sldId id="262" r:id="rId14"/>
+    <p:sldId id="281" r:id="rId15"/>
+    <p:sldId id="280" r:id="rId16"/>
+    <p:sldId id="279" r:id="rId17"/>
+    <p:sldId id="265" r:id="rId18"/>
+    <p:sldId id="270" r:id="rId19"/>
+    <p:sldId id="274" r:id="rId20"/>
+    <p:sldId id="273" r:id="rId21"/>
+    <p:sldId id="268" r:id="rId22"/>
+    <p:sldId id="271" r:id="rId23"/>
+    <p:sldId id="275" r:id="rId24"/>
+    <p:sldId id="287" r:id="rId25"/>
+    <p:sldId id="286" r:id="rId26"/>
+    <p:sldId id="267" r:id="rId27"/>
+    <p:sldId id="288" r:id="rId28"/>
   </p:sldIdLst>
   <p:sldSz cx="12192000" cy="6858000"/>
   <p:notesSz cx="6858000" cy="9144000"/>
@@ -124,6 +139,523 @@
     </p:ext>
   </p:extLst>
 </p:presentation>
+</file>
+
+<file path=ppt/notesMasters/notesMaster1.xml><?xml version="1.0" encoding="utf-8"?>
+<p:notesMaster xmlns:a="http://schemas.openxmlformats.org/drawingml/2006/main" xmlns:r="http://schemas.openxmlformats.org/officeDocument/2006/relationships" xmlns:p="http://schemas.openxmlformats.org/presentationml/2006/main">
+  <p:cSld>
+    <p:bg>
+      <p:bgRef idx="1001">
+        <a:schemeClr val="bg1"/>
+      </p:bgRef>
+    </p:bg>
+    <p:spTree>
+      <p:nvGrpSpPr>
+        <p:cNvPr id="1" name=""/>
+        <p:cNvGrpSpPr/>
+        <p:nvPr/>
+      </p:nvGrpSpPr>
+      <p:grpSpPr>
+        <a:xfrm>
+          <a:off x="0" y="0"/>
+          <a:ext cx="0" cy="0"/>
+          <a:chOff x="0" y="0"/>
+          <a:chExt cx="0" cy="0"/>
+        </a:xfrm>
+      </p:grpSpPr>
+      <p:sp>
+        <p:nvSpPr>
+          <p:cNvPr id="2" name="Верхний колонтитул 1"/>
+          <p:cNvSpPr>
+            <a:spLocks noGrp="1"/>
+          </p:cNvSpPr>
+          <p:nvPr>
+            <p:ph type="hdr" sz="quarter"/>
+          </p:nvPr>
+        </p:nvSpPr>
+        <p:spPr>
+          <a:xfrm>
+            <a:off x="0" y="0"/>
+            <a:ext cx="2971800" cy="458788"/>
+          </a:xfrm>
+          <a:prstGeom prst="rect">
+            <a:avLst/>
+          </a:prstGeom>
+        </p:spPr>
+        <p:txBody>
+          <a:bodyPr vert="horz" lIns="91440" tIns="45720" rIns="91440" bIns="45720" rtlCol="0"/>
+          <a:lstStyle>
+            <a:lvl1pPr algn="l">
+              <a:defRPr sz="1200"/>
+            </a:lvl1pPr>
+          </a:lstStyle>
+          <a:p>
+            <a:endParaRPr lang="ru-RU"/>
+          </a:p>
+        </p:txBody>
+      </p:sp>
+      <p:sp>
+        <p:nvSpPr>
+          <p:cNvPr id="3" name="Дата 2"/>
+          <p:cNvSpPr>
+            <a:spLocks noGrp="1"/>
+          </p:cNvSpPr>
+          <p:nvPr>
+            <p:ph type="dt" idx="1"/>
+          </p:nvPr>
+        </p:nvSpPr>
+        <p:spPr>
+          <a:xfrm>
+            <a:off x="3884613" y="0"/>
+            <a:ext cx="2971800" cy="458788"/>
+          </a:xfrm>
+          <a:prstGeom prst="rect">
+            <a:avLst/>
+          </a:prstGeom>
+        </p:spPr>
+        <p:txBody>
+          <a:bodyPr vert="horz" lIns="91440" tIns="45720" rIns="91440" bIns="45720" rtlCol="0"/>
+          <a:lstStyle>
+            <a:lvl1pPr algn="r">
+              <a:defRPr sz="1200"/>
+            </a:lvl1pPr>
+          </a:lstStyle>
+          <a:p>
+            <a:fld id="{700B8B7E-C4FC-3647-948A-9C9E38C730D4}" type="datetimeFigureOut">
+              <a:rPr lang="ru-RU" smtClean="0"/>
+              <a:t>24.12.2023</a:t>
+            </a:fld>
+            <a:endParaRPr lang="ru-RU"/>
+          </a:p>
+        </p:txBody>
+      </p:sp>
+      <p:sp>
+        <p:nvSpPr>
+          <p:cNvPr id="4" name="Образ слайда 3"/>
+          <p:cNvSpPr>
+            <a:spLocks noGrp="1" noRot="1" noChangeAspect="1"/>
+          </p:cNvSpPr>
+          <p:nvPr>
+            <p:ph type="sldImg" idx="2"/>
+          </p:nvPr>
+        </p:nvSpPr>
+        <p:spPr>
+          <a:xfrm>
+            <a:off x="685800" y="1143000"/>
+            <a:ext cx="5486400" cy="3086100"/>
+          </a:xfrm>
+          <a:prstGeom prst="rect">
+            <a:avLst/>
+          </a:prstGeom>
+          <a:noFill/>
+          <a:ln w="12700">
+            <a:solidFill>
+              <a:prstClr val="black"/>
+            </a:solidFill>
+          </a:ln>
+        </p:spPr>
+        <p:txBody>
+          <a:bodyPr vert="horz" lIns="91440" tIns="45720" rIns="91440" bIns="45720" rtlCol="0" anchor="ctr"/>
+          <a:lstStyle/>
+          <a:p>
+            <a:endParaRPr lang="ru-RU"/>
+          </a:p>
+        </p:txBody>
+      </p:sp>
+      <p:sp>
+        <p:nvSpPr>
+          <p:cNvPr id="5" name="Заметки 4"/>
+          <p:cNvSpPr>
+            <a:spLocks noGrp="1"/>
+          </p:cNvSpPr>
+          <p:nvPr>
+            <p:ph type="body" sz="quarter" idx="3"/>
+          </p:nvPr>
+        </p:nvSpPr>
+        <p:spPr>
+          <a:xfrm>
+            <a:off x="685800" y="4400550"/>
+            <a:ext cx="5486400" cy="3600450"/>
+          </a:xfrm>
+          <a:prstGeom prst="rect">
+            <a:avLst/>
+          </a:prstGeom>
+        </p:spPr>
+        <p:txBody>
+          <a:bodyPr vert="horz" lIns="91440" tIns="45720" rIns="91440" bIns="45720" rtlCol="0"/>
+          <a:lstStyle/>
+          <a:p>
+            <a:pPr lvl="0"/>
+            <a:r>
+              <a:rPr lang="ru-RU"/>
+              <a:t>Образец текста</a:t>
+            </a:r>
+          </a:p>
+          <a:p>
+            <a:pPr lvl="1"/>
+            <a:r>
+              <a:rPr lang="ru-RU"/>
+              <a:t>Второй уровень</a:t>
+            </a:r>
+          </a:p>
+          <a:p>
+            <a:pPr lvl="2"/>
+            <a:r>
+              <a:rPr lang="ru-RU"/>
+              <a:t>Третий уровень</a:t>
+            </a:r>
+          </a:p>
+          <a:p>
+            <a:pPr lvl="3"/>
+            <a:r>
+              <a:rPr lang="ru-RU"/>
+              <a:t>Четвертый уровень</a:t>
+            </a:r>
+          </a:p>
+          <a:p>
+            <a:pPr lvl="4"/>
+            <a:r>
+              <a:rPr lang="ru-RU"/>
+              <a:t>Пятый уровень</a:t>
+            </a:r>
+          </a:p>
+        </p:txBody>
+      </p:sp>
+      <p:sp>
+        <p:nvSpPr>
+          <p:cNvPr id="6" name="Нижний колонтитул 5"/>
+          <p:cNvSpPr>
+            <a:spLocks noGrp="1"/>
+          </p:cNvSpPr>
+          <p:nvPr>
+            <p:ph type="ftr" sz="quarter" idx="4"/>
+          </p:nvPr>
+        </p:nvSpPr>
+        <p:spPr>
+          <a:xfrm>
+            <a:off x="0" y="8685213"/>
+            <a:ext cx="2971800" cy="458787"/>
+          </a:xfrm>
+          <a:prstGeom prst="rect">
+            <a:avLst/>
+          </a:prstGeom>
+        </p:spPr>
+        <p:txBody>
+          <a:bodyPr vert="horz" lIns="91440" tIns="45720" rIns="91440" bIns="45720" rtlCol="0" anchor="b"/>
+          <a:lstStyle>
+            <a:lvl1pPr algn="l">
+              <a:defRPr sz="1200"/>
+            </a:lvl1pPr>
+          </a:lstStyle>
+          <a:p>
+            <a:endParaRPr lang="ru-RU"/>
+          </a:p>
+        </p:txBody>
+      </p:sp>
+      <p:sp>
+        <p:nvSpPr>
+          <p:cNvPr id="7" name="Номер слайда 6"/>
+          <p:cNvSpPr>
+            <a:spLocks noGrp="1"/>
+          </p:cNvSpPr>
+          <p:nvPr>
+            <p:ph type="sldNum" sz="quarter" idx="5"/>
+          </p:nvPr>
+        </p:nvSpPr>
+        <p:spPr>
+          <a:xfrm>
+            <a:off x="3884613" y="8685213"/>
+            <a:ext cx="2971800" cy="458787"/>
+          </a:xfrm>
+          <a:prstGeom prst="rect">
+            <a:avLst/>
+          </a:prstGeom>
+        </p:spPr>
+        <p:txBody>
+          <a:bodyPr vert="horz" lIns="91440" tIns="45720" rIns="91440" bIns="45720" rtlCol="0" anchor="b"/>
+          <a:lstStyle>
+            <a:lvl1pPr algn="r">
+              <a:defRPr sz="1200"/>
+            </a:lvl1pPr>
+          </a:lstStyle>
+          <a:p>
+            <a:fld id="{0051E452-0920-9149-A80C-CC973ADD1620}" type="slidenum">
+              <a:rPr lang="ru-RU" smtClean="0"/>
+              <a:t>‹#›</a:t>
+            </a:fld>
+            <a:endParaRPr lang="ru-RU"/>
+          </a:p>
+        </p:txBody>
+      </p:sp>
+    </p:spTree>
+    <p:extLst>
+      <p:ext uri="{BB962C8B-B14F-4D97-AF65-F5344CB8AC3E}">
+        <p14:creationId xmlns:p14="http://schemas.microsoft.com/office/powerpoint/2010/main" val="4040244514"/>
+      </p:ext>
+    </p:extLst>
+  </p:cSld>
+  <p:clrMap bg1="lt1" tx1="dk1" bg2="lt2" tx2="dk2" accent1="accent1" accent2="accent2" accent3="accent3" accent4="accent4" accent5="accent5" accent6="accent6" hlink="hlink" folHlink="folHlink"/>
+  <p:notesStyle>
+    <a:lvl1pPr marL="0" algn="l" defTabSz="914400" rtl="0" eaLnBrk="1" latinLnBrk="0" hangingPunct="1">
+      <a:defRPr sz="1200" kern="1200">
+        <a:solidFill>
+          <a:schemeClr val="tx1"/>
+        </a:solidFill>
+        <a:latin typeface="+mn-lt"/>
+        <a:ea typeface="+mn-ea"/>
+        <a:cs typeface="+mn-cs"/>
+      </a:defRPr>
+    </a:lvl1pPr>
+    <a:lvl2pPr marL="457200" algn="l" defTabSz="914400" rtl="0" eaLnBrk="1" latinLnBrk="0" hangingPunct="1">
+      <a:defRPr sz="1200" kern="1200">
+        <a:solidFill>
+          <a:schemeClr val="tx1"/>
+        </a:solidFill>
+        <a:latin typeface="+mn-lt"/>
+        <a:ea typeface="+mn-ea"/>
+        <a:cs typeface="+mn-cs"/>
+      </a:defRPr>
+    </a:lvl2pPr>
+    <a:lvl3pPr marL="914400" algn="l" defTabSz="914400" rtl="0" eaLnBrk="1" latinLnBrk="0" hangingPunct="1">
+      <a:defRPr sz="1200" kern="1200">
+        <a:solidFill>
+          <a:schemeClr val="tx1"/>
+        </a:solidFill>
+        <a:latin typeface="+mn-lt"/>
+        <a:ea typeface="+mn-ea"/>
+        <a:cs typeface="+mn-cs"/>
+      </a:defRPr>
+    </a:lvl3pPr>
+    <a:lvl4pPr marL="1371600" algn="l" defTabSz="914400" rtl="0" eaLnBrk="1" latinLnBrk="0" hangingPunct="1">
+      <a:defRPr sz="1200" kern="1200">
+        <a:solidFill>
+          <a:schemeClr val="tx1"/>
+        </a:solidFill>
+        <a:latin typeface="+mn-lt"/>
+        <a:ea typeface="+mn-ea"/>
+        <a:cs typeface="+mn-cs"/>
+      </a:defRPr>
+    </a:lvl4pPr>
+    <a:lvl5pPr marL="1828800" algn="l" defTabSz="914400" rtl="0" eaLnBrk="1" latinLnBrk="0" hangingPunct="1">
+      <a:defRPr sz="1200" kern="1200">
+        <a:solidFill>
+          <a:schemeClr val="tx1"/>
+        </a:solidFill>
+        <a:latin typeface="+mn-lt"/>
+        <a:ea typeface="+mn-ea"/>
+        <a:cs typeface="+mn-cs"/>
+      </a:defRPr>
+    </a:lvl5pPr>
+    <a:lvl6pPr marL="2286000" algn="l" defTabSz="914400" rtl="0" eaLnBrk="1" latinLnBrk="0" hangingPunct="1">
+      <a:defRPr sz="1200" kern="1200">
+        <a:solidFill>
+          <a:schemeClr val="tx1"/>
+        </a:solidFill>
+        <a:latin typeface="+mn-lt"/>
+        <a:ea typeface="+mn-ea"/>
+        <a:cs typeface="+mn-cs"/>
+      </a:defRPr>
+    </a:lvl6pPr>
+    <a:lvl7pPr marL="2743200" algn="l" defTabSz="914400" rtl="0" eaLnBrk="1" latinLnBrk="0" hangingPunct="1">
+      <a:defRPr sz="1200" kern="1200">
+        <a:solidFill>
+          <a:schemeClr val="tx1"/>
+        </a:solidFill>
+        <a:latin typeface="+mn-lt"/>
+        <a:ea typeface="+mn-ea"/>
+        <a:cs typeface="+mn-cs"/>
+      </a:defRPr>
+    </a:lvl7pPr>
+    <a:lvl8pPr marL="3200400" algn="l" defTabSz="914400" rtl="0" eaLnBrk="1" latinLnBrk="0" hangingPunct="1">
+      <a:defRPr sz="1200" kern="1200">
+        <a:solidFill>
+          <a:schemeClr val="tx1"/>
+        </a:solidFill>
+        <a:latin typeface="+mn-lt"/>
+        <a:ea typeface="+mn-ea"/>
+        <a:cs typeface="+mn-cs"/>
+      </a:defRPr>
+    </a:lvl8pPr>
+    <a:lvl9pPr marL="3657600" algn="l" defTabSz="914400" rtl="0" eaLnBrk="1" latinLnBrk="0" hangingPunct="1">
+      <a:defRPr sz="1200" kern="1200">
+        <a:solidFill>
+          <a:schemeClr val="tx1"/>
+        </a:solidFill>
+        <a:latin typeface="+mn-lt"/>
+        <a:ea typeface="+mn-ea"/>
+        <a:cs typeface="+mn-cs"/>
+      </a:defRPr>
+    </a:lvl9pPr>
+  </p:notesStyle>
+</p:notesMaster>
+</file>
+
+<file path=ppt/notesSlides/notesSlide1.xml><?xml version="1.0" encoding="utf-8"?>
+<p:notes xmlns:a="http://schemas.openxmlformats.org/drawingml/2006/main" xmlns:r="http://schemas.openxmlformats.org/officeDocument/2006/relationships" xmlns:p="http://schemas.openxmlformats.org/presentationml/2006/main">
+  <p:cSld>
+    <p:spTree>
+      <p:nvGrpSpPr>
+        <p:cNvPr id="1" name=""/>
+        <p:cNvGrpSpPr/>
+        <p:nvPr/>
+      </p:nvGrpSpPr>
+      <p:grpSpPr>
+        <a:xfrm>
+          <a:off x="0" y="0"/>
+          <a:ext cx="0" cy="0"/>
+          <a:chOff x="0" y="0"/>
+          <a:chExt cx="0" cy="0"/>
+        </a:xfrm>
+      </p:grpSpPr>
+      <p:sp>
+        <p:nvSpPr>
+          <p:cNvPr id="2" name="Образ слайда 1"/>
+          <p:cNvSpPr>
+            <a:spLocks noGrp="1" noRot="1" noChangeAspect="1"/>
+          </p:cNvSpPr>
+          <p:nvPr>
+            <p:ph type="sldImg"/>
+          </p:nvPr>
+        </p:nvSpPr>
+        <p:spPr/>
+      </p:sp>
+      <p:sp>
+        <p:nvSpPr>
+          <p:cNvPr id="3" name="Заметки 2"/>
+          <p:cNvSpPr>
+            <a:spLocks noGrp="1"/>
+          </p:cNvSpPr>
+          <p:nvPr>
+            <p:ph type="body" idx="1"/>
+          </p:nvPr>
+        </p:nvSpPr>
+        <p:spPr/>
+        <p:txBody>
+          <a:bodyPr/>
+          <a:lstStyle/>
+          <a:p>
+            <a:endParaRPr lang="ru-RU" dirty="0"/>
+          </a:p>
+        </p:txBody>
+      </p:sp>
+      <p:sp>
+        <p:nvSpPr>
+          <p:cNvPr id="4" name="Номер слайда 3"/>
+          <p:cNvSpPr>
+            <a:spLocks noGrp="1"/>
+          </p:cNvSpPr>
+          <p:nvPr>
+            <p:ph type="sldNum" sz="quarter" idx="5"/>
+          </p:nvPr>
+        </p:nvSpPr>
+        <p:spPr/>
+        <p:txBody>
+          <a:bodyPr/>
+          <a:lstStyle/>
+          <a:p>
+            <a:fld id="{0051E452-0920-9149-A80C-CC973ADD1620}" type="slidenum">
+              <a:rPr lang="ru-RU" smtClean="0"/>
+              <a:t>9</a:t>
+            </a:fld>
+            <a:endParaRPr lang="ru-RU"/>
+          </a:p>
+        </p:txBody>
+      </p:sp>
+    </p:spTree>
+    <p:extLst>
+      <p:ext uri="{BB962C8B-B14F-4D97-AF65-F5344CB8AC3E}">
+        <p14:creationId xmlns:p14="http://schemas.microsoft.com/office/powerpoint/2010/main" val="599415389"/>
+      </p:ext>
+    </p:extLst>
+  </p:cSld>
+  <p:clrMapOvr>
+    <a:masterClrMapping/>
+  </p:clrMapOvr>
+</p:notes>
+</file>
+
+<file path=ppt/notesSlides/notesSlide2.xml><?xml version="1.0" encoding="utf-8"?>
+<p:notes xmlns:a="http://schemas.openxmlformats.org/drawingml/2006/main" xmlns:r="http://schemas.openxmlformats.org/officeDocument/2006/relationships" xmlns:p="http://schemas.openxmlformats.org/presentationml/2006/main">
+  <p:cSld>
+    <p:spTree>
+      <p:nvGrpSpPr>
+        <p:cNvPr id="1" name=""/>
+        <p:cNvGrpSpPr/>
+        <p:nvPr/>
+      </p:nvGrpSpPr>
+      <p:grpSpPr>
+        <a:xfrm>
+          <a:off x="0" y="0"/>
+          <a:ext cx="0" cy="0"/>
+          <a:chOff x="0" y="0"/>
+          <a:chExt cx="0" cy="0"/>
+        </a:xfrm>
+      </p:grpSpPr>
+      <p:sp>
+        <p:nvSpPr>
+          <p:cNvPr id="2" name="Образ слайда 1"/>
+          <p:cNvSpPr>
+            <a:spLocks noGrp="1" noRot="1" noChangeAspect="1"/>
+          </p:cNvSpPr>
+          <p:nvPr>
+            <p:ph type="sldImg"/>
+          </p:nvPr>
+        </p:nvSpPr>
+        <p:spPr/>
+      </p:sp>
+      <p:sp>
+        <p:nvSpPr>
+          <p:cNvPr id="3" name="Заметки 2"/>
+          <p:cNvSpPr>
+            <a:spLocks noGrp="1"/>
+          </p:cNvSpPr>
+          <p:nvPr>
+            <p:ph type="body" idx="1"/>
+          </p:nvPr>
+        </p:nvSpPr>
+        <p:spPr/>
+        <p:txBody>
+          <a:bodyPr/>
+          <a:lstStyle/>
+          <a:p>
+            <a:endParaRPr lang="ru-RU" dirty="0"/>
+          </a:p>
+        </p:txBody>
+      </p:sp>
+      <p:sp>
+        <p:nvSpPr>
+          <p:cNvPr id="4" name="Номер слайда 3"/>
+          <p:cNvSpPr>
+            <a:spLocks noGrp="1"/>
+          </p:cNvSpPr>
+          <p:nvPr>
+            <p:ph type="sldNum" sz="quarter" idx="5"/>
+          </p:nvPr>
+        </p:nvSpPr>
+        <p:spPr/>
+        <p:txBody>
+          <a:bodyPr/>
+          <a:lstStyle/>
+          <a:p>
+            <a:fld id="{0051E452-0920-9149-A80C-CC973ADD1620}" type="slidenum">
+              <a:rPr lang="ru-RU" smtClean="0"/>
+              <a:t>19</a:t>
+            </a:fld>
+            <a:endParaRPr lang="ru-RU"/>
+          </a:p>
+        </p:txBody>
+      </p:sp>
+    </p:spTree>
+    <p:extLst>
+      <p:ext uri="{BB962C8B-B14F-4D97-AF65-F5344CB8AC3E}">
+        <p14:creationId xmlns:p14="http://schemas.microsoft.com/office/powerpoint/2010/main" val="1990038050"/>
+      </p:ext>
+    </p:extLst>
+  </p:cSld>
+  <p:clrMapOvr>
+    <a:masterClrMapping/>
+  </p:clrMapOvr>
+</p:notes>
 </file>
 
 <file path=ppt/slideLayouts/slideLayout1.xml><?xml version="1.0" encoding="utf-8"?>
@@ -3676,12 +4208,12 @@
         </p:nvSpPr>
         <p:spPr>
           <a:xfrm>
-            <a:off x="441434" y="435458"/>
-            <a:ext cx="6926318" cy="803288"/>
-          </a:xfrm>
-        </p:spPr>
-        <p:txBody>
-          <a:bodyPr>
+            <a:off x="441433" y="435457"/>
+            <a:ext cx="10562897" cy="1445895"/>
+          </a:xfrm>
+        </p:spPr>
+        <p:txBody>
+          <a:bodyPr anchor="t">
             <a:normAutofit/>
           </a:bodyPr>
           <a:lstStyle/>
@@ -3692,139 +4224,29 @@
               </a:rPr>
               <a:t>Выдача фотографий</a:t>
             </a:r>
-          </a:p>
-        </p:txBody>
-      </p:sp>
-      <p:cxnSp>
-        <p:nvCxnSpPr>
-          <p:cNvPr id="6" name="Прямая со стрелкой 5">
-            <a:extLst>
-              <a:ext uri="{FF2B5EF4-FFF2-40B4-BE49-F238E27FC236}">
-                <a16:creationId xmlns:a16="http://schemas.microsoft.com/office/drawing/2014/main" id="{178125AD-28CD-5611-F201-383BA54BCC6C}"/>
-              </a:ext>
-            </a:extLst>
-          </p:cNvPr>
-          <p:cNvCxnSpPr>
-            <a:cxnSpLocks/>
-            <a:stCxn id="14" idx="3"/>
-          </p:cNvCxnSpPr>
-          <p:nvPr/>
-        </p:nvCxnSpPr>
-        <p:spPr>
-          <a:xfrm flipV="1">
-            <a:off x="4280767" y="2404627"/>
-            <a:ext cx="1436860" cy="14506"/>
-          </a:xfrm>
-          <a:prstGeom prst="straightConnector1">
-            <a:avLst/>
-          </a:prstGeom>
-          <a:ln>
-            <a:tailEnd type="triangle"/>
-          </a:ln>
-        </p:spPr>
-        <p:style>
-          <a:lnRef idx="3">
-            <a:schemeClr val="dk1"/>
-          </a:lnRef>
-          <a:fillRef idx="0">
-            <a:schemeClr val="dk1"/>
-          </a:fillRef>
-          <a:effectRef idx="2">
-            <a:schemeClr val="dk1"/>
-          </a:effectRef>
-          <a:fontRef idx="minor">
-            <a:schemeClr val="tx1"/>
-          </a:fontRef>
-        </p:style>
-      </p:cxnSp>
-      <p:cxnSp>
-        <p:nvCxnSpPr>
-          <p:cNvPr id="8" name="Прямая со стрелкой 7">
-            <a:extLst>
-              <a:ext uri="{FF2B5EF4-FFF2-40B4-BE49-F238E27FC236}">
-                <a16:creationId xmlns:a16="http://schemas.microsoft.com/office/drawing/2014/main" id="{3A02CBC6-7796-BE6A-8AF9-DA68FC56757E}"/>
-              </a:ext>
-            </a:extLst>
-          </p:cNvPr>
-          <p:cNvCxnSpPr>
-            <a:cxnSpLocks/>
-          </p:cNvCxnSpPr>
-          <p:nvPr/>
-        </p:nvCxnSpPr>
-        <p:spPr>
-          <a:xfrm>
-            <a:off x="8886497" y="3925612"/>
-            <a:ext cx="0" cy="960437"/>
-          </a:xfrm>
-          <a:prstGeom prst="straightConnector1">
-            <a:avLst/>
-          </a:prstGeom>
-          <a:ln>
-            <a:tailEnd type="triangle"/>
-          </a:ln>
-        </p:spPr>
-        <p:style>
-          <a:lnRef idx="3">
-            <a:schemeClr val="dk1"/>
-          </a:lnRef>
-          <a:fillRef idx="0">
-            <a:schemeClr val="dk1"/>
-          </a:fillRef>
-          <a:effectRef idx="2">
-            <a:schemeClr val="dk1"/>
-          </a:effectRef>
-          <a:fontRef idx="minor">
-            <a:schemeClr val="tx1"/>
-          </a:fontRef>
-        </p:style>
-      </p:cxnSp>
-      <p:cxnSp>
-        <p:nvCxnSpPr>
-          <p:cNvPr id="12" name="Прямая со стрелкой 11">
-            <a:extLst>
-              <a:ext uri="{FF2B5EF4-FFF2-40B4-BE49-F238E27FC236}">
-                <a16:creationId xmlns:a16="http://schemas.microsoft.com/office/drawing/2014/main" id="{AD62E1BF-89C0-88CC-FD91-4590A7B0A00B}"/>
-              </a:ext>
-            </a:extLst>
-          </p:cNvPr>
-          <p:cNvCxnSpPr>
-            <a:cxnSpLocks/>
-          </p:cNvCxnSpPr>
-          <p:nvPr/>
-        </p:nvCxnSpPr>
-        <p:spPr>
-          <a:xfrm flipH="1">
-            <a:off x="5475890" y="5329671"/>
-            <a:ext cx="620110" cy="11246"/>
-          </a:xfrm>
-          <a:prstGeom prst="straightConnector1">
-            <a:avLst/>
-          </a:prstGeom>
-          <a:ln>
-            <a:tailEnd type="triangle"/>
-          </a:ln>
-        </p:spPr>
-        <p:style>
-          <a:lnRef idx="3">
-            <a:schemeClr val="dk1"/>
-          </a:lnRef>
-          <a:fillRef idx="0">
-            <a:schemeClr val="dk1"/>
-          </a:fillRef>
-          <a:effectRef idx="2">
-            <a:schemeClr val="dk1"/>
-          </a:effectRef>
-          <a:fontRef idx="minor">
-            <a:schemeClr val="tx1"/>
-          </a:fontRef>
-        </p:style>
-      </p:cxnSp>
+            <a:br>
+              <a:rPr lang="ru-RU" b="1" dirty="0">
+                <a:latin typeface="HSE Sans" panose="02000000000000000000" pitchFamily="2" charset="0"/>
+              </a:rPr>
+            </a:br>
+            <a:r>
+              <a:rPr lang="ru-RU" sz="3200" i="1" dirty="0">
+                <a:latin typeface="HSE Sans" panose="02000000000000000000" pitchFamily="2" charset="0"/>
+              </a:rPr>
+              <a:t>Глеб Хитрин</a:t>
+            </a:r>
+            <a:endParaRPr lang="ru-RU" b="1" i="1" dirty="0">
+              <a:latin typeface="HSE Sans" panose="02000000000000000000" pitchFamily="2" charset="0"/>
+            </a:endParaRPr>
+          </a:p>
+        </p:txBody>
+      </p:sp>
       <p:pic>
         <p:nvPicPr>
-          <p:cNvPr id="14" name="Рисунок 13">
-            <a:extLst>
-              <a:ext uri="{FF2B5EF4-FFF2-40B4-BE49-F238E27FC236}">
-                <a16:creationId xmlns:a16="http://schemas.microsoft.com/office/drawing/2014/main" id="{93A08D01-7C8A-2BCF-80B4-505BF90CA66A}"/>
+          <p:cNvPr id="2" name="Рисунок 1">
+            <a:extLst>
+              <a:ext uri="{FF2B5EF4-FFF2-40B4-BE49-F238E27FC236}">
+                <a16:creationId xmlns:a16="http://schemas.microsoft.com/office/drawing/2014/main" id="{547A183C-4FBF-28F8-6760-4FA0DF54E105}"/>
               </a:ext>
             </a:extLst>
           </p:cNvPr>
@@ -3835,13 +4257,13 @@
         </p:nvPicPr>
         <p:blipFill rotWithShape="1">
           <a:blip r:embed="rId2"/>
-          <a:srcRect r="49274"/>
+          <a:srcRect l="23090" r="23090"/>
           <a:stretch/>
         </p:blipFill>
         <p:spPr>
           <a:xfrm>
-            <a:off x="339396" y="1337333"/>
-            <a:ext cx="3941371" cy="2163600"/>
+            <a:off x="4653455" y="1455849"/>
+            <a:ext cx="2885090" cy="3053089"/>
           </a:xfrm>
           <a:prstGeom prst="rect">
             <a:avLst/>
@@ -3850,10 +4272,10 @@
       </p:pic>
       <p:pic>
         <p:nvPicPr>
-          <p:cNvPr id="18" name="Рисунок 17">
-            <a:extLst>
-              <a:ext uri="{FF2B5EF4-FFF2-40B4-BE49-F238E27FC236}">
-                <a16:creationId xmlns:a16="http://schemas.microsoft.com/office/drawing/2014/main" id="{341998B7-7D67-9A5E-983F-19F2B2A83658}"/>
+          <p:cNvPr id="4" name="Рисунок 3">
+            <a:extLst>
+              <a:ext uri="{FF2B5EF4-FFF2-40B4-BE49-F238E27FC236}">
+                <a16:creationId xmlns:a16="http://schemas.microsoft.com/office/drawing/2014/main" id="{66B75983-F99F-937F-0255-5A31810FBD51}"/>
               </a:ext>
             </a:extLst>
           </p:cNvPr>
@@ -3870,8 +4292,8 @@
         </p:blipFill>
         <p:spPr>
           <a:xfrm>
-            <a:off x="5950827" y="1249647"/>
-            <a:ext cx="6241173" cy="2338971"/>
+            <a:off x="4361515" y="4684329"/>
+            <a:ext cx="3468969" cy="570843"/>
           </a:xfrm>
           <a:prstGeom prst="rect">
             <a:avLst/>
@@ -3880,10 +4302,10 @@
       </p:pic>
       <p:pic>
         <p:nvPicPr>
-          <p:cNvPr id="23" name="Рисунок 22">
-            <a:extLst>
-              <a:ext uri="{FF2B5EF4-FFF2-40B4-BE49-F238E27FC236}">
-                <a16:creationId xmlns:a16="http://schemas.microsoft.com/office/drawing/2014/main" id="{ADDDFB4A-70B2-EFAD-C2FA-83EFC0C2879A}"/>
+          <p:cNvPr id="5" name="Рисунок 4">
+            <a:extLst>
+              <a:ext uri="{FF2B5EF4-FFF2-40B4-BE49-F238E27FC236}">
+                <a16:creationId xmlns:a16="http://schemas.microsoft.com/office/drawing/2014/main" id="{53BDA74D-26DC-5EFA-AD31-8096C6DD0E43}"/>
               </a:ext>
             </a:extLst>
           </p:cNvPr>
@@ -3900,38 +4322,8 @@
         </p:blipFill>
         <p:spPr>
           <a:xfrm>
-            <a:off x="6180963" y="5050990"/>
-            <a:ext cx="5411067" cy="557363"/>
-          </a:xfrm>
-          <a:prstGeom prst="rect">
-            <a:avLst/>
-          </a:prstGeom>
-        </p:spPr>
-      </p:pic>
-      <p:pic>
-        <p:nvPicPr>
-          <p:cNvPr id="29" name="Рисунок 28">
-            <a:extLst>
-              <a:ext uri="{FF2B5EF4-FFF2-40B4-BE49-F238E27FC236}">
-                <a16:creationId xmlns:a16="http://schemas.microsoft.com/office/drawing/2014/main" id="{492BA39B-47FC-E848-B651-7F7B4E677D3B}"/>
-              </a:ext>
-            </a:extLst>
-          </p:cNvPr>
-          <p:cNvPicPr>
-            <a:picLocks noChangeAspect="1"/>
-          </p:cNvPicPr>
-          <p:nvPr/>
-        </p:nvPicPr>
-        <p:blipFill>
-          <a:blip r:embed="rId5"/>
-          <a:stretch>
-            <a:fillRect/>
-          </a:stretch>
-        </p:blipFill>
-        <p:spPr>
-          <a:xfrm>
-            <a:off x="217095" y="4469299"/>
-            <a:ext cx="5173832" cy="1743235"/>
+            <a:off x="3575999" y="5349762"/>
+            <a:ext cx="5040000" cy="565091"/>
           </a:xfrm>
           <a:prstGeom prst="rect">
             <a:avLst/>
@@ -3941,7 +4333,7 @@
     </p:spTree>
     <p:extLst>
       <p:ext uri="{BB962C8B-B14F-4D97-AF65-F5344CB8AC3E}">
-        <p14:creationId xmlns:p14="http://schemas.microsoft.com/office/powerpoint/2010/main" val="637793569"/>
+        <p14:creationId xmlns:p14="http://schemas.microsoft.com/office/powerpoint/2010/main" val="1469093645"/>
       </p:ext>
     </p:extLst>
   </p:cSld>
@@ -3986,12 +4378,12 @@
         </p:nvSpPr>
         <p:spPr>
           <a:xfrm>
-            <a:off x="441433" y="435457"/>
-            <a:ext cx="10562897" cy="1445895"/>
-          </a:xfrm>
-        </p:spPr>
-        <p:txBody>
-          <a:bodyPr anchor="t">
+            <a:off x="441434" y="435458"/>
+            <a:ext cx="6926318" cy="803288"/>
+          </a:xfrm>
+        </p:spPr>
+        <p:txBody>
+          <a:bodyPr>
             <a:normAutofit/>
           </a:bodyPr>
           <a:lstStyle/>
@@ -4000,20 +4392,170 @@
               <a:rPr lang="ru-RU" b="1" dirty="0">
                 <a:latin typeface="HSE Sans" panose="02000000000000000000" pitchFamily="2" charset="0"/>
               </a:rPr>
-              <a:t>Проверка ответов, начисление очков</a:t>
-            </a:r>
-            <a:br>
-              <a:rPr lang="ru-RU" b="1" dirty="0">
-                <a:latin typeface="HSE Sans" panose="02000000000000000000" pitchFamily="2" charset="0"/>
-              </a:rPr>
-            </a:br>
-            <a:r>
-              <a:rPr lang="ru-RU" sz="3200" i="1" dirty="0">
-                <a:latin typeface="HSE Sans" panose="02000000000000000000" pitchFamily="2" charset="0"/>
-              </a:rPr>
-              <a:t>Глеб Хитрин, Наталья Югансон</a:t>
-            </a:r>
-            <a:endParaRPr lang="ru-RU" b="1" i="1" dirty="0">
+              <a:t>Выдача фотографий</a:t>
+            </a:r>
+          </a:p>
+        </p:txBody>
+      </p:sp>
+      <p:sp>
+        <p:nvSpPr>
+          <p:cNvPr id="4" name="Заголовок 1">
+            <a:extLst>
+              <a:ext uri="{FF2B5EF4-FFF2-40B4-BE49-F238E27FC236}">
+                <a16:creationId xmlns:a16="http://schemas.microsoft.com/office/drawing/2014/main" id="{13A2292D-5D69-A67B-A6F2-D863D9916F94}"/>
+              </a:ext>
+            </a:extLst>
+          </p:cNvPr>
+          <p:cNvSpPr txBox="1">
+            <a:spLocks/>
+          </p:cNvSpPr>
+          <p:nvPr/>
+        </p:nvSpPr>
+        <p:spPr>
+          <a:xfrm>
+            <a:off x="441434" y="1337333"/>
+            <a:ext cx="3941380" cy="1269233"/>
+          </a:xfrm>
+          <a:prstGeom prst="rect">
+            <a:avLst/>
+          </a:prstGeom>
+        </p:spPr>
+        <p:txBody>
+          <a:bodyPr vert="horz" lIns="91440" tIns="45720" rIns="91440" bIns="45720" rtlCol="0" anchor="ctr">
+            <a:normAutofit/>
+          </a:bodyPr>
+          <a:lstStyle>
+            <a:lvl1pPr algn="l" defTabSz="914400" rtl="0" eaLnBrk="1" latinLnBrk="0" hangingPunct="1">
+              <a:lnSpc>
+                <a:spcPct val="90000"/>
+              </a:lnSpc>
+              <a:spcBef>
+                <a:spcPct val="0"/>
+              </a:spcBef>
+              <a:buNone/>
+              <a:defRPr sz="4400" kern="1200">
+                <a:solidFill>
+                  <a:schemeClr val="tx1"/>
+                </a:solidFill>
+                <a:latin typeface="+mj-lt"/>
+                <a:ea typeface="+mj-ea"/>
+                <a:cs typeface="+mj-cs"/>
+              </a:defRPr>
+            </a:lvl1pPr>
+          </a:lstStyle>
+          <a:p>
+            <a:pPr algn="ctr"/>
+            <a:r>
+              <a:rPr lang="ru-RU" sz="3200" dirty="0">
+                <a:latin typeface="HSE Sans" panose="02000000000000000000" pitchFamily="2" charset="0"/>
+              </a:rPr>
+              <a:t>Выбор случайного города из списка</a:t>
+            </a:r>
+          </a:p>
+        </p:txBody>
+      </p:sp>
+      <p:cxnSp>
+        <p:nvCxnSpPr>
+          <p:cNvPr id="6" name="Прямая со стрелкой 5">
+            <a:extLst>
+              <a:ext uri="{FF2B5EF4-FFF2-40B4-BE49-F238E27FC236}">
+                <a16:creationId xmlns:a16="http://schemas.microsoft.com/office/drawing/2014/main" id="{178125AD-28CD-5611-F201-383BA54BCC6C}"/>
+              </a:ext>
+            </a:extLst>
+          </p:cNvPr>
+          <p:cNvCxnSpPr>
+            <a:stCxn id="4" idx="3"/>
+          </p:cNvCxnSpPr>
+          <p:nvPr/>
+        </p:nvCxnSpPr>
+        <p:spPr>
+          <a:xfrm flipV="1">
+            <a:off x="4382814" y="1965434"/>
+            <a:ext cx="2532993" cy="6516"/>
+          </a:xfrm>
+          <a:prstGeom prst="straightConnector1">
+            <a:avLst/>
+          </a:prstGeom>
+          <a:ln>
+            <a:tailEnd type="triangle"/>
+          </a:ln>
+        </p:spPr>
+        <p:style>
+          <a:lnRef idx="3">
+            <a:schemeClr val="dk1"/>
+          </a:lnRef>
+          <a:fillRef idx="0">
+            <a:schemeClr val="dk1"/>
+          </a:fillRef>
+          <a:effectRef idx="2">
+            <a:schemeClr val="dk1"/>
+          </a:effectRef>
+          <a:fontRef idx="minor">
+            <a:schemeClr val="tx1"/>
+          </a:fontRef>
+        </p:style>
+      </p:cxnSp>
+      <p:sp>
+        <p:nvSpPr>
+          <p:cNvPr id="7" name="Заголовок 1">
+            <a:extLst>
+              <a:ext uri="{FF2B5EF4-FFF2-40B4-BE49-F238E27FC236}">
+                <a16:creationId xmlns:a16="http://schemas.microsoft.com/office/drawing/2014/main" id="{F6F263D7-C112-0861-B515-664B465C628D}"/>
+              </a:ext>
+            </a:extLst>
+          </p:cNvPr>
+          <p:cNvSpPr txBox="1">
+            <a:spLocks/>
+          </p:cNvSpPr>
+          <p:nvPr/>
+        </p:nvSpPr>
+        <p:spPr>
+          <a:xfrm>
+            <a:off x="6915807" y="1337333"/>
+            <a:ext cx="3941380" cy="1269233"/>
+          </a:xfrm>
+          <a:prstGeom prst="rect">
+            <a:avLst/>
+          </a:prstGeom>
+        </p:spPr>
+        <p:txBody>
+          <a:bodyPr vert="horz" lIns="91440" tIns="45720" rIns="91440" bIns="45720" rtlCol="0" anchor="ctr">
+            <a:normAutofit/>
+          </a:bodyPr>
+          <a:lstStyle>
+            <a:lvl1pPr algn="l" defTabSz="914400" rtl="0" eaLnBrk="1" latinLnBrk="0" hangingPunct="1">
+              <a:lnSpc>
+                <a:spcPct val="90000"/>
+              </a:lnSpc>
+              <a:spcBef>
+                <a:spcPct val="0"/>
+              </a:spcBef>
+              <a:buNone/>
+              <a:defRPr sz="4400" kern="1200">
+                <a:solidFill>
+                  <a:schemeClr val="tx1"/>
+                </a:solidFill>
+                <a:latin typeface="+mj-lt"/>
+                <a:ea typeface="+mj-ea"/>
+                <a:cs typeface="+mj-cs"/>
+              </a:defRPr>
+            </a:lvl1pPr>
+          </a:lstStyle>
+          <a:p>
+            <a:pPr algn="ctr"/>
+            <a:r>
+              <a:rPr lang="ru-RU" sz="3200" dirty="0">
+                <a:latin typeface="HSE Sans" panose="02000000000000000000" pitchFamily="2" charset="0"/>
+              </a:rPr>
+              <a:t>Запрос в </a:t>
+            </a:r>
+            <a:r>
+              <a:rPr lang="en-US" sz="3200" dirty="0">
+                <a:latin typeface="HSE Sans" panose="02000000000000000000" pitchFamily="2" charset="0"/>
+              </a:rPr>
+              <a:t>Google Maps API</a:t>
+            </a:r>
+            <a:endParaRPr lang="ru-RU" sz="3200" dirty="0">
               <a:latin typeface="HSE Sans" panose="02000000000000000000" pitchFamily="2" charset="0"/>
             </a:endParaRPr>
           </a:p>
@@ -4022,7 +4564,7 @@
     </p:spTree>
     <p:extLst>
       <p:ext uri="{BB962C8B-B14F-4D97-AF65-F5344CB8AC3E}">
-        <p14:creationId xmlns:p14="http://schemas.microsoft.com/office/powerpoint/2010/main" val="3440790250"/>
+        <p14:creationId xmlns:p14="http://schemas.microsoft.com/office/powerpoint/2010/main" val="721618430"/>
       </p:ext>
     </p:extLst>
   </p:cSld>
@@ -4067,12 +4609,12 @@
         </p:nvSpPr>
         <p:spPr>
           <a:xfrm>
-            <a:off x="441433" y="435458"/>
-            <a:ext cx="10562897" cy="1298750"/>
-          </a:xfrm>
-        </p:spPr>
-        <p:txBody>
-          <a:bodyPr anchor="t">
+            <a:off x="441434" y="435458"/>
+            <a:ext cx="6926318" cy="803288"/>
+          </a:xfrm>
+        </p:spPr>
+        <p:txBody>
+          <a:bodyPr>
             <a:normAutofit/>
           </a:bodyPr>
           <a:lstStyle/>
@@ -4081,20 +4623,278 @@
               <a:rPr lang="ru-RU" b="1" dirty="0">
                 <a:latin typeface="HSE Sans" panose="02000000000000000000" pitchFamily="2" charset="0"/>
               </a:rPr>
-              <a:t>База данных пользователей</a:t>
-            </a:r>
-            <a:br>
-              <a:rPr lang="ru-RU" b="1" dirty="0">
-                <a:latin typeface="HSE Sans" panose="02000000000000000000" pitchFamily="2" charset="0"/>
-              </a:rPr>
-            </a:br>
-            <a:r>
-              <a:rPr lang="ru-RU" sz="3200" i="1" dirty="0">
-                <a:latin typeface="HSE Sans" panose="02000000000000000000" pitchFamily="2" charset="0"/>
-              </a:rPr>
-              <a:t>Михаил Тищенко</a:t>
-            </a:r>
-            <a:endParaRPr lang="ru-RU" b="1" i="1" dirty="0">
+              <a:t>Выдача фотографий</a:t>
+            </a:r>
+          </a:p>
+        </p:txBody>
+      </p:sp>
+      <p:sp>
+        <p:nvSpPr>
+          <p:cNvPr id="4" name="Заголовок 1">
+            <a:extLst>
+              <a:ext uri="{FF2B5EF4-FFF2-40B4-BE49-F238E27FC236}">
+                <a16:creationId xmlns:a16="http://schemas.microsoft.com/office/drawing/2014/main" id="{13A2292D-5D69-A67B-A6F2-D863D9916F94}"/>
+              </a:ext>
+            </a:extLst>
+          </p:cNvPr>
+          <p:cNvSpPr txBox="1">
+            <a:spLocks/>
+          </p:cNvSpPr>
+          <p:nvPr/>
+        </p:nvSpPr>
+        <p:spPr>
+          <a:xfrm>
+            <a:off x="441434" y="1337333"/>
+            <a:ext cx="3941380" cy="1269233"/>
+          </a:xfrm>
+          <a:prstGeom prst="rect">
+            <a:avLst/>
+          </a:prstGeom>
+        </p:spPr>
+        <p:txBody>
+          <a:bodyPr vert="horz" lIns="91440" tIns="45720" rIns="91440" bIns="45720" rtlCol="0" anchor="ctr">
+            <a:normAutofit/>
+          </a:bodyPr>
+          <a:lstStyle>
+            <a:lvl1pPr algn="l" defTabSz="914400" rtl="0" eaLnBrk="1" latinLnBrk="0" hangingPunct="1">
+              <a:lnSpc>
+                <a:spcPct val="90000"/>
+              </a:lnSpc>
+              <a:spcBef>
+                <a:spcPct val="0"/>
+              </a:spcBef>
+              <a:buNone/>
+              <a:defRPr sz="4400" kern="1200">
+                <a:solidFill>
+                  <a:schemeClr val="tx1"/>
+                </a:solidFill>
+                <a:latin typeface="+mj-lt"/>
+                <a:ea typeface="+mj-ea"/>
+                <a:cs typeface="+mj-cs"/>
+              </a:defRPr>
+            </a:lvl1pPr>
+          </a:lstStyle>
+          <a:p>
+            <a:pPr algn="ctr"/>
+            <a:r>
+              <a:rPr lang="ru-RU" sz="3200" dirty="0">
+                <a:latin typeface="HSE Sans" panose="02000000000000000000" pitchFamily="2" charset="0"/>
+              </a:rPr>
+              <a:t>Выбор случайного города из списка</a:t>
+            </a:r>
+          </a:p>
+        </p:txBody>
+      </p:sp>
+      <p:cxnSp>
+        <p:nvCxnSpPr>
+          <p:cNvPr id="6" name="Прямая со стрелкой 5">
+            <a:extLst>
+              <a:ext uri="{FF2B5EF4-FFF2-40B4-BE49-F238E27FC236}">
+                <a16:creationId xmlns:a16="http://schemas.microsoft.com/office/drawing/2014/main" id="{178125AD-28CD-5611-F201-383BA54BCC6C}"/>
+              </a:ext>
+            </a:extLst>
+          </p:cNvPr>
+          <p:cNvCxnSpPr>
+            <a:stCxn id="4" idx="3"/>
+          </p:cNvCxnSpPr>
+          <p:nvPr/>
+        </p:nvCxnSpPr>
+        <p:spPr>
+          <a:xfrm flipV="1">
+            <a:off x="4382814" y="1965434"/>
+            <a:ext cx="2532993" cy="6516"/>
+          </a:xfrm>
+          <a:prstGeom prst="straightConnector1">
+            <a:avLst/>
+          </a:prstGeom>
+          <a:ln>
+            <a:tailEnd type="triangle"/>
+          </a:ln>
+        </p:spPr>
+        <p:style>
+          <a:lnRef idx="3">
+            <a:schemeClr val="dk1"/>
+          </a:lnRef>
+          <a:fillRef idx="0">
+            <a:schemeClr val="dk1"/>
+          </a:fillRef>
+          <a:effectRef idx="2">
+            <a:schemeClr val="dk1"/>
+          </a:effectRef>
+          <a:fontRef idx="minor">
+            <a:schemeClr val="tx1"/>
+          </a:fontRef>
+        </p:style>
+      </p:cxnSp>
+      <p:sp>
+        <p:nvSpPr>
+          <p:cNvPr id="7" name="Заголовок 1">
+            <a:extLst>
+              <a:ext uri="{FF2B5EF4-FFF2-40B4-BE49-F238E27FC236}">
+                <a16:creationId xmlns:a16="http://schemas.microsoft.com/office/drawing/2014/main" id="{F6F263D7-C112-0861-B515-664B465C628D}"/>
+              </a:ext>
+            </a:extLst>
+          </p:cNvPr>
+          <p:cNvSpPr txBox="1">
+            <a:spLocks/>
+          </p:cNvSpPr>
+          <p:nvPr/>
+        </p:nvSpPr>
+        <p:spPr>
+          <a:xfrm>
+            <a:off x="6915807" y="1337333"/>
+            <a:ext cx="3941380" cy="1269233"/>
+          </a:xfrm>
+          <a:prstGeom prst="rect">
+            <a:avLst/>
+          </a:prstGeom>
+        </p:spPr>
+        <p:txBody>
+          <a:bodyPr vert="horz" lIns="91440" tIns="45720" rIns="91440" bIns="45720" rtlCol="0" anchor="ctr">
+            <a:normAutofit/>
+          </a:bodyPr>
+          <a:lstStyle>
+            <a:lvl1pPr algn="l" defTabSz="914400" rtl="0" eaLnBrk="1" latinLnBrk="0" hangingPunct="1">
+              <a:lnSpc>
+                <a:spcPct val="90000"/>
+              </a:lnSpc>
+              <a:spcBef>
+                <a:spcPct val="0"/>
+              </a:spcBef>
+              <a:buNone/>
+              <a:defRPr sz="4400" kern="1200">
+                <a:solidFill>
+                  <a:schemeClr val="tx1"/>
+                </a:solidFill>
+                <a:latin typeface="+mj-lt"/>
+                <a:ea typeface="+mj-ea"/>
+                <a:cs typeface="+mj-cs"/>
+              </a:defRPr>
+            </a:lvl1pPr>
+          </a:lstStyle>
+          <a:p>
+            <a:pPr algn="ctr"/>
+            <a:r>
+              <a:rPr lang="ru-RU" sz="3200" dirty="0">
+                <a:latin typeface="HSE Sans" panose="02000000000000000000" pitchFamily="2" charset="0"/>
+              </a:rPr>
+              <a:t>Запрос в </a:t>
+            </a:r>
+            <a:r>
+              <a:rPr lang="en-US" sz="3200" dirty="0">
+                <a:latin typeface="HSE Sans" panose="02000000000000000000" pitchFamily="2" charset="0"/>
+              </a:rPr>
+              <a:t>Google Maps API</a:t>
+            </a:r>
+            <a:endParaRPr lang="ru-RU" sz="3200" dirty="0">
+              <a:latin typeface="HSE Sans" panose="02000000000000000000" pitchFamily="2" charset="0"/>
+            </a:endParaRPr>
+          </a:p>
+        </p:txBody>
+      </p:sp>
+      <p:cxnSp>
+        <p:nvCxnSpPr>
+          <p:cNvPr id="8" name="Прямая со стрелкой 7">
+            <a:extLst>
+              <a:ext uri="{FF2B5EF4-FFF2-40B4-BE49-F238E27FC236}">
+                <a16:creationId xmlns:a16="http://schemas.microsoft.com/office/drawing/2014/main" id="{3A02CBC6-7796-BE6A-8AF9-DA68FC56757E}"/>
+              </a:ext>
+            </a:extLst>
+          </p:cNvPr>
+          <p:cNvCxnSpPr>
+            <a:cxnSpLocks/>
+            <a:stCxn id="7" idx="2"/>
+          </p:cNvCxnSpPr>
+          <p:nvPr/>
+        </p:nvCxnSpPr>
+        <p:spPr>
+          <a:xfrm>
+            <a:off x="8886497" y="2606566"/>
+            <a:ext cx="0" cy="1481958"/>
+          </a:xfrm>
+          <a:prstGeom prst="straightConnector1">
+            <a:avLst/>
+          </a:prstGeom>
+          <a:ln>
+            <a:tailEnd type="triangle"/>
+          </a:ln>
+        </p:spPr>
+        <p:style>
+          <a:lnRef idx="3">
+            <a:schemeClr val="dk1"/>
+          </a:lnRef>
+          <a:fillRef idx="0">
+            <a:schemeClr val="dk1"/>
+          </a:fillRef>
+          <a:effectRef idx="2">
+            <a:schemeClr val="dk1"/>
+          </a:effectRef>
+          <a:fontRef idx="minor">
+            <a:schemeClr val="tx1"/>
+          </a:fontRef>
+        </p:style>
+      </p:cxnSp>
+      <p:sp>
+        <p:nvSpPr>
+          <p:cNvPr id="11" name="Заголовок 1">
+            <a:extLst>
+              <a:ext uri="{FF2B5EF4-FFF2-40B4-BE49-F238E27FC236}">
+                <a16:creationId xmlns:a16="http://schemas.microsoft.com/office/drawing/2014/main" id="{ED921B46-47FA-A74B-8367-EFC16F942101}"/>
+              </a:ext>
+            </a:extLst>
+          </p:cNvPr>
+          <p:cNvSpPr txBox="1">
+            <a:spLocks/>
+          </p:cNvSpPr>
+          <p:nvPr/>
+        </p:nvSpPr>
+        <p:spPr>
+          <a:xfrm>
+            <a:off x="6915807" y="4251434"/>
+            <a:ext cx="3941380" cy="1269233"/>
+          </a:xfrm>
+          <a:prstGeom prst="rect">
+            <a:avLst/>
+          </a:prstGeom>
+        </p:spPr>
+        <p:txBody>
+          <a:bodyPr vert="horz" lIns="91440" tIns="45720" rIns="91440" bIns="45720" rtlCol="0" anchor="ctr">
+            <a:normAutofit/>
+          </a:bodyPr>
+          <a:lstStyle>
+            <a:lvl1pPr algn="l" defTabSz="914400" rtl="0" eaLnBrk="1" latinLnBrk="0" hangingPunct="1">
+              <a:lnSpc>
+                <a:spcPct val="90000"/>
+              </a:lnSpc>
+              <a:spcBef>
+                <a:spcPct val="0"/>
+              </a:spcBef>
+              <a:buNone/>
+              <a:defRPr sz="4400" kern="1200">
+                <a:solidFill>
+                  <a:schemeClr val="tx1"/>
+                </a:solidFill>
+                <a:latin typeface="+mj-lt"/>
+                <a:ea typeface="+mj-ea"/>
+                <a:cs typeface="+mj-cs"/>
+              </a:defRPr>
+            </a:lvl1pPr>
+          </a:lstStyle>
+          <a:p>
+            <a:pPr algn="ctr"/>
+            <a:r>
+              <a:rPr lang="ru-RU" sz="3200" dirty="0">
+                <a:latin typeface="HSE Sans" panose="02000000000000000000" pitchFamily="2" charset="0"/>
+              </a:rPr>
+              <a:t>Запрос в </a:t>
+            </a:r>
+            <a:r>
+              <a:rPr lang="en-US" sz="3200" dirty="0">
+                <a:latin typeface="HSE Sans" panose="02000000000000000000" pitchFamily="2" charset="0"/>
+              </a:rPr>
+              <a:t>Google Maps Photos API</a:t>
+            </a:r>
+            <a:endParaRPr lang="ru-RU" sz="3200" dirty="0">
               <a:latin typeface="HSE Sans" panose="02000000000000000000" pitchFamily="2" charset="0"/>
             </a:endParaRPr>
           </a:p>
@@ -4103,7 +4903,7 @@
     </p:spTree>
     <p:extLst>
       <p:ext uri="{BB962C8B-B14F-4D97-AF65-F5344CB8AC3E}">
-        <p14:creationId xmlns:p14="http://schemas.microsoft.com/office/powerpoint/2010/main" val="795793177"/>
+        <p14:creationId xmlns:p14="http://schemas.microsoft.com/office/powerpoint/2010/main" val="1342929471"/>
       </p:ext>
     </p:extLst>
   </p:cSld>
@@ -4148,12 +4948,12 @@
         </p:nvSpPr>
         <p:spPr>
           <a:xfrm>
-            <a:off x="441433" y="435458"/>
-            <a:ext cx="10562897" cy="1298750"/>
-          </a:xfrm>
-        </p:spPr>
-        <p:txBody>
-          <a:bodyPr anchor="t">
+            <a:off x="441434" y="435458"/>
+            <a:ext cx="6926318" cy="803288"/>
+          </a:xfrm>
+        </p:spPr>
+        <p:txBody>
+          <a:bodyPr>
             <a:normAutofit/>
           </a:bodyPr>
           <a:lstStyle/>
@@ -4162,29 +4962,386 @@
               <a:rPr lang="ru-RU" b="1" dirty="0">
                 <a:latin typeface="HSE Sans" panose="02000000000000000000" pitchFamily="2" charset="0"/>
               </a:rPr>
-              <a:t>Реализация бота</a:t>
-            </a:r>
-            <a:br>
-              <a:rPr lang="ru-RU" b="1" dirty="0">
-                <a:latin typeface="HSE Sans" panose="02000000000000000000" pitchFamily="2" charset="0"/>
-              </a:rPr>
-            </a:br>
-            <a:r>
-              <a:rPr lang="ru-RU" sz="3200" i="1" dirty="0">
-                <a:latin typeface="HSE Sans" panose="02000000000000000000" pitchFamily="2" charset="0"/>
-              </a:rPr>
-              <a:t>Михаил Тищенко</a:t>
-            </a:r>
-            <a:endParaRPr lang="ru-RU" b="1" i="1" dirty="0">
+              <a:t>Выдача фотографий</a:t>
+            </a:r>
+          </a:p>
+        </p:txBody>
+      </p:sp>
+      <p:sp>
+        <p:nvSpPr>
+          <p:cNvPr id="4" name="Заголовок 1">
+            <a:extLst>
+              <a:ext uri="{FF2B5EF4-FFF2-40B4-BE49-F238E27FC236}">
+                <a16:creationId xmlns:a16="http://schemas.microsoft.com/office/drawing/2014/main" id="{13A2292D-5D69-A67B-A6F2-D863D9916F94}"/>
+              </a:ext>
+            </a:extLst>
+          </p:cNvPr>
+          <p:cNvSpPr txBox="1">
+            <a:spLocks/>
+          </p:cNvSpPr>
+          <p:nvPr/>
+        </p:nvSpPr>
+        <p:spPr>
+          <a:xfrm>
+            <a:off x="441434" y="1337333"/>
+            <a:ext cx="3941380" cy="1269233"/>
+          </a:xfrm>
+          <a:prstGeom prst="rect">
+            <a:avLst/>
+          </a:prstGeom>
+        </p:spPr>
+        <p:txBody>
+          <a:bodyPr vert="horz" lIns="91440" tIns="45720" rIns="91440" bIns="45720" rtlCol="0" anchor="ctr">
+            <a:normAutofit/>
+          </a:bodyPr>
+          <a:lstStyle>
+            <a:lvl1pPr algn="l" defTabSz="914400" rtl="0" eaLnBrk="1" latinLnBrk="0" hangingPunct="1">
+              <a:lnSpc>
+                <a:spcPct val="90000"/>
+              </a:lnSpc>
+              <a:spcBef>
+                <a:spcPct val="0"/>
+              </a:spcBef>
+              <a:buNone/>
+              <a:defRPr sz="4400" kern="1200">
+                <a:solidFill>
+                  <a:schemeClr val="tx1"/>
+                </a:solidFill>
+                <a:latin typeface="+mj-lt"/>
+                <a:ea typeface="+mj-ea"/>
+                <a:cs typeface="+mj-cs"/>
+              </a:defRPr>
+            </a:lvl1pPr>
+          </a:lstStyle>
+          <a:p>
+            <a:pPr algn="ctr"/>
+            <a:r>
+              <a:rPr lang="ru-RU" sz="3200" dirty="0">
+                <a:latin typeface="HSE Sans" panose="02000000000000000000" pitchFamily="2" charset="0"/>
+              </a:rPr>
+              <a:t>Выбор случайного города из списка</a:t>
+            </a:r>
+          </a:p>
+        </p:txBody>
+      </p:sp>
+      <p:cxnSp>
+        <p:nvCxnSpPr>
+          <p:cNvPr id="6" name="Прямая со стрелкой 5">
+            <a:extLst>
+              <a:ext uri="{FF2B5EF4-FFF2-40B4-BE49-F238E27FC236}">
+                <a16:creationId xmlns:a16="http://schemas.microsoft.com/office/drawing/2014/main" id="{178125AD-28CD-5611-F201-383BA54BCC6C}"/>
+              </a:ext>
+            </a:extLst>
+          </p:cNvPr>
+          <p:cNvCxnSpPr>
+            <a:stCxn id="4" idx="3"/>
+          </p:cNvCxnSpPr>
+          <p:nvPr/>
+        </p:nvCxnSpPr>
+        <p:spPr>
+          <a:xfrm flipV="1">
+            <a:off x="4382814" y="1965434"/>
+            <a:ext cx="2532993" cy="6516"/>
+          </a:xfrm>
+          <a:prstGeom prst="straightConnector1">
+            <a:avLst/>
+          </a:prstGeom>
+          <a:ln>
+            <a:tailEnd type="triangle"/>
+          </a:ln>
+        </p:spPr>
+        <p:style>
+          <a:lnRef idx="3">
+            <a:schemeClr val="dk1"/>
+          </a:lnRef>
+          <a:fillRef idx="0">
+            <a:schemeClr val="dk1"/>
+          </a:fillRef>
+          <a:effectRef idx="2">
+            <a:schemeClr val="dk1"/>
+          </a:effectRef>
+          <a:fontRef idx="minor">
+            <a:schemeClr val="tx1"/>
+          </a:fontRef>
+        </p:style>
+      </p:cxnSp>
+      <p:sp>
+        <p:nvSpPr>
+          <p:cNvPr id="7" name="Заголовок 1">
+            <a:extLst>
+              <a:ext uri="{FF2B5EF4-FFF2-40B4-BE49-F238E27FC236}">
+                <a16:creationId xmlns:a16="http://schemas.microsoft.com/office/drawing/2014/main" id="{F6F263D7-C112-0861-B515-664B465C628D}"/>
+              </a:ext>
+            </a:extLst>
+          </p:cNvPr>
+          <p:cNvSpPr txBox="1">
+            <a:spLocks/>
+          </p:cNvSpPr>
+          <p:nvPr/>
+        </p:nvSpPr>
+        <p:spPr>
+          <a:xfrm>
+            <a:off x="6915807" y="1337333"/>
+            <a:ext cx="3941380" cy="1269233"/>
+          </a:xfrm>
+          <a:prstGeom prst="rect">
+            <a:avLst/>
+          </a:prstGeom>
+        </p:spPr>
+        <p:txBody>
+          <a:bodyPr vert="horz" lIns="91440" tIns="45720" rIns="91440" bIns="45720" rtlCol="0" anchor="ctr">
+            <a:normAutofit/>
+          </a:bodyPr>
+          <a:lstStyle>
+            <a:lvl1pPr algn="l" defTabSz="914400" rtl="0" eaLnBrk="1" latinLnBrk="0" hangingPunct="1">
+              <a:lnSpc>
+                <a:spcPct val="90000"/>
+              </a:lnSpc>
+              <a:spcBef>
+                <a:spcPct val="0"/>
+              </a:spcBef>
+              <a:buNone/>
+              <a:defRPr sz="4400" kern="1200">
+                <a:solidFill>
+                  <a:schemeClr val="tx1"/>
+                </a:solidFill>
+                <a:latin typeface="+mj-lt"/>
+                <a:ea typeface="+mj-ea"/>
+                <a:cs typeface="+mj-cs"/>
+              </a:defRPr>
+            </a:lvl1pPr>
+          </a:lstStyle>
+          <a:p>
+            <a:pPr algn="ctr"/>
+            <a:r>
+              <a:rPr lang="ru-RU" sz="3200" dirty="0">
+                <a:latin typeface="HSE Sans" panose="02000000000000000000" pitchFamily="2" charset="0"/>
+              </a:rPr>
+              <a:t>Запрос в </a:t>
+            </a:r>
+            <a:r>
+              <a:rPr lang="en-US" sz="3200" dirty="0">
+                <a:latin typeface="HSE Sans" panose="02000000000000000000" pitchFamily="2" charset="0"/>
+              </a:rPr>
+              <a:t>Google Maps API</a:t>
+            </a:r>
+            <a:endParaRPr lang="ru-RU" sz="3200" dirty="0">
               <a:latin typeface="HSE Sans" panose="02000000000000000000" pitchFamily="2" charset="0"/>
             </a:endParaRPr>
+          </a:p>
+        </p:txBody>
+      </p:sp>
+      <p:cxnSp>
+        <p:nvCxnSpPr>
+          <p:cNvPr id="8" name="Прямая со стрелкой 7">
+            <a:extLst>
+              <a:ext uri="{FF2B5EF4-FFF2-40B4-BE49-F238E27FC236}">
+                <a16:creationId xmlns:a16="http://schemas.microsoft.com/office/drawing/2014/main" id="{3A02CBC6-7796-BE6A-8AF9-DA68FC56757E}"/>
+              </a:ext>
+            </a:extLst>
+          </p:cNvPr>
+          <p:cNvCxnSpPr>
+            <a:cxnSpLocks/>
+            <a:stCxn id="7" idx="2"/>
+          </p:cNvCxnSpPr>
+          <p:nvPr/>
+        </p:nvCxnSpPr>
+        <p:spPr>
+          <a:xfrm>
+            <a:off x="8886497" y="2606566"/>
+            <a:ext cx="0" cy="1481958"/>
+          </a:xfrm>
+          <a:prstGeom prst="straightConnector1">
+            <a:avLst/>
+          </a:prstGeom>
+          <a:ln>
+            <a:tailEnd type="triangle"/>
+          </a:ln>
+        </p:spPr>
+        <p:style>
+          <a:lnRef idx="3">
+            <a:schemeClr val="dk1"/>
+          </a:lnRef>
+          <a:fillRef idx="0">
+            <a:schemeClr val="dk1"/>
+          </a:fillRef>
+          <a:effectRef idx="2">
+            <a:schemeClr val="dk1"/>
+          </a:effectRef>
+          <a:fontRef idx="minor">
+            <a:schemeClr val="tx1"/>
+          </a:fontRef>
+        </p:style>
+      </p:cxnSp>
+      <p:sp>
+        <p:nvSpPr>
+          <p:cNvPr id="11" name="Заголовок 1">
+            <a:extLst>
+              <a:ext uri="{FF2B5EF4-FFF2-40B4-BE49-F238E27FC236}">
+                <a16:creationId xmlns:a16="http://schemas.microsoft.com/office/drawing/2014/main" id="{ED921B46-47FA-A74B-8367-EFC16F942101}"/>
+              </a:ext>
+            </a:extLst>
+          </p:cNvPr>
+          <p:cNvSpPr txBox="1">
+            <a:spLocks/>
+          </p:cNvSpPr>
+          <p:nvPr/>
+        </p:nvSpPr>
+        <p:spPr>
+          <a:xfrm>
+            <a:off x="6915807" y="4251434"/>
+            <a:ext cx="3941380" cy="1269233"/>
+          </a:xfrm>
+          <a:prstGeom prst="rect">
+            <a:avLst/>
+          </a:prstGeom>
+        </p:spPr>
+        <p:txBody>
+          <a:bodyPr vert="horz" lIns="91440" tIns="45720" rIns="91440" bIns="45720" rtlCol="0" anchor="ctr">
+            <a:normAutofit/>
+          </a:bodyPr>
+          <a:lstStyle>
+            <a:lvl1pPr algn="l" defTabSz="914400" rtl="0" eaLnBrk="1" latinLnBrk="0" hangingPunct="1">
+              <a:lnSpc>
+                <a:spcPct val="90000"/>
+              </a:lnSpc>
+              <a:spcBef>
+                <a:spcPct val="0"/>
+              </a:spcBef>
+              <a:buNone/>
+              <a:defRPr sz="4400" kern="1200">
+                <a:solidFill>
+                  <a:schemeClr val="tx1"/>
+                </a:solidFill>
+                <a:latin typeface="+mj-lt"/>
+                <a:ea typeface="+mj-ea"/>
+                <a:cs typeface="+mj-cs"/>
+              </a:defRPr>
+            </a:lvl1pPr>
+          </a:lstStyle>
+          <a:p>
+            <a:pPr algn="ctr"/>
+            <a:r>
+              <a:rPr lang="ru-RU" sz="3200" dirty="0">
+                <a:latin typeface="HSE Sans" panose="02000000000000000000" pitchFamily="2" charset="0"/>
+              </a:rPr>
+              <a:t>Запрос в </a:t>
+            </a:r>
+            <a:r>
+              <a:rPr lang="en-US" sz="3200" dirty="0">
+                <a:latin typeface="HSE Sans" panose="02000000000000000000" pitchFamily="2" charset="0"/>
+              </a:rPr>
+              <a:t>Google Maps Photos API</a:t>
+            </a:r>
+            <a:endParaRPr lang="ru-RU" sz="3200" dirty="0">
+              <a:latin typeface="HSE Sans" panose="02000000000000000000" pitchFamily="2" charset="0"/>
+            </a:endParaRPr>
+          </a:p>
+        </p:txBody>
+      </p:sp>
+      <p:cxnSp>
+        <p:nvCxnSpPr>
+          <p:cNvPr id="12" name="Прямая со стрелкой 11">
+            <a:extLst>
+              <a:ext uri="{FF2B5EF4-FFF2-40B4-BE49-F238E27FC236}">
+                <a16:creationId xmlns:a16="http://schemas.microsoft.com/office/drawing/2014/main" id="{AD62E1BF-89C0-88CC-FD91-4590A7B0A00B}"/>
+              </a:ext>
+            </a:extLst>
+          </p:cNvPr>
+          <p:cNvCxnSpPr>
+            <a:cxnSpLocks/>
+            <a:stCxn id="11" idx="1"/>
+          </p:cNvCxnSpPr>
+          <p:nvPr/>
+        </p:nvCxnSpPr>
+        <p:spPr>
+          <a:xfrm flipH="1">
+            <a:off x="4519448" y="4886051"/>
+            <a:ext cx="2396359" cy="0"/>
+          </a:xfrm>
+          <a:prstGeom prst="straightConnector1">
+            <a:avLst/>
+          </a:prstGeom>
+          <a:ln>
+            <a:tailEnd type="triangle"/>
+          </a:ln>
+        </p:spPr>
+        <p:style>
+          <a:lnRef idx="3">
+            <a:schemeClr val="dk1"/>
+          </a:lnRef>
+          <a:fillRef idx="0">
+            <a:schemeClr val="dk1"/>
+          </a:fillRef>
+          <a:effectRef idx="2">
+            <a:schemeClr val="dk1"/>
+          </a:effectRef>
+          <a:fontRef idx="minor">
+            <a:schemeClr val="tx1"/>
+          </a:fontRef>
+        </p:style>
+      </p:cxnSp>
+      <p:sp>
+        <p:nvSpPr>
+          <p:cNvPr id="15" name="Заголовок 1">
+            <a:extLst>
+              <a:ext uri="{FF2B5EF4-FFF2-40B4-BE49-F238E27FC236}">
+                <a16:creationId xmlns:a16="http://schemas.microsoft.com/office/drawing/2014/main" id="{B190CEBB-CA9A-67FC-3426-59F0EEE89DEC}"/>
+              </a:ext>
+            </a:extLst>
+          </p:cNvPr>
+          <p:cNvSpPr txBox="1">
+            <a:spLocks/>
+          </p:cNvSpPr>
+          <p:nvPr/>
+        </p:nvSpPr>
+        <p:spPr>
+          <a:xfrm>
+            <a:off x="441434" y="4251433"/>
+            <a:ext cx="3941380" cy="1269233"/>
+          </a:xfrm>
+          <a:prstGeom prst="rect">
+            <a:avLst/>
+          </a:prstGeom>
+        </p:spPr>
+        <p:txBody>
+          <a:bodyPr vert="horz" lIns="91440" tIns="45720" rIns="91440" bIns="45720" rtlCol="0" anchor="ctr">
+            <a:normAutofit/>
+          </a:bodyPr>
+          <a:lstStyle>
+            <a:lvl1pPr algn="l" defTabSz="914400" rtl="0" eaLnBrk="1" latinLnBrk="0" hangingPunct="1">
+              <a:lnSpc>
+                <a:spcPct val="90000"/>
+              </a:lnSpc>
+              <a:spcBef>
+                <a:spcPct val="0"/>
+              </a:spcBef>
+              <a:buNone/>
+              <a:defRPr sz="4400" kern="1200">
+                <a:solidFill>
+                  <a:schemeClr val="tx1"/>
+                </a:solidFill>
+                <a:latin typeface="+mj-lt"/>
+                <a:ea typeface="+mj-ea"/>
+                <a:cs typeface="+mj-cs"/>
+              </a:defRPr>
+            </a:lvl1pPr>
+          </a:lstStyle>
+          <a:p>
+            <a:pPr algn="ctr"/>
+            <a:r>
+              <a:rPr lang="ru-RU" sz="3200" dirty="0">
+                <a:latin typeface="HSE Sans" panose="02000000000000000000" pitchFamily="2" charset="0"/>
+              </a:rPr>
+              <a:t>Выдача случайных фотографий</a:t>
+            </a:r>
           </a:p>
         </p:txBody>
       </p:sp>
     </p:spTree>
     <p:extLst>
       <p:ext uri="{BB962C8B-B14F-4D97-AF65-F5344CB8AC3E}">
-        <p14:creationId xmlns:p14="http://schemas.microsoft.com/office/powerpoint/2010/main" val="4118145410"/>
+        <p14:creationId xmlns:p14="http://schemas.microsoft.com/office/powerpoint/2010/main" val="2966452075"/>
       </p:ext>
     </p:extLst>
   </p:cSld>
@@ -4229,12 +5386,12 @@
         </p:nvSpPr>
         <p:spPr>
           <a:xfrm>
-            <a:off x="441433" y="435458"/>
-            <a:ext cx="10562897" cy="1298750"/>
-          </a:xfrm>
-        </p:spPr>
-        <p:txBody>
-          <a:bodyPr anchor="t">
+            <a:off x="441434" y="435458"/>
+            <a:ext cx="6926318" cy="803288"/>
+          </a:xfrm>
+        </p:spPr>
+        <p:txBody>
+          <a:bodyPr>
             <a:normAutofit/>
           </a:bodyPr>
           <a:lstStyle/>
@@ -4243,29 +5400,44 @@
               <a:rPr lang="ru-RU" b="1" dirty="0">
                 <a:latin typeface="HSE Sans" panose="02000000000000000000" pitchFamily="2" charset="0"/>
               </a:rPr>
-              <a:t>Хостинг</a:t>
-            </a:r>
-            <a:br>
-              <a:rPr lang="ru-RU" b="1" dirty="0">
-                <a:latin typeface="HSE Sans" panose="02000000000000000000" pitchFamily="2" charset="0"/>
-              </a:rPr>
-            </a:br>
-            <a:r>
-              <a:rPr lang="ru-RU" sz="3200" i="1" dirty="0">
-                <a:latin typeface="HSE Sans" panose="02000000000000000000" pitchFamily="2" charset="0"/>
-              </a:rPr>
-              <a:t>Наталья Югансон</a:t>
-            </a:r>
-            <a:endParaRPr lang="ru-RU" b="1" i="1" dirty="0">
-              <a:latin typeface="HSE Sans" panose="02000000000000000000" pitchFamily="2" charset="0"/>
-            </a:endParaRPr>
-          </a:p>
-        </p:txBody>
-      </p:sp>
+              <a:t>Выдача фотографий</a:t>
+            </a:r>
+          </a:p>
+        </p:txBody>
+      </p:sp>
+      <p:pic>
+        <p:nvPicPr>
+          <p:cNvPr id="14" name="Рисунок 13">
+            <a:extLst>
+              <a:ext uri="{FF2B5EF4-FFF2-40B4-BE49-F238E27FC236}">
+                <a16:creationId xmlns:a16="http://schemas.microsoft.com/office/drawing/2014/main" id="{93A08D01-7C8A-2BCF-80B4-505BF90CA66A}"/>
+              </a:ext>
+            </a:extLst>
+          </p:cNvPr>
+          <p:cNvPicPr>
+            <a:picLocks noChangeAspect="1"/>
+          </p:cNvPicPr>
+          <p:nvPr/>
+        </p:nvPicPr>
+        <p:blipFill rotWithShape="1">
+          <a:blip r:embed="rId2"/>
+          <a:srcRect r="49274"/>
+          <a:stretch/>
+        </p:blipFill>
+        <p:spPr>
+          <a:xfrm>
+            <a:off x="339396" y="1337333"/>
+            <a:ext cx="3941371" cy="2163600"/>
+          </a:xfrm>
+          <a:prstGeom prst="rect">
+            <a:avLst/>
+          </a:prstGeom>
+        </p:spPr>
+      </p:pic>
     </p:spTree>
     <p:extLst>
       <p:ext uri="{BB962C8B-B14F-4D97-AF65-F5344CB8AC3E}">
-        <p14:creationId xmlns:p14="http://schemas.microsoft.com/office/powerpoint/2010/main" val="2046649465"/>
+        <p14:creationId xmlns:p14="http://schemas.microsoft.com/office/powerpoint/2010/main" val="3844465409"/>
       </p:ext>
     </p:extLst>
   </p:cSld>
@@ -4324,159 +5496,1139 @@
               <a:rPr lang="ru-RU" b="1" dirty="0">
                 <a:latin typeface="HSE Sans" panose="02000000000000000000" pitchFamily="2" charset="0"/>
               </a:rPr>
-              <a:t>Проблемы проекта</a:t>
-            </a:r>
-          </a:p>
-        </p:txBody>
-      </p:sp>
-      <p:sp>
-        <p:nvSpPr>
-          <p:cNvPr id="2" name="Заголовок 1">
-            <a:extLst>
-              <a:ext uri="{FF2B5EF4-FFF2-40B4-BE49-F238E27FC236}">
-                <a16:creationId xmlns:a16="http://schemas.microsoft.com/office/drawing/2014/main" id="{D2984469-DCAD-0CBC-3188-E93055F0C2BD}"/>
-              </a:ext>
-            </a:extLst>
-          </p:cNvPr>
-          <p:cNvSpPr txBox="1">
-            <a:spLocks/>
-          </p:cNvSpPr>
+              <a:t>Выдача фотографий</a:t>
+            </a:r>
+          </a:p>
+        </p:txBody>
+      </p:sp>
+      <p:cxnSp>
+        <p:nvCxnSpPr>
+          <p:cNvPr id="6" name="Прямая со стрелкой 5">
+            <a:extLst>
+              <a:ext uri="{FF2B5EF4-FFF2-40B4-BE49-F238E27FC236}">
+                <a16:creationId xmlns:a16="http://schemas.microsoft.com/office/drawing/2014/main" id="{178125AD-28CD-5611-F201-383BA54BCC6C}"/>
+              </a:ext>
+            </a:extLst>
+          </p:cNvPr>
+          <p:cNvCxnSpPr>
+            <a:cxnSpLocks/>
+            <a:stCxn id="14" idx="3"/>
+          </p:cNvCxnSpPr>
           <p:nvPr/>
-        </p:nvSpPr>
-        <p:spPr>
-          <a:xfrm>
-            <a:off x="441433" y="1337334"/>
-            <a:ext cx="11183008" cy="1195660"/>
+        </p:nvCxnSpPr>
+        <p:spPr>
+          <a:xfrm flipV="1">
+            <a:off x="4280767" y="2404627"/>
+            <a:ext cx="1436860" cy="14506"/>
+          </a:xfrm>
+          <a:prstGeom prst="straightConnector1">
+            <a:avLst/>
+          </a:prstGeom>
+          <a:ln>
+            <a:tailEnd type="triangle"/>
+          </a:ln>
+        </p:spPr>
+        <p:style>
+          <a:lnRef idx="3">
+            <a:schemeClr val="dk1"/>
+          </a:lnRef>
+          <a:fillRef idx="0">
+            <a:schemeClr val="dk1"/>
+          </a:fillRef>
+          <a:effectRef idx="2">
+            <a:schemeClr val="dk1"/>
+          </a:effectRef>
+          <a:fontRef idx="minor">
+            <a:schemeClr val="tx1"/>
+          </a:fontRef>
+        </p:style>
+      </p:cxnSp>
+      <p:pic>
+        <p:nvPicPr>
+          <p:cNvPr id="14" name="Рисунок 13">
+            <a:extLst>
+              <a:ext uri="{FF2B5EF4-FFF2-40B4-BE49-F238E27FC236}">
+                <a16:creationId xmlns:a16="http://schemas.microsoft.com/office/drawing/2014/main" id="{93A08D01-7C8A-2BCF-80B4-505BF90CA66A}"/>
+              </a:ext>
+            </a:extLst>
+          </p:cNvPr>
+          <p:cNvPicPr>
+            <a:picLocks noChangeAspect="1"/>
+          </p:cNvPicPr>
+          <p:nvPr/>
+        </p:nvPicPr>
+        <p:blipFill rotWithShape="1">
+          <a:blip r:embed="rId2"/>
+          <a:srcRect r="49274"/>
+          <a:stretch/>
+        </p:blipFill>
+        <p:spPr>
+          <a:xfrm>
+            <a:off x="339396" y="1337333"/>
+            <a:ext cx="3941371" cy="2163600"/>
           </a:xfrm>
           <a:prstGeom prst="rect">
             <a:avLst/>
           </a:prstGeom>
         </p:spPr>
-        <p:txBody>
-          <a:bodyPr vert="horz" lIns="91440" tIns="45720" rIns="91440" bIns="45720" rtlCol="0" anchor="t">
-            <a:normAutofit/>
-          </a:bodyPr>
-          <a:lstStyle>
-            <a:lvl1pPr algn="l" defTabSz="914400" rtl="0" eaLnBrk="1" latinLnBrk="0" hangingPunct="1">
-              <a:lnSpc>
-                <a:spcPct val="90000"/>
-              </a:lnSpc>
-              <a:spcBef>
-                <a:spcPct val="0"/>
-              </a:spcBef>
-              <a:buNone/>
-              <a:defRPr sz="4400" kern="1200">
-                <a:solidFill>
-                  <a:schemeClr val="tx1"/>
-                </a:solidFill>
-                <a:latin typeface="+mj-lt"/>
-                <a:ea typeface="+mj-ea"/>
-                <a:cs typeface="+mj-cs"/>
-              </a:defRPr>
-            </a:lvl1pPr>
-          </a:lstStyle>
-          <a:p>
-            <a:pPr marL="571500" indent="-571500">
-              <a:buFont typeface="Arial" panose="020B0604020202020204" pitchFamily="34" charset="0"/>
-              <a:buChar char="•"/>
-            </a:pPr>
-            <a:r>
-              <a:rPr lang="ru-RU" sz="3600" dirty="0">
-                <a:latin typeface="HSE Sans" panose="02000000000000000000" pitchFamily="2" charset="0"/>
-              </a:rPr>
-              <a:t>Ограничение запросов в </a:t>
-            </a:r>
-            <a:r>
-              <a:rPr lang="en-US" sz="3600" dirty="0">
-                <a:latin typeface="HSE Sans" panose="02000000000000000000" pitchFamily="2" charset="0"/>
-              </a:rPr>
-              <a:t>API</a:t>
-            </a:r>
-            <a:r>
-              <a:rPr lang="ru-RU" sz="3600" dirty="0">
-                <a:latin typeface="HSE Sans" panose="02000000000000000000" pitchFamily="2" charset="0"/>
-              </a:rPr>
-              <a:t> по количеству</a:t>
-            </a:r>
-            <a:r>
-              <a:rPr lang="en-US" sz="3600" dirty="0">
-                <a:latin typeface="HSE Sans" panose="02000000000000000000" pitchFamily="2" charset="0"/>
-              </a:rPr>
-              <a:t> (100</a:t>
-            </a:r>
-            <a:r>
-              <a:rPr lang="ru-RU" sz="3600" dirty="0">
-                <a:latin typeface="HSE Sans" panose="02000000000000000000" pitchFamily="2" charset="0"/>
-              </a:rPr>
-              <a:t> в месяц) и скорости</a:t>
-            </a:r>
-          </a:p>
-        </p:txBody>
-      </p:sp>
-      <p:sp>
-        <p:nvSpPr>
-          <p:cNvPr id="4" name="Заголовок 1">
-            <a:extLst>
-              <a:ext uri="{FF2B5EF4-FFF2-40B4-BE49-F238E27FC236}">
-                <a16:creationId xmlns:a16="http://schemas.microsoft.com/office/drawing/2014/main" id="{1CE4FFE6-AAC6-71DD-3303-1B88D35B0E28}"/>
-              </a:ext>
-            </a:extLst>
-          </p:cNvPr>
-          <p:cNvSpPr txBox="1">
-            <a:spLocks/>
-          </p:cNvSpPr>
+      </p:pic>
+      <p:pic>
+        <p:nvPicPr>
+          <p:cNvPr id="4" name="Рисунок 3">
+            <a:extLst>
+              <a:ext uri="{FF2B5EF4-FFF2-40B4-BE49-F238E27FC236}">
+                <a16:creationId xmlns:a16="http://schemas.microsoft.com/office/drawing/2014/main" id="{5231A7FA-5A34-582E-5C64-4FC2E45EF420}"/>
+              </a:ext>
+            </a:extLst>
+          </p:cNvPr>
+          <p:cNvPicPr>
+            <a:picLocks noChangeAspect="1"/>
+          </p:cNvPicPr>
           <p:nvPr/>
-        </p:nvSpPr>
-        <p:spPr>
-          <a:xfrm>
-            <a:off x="441433" y="2631582"/>
-            <a:ext cx="11183008" cy="1195660"/>
+        </p:nvPicPr>
+        <p:blipFill rotWithShape="1">
+          <a:blip r:embed="rId3"/>
+          <a:srcRect l="100" t="-56" r="30281" b="56"/>
+          <a:stretch/>
+        </p:blipFill>
+        <p:spPr>
+          <a:xfrm>
+            <a:off x="6299580" y="1256513"/>
+            <a:ext cx="5173832" cy="2325239"/>
           </a:xfrm>
           <a:prstGeom prst="rect">
             <a:avLst/>
           </a:prstGeom>
         </p:spPr>
-        <p:txBody>
-          <a:bodyPr vert="horz" lIns="91440" tIns="45720" rIns="91440" bIns="45720" rtlCol="0" anchor="t">
-            <a:normAutofit/>
-          </a:bodyPr>
-          <a:lstStyle>
-            <a:lvl1pPr algn="l" defTabSz="914400" rtl="0" eaLnBrk="1" latinLnBrk="0" hangingPunct="1">
-              <a:lnSpc>
-                <a:spcPct val="90000"/>
-              </a:lnSpc>
-              <a:spcBef>
-                <a:spcPct val="0"/>
-              </a:spcBef>
-              <a:buNone/>
-              <a:defRPr sz="4400" kern="1200">
-                <a:solidFill>
-                  <a:schemeClr val="tx1"/>
-                </a:solidFill>
-                <a:latin typeface="+mj-lt"/>
-                <a:ea typeface="+mj-ea"/>
-                <a:cs typeface="+mj-cs"/>
-              </a:defRPr>
-            </a:lvl1pPr>
-          </a:lstStyle>
-          <a:p>
-            <a:pPr marL="571500" indent="-571500">
-              <a:buFont typeface="Arial" panose="020B0604020202020204" pitchFamily="34" charset="0"/>
-              <a:buChar char="•"/>
-            </a:pPr>
-            <a:r>
-              <a:rPr lang="ru-RU" sz="3600" dirty="0">
-                <a:latin typeface="HSE Sans" panose="02000000000000000000" pitchFamily="2" charset="0"/>
-              </a:rPr>
-              <a:t>Возможна выдача неадекватных фотографий, не позволяющих угадать город или страну</a:t>
-            </a:r>
-          </a:p>
-        </p:txBody>
-      </p:sp>
+      </p:pic>
     </p:spTree>
     <p:extLst>
       <p:ext uri="{BB962C8B-B14F-4D97-AF65-F5344CB8AC3E}">
-        <p14:creationId xmlns:p14="http://schemas.microsoft.com/office/powerpoint/2010/main" val="290659439"/>
+        <p14:creationId xmlns:p14="http://schemas.microsoft.com/office/powerpoint/2010/main" val="1002720549"/>
+      </p:ext>
+    </p:extLst>
+  </p:cSld>
+  <p:clrMapOvr>
+    <a:masterClrMapping/>
+  </p:clrMapOvr>
+</p:sld>
+</file>
+
+<file path=ppt/slides/slide16.xml><?xml version="1.0" encoding="utf-8"?>
+<p:sld xmlns:a="http://schemas.openxmlformats.org/drawingml/2006/main" xmlns:r="http://schemas.openxmlformats.org/officeDocument/2006/relationships" xmlns:p="http://schemas.openxmlformats.org/presentationml/2006/main">
+  <p:cSld>
+    <p:spTree>
+      <p:nvGrpSpPr>
+        <p:cNvPr id="1" name=""/>
+        <p:cNvGrpSpPr/>
+        <p:nvPr/>
+      </p:nvGrpSpPr>
+      <p:grpSpPr>
+        <a:xfrm>
+          <a:off x="0" y="0"/>
+          <a:ext cx="0" cy="0"/>
+          <a:chOff x="0" y="0"/>
+          <a:chExt cx="0" cy="0"/>
+        </a:xfrm>
+      </p:grpSpPr>
+      <p:sp>
+        <p:nvSpPr>
+          <p:cNvPr id="3" name="Заголовок 1">
+            <a:extLst>
+              <a:ext uri="{FF2B5EF4-FFF2-40B4-BE49-F238E27FC236}">
+                <a16:creationId xmlns:a16="http://schemas.microsoft.com/office/drawing/2014/main" id="{A7074DAD-2A23-436E-07F1-567E65A194CB}"/>
+              </a:ext>
+            </a:extLst>
+          </p:cNvPr>
+          <p:cNvSpPr>
+            <a:spLocks noGrp="1"/>
+          </p:cNvSpPr>
+          <p:nvPr>
+            <p:ph type="title"/>
+          </p:nvPr>
+        </p:nvSpPr>
+        <p:spPr>
+          <a:xfrm>
+            <a:off x="441434" y="435458"/>
+            <a:ext cx="6926318" cy="803288"/>
+          </a:xfrm>
+        </p:spPr>
+        <p:txBody>
+          <a:bodyPr>
+            <a:normAutofit/>
+          </a:bodyPr>
+          <a:lstStyle/>
+          <a:p>
+            <a:r>
+              <a:rPr lang="ru-RU" b="1" dirty="0">
+                <a:latin typeface="HSE Sans" panose="02000000000000000000" pitchFamily="2" charset="0"/>
+              </a:rPr>
+              <a:t>Выдача фотографий</a:t>
+            </a:r>
+          </a:p>
+        </p:txBody>
+      </p:sp>
+      <p:cxnSp>
+        <p:nvCxnSpPr>
+          <p:cNvPr id="6" name="Прямая со стрелкой 5">
+            <a:extLst>
+              <a:ext uri="{FF2B5EF4-FFF2-40B4-BE49-F238E27FC236}">
+                <a16:creationId xmlns:a16="http://schemas.microsoft.com/office/drawing/2014/main" id="{178125AD-28CD-5611-F201-383BA54BCC6C}"/>
+              </a:ext>
+            </a:extLst>
+          </p:cNvPr>
+          <p:cNvCxnSpPr>
+            <a:cxnSpLocks/>
+            <a:stCxn id="14" idx="3"/>
+          </p:cNvCxnSpPr>
+          <p:nvPr/>
+        </p:nvCxnSpPr>
+        <p:spPr>
+          <a:xfrm flipV="1">
+            <a:off x="4280767" y="2404627"/>
+            <a:ext cx="1436860" cy="14506"/>
+          </a:xfrm>
+          <a:prstGeom prst="straightConnector1">
+            <a:avLst/>
+          </a:prstGeom>
+          <a:ln>
+            <a:tailEnd type="triangle"/>
+          </a:ln>
+        </p:spPr>
+        <p:style>
+          <a:lnRef idx="3">
+            <a:schemeClr val="dk1"/>
+          </a:lnRef>
+          <a:fillRef idx="0">
+            <a:schemeClr val="dk1"/>
+          </a:fillRef>
+          <a:effectRef idx="2">
+            <a:schemeClr val="dk1"/>
+          </a:effectRef>
+          <a:fontRef idx="minor">
+            <a:schemeClr val="tx1"/>
+          </a:fontRef>
+        </p:style>
+      </p:cxnSp>
+      <p:cxnSp>
+        <p:nvCxnSpPr>
+          <p:cNvPr id="8" name="Прямая со стрелкой 7">
+            <a:extLst>
+              <a:ext uri="{FF2B5EF4-FFF2-40B4-BE49-F238E27FC236}">
+                <a16:creationId xmlns:a16="http://schemas.microsoft.com/office/drawing/2014/main" id="{3A02CBC6-7796-BE6A-8AF9-DA68FC56757E}"/>
+              </a:ext>
+            </a:extLst>
+          </p:cNvPr>
+          <p:cNvCxnSpPr>
+            <a:cxnSpLocks/>
+          </p:cNvCxnSpPr>
+          <p:nvPr/>
+        </p:nvCxnSpPr>
+        <p:spPr>
+          <a:xfrm>
+            <a:off x="8886497" y="3925612"/>
+            <a:ext cx="0" cy="960437"/>
+          </a:xfrm>
+          <a:prstGeom prst="straightConnector1">
+            <a:avLst/>
+          </a:prstGeom>
+          <a:ln>
+            <a:tailEnd type="triangle"/>
+          </a:ln>
+        </p:spPr>
+        <p:style>
+          <a:lnRef idx="3">
+            <a:schemeClr val="dk1"/>
+          </a:lnRef>
+          <a:fillRef idx="0">
+            <a:schemeClr val="dk1"/>
+          </a:fillRef>
+          <a:effectRef idx="2">
+            <a:schemeClr val="dk1"/>
+          </a:effectRef>
+          <a:fontRef idx="minor">
+            <a:schemeClr val="tx1"/>
+          </a:fontRef>
+        </p:style>
+      </p:cxnSp>
+      <p:pic>
+        <p:nvPicPr>
+          <p:cNvPr id="14" name="Рисунок 13">
+            <a:extLst>
+              <a:ext uri="{FF2B5EF4-FFF2-40B4-BE49-F238E27FC236}">
+                <a16:creationId xmlns:a16="http://schemas.microsoft.com/office/drawing/2014/main" id="{93A08D01-7C8A-2BCF-80B4-505BF90CA66A}"/>
+              </a:ext>
+            </a:extLst>
+          </p:cNvPr>
+          <p:cNvPicPr>
+            <a:picLocks noChangeAspect="1"/>
+          </p:cNvPicPr>
+          <p:nvPr/>
+        </p:nvPicPr>
+        <p:blipFill rotWithShape="1">
+          <a:blip r:embed="rId2"/>
+          <a:srcRect r="49274"/>
+          <a:stretch/>
+        </p:blipFill>
+        <p:spPr>
+          <a:xfrm>
+            <a:off x="339396" y="1337333"/>
+            <a:ext cx="3941371" cy="2163600"/>
+          </a:xfrm>
+          <a:prstGeom prst="rect">
+            <a:avLst/>
+          </a:prstGeom>
+        </p:spPr>
+      </p:pic>
+      <p:pic>
+        <p:nvPicPr>
+          <p:cNvPr id="23" name="Рисунок 22">
+            <a:extLst>
+              <a:ext uri="{FF2B5EF4-FFF2-40B4-BE49-F238E27FC236}">
+                <a16:creationId xmlns:a16="http://schemas.microsoft.com/office/drawing/2014/main" id="{ADDDFB4A-70B2-EFAD-C2FA-83EFC0C2879A}"/>
+              </a:ext>
+            </a:extLst>
+          </p:cNvPr>
+          <p:cNvPicPr>
+            <a:picLocks noChangeAspect="1"/>
+          </p:cNvPicPr>
+          <p:nvPr/>
+        </p:nvPicPr>
+        <p:blipFill>
+          <a:blip r:embed="rId3"/>
+          <a:stretch>
+            <a:fillRect/>
+          </a:stretch>
+        </p:blipFill>
+        <p:spPr>
+          <a:xfrm>
+            <a:off x="6180963" y="5050990"/>
+            <a:ext cx="5411067" cy="557363"/>
+          </a:xfrm>
+          <a:prstGeom prst="rect">
+            <a:avLst/>
+          </a:prstGeom>
+        </p:spPr>
+      </p:pic>
+      <p:pic>
+        <p:nvPicPr>
+          <p:cNvPr id="4" name="Рисунок 3">
+            <a:extLst>
+              <a:ext uri="{FF2B5EF4-FFF2-40B4-BE49-F238E27FC236}">
+                <a16:creationId xmlns:a16="http://schemas.microsoft.com/office/drawing/2014/main" id="{5231A7FA-5A34-582E-5C64-4FC2E45EF420}"/>
+              </a:ext>
+            </a:extLst>
+          </p:cNvPr>
+          <p:cNvPicPr>
+            <a:picLocks noChangeAspect="1"/>
+          </p:cNvPicPr>
+          <p:nvPr/>
+        </p:nvPicPr>
+        <p:blipFill rotWithShape="1">
+          <a:blip r:embed="rId4"/>
+          <a:srcRect l="100" t="-56" r="30281" b="56"/>
+          <a:stretch/>
+        </p:blipFill>
+        <p:spPr>
+          <a:xfrm>
+            <a:off x="6299580" y="1256513"/>
+            <a:ext cx="5173832" cy="2325239"/>
+          </a:xfrm>
+          <a:prstGeom prst="rect">
+            <a:avLst/>
+          </a:prstGeom>
+        </p:spPr>
+      </p:pic>
+    </p:spTree>
+    <p:extLst>
+      <p:ext uri="{BB962C8B-B14F-4D97-AF65-F5344CB8AC3E}">
+        <p14:creationId xmlns:p14="http://schemas.microsoft.com/office/powerpoint/2010/main" val="2297161882"/>
+      </p:ext>
+    </p:extLst>
+  </p:cSld>
+  <p:clrMapOvr>
+    <a:masterClrMapping/>
+  </p:clrMapOvr>
+</p:sld>
+</file>
+
+<file path=ppt/slides/slide17.xml><?xml version="1.0" encoding="utf-8"?>
+<p:sld xmlns:a="http://schemas.openxmlformats.org/drawingml/2006/main" xmlns:r="http://schemas.openxmlformats.org/officeDocument/2006/relationships" xmlns:p="http://schemas.openxmlformats.org/presentationml/2006/main">
+  <p:cSld>
+    <p:spTree>
+      <p:nvGrpSpPr>
+        <p:cNvPr id="1" name=""/>
+        <p:cNvGrpSpPr/>
+        <p:nvPr/>
+      </p:nvGrpSpPr>
+      <p:grpSpPr>
+        <a:xfrm>
+          <a:off x="0" y="0"/>
+          <a:ext cx="0" cy="0"/>
+          <a:chOff x="0" y="0"/>
+          <a:chExt cx="0" cy="0"/>
+        </a:xfrm>
+      </p:grpSpPr>
+      <p:sp>
+        <p:nvSpPr>
+          <p:cNvPr id="3" name="Заголовок 1">
+            <a:extLst>
+              <a:ext uri="{FF2B5EF4-FFF2-40B4-BE49-F238E27FC236}">
+                <a16:creationId xmlns:a16="http://schemas.microsoft.com/office/drawing/2014/main" id="{A7074DAD-2A23-436E-07F1-567E65A194CB}"/>
+              </a:ext>
+            </a:extLst>
+          </p:cNvPr>
+          <p:cNvSpPr>
+            <a:spLocks noGrp="1"/>
+          </p:cNvSpPr>
+          <p:nvPr>
+            <p:ph type="title"/>
+          </p:nvPr>
+        </p:nvSpPr>
+        <p:spPr>
+          <a:xfrm>
+            <a:off x="441434" y="435458"/>
+            <a:ext cx="6926318" cy="803288"/>
+          </a:xfrm>
+        </p:spPr>
+        <p:txBody>
+          <a:bodyPr>
+            <a:normAutofit/>
+          </a:bodyPr>
+          <a:lstStyle/>
+          <a:p>
+            <a:r>
+              <a:rPr lang="ru-RU" b="1" dirty="0">
+                <a:latin typeface="HSE Sans" panose="02000000000000000000" pitchFamily="2" charset="0"/>
+              </a:rPr>
+              <a:t>Выдача фотографий</a:t>
+            </a:r>
+          </a:p>
+        </p:txBody>
+      </p:sp>
+      <p:cxnSp>
+        <p:nvCxnSpPr>
+          <p:cNvPr id="6" name="Прямая со стрелкой 5">
+            <a:extLst>
+              <a:ext uri="{FF2B5EF4-FFF2-40B4-BE49-F238E27FC236}">
+                <a16:creationId xmlns:a16="http://schemas.microsoft.com/office/drawing/2014/main" id="{178125AD-28CD-5611-F201-383BA54BCC6C}"/>
+              </a:ext>
+            </a:extLst>
+          </p:cNvPr>
+          <p:cNvCxnSpPr>
+            <a:cxnSpLocks/>
+            <a:stCxn id="14" idx="3"/>
+          </p:cNvCxnSpPr>
+          <p:nvPr/>
+        </p:nvCxnSpPr>
+        <p:spPr>
+          <a:xfrm flipV="1">
+            <a:off x="4280767" y="2404627"/>
+            <a:ext cx="1436860" cy="14506"/>
+          </a:xfrm>
+          <a:prstGeom prst="straightConnector1">
+            <a:avLst/>
+          </a:prstGeom>
+          <a:ln>
+            <a:tailEnd type="triangle"/>
+          </a:ln>
+        </p:spPr>
+        <p:style>
+          <a:lnRef idx="3">
+            <a:schemeClr val="dk1"/>
+          </a:lnRef>
+          <a:fillRef idx="0">
+            <a:schemeClr val="dk1"/>
+          </a:fillRef>
+          <a:effectRef idx="2">
+            <a:schemeClr val="dk1"/>
+          </a:effectRef>
+          <a:fontRef idx="minor">
+            <a:schemeClr val="tx1"/>
+          </a:fontRef>
+        </p:style>
+      </p:cxnSp>
+      <p:cxnSp>
+        <p:nvCxnSpPr>
+          <p:cNvPr id="8" name="Прямая со стрелкой 7">
+            <a:extLst>
+              <a:ext uri="{FF2B5EF4-FFF2-40B4-BE49-F238E27FC236}">
+                <a16:creationId xmlns:a16="http://schemas.microsoft.com/office/drawing/2014/main" id="{3A02CBC6-7796-BE6A-8AF9-DA68FC56757E}"/>
+              </a:ext>
+            </a:extLst>
+          </p:cNvPr>
+          <p:cNvCxnSpPr>
+            <a:cxnSpLocks/>
+          </p:cNvCxnSpPr>
+          <p:nvPr/>
+        </p:nvCxnSpPr>
+        <p:spPr>
+          <a:xfrm>
+            <a:off x="8886497" y="3925612"/>
+            <a:ext cx="0" cy="960437"/>
+          </a:xfrm>
+          <a:prstGeom prst="straightConnector1">
+            <a:avLst/>
+          </a:prstGeom>
+          <a:ln>
+            <a:tailEnd type="triangle"/>
+          </a:ln>
+        </p:spPr>
+        <p:style>
+          <a:lnRef idx="3">
+            <a:schemeClr val="dk1"/>
+          </a:lnRef>
+          <a:fillRef idx="0">
+            <a:schemeClr val="dk1"/>
+          </a:fillRef>
+          <a:effectRef idx="2">
+            <a:schemeClr val="dk1"/>
+          </a:effectRef>
+          <a:fontRef idx="minor">
+            <a:schemeClr val="tx1"/>
+          </a:fontRef>
+        </p:style>
+      </p:cxnSp>
+      <p:cxnSp>
+        <p:nvCxnSpPr>
+          <p:cNvPr id="12" name="Прямая со стрелкой 11">
+            <a:extLst>
+              <a:ext uri="{FF2B5EF4-FFF2-40B4-BE49-F238E27FC236}">
+                <a16:creationId xmlns:a16="http://schemas.microsoft.com/office/drawing/2014/main" id="{AD62E1BF-89C0-88CC-FD91-4590A7B0A00B}"/>
+              </a:ext>
+            </a:extLst>
+          </p:cNvPr>
+          <p:cNvCxnSpPr>
+            <a:cxnSpLocks/>
+          </p:cNvCxnSpPr>
+          <p:nvPr/>
+        </p:nvCxnSpPr>
+        <p:spPr>
+          <a:xfrm flipH="1">
+            <a:off x="5475890" y="5329671"/>
+            <a:ext cx="620110" cy="11246"/>
+          </a:xfrm>
+          <a:prstGeom prst="straightConnector1">
+            <a:avLst/>
+          </a:prstGeom>
+          <a:ln>
+            <a:tailEnd type="triangle"/>
+          </a:ln>
+        </p:spPr>
+        <p:style>
+          <a:lnRef idx="3">
+            <a:schemeClr val="dk1"/>
+          </a:lnRef>
+          <a:fillRef idx="0">
+            <a:schemeClr val="dk1"/>
+          </a:fillRef>
+          <a:effectRef idx="2">
+            <a:schemeClr val="dk1"/>
+          </a:effectRef>
+          <a:fontRef idx="minor">
+            <a:schemeClr val="tx1"/>
+          </a:fontRef>
+        </p:style>
+      </p:cxnSp>
+      <p:pic>
+        <p:nvPicPr>
+          <p:cNvPr id="14" name="Рисунок 13">
+            <a:extLst>
+              <a:ext uri="{FF2B5EF4-FFF2-40B4-BE49-F238E27FC236}">
+                <a16:creationId xmlns:a16="http://schemas.microsoft.com/office/drawing/2014/main" id="{93A08D01-7C8A-2BCF-80B4-505BF90CA66A}"/>
+              </a:ext>
+            </a:extLst>
+          </p:cNvPr>
+          <p:cNvPicPr>
+            <a:picLocks noChangeAspect="1"/>
+          </p:cNvPicPr>
+          <p:nvPr/>
+        </p:nvPicPr>
+        <p:blipFill rotWithShape="1">
+          <a:blip r:embed="rId2"/>
+          <a:srcRect r="49274"/>
+          <a:stretch/>
+        </p:blipFill>
+        <p:spPr>
+          <a:xfrm>
+            <a:off x="339396" y="1337333"/>
+            <a:ext cx="3941371" cy="2163600"/>
+          </a:xfrm>
+          <a:prstGeom prst="rect">
+            <a:avLst/>
+          </a:prstGeom>
+        </p:spPr>
+      </p:pic>
+      <p:pic>
+        <p:nvPicPr>
+          <p:cNvPr id="23" name="Рисунок 22">
+            <a:extLst>
+              <a:ext uri="{FF2B5EF4-FFF2-40B4-BE49-F238E27FC236}">
+                <a16:creationId xmlns:a16="http://schemas.microsoft.com/office/drawing/2014/main" id="{ADDDFB4A-70B2-EFAD-C2FA-83EFC0C2879A}"/>
+              </a:ext>
+            </a:extLst>
+          </p:cNvPr>
+          <p:cNvPicPr>
+            <a:picLocks noChangeAspect="1"/>
+          </p:cNvPicPr>
+          <p:nvPr/>
+        </p:nvPicPr>
+        <p:blipFill>
+          <a:blip r:embed="rId3"/>
+          <a:stretch>
+            <a:fillRect/>
+          </a:stretch>
+        </p:blipFill>
+        <p:spPr>
+          <a:xfrm>
+            <a:off x="6180963" y="5050990"/>
+            <a:ext cx="5411067" cy="557363"/>
+          </a:xfrm>
+          <a:prstGeom prst="rect">
+            <a:avLst/>
+          </a:prstGeom>
+        </p:spPr>
+      </p:pic>
+      <p:pic>
+        <p:nvPicPr>
+          <p:cNvPr id="4" name="Рисунок 3">
+            <a:extLst>
+              <a:ext uri="{FF2B5EF4-FFF2-40B4-BE49-F238E27FC236}">
+                <a16:creationId xmlns:a16="http://schemas.microsoft.com/office/drawing/2014/main" id="{5231A7FA-5A34-582E-5C64-4FC2E45EF420}"/>
+              </a:ext>
+            </a:extLst>
+          </p:cNvPr>
+          <p:cNvPicPr>
+            <a:picLocks noChangeAspect="1"/>
+          </p:cNvPicPr>
+          <p:nvPr/>
+        </p:nvPicPr>
+        <p:blipFill rotWithShape="1">
+          <a:blip r:embed="rId4"/>
+          <a:srcRect l="100" t="-56" r="30281" b="56"/>
+          <a:stretch/>
+        </p:blipFill>
+        <p:spPr>
+          <a:xfrm>
+            <a:off x="6299580" y="1256513"/>
+            <a:ext cx="5173832" cy="2325239"/>
+          </a:xfrm>
+          <a:prstGeom prst="rect">
+            <a:avLst/>
+          </a:prstGeom>
+        </p:spPr>
+      </p:pic>
+      <p:pic>
+        <p:nvPicPr>
+          <p:cNvPr id="10" name="Рисунок 9">
+            <a:extLst>
+              <a:ext uri="{FF2B5EF4-FFF2-40B4-BE49-F238E27FC236}">
+                <a16:creationId xmlns:a16="http://schemas.microsoft.com/office/drawing/2014/main" id="{406ADD69-94D6-EAF8-6A63-635C0829A859}"/>
+              </a:ext>
+            </a:extLst>
+          </p:cNvPr>
+          <p:cNvPicPr>
+            <a:picLocks noChangeAspect="1"/>
+          </p:cNvPicPr>
+          <p:nvPr/>
+        </p:nvPicPr>
+        <p:blipFill>
+          <a:blip r:embed="rId5"/>
+          <a:stretch>
+            <a:fillRect/>
+          </a:stretch>
+        </p:blipFill>
+        <p:spPr>
+          <a:xfrm>
+            <a:off x="452067" y="4200491"/>
+            <a:ext cx="4727501" cy="2258360"/>
+          </a:xfrm>
+          <a:prstGeom prst="rect">
+            <a:avLst/>
+          </a:prstGeom>
+        </p:spPr>
+      </p:pic>
+    </p:spTree>
+    <p:extLst>
+      <p:ext uri="{BB962C8B-B14F-4D97-AF65-F5344CB8AC3E}">
+        <p14:creationId xmlns:p14="http://schemas.microsoft.com/office/powerpoint/2010/main" val="637793569"/>
+      </p:ext>
+    </p:extLst>
+  </p:cSld>
+  <p:clrMapOvr>
+    <a:masterClrMapping/>
+  </p:clrMapOvr>
+</p:sld>
+</file>
+
+<file path=ppt/slides/slide18.xml><?xml version="1.0" encoding="utf-8"?>
+<p:sld xmlns:a="http://schemas.openxmlformats.org/drawingml/2006/main" xmlns:r="http://schemas.openxmlformats.org/officeDocument/2006/relationships" xmlns:p="http://schemas.openxmlformats.org/presentationml/2006/main">
+  <p:cSld>
+    <p:spTree>
+      <p:nvGrpSpPr>
+        <p:cNvPr id="1" name=""/>
+        <p:cNvGrpSpPr/>
+        <p:nvPr/>
+      </p:nvGrpSpPr>
+      <p:grpSpPr>
+        <a:xfrm>
+          <a:off x="0" y="0"/>
+          <a:ext cx="0" cy="0"/>
+          <a:chOff x="0" y="0"/>
+          <a:chExt cx="0" cy="0"/>
+        </a:xfrm>
+      </p:grpSpPr>
+      <p:sp>
+        <p:nvSpPr>
+          <p:cNvPr id="3" name="Заголовок 1">
+            <a:extLst>
+              <a:ext uri="{FF2B5EF4-FFF2-40B4-BE49-F238E27FC236}">
+                <a16:creationId xmlns:a16="http://schemas.microsoft.com/office/drawing/2014/main" id="{A7074DAD-2A23-436E-07F1-567E65A194CB}"/>
+              </a:ext>
+            </a:extLst>
+          </p:cNvPr>
+          <p:cNvSpPr>
+            <a:spLocks noGrp="1"/>
+          </p:cNvSpPr>
+          <p:nvPr>
+            <p:ph type="title"/>
+          </p:nvPr>
+        </p:nvSpPr>
+        <p:spPr>
+          <a:xfrm>
+            <a:off x="441433" y="435457"/>
+            <a:ext cx="10562897" cy="1445895"/>
+          </a:xfrm>
+        </p:spPr>
+        <p:txBody>
+          <a:bodyPr anchor="t">
+            <a:normAutofit/>
+          </a:bodyPr>
+          <a:lstStyle/>
+          <a:p>
+            <a:r>
+              <a:rPr lang="ru-RU" b="1" dirty="0">
+                <a:latin typeface="HSE Sans" panose="02000000000000000000" pitchFamily="2" charset="0"/>
+              </a:rPr>
+              <a:t>Проверка ответов, начисление очков</a:t>
+            </a:r>
+            <a:br>
+              <a:rPr lang="ru-RU" b="1" dirty="0">
+                <a:latin typeface="HSE Sans" panose="02000000000000000000" pitchFamily="2" charset="0"/>
+              </a:rPr>
+            </a:br>
+            <a:r>
+              <a:rPr lang="ru-RU" sz="3200" i="1" dirty="0">
+                <a:latin typeface="HSE Sans" panose="02000000000000000000" pitchFamily="2" charset="0"/>
+              </a:rPr>
+              <a:t>Глеб Хитрин, Наталья Югансон</a:t>
+            </a:r>
+            <a:endParaRPr lang="ru-RU" b="1" i="1" dirty="0">
+              <a:latin typeface="HSE Sans" panose="02000000000000000000" pitchFamily="2" charset="0"/>
+            </a:endParaRPr>
+          </a:p>
+        </p:txBody>
+      </p:sp>
+      <mc:AlternateContent xmlns:mc="http://schemas.openxmlformats.org/markup-compatibility/2006">
+        <mc:Choice xmlns:a14="http://schemas.microsoft.com/office/drawing/2010/main" Requires="a14">
+          <p:sp>
+            <p:nvSpPr>
+              <p:cNvPr id="2" name="TextBox 1">
+                <a:extLst>
+                  <a:ext uri="{FF2B5EF4-FFF2-40B4-BE49-F238E27FC236}">
+                    <a16:creationId xmlns:a16="http://schemas.microsoft.com/office/drawing/2014/main" id="{CF213824-1F2D-C9EE-3799-D6E68AA95893}"/>
+                  </a:ext>
+                </a:extLst>
+              </p:cNvPr>
+              <p:cNvSpPr txBox="1"/>
+              <p:nvPr/>
+            </p:nvSpPr>
+            <p:spPr>
+              <a:xfrm>
+                <a:off x="2315146" y="3078126"/>
+                <a:ext cx="6815470" cy="1078757"/>
+              </a:xfrm>
+              <a:prstGeom prst="rect">
+                <a:avLst/>
+              </a:prstGeom>
+              <a:noFill/>
+            </p:spPr>
+            <p:txBody>
+              <a:bodyPr wrap="square" lIns="0" tIns="0" rIns="0" bIns="0" rtlCol="0">
+                <a:spAutoFit/>
+              </a:bodyPr>
+              <a:lstStyle/>
+              <a:p>
+                <a14:m>
+                  <m:oMathPara xmlns:m="http://schemas.openxmlformats.org/officeDocument/2006/math">
+                    <m:oMathParaPr>
+                      <m:jc m:val="centerGroup"/>
+                    </m:oMathParaPr>
+                    <m:oMath xmlns:m="http://schemas.openxmlformats.org/officeDocument/2006/math">
+                      <m:r>
+                        <m:rPr>
+                          <m:nor/>
+                        </m:rPr>
+                        <a:rPr lang="en" sz="3200" smtClean="0">
+                          <a:latin typeface="HSE Sans" panose="02000000000000000000" pitchFamily="2" charset="0"/>
+                        </a:rPr>
+                        <m:t>accuracy</m:t>
+                      </m:r>
+                      <m:r>
+                        <m:rPr>
+                          <m:nor/>
+                        </m:rPr>
+                        <a:rPr lang="en" sz="3200" smtClean="0">
+                          <a:latin typeface="HSE Sans" panose="02000000000000000000" pitchFamily="2" charset="0"/>
+                        </a:rPr>
+                        <m:t> = </m:t>
+                      </m:r>
+                      <m:f>
+                        <m:fPr>
+                          <m:ctrlPr>
+                            <a:rPr lang="en" sz="3200" i="1" smtClean="0">
+                              <a:latin typeface="Cambria Math" panose="02040503050406030204" pitchFamily="18" charset="0"/>
+                            </a:rPr>
+                          </m:ctrlPr>
+                        </m:fPr>
+                        <m:num>
+                          <m:r>
+                            <a:rPr lang="en-US" sz="3200" b="0" i="1" smtClean="0">
+                              <a:latin typeface="Cambria Math" panose="02040503050406030204" pitchFamily="18" charset="0"/>
+                            </a:rPr>
+                            <m:t>1000</m:t>
+                          </m:r>
+                        </m:num>
+                        <m:den>
+                          <m:func>
+                            <m:funcPr>
+                              <m:ctrlPr>
+                                <a:rPr lang="en-US" sz="3200" b="0" i="1" smtClean="0">
+                                  <a:latin typeface="Cambria Math" panose="02040503050406030204" pitchFamily="18" charset="0"/>
+                                </a:rPr>
+                              </m:ctrlPr>
+                            </m:funcPr>
+                            <m:fName>
+                              <m:r>
+                                <m:rPr>
+                                  <m:sty m:val="p"/>
+                                </m:rPr>
+                                <a:rPr lang="en-US" sz="3200" b="0" i="0" smtClean="0">
+                                  <a:latin typeface="Cambria Math" panose="02040503050406030204" pitchFamily="18" charset="0"/>
+                                </a:rPr>
+                                <m:t>max</m:t>
+                              </m:r>
+                            </m:fName>
+                            <m:e>
+                              <m:r>
+                                <a:rPr lang="en-US" sz="3200" b="0" i="1" smtClean="0">
+                                  <a:latin typeface="Cambria Math" panose="02040503050406030204" pitchFamily="18" charset="0"/>
+                                </a:rPr>
+                                <m:t>(</m:t>
+                              </m:r>
+                              <m:rad>
+                                <m:radPr>
+                                  <m:degHide m:val="on"/>
+                                  <m:ctrlPr>
+                                    <a:rPr lang="en-US" sz="3200" b="0" i="1" smtClean="0">
+                                      <a:latin typeface="Cambria Math" panose="02040503050406030204" pitchFamily="18" charset="0"/>
+                                    </a:rPr>
+                                  </m:ctrlPr>
+                                </m:radPr>
+                                <m:deg/>
+                                <m:e>
+                                  <m:r>
+                                    <a:rPr lang="en-US" sz="3200" b="0" i="1" smtClean="0">
+                                      <a:latin typeface="Cambria Math" panose="02040503050406030204" pitchFamily="18" charset="0"/>
+                                    </a:rPr>
+                                    <m:t>𝑑</m:t>
+                                  </m:r>
+                                </m:e>
+                              </m:rad>
+                              <m:r>
+                                <a:rPr lang="en-US" sz="3200" b="0" i="1" smtClean="0">
+                                  <a:latin typeface="Cambria Math" panose="02040503050406030204" pitchFamily="18" charset="0"/>
+                                </a:rPr>
+                                <m:t>−8.8;1)</m:t>
+                              </m:r>
+                            </m:e>
+                          </m:func>
+                        </m:den>
+                      </m:f>
+                    </m:oMath>
+                  </m:oMathPara>
+                </a14:m>
+                <a:endParaRPr lang="ru-RU" sz="3200" dirty="0">
+                  <a:latin typeface="HSE Sans" panose="02000000000000000000" pitchFamily="2" charset="0"/>
+                </a:endParaRPr>
+              </a:p>
+            </p:txBody>
+          </p:sp>
+        </mc:Choice>
+        <mc:Fallback>
+          <p:sp>
+            <p:nvSpPr>
+              <p:cNvPr id="2" name="TextBox 1">
+                <a:extLst>
+                  <a:ext uri="{FF2B5EF4-FFF2-40B4-BE49-F238E27FC236}">
+                    <a16:creationId xmlns:a16="http://schemas.microsoft.com/office/drawing/2014/main" id="{CF213824-1F2D-C9EE-3799-D6E68AA95893}"/>
+                  </a:ext>
+                </a:extLst>
+              </p:cNvPr>
+              <p:cNvSpPr txBox="1">
+                <a:spLocks noRot="1" noChangeAspect="1" noMove="1" noResize="1" noEditPoints="1" noAdjustHandles="1" noChangeArrowheads="1" noChangeShapeType="1" noTextEdit="1"/>
+              </p:cNvSpPr>
+              <p:nvPr/>
+            </p:nvSpPr>
+            <p:spPr>
+              <a:xfrm>
+                <a:off x="2315146" y="3078126"/>
+                <a:ext cx="6815470" cy="1078757"/>
+              </a:xfrm>
+              <a:prstGeom prst="rect">
+                <a:avLst/>
+              </a:prstGeom>
+              <a:blipFill>
+                <a:blip r:embed="rId2"/>
+                <a:stretch>
+                  <a:fillRect t="-1163" b="-15116"/>
+                </a:stretch>
+              </a:blipFill>
+            </p:spPr>
+            <p:txBody>
+              <a:bodyPr/>
+              <a:lstStyle/>
+              <a:p>
+                <a:r>
+                  <a:rPr lang="ru-RU">
+                    <a:noFill/>
+                  </a:rPr>
+                  <a:t> </a:t>
+                </a:r>
+              </a:p>
+            </p:txBody>
+          </p:sp>
+        </mc:Fallback>
+      </mc:AlternateContent>
+      <mc:AlternateContent xmlns:mc="http://schemas.openxmlformats.org/markup-compatibility/2006">
+        <mc:Choice xmlns:a14="http://schemas.microsoft.com/office/drawing/2010/main" Requires="a14">
+          <p:sp>
+            <p:nvSpPr>
+              <p:cNvPr id="4" name="Заголовок 1">
+                <a:extLst>
+                  <a:ext uri="{FF2B5EF4-FFF2-40B4-BE49-F238E27FC236}">
+                    <a16:creationId xmlns:a16="http://schemas.microsoft.com/office/drawing/2014/main" id="{F2648DCE-C6F0-A0A0-A92A-3C3874E0685E}"/>
+                  </a:ext>
+                </a:extLst>
+              </p:cNvPr>
+              <p:cNvSpPr txBox="1">
+                <a:spLocks/>
+              </p:cNvSpPr>
+              <p:nvPr/>
+            </p:nvSpPr>
+            <p:spPr>
+              <a:xfrm>
+                <a:off x="814551" y="4668643"/>
+                <a:ext cx="10562897" cy="616011"/>
+              </a:xfrm>
+              <a:prstGeom prst="rect">
+                <a:avLst/>
+              </a:prstGeom>
+            </p:spPr>
+            <p:txBody>
+              <a:bodyPr vert="horz" lIns="91440" tIns="45720" rIns="91440" bIns="45720" rtlCol="0" anchor="t">
+                <a:normAutofit/>
+              </a:bodyPr>
+              <a:lstStyle>
+                <a:lvl1pPr algn="l" defTabSz="914400" rtl="0" eaLnBrk="1" latinLnBrk="0" hangingPunct="1">
+                  <a:lnSpc>
+                    <a:spcPct val="90000"/>
+                  </a:lnSpc>
+                  <a:spcBef>
+                    <a:spcPct val="0"/>
+                  </a:spcBef>
+                  <a:buNone/>
+                  <a:defRPr sz="4400" kern="1200">
+                    <a:solidFill>
+                      <a:schemeClr val="tx1"/>
+                    </a:solidFill>
+                    <a:latin typeface="+mj-lt"/>
+                    <a:ea typeface="+mj-ea"/>
+                    <a:cs typeface="+mj-cs"/>
+                  </a:defRPr>
+                </a:lvl1pPr>
+              </a:lstStyle>
+              <a:p>
+                <a:pPr algn="ctr"/>
+                <a14:m>
+                  <m:oMath xmlns:m="http://schemas.openxmlformats.org/officeDocument/2006/math">
+                    <m:r>
+                      <a:rPr lang="en-US" sz="3200" b="0" i="1" smtClean="0">
+                        <a:latin typeface="Cambria Math" panose="02040503050406030204" pitchFamily="18" charset="0"/>
+                      </a:rPr>
+                      <m:t>𝑑</m:t>
+                    </m:r>
+                  </m:oMath>
+                </a14:m>
+                <a:r>
+                  <a:rPr lang="ru-RU" sz="3200" dirty="0">
+                    <a:latin typeface="HSE Sans" panose="02000000000000000000" pitchFamily="2" charset="0"/>
+                  </a:rPr>
+                  <a:t> – расстояние от введённого города до верного</a:t>
+                </a:r>
+              </a:p>
+            </p:txBody>
+          </p:sp>
+        </mc:Choice>
+        <mc:Fallback>
+          <p:sp>
+            <p:nvSpPr>
+              <p:cNvPr id="4" name="Заголовок 1">
+                <a:extLst>
+                  <a:ext uri="{FF2B5EF4-FFF2-40B4-BE49-F238E27FC236}">
+                    <a16:creationId xmlns:a16="http://schemas.microsoft.com/office/drawing/2014/main" id="{F2648DCE-C6F0-A0A0-A92A-3C3874E0685E}"/>
+                  </a:ext>
+                </a:extLst>
+              </p:cNvPr>
+              <p:cNvSpPr txBox="1">
+                <a:spLocks noRot="1" noChangeAspect="1" noMove="1" noResize="1" noEditPoints="1" noAdjustHandles="1" noChangeArrowheads="1" noChangeShapeType="1" noTextEdit="1"/>
+              </p:cNvSpPr>
+              <p:nvPr/>
+            </p:nvSpPr>
+            <p:spPr>
+              <a:xfrm>
+                <a:off x="814551" y="4668643"/>
+                <a:ext cx="10562897" cy="616011"/>
+              </a:xfrm>
+              <a:prstGeom prst="rect">
+                <a:avLst/>
+              </a:prstGeom>
+              <a:blipFill>
+                <a:blip r:embed="rId3"/>
+                <a:stretch>
+                  <a:fillRect t="-20000" b="-18000"/>
+                </a:stretch>
+              </a:blipFill>
+            </p:spPr>
+            <p:txBody>
+              <a:bodyPr/>
+              <a:lstStyle/>
+              <a:p>
+                <a:r>
+                  <a:rPr lang="ru-RU">
+                    <a:noFill/>
+                  </a:rPr>
+                  <a:t> </a:t>
+                </a:r>
+              </a:p>
+            </p:txBody>
+          </p:sp>
+        </mc:Fallback>
+      </mc:AlternateContent>
+    </p:spTree>
+    <p:extLst>
+      <p:ext uri="{BB962C8B-B14F-4D97-AF65-F5344CB8AC3E}">
+        <p14:creationId xmlns:p14="http://schemas.microsoft.com/office/powerpoint/2010/main" val="3440790250"/>
+      </p:ext>
+    </p:extLst>
+  </p:cSld>
+  <p:clrMapOvr>
+    <a:masterClrMapping/>
+  </p:clrMapOvr>
+</p:sld>
+</file>
+
+<file path=ppt/slides/slide19.xml><?xml version="1.0" encoding="utf-8"?>
+<p:sld xmlns:a="http://schemas.openxmlformats.org/drawingml/2006/main" xmlns:r="http://schemas.openxmlformats.org/officeDocument/2006/relationships" xmlns:p="http://schemas.openxmlformats.org/presentationml/2006/main">
+  <p:cSld>
+    <p:spTree>
+      <p:nvGrpSpPr>
+        <p:cNvPr id="1" name=""/>
+        <p:cNvGrpSpPr/>
+        <p:nvPr/>
+      </p:nvGrpSpPr>
+      <p:grpSpPr>
+        <a:xfrm>
+          <a:off x="0" y="0"/>
+          <a:ext cx="0" cy="0"/>
+          <a:chOff x="0" y="0"/>
+          <a:chExt cx="0" cy="0"/>
+        </a:xfrm>
+      </p:grpSpPr>
+      <p:sp>
+        <p:nvSpPr>
+          <p:cNvPr id="3" name="Заголовок 1">
+            <a:extLst>
+              <a:ext uri="{FF2B5EF4-FFF2-40B4-BE49-F238E27FC236}">
+                <a16:creationId xmlns:a16="http://schemas.microsoft.com/office/drawing/2014/main" id="{A7074DAD-2A23-436E-07F1-567E65A194CB}"/>
+              </a:ext>
+            </a:extLst>
+          </p:cNvPr>
+          <p:cNvSpPr>
+            <a:spLocks noGrp="1"/>
+          </p:cNvSpPr>
+          <p:nvPr>
+            <p:ph type="title"/>
+          </p:nvPr>
+        </p:nvSpPr>
+        <p:spPr>
+          <a:xfrm>
+            <a:off x="441433" y="435458"/>
+            <a:ext cx="10562897" cy="999938"/>
+          </a:xfrm>
+        </p:spPr>
+        <p:txBody>
+          <a:bodyPr anchor="t">
+            <a:normAutofit/>
+          </a:bodyPr>
+          <a:lstStyle/>
+          <a:p>
+            <a:r>
+              <a:rPr lang="ru-RU" b="1" dirty="0">
+                <a:latin typeface="HSE Sans" panose="02000000000000000000" pitchFamily="2" charset="0"/>
+              </a:rPr>
+              <a:t>Проверка ответов, начисление очков</a:t>
+            </a:r>
+            <a:endParaRPr lang="ru-RU" b="1" i="1" dirty="0">
+              <a:latin typeface="HSE Sans" panose="02000000000000000000" pitchFamily="2" charset="0"/>
+            </a:endParaRPr>
+          </a:p>
+        </p:txBody>
+      </p:sp>
+      <p:pic>
+        <p:nvPicPr>
+          <p:cNvPr id="13" name="Рисунок 12">
+            <a:extLst>
+              <a:ext uri="{FF2B5EF4-FFF2-40B4-BE49-F238E27FC236}">
+                <a16:creationId xmlns:a16="http://schemas.microsoft.com/office/drawing/2014/main" id="{43E6DA49-7E3C-3F14-1515-403191AEFC5F}"/>
+              </a:ext>
+            </a:extLst>
+          </p:cNvPr>
+          <p:cNvPicPr>
+            <a:picLocks noChangeAspect="1"/>
+          </p:cNvPicPr>
+          <p:nvPr/>
+        </p:nvPicPr>
+        <p:blipFill>
+          <a:blip r:embed="rId3"/>
+          <a:stretch>
+            <a:fillRect/>
+          </a:stretch>
+        </p:blipFill>
+        <p:spPr>
+          <a:xfrm>
+            <a:off x="441433" y="1435396"/>
+            <a:ext cx="10565162" cy="4497571"/>
+          </a:xfrm>
+          <a:prstGeom prst="rect">
+            <a:avLst/>
+          </a:prstGeom>
+        </p:spPr>
+      </p:pic>
+    </p:spTree>
+    <p:extLst>
+      <p:ext uri="{BB962C8B-B14F-4D97-AF65-F5344CB8AC3E}">
+        <p14:creationId xmlns:p14="http://schemas.microsoft.com/office/powerpoint/2010/main" val="428398667"/>
       </p:ext>
     </p:extLst>
   </p:cSld>
@@ -4616,19 +6768,19 @@
           </a:lstStyle>
           <a:p>
             <a:r>
-              <a:rPr lang="ru-RU" sz="3600" dirty="0">
+              <a:rPr lang="ru-RU" sz="3200" dirty="0">
                 <a:latin typeface="HSE Sans" panose="02000000000000000000" pitchFamily="2" charset="0"/>
               </a:rPr>
               <a:t>Аналог известной игры </a:t>
             </a:r>
             <a:r>
-              <a:rPr lang="en-US" sz="3600" dirty="0">
+              <a:rPr lang="en-US" sz="3200" dirty="0">
                 <a:latin typeface="HSE Sans" panose="02000000000000000000" pitchFamily="2" charset="0"/>
               </a:rPr>
               <a:t>Geoguessr </a:t>
             </a:r>
             <a:r>
-              <a:rPr lang="ru-RU" sz="3600" dirty="0">
+              <a:rPr lang="ru-RU" sz="3200" dirty="0">
                 <a:latin typeface="HSE Sans" panose="02000000000000000000" pitchFamily="2" charset="0"/>
               </a:rPr>
               <a:t>в виде телеграмм-бота </a:t>
@@ -4640,6 +6792,1065 @@
     <p:extLst>
       <p:ext uri="{BB962C8B-B14F-4D97-AF65-F5344CB8AC3E}">
         <p14:creationId xmlns:p14="http://schemas.microsoft.com/office/powerpoint/2010/main" val="489215300"/>
+      </p:ext>
+    </p:extLst>
+  </p:cSld>
+  <p:clrMapOvr>
+    <a:masterClrMapping/>
+  </p:clrMapOvr>
+</p:sld>
+</file>
+
+<file path=ppt/slides/slide20.xml><?xml version="1.0" encoding="utf-8"?>
+<p:sld xmlns:a="http://schemas.openxmlformats.org/drawingml/2006/main" xmlns:r="http://schemas.openxmlformats.org/officeDocument/2006/relationships" xmlns:p="http://schemas.openxmlformats.org/presentationml/2006/main">
+  <p:cSld>
+    <p:spTree>
+      <p:nvGrpSpPr>
+        <p:cNvPr id="1" name=""/>
+        <p:cNvGrpSpPr/>
+        <p:nvPr/>
+      </p:nvGrpSpPr>
+      <p:grpSpPr>
+        <a:xfrm>
+          <a:off x="0" y="0"/>
+          <a:ext cx="0" cy="0"/>
+          <a:chOff x="0" y="0"/>
+          <a:chExt cx="0" cy="0"/>
+        </a:xfrm>
+      </p:grpSpPr>
+      <p:sp>
+        <p:nvSpPr>
+          <p:cNvPr id="3" name="Заголовок 1">
+            <a:extLst>
+              <a:ext uri="{FF2B5EF4-FFF2-40B4-BE49-F238E27FC236}">
+                <a16:creationId xmlns:a16="http://schemas.microsoft.com/office/drawing/2014/main" id="{A7074DAD-2A23-436E-07F1-567E65A194CB}"/>
+              </a:ext>
+            </a:extLst>
+          </p:cNvPr>
+          <p:cNvSpPr>
+            <a:spLocks noGrp="1"/>
+          </p:cNvSpPr>
+          <p:nvPr>
+            <p:ph type="title"/>
+          </p:nvPr>
+        </p:nvSpPr>
+        <p:spPr>
+          <a:xfrm>
+            <a:off x="441433" y="435458"/>
+            <a:ext cx="10562897" cy="1298750"/>
+          </a:xfrm>
+        </p:spPr>
+        <p:txBody>
+          <a:bodyPr anchor="t">
+            <a:normAutofit/>
+          </a:bodyPr>
+          <a:lstStyle/>
+          <a:p>
+            <a:r>
+              <a:rPr lang="ru-RU" b="1" dirty="0">
+                <a:latin typeface="HSE Sans" panose="02000000000000000000" pitchFamily="2" charset="0"/>
+              </a:rPr>
+              <a:t>База данных пользователей и рейтинг</a:t>
+            </a:r>
+            <a:br>
+              <a:rPr lang="ru-RU" b="1" dirty="0">
+                <a:latin typeface="HSE Sans" panose="02000000000000000000" pitchFamily="2" charset="0"/>
+              </a:rPr>
+            </a:br>
+            <a:r>
+              <a:rPr lang="ru-RU" sz="3200" i="1" dirty="0">
+                <a:latin typeface="HSE Sans" panose="02000000000000000000" pitchFamily="2" charset="0"/>
+              </a:rPr>
+              <a:t>Михаил Тищенко</a:t>
+            </a:r>
+            <a:endParaRPr lang="ru-RU" b="1" i="1" dirty="0">
+              <a:latin typeface="HSE Sans" panose="02000000000000000000" pitchFamily="2" charset="0"/>
+            </a:endParaRPr>
+          </a:p>
+        </p:txBody>
+      </p:sp>
+    </p:spTree>
+    <p:extLst>
+      <p:ext uri="{BB962C8B-B14F-4D97-AF65-F5344CB8AC3E}">
+        <p14:creationId xmlns:p14="http://schemas.microsoft.com/office/powerpoint/2010/main" val="795793177"/>
+      </p:ext>
+    </p:extLst>
+  </p:cSld>
+  <p:clrMapOvr>
+    <a:masterClrMapping/>
+  </p:clrMapOvr>
+</p:sld>
+</file>
+
+<file path=ppt/slides/slide21.xml><?xml version="1.0" encoding="utf-8"?>
+<p:sld xmlns:a="http://schemas.openxmlformats.org/drawingml/2006/main" xmlns:r="http://schemas.openxmlformats.org/officeDocument/2006/relationships" xmlns:p="http://schemas.openxmlformats.org/presentationml/2006/main">
+  <p:cSld>
+    <p:spTree>
+      <p:nvGrpSpPr>
+        <p:cNvPr id="1" name=""/>
+        <p:cNvGrpSpPr/>
+        <p:nvPr/>
+      </p:nvGrpSpPr>
+      <p:grpSpPr>
+        <a:xfrm>
+          <a:off x="0" y="0"/>
+          <a:ext cx="0" cy="0"/>
+          <a:chOff x="0" y="0"/>
+          <a:chExt cx="0" cy="0"/>
+        </a:xfrm>
+      </p:grpSpPr>
+      <p:sp>
+        <p:nvSpPr>
+          <p:cNvPr id="3" name="Заголовок 1">
+            <a:extLst>
+              <a:ext uri="{FF2B5EF4-FFF2-40B4-BE49-F238E27FC236}">
+                <a16:creationId xmlns:a16="http://schemas.microsoft.com/office/drawing/2014/main" id="{A7074DAD-2A23-436E-07F1-567E65A194CB}"/>
+              </a:ext>
+            </a:extLst>
+          </p:cNvPr>
+          <p:cNvSpPr>
+            <a:spLocks noGrp="1"/>
+          </p:cNvSpPr>
+          <p:nvPr>
+            <p:ph type="title"/>
+          </p:nvPr>
+        </p:nvSpPr>
+        <p:spPr>
+          <a:xfrm>
+            <a:off x="441433" y="435458"/>
+            <a:ext cx="10562897" cy="1298750"/>
+          </a:xfrm>
+        </p:spPr>
+        <p:txBody>
+          <a:bodyPr anchor="t">
+            <a:normAutofit/>
+          </a:bodyPr>
+          <a:lstStyle/>
+          <a:p>
+            <a:r>
+              <a:rPr lang="ru-RU" b="1" dirty="0">
+                <a:latin typeface="HSE Sans" panose="02000000000000000000" pitchFamily="2" charset="0"/>
+              </a:rPr>
+              <a:t>Реализация бота</a:t>
+            </a:r>
+            <a:br>
+              <a:rPr lang="ru-RU" b="1" dirty="0">
+                <a:latin typeface="HSE Sans" panose="02000000000000000000" pitchFamily="2" charset="0"/>
+              </a:rPr>
+            </a:br>
+            <a:r>
+              <a:rPr lang="ru-RU" sz="3200" i="1" dirty="0">
+                <a:latin typeface="HSE Sans" panose="02000000000000000000" pitchFamily="2" charset="0"/>
+              </a:rPr>
+              <a:t>Михаил Тищенко</a:t>
+            </a:r>
+            <a:endParaRPr lang="ru-RU" b="1" i="1" dirty="0">
+              <a:latin typeface="HSE Sans" panose="02000000000000000000" pitchFamily="2" charset="0"/>
+            </a:endParaRPr>
+          </a:p>
+        </p:txBody>
+      </p:sp>
+    </p:spTree>
+    <p:extLst>
+      <p:ext uri="{BB962C8B-B14F-4D97-AF65-F5344CB8AC3E}">
+        <p14:creationId xmlns:p14="http://schemas.microsoft.com/office/powerpoint/2010/main" val="4118145410"/>
+      </p:ext>
+    </p:extLst>
+  </p:cSld>
+  <p:clrMapOvr>
+    <a:masterClrMapping/>
+  </p:clrMapOvr>
+</p:sld>
+</file>
+
+<file path=ppt/slides/slide22.xml><?xml version="1.0" encoding="utf-8"?>
+<p:sld xmlns:a="http://schemas.openxmlformats.org/drawingml/2006/main" xmlns:r="http://schemas.openxmlformats.org/officeDocument/2006/relationships" xmlns:p="http://schemas.openxmlformats.org/presentationml/2006/main">
+  <p:cSld>
+    <p:spTree>
+      <p:nvGrpSpPr>
+        <p:cNvPr id="1" name=""/>
+        <p:cNvGrpSpPr/>
+        <p:nvPr/>
+      </p:nvGrpSpPr>
+      <p:grpSpPr>
+        <a:xfrm>
+          <a:off x="0" y="0"/>
+          <a:ext cx="0" cy="0"/>
+          <a:chOff x="0" y="0"/>
+          <a:chExt cx="0" cy="0"/>
+        </a:xfrm>
+      </p:grpSpPr>
+      <p:sp>
+        <p:nvSpPr>
+          <p:cNvPr id="3" name="Заголовок 1">
+            <a:extLst>
+              <a:ext uri="{FF2B5EF4-FFF2-40B4-BE49-F238E27FC236}">
+                <a16:creationId xmlns:a16="http://schemas.microsoft.com/office/drawing/2014/main" id="{A7074DAD-2A23-436E-07F1-567E65A194CB}"/>
+              </a:ext>
+            </a:extLst>
+          </p:cNvPr>
+          <p:cNvSpPr>
+            <a:spLocks noGrp="1"/>
+          </p:cNvSpPr>
+          <p:nvPr>
+            <p:ph type="title"/>
+          </p:nvPr>
+        </p:nvSpPr>
+        <p:spPr>
+          <a:xfrm>
+            <a:off x="441433" y="435458"/>
+            <a:ext cx="10562897" cy="1298750"/>
+          </a:xfrm>
+        </p:spPr>
+        <p:txBody>
+          <a:bodyPr anchor="t">
+            <a:normAutofit/>
+          </a:bodyPr>
+          <a:lstStyle/>
+          <a:p>
+            <a:r>
+              <a:rPr lang="ru-RU" b="1" dirty="0">
+                <a:latin typeface="HSE Sans" panose="02000000000000000000" pitchFamily="2" charset="0"/>
+              </a:rPr>
+              <a:t>Хостинг</a:t>
+            </a:r>
+            <a:br>
+              <a:rPr lang="ru-RU" b="1" dirty="0">
+                <a:latin typeface="HSE Sans" panose="02000000000000000000" pitchFamily="2" charset="0"/>
+              </a:rPr>
+            </a:br>
+            <a:r>
+              <a:rPr lang="ru-RU" sz="3200" i="1" dirty="0">
+                <a:latin typeface="HSE Sans" panose="02000000000000000000" pitchFamily="2" charset="0"/>
+              </a:rPr>
+              <a:t>Наталья Югансон</a:t>
+            </a:r>
+            <a:endParaRPr lang="ru-RU" b="1" i="1" dirty="0">
+              <a:latin typeface="HSE Sans" panose="02000000000000000000" pitchFamily="2" charset="0"/>
+            </a:endParaRPr>
+          </a:p>
+        </p:txBody>
+      </p:sp>
+    </p:spTree>
+    <p:extLst>
+      <p:ext uri="{BB962C8B-B14F-4D97-AF65-F5344CB8AC3E}">
+        <p14:creationId xmlns:p14="http://schemas.microsoft.com/office/powerpoint/2010/main" val="2046649465"/>
+      </p:ext>
+    </p:extLst>
+  </p:cSld>
+  <p:clrMapOvr>
+    <a:masterClrMapping/>
+  </p:clrMapOvr>
+</p:sld>
+</file>
+
+<file path=ppt/slides/slide23.xml><?xml version="1.0" encoding="utf-8"?>
+<p:sld xmlns:a="http://schemas.openxmlformats.org/drawingml/2006/main" xmlns:r="http://schemas.openxmlformats.org/officeDocument/2006/relationships" xmlns:p="http://schemas.openxmlformats.org/presentationml/2006/main">
+  <p:cSld>
+    <p:spTree>
+      <p:nvGrpSpPr>
+        <p:cNvPr id="1" name=""/>
+        <p:cNvGrpSpPr/>
+        <p:nvPr/>
+      </p:nvGrpSpPr>
+      <p:grpSpPr>
+        <a:xfrm>
+          <a:off x="0" y="0"/>
+          <a:ext cx="0" cy="0"/>
+          <a:chOff x="0" y="0"/>
+          <a:chExt cx="0" cy="0"/>
+        </a:xfrm>
+      </p:grpSpPr>
+      <p:sp>
+        <p:nvSpPr>
+          <p:cNvPr id="3" name="Заголовок 1">
+            <a:extLst>
+              <a:ext uri="{FF2B5EF4-FFF2-40B4-BE49-F238E27FC236}">
+                <a16:creationId xmlns:a16="http://schemas.microsoft.com/office/drawing/2014/main" id="{A7074DAD-2A23-436E-07F1-567E65A194CB}"/>
+              </a:ext>
+            </a:extLst>
+          </p:cNvPr>
+          <p:cNvSpPr>
+            <a:spLocks noGrp="1"/>
+          </p:cNvSpPr>
+          <p:nvPr>
+            <p:ph type="title"/>
+          </p:nvPr>
+        </p:nvSpPr>
+        <p:spPr>
+          <a:xfrm>
+            <a:off x="441433" y="435458"/>
+            <a:ext cx="10562897" cy="1298750"/>
+          </a:xfrm>
+        </p:spPr>
+        <p:txBody>
+          <a:bodyPr anchor="t">
+            <a:normAutofit/>
+          </a:bodyPr>
+          <a:lstStyle/>
+          <a:p>
+            <a:r>
+              <a:rPr lang="ru-RU" b="1" dirty="0">
+                <a:latin typeface="HSE Sans" panose="02000000000000000000" pitchFamily="2" charset="0"/>
+              </a:rPr>
+              <a:t>Тестирование</a:t>
+            </a:r>
+            <a:br>
+              <a:rPr lang="ru-RU" b="1" dirty="0">
+                <a:latin typeface="HSE Sans" panose="02000000000000000000" pitchFamily="2" charset="0"/>
+              </a:rPr>
+            </a:br>
+            <a:r>
+              <a:rPr lang="ru-RU" sz="3200" i="1" dirty="0">
+                <a:latin typeface="HSE Sans" panose="02000000000000000000" pitchFamily="2" charset="0"/>
+              </a:rPr>
+              <a:t>Глеб Хитрин</a:t>
+            </a:r>
+            <a:endParaRPr lang="ru-RU" b="1" i="1" dirty="0">
+              <a:latin typeface="HSE Sans" panose="02000000000000000000" pitchFamily="2" charset="0"/>
+            </a:endParaRPr>
+          </a:p>
+        </p:txBody>
+      </p:sp>
+      <p:sp>
+        <p:nvSpPr>
+          <p:cNvPr id="2" name="Заголовок 1">
+            <a:extLst>
+              <a:ext uri="{FF2B5EF4-FFF2-40B4-BE49-F238E27FC236}">
+                <a16:creationId xmlns:a16="http://schemas.microsoft.com/office/drawing/2014/main" id="{C1D486DB-D638-A46C-8BA3-B363FA045472}"/>
+              </a:ext>
+            </a:extLst>
+          </p:cNvPr>
+          <p:cNvSpPr txBox="1">
+            <a:spLocks/>
+          </p:cNvSpPr>
+          <p:nvPr/>
+        </p:nvSpPr>
+        <p:spPr>
+          <a:xfrm>
+            <a:off x="441433" y="2130250"/>
+            <a:ext cx="11126790" cy="2739462"/>
+          </a:xfrm>
+          <a:prstGeom prst="rect">
+            <a:avLst/>
+          </a:prstGeom>
+        </p:spPr>
+        <p:txBody>
+          <a:bodyPr vert="horz" lIns="91440" tIns="45720" rIns="91440" bIns="45720" rtlCol="0" anchor="t">
+            <a:normAutofit/>
+          </a:bodyPr>
+          <a:lstStyle>
+            <a:lvl1pPr algn="l" defTabSz="914400" rtl="0" eaLnBrk="1" latinLnBrk="0" hangingPunct="1">
+              <a:lnSpc>
+                <a:spcPct val="90000"/>
+              </a:lnSpc>
+              <a:spcBef>
+                <a:spcPct val="0"/>
+              </a:spcBef>
+              <a:buNone/>
+              <a:defRPr sz="4400" kern="1200">
+                <a:solidFill>
+                  <a:schemeClr val="tx1"/>
+                </a:solidFill>
+                <a:latin typeface="+mj-lt"/>
+                <a:ea typeface="+mj-ea"/>
+                <a:cs typeface="+mj-cs"/>
+              </a:defRPr>
+            </a:lvl1pPr>
+          </a:lstStyle>
+          <a:p>
+            <a:r>
+              <a:rPr lang="ru-RU" sz="3200" dirty="0">
+                <a:latin typeface="HSE Sans" panose="02000000000000000000" pitchFamily="2" charset="0"/>
+              </a:rPr>
+              <a:t>Для внешнего тестирования были выбраны два человека. Все комментарии и замечания учтены в текущей реализации либо добавлены в планы по развитию проекта </a:t>
+            </a:r>
+            <a:endParaRPr lang="ru-RU" dirty="0">
+              <a:latin typeface="HSE Sans" panose="02000000000000000000" pitchFamily="2" charset="0"/>
+            </a:endParaRPr>
+          </a:p>
+        </p:txBody>
+      </p:sp>
+    </p:spTree>
+    <p:extLst>
+      <p:ext uri="{BB962C8B-B14F-4D97-AF65-F5344CB8AC3E}">
+        <p14:creationId xmlns:p14="http://schemas.microsoft.com/office/powerpoint/2010/main" val="1189135311"/>
+      </p:ext>
+    </p:extLst>
+  </p:cSld>
+  <p:clrMapOvr>
+    <a:masterClrMapping/>
+  </p:clrMapOvr>
+</p:sld>
+</file>
+
+<file path=ppt/slides/slide24.xml><?xml version="1.0" encoding="utf-8"?>
+<p:sld xmlns:a="http://schemas.openxmlformats.org/drawingml/2006/main" xmlns:r="http://schemas.openxmlformats.org/officeDocument/2006/relationships" xmlns:p="http://schemas.openxmlformats.org/presentationml/2006/main">
+  <p:cSld>
+    <p:spTree>
+      <p:nvGrpSpPr>
+        <p:cNvPr id="1" name=""/>
+        <p:cNvGrpSpPr/>
+        <p:nvPr/>
+      </p:nvGrpSpPr>
+      <p:grpSpPr>
+        <a:xfrm>
+          <a:off x="0" y="0"/>
+          <a:ext cx="0" cy="0"/>
+          <a:chOff x="0" y="0"/>
+          <a:chExt cx="0" cy="0"/>
+        </a:xfrm>
+      </p:grpSpPr>
+      <p:sp>
+        <p:nvSpPr>
+          <p:cNvPr id="3" name="Заголовок 1">
+            <a:extLst>
+              <a:ext uri="{FF2B5EF4-FFF2-40B4-BE49-F238E27FC236}">
+                <a16:creationId xmlns:a16="http://schemas.microsoft.com/office/drawing/2014/main" id="{A7074DAD-2A23-436E-07F1-567E65A194CB}"/>
+              </a:ext>
+            </a:extLst>
+          </p:cNvPr>
+          <p:cNvSpPr>
+            <a:spLocks noGrp="1"/>
+          </p:cNvSpPr>
+          <p:nvPr>
+            <p:ph type="title"/>
+          </p:nvPr>
+        </p:nvSpPr>
+        <p:spPr>
+          <a:xfrm>
+            <a:off x="441434" y="435458"/>
+            <a:ext cx="11105524" cy="803288"/>
+          </a:xfrm>
+        </p:spPr>
+        <p:txBody>
+          <a:bodyPr>
+            <a:normAutofit/>
+          </a:bodyPr>
+          <a:lstStyle/>
+          <a:p>
+            <a:r>
+              <a:rPr lang="ru-RU" b="1" dirty="0">
+                <a:latin typeface="HSE Sans" panose="02000000000000000000" pitchFamily="2" charset="0"/>
+              </a:rPr>
+              <a:t>Проблемы проекта и планы по развитию</a:t>
+            </a:r>
+          </a:p>
+        </p:txBody>
+      </p:sp>
+      <p:sp>
+        <p:nvSpPr>
+          <p:cNvPr id="2" name="Заголовок 1">
+            <a:extLst>
+              <a:ext uri="{FF2B5EF4-FFF2-40B4-BE49-F238E27FC236}">
+                <a16:creationId xmlns:a16="http://schemas.microsoft.com/office/drawing/2014/main" id="{D2984469-DCAD-0CBC-3188-E93055F0C2BD}"/>
+              </a:ext>
+            </a:extLst>
+          </p:cNvPr>
+          <p:cNvSpPr txBox="1">
+            <a:spLocks/>
+          </p:cNvSpPr>
+          <p:nvPr/>
+        </p:nvSpPr>
+        <p:spPr>
+          <a:xfrm>
+            <a:off x="441433" y="1337334"/>
+            <a:ext cx="11183008" cy="1195660"/>
+          </a:xfrm>
+          <a:prstGeom prst="rect">
+            <a:avLst/>
+          </a:prstGeom>
+        </p:spPr>
+        <p:txBody>
+          <a:bodyPr vert="horz" lIns="91440" tIns="45720" rIns="91440" bIns="45720" rtlCol="0" anchor="t">
+            <a:normAutofit/>
+          </a:bodyPr>
+          <a:lstStyle>
+            <a:lvl1pPr algn="l" defTabSz="914400" rtl="0" eaLnBrk="1" latinLnBrk="0" hangingPunct="1">
+              <a:lnSpc>
+                <a:spcPct val="90000"/>
+              </a:lnSpc>
+              <a:spcBef>
+                <a:spcPct val="0"/>
+              </a:spcBef>
+              <a:buNone/>
+              <a:defRPr sz="4400" kern="1200">
+                <a:solidFill>
+                  <a:schemeClr val="tx1"/>
+                </a:solidFill>
+                <a:latin typeface="+mj-lt"/>
+                <a:ea typeface="+mj-ea"/>
+                <a:cs typeface="+mj-cs"/>
+              </a:defRPr>
+            </a:lvl1pPr>
+          </a:lstStyle>
+          <a:p>
+            <a:pPr marL="571500" indent="-571500">
+              <a:buFont typeface="Arial" panose="020B0604020202020204" pitchFamily="34" charset="0"/>
+              <a:buChar char="•"/>
+            </a:pPr>
+            <a:r>
+              <a:rPr lang="ru-RU" sz="3200" dirty="0">
+                <a:latin typeface="HSE Sans" panose="02000000000000000000" pitchFamily="2" charset="0"/>
+              </a:rPr>
+              <a:t>Ограничение запросов в </a:t>
+            </a:r>
+            <a:r>
+              <a:rPr lang="en-US" sz="3200" dirty="0">
+                <a:latin typeface="HSE Sans" panose="02000000000000000000" pitchFamily="2" charset="0"/>
+              </a:rPr>
+              <a:t>API</a:t>
+            </a:r>
+            <a:r>
+              <a:rPr lang="ru-RU" sz="3200" dirty="0">
+                <a:latin typeface="HSE Sans" panose="02000000000000000000" pitchFamily="2" charset="0"/>
+              </a:rPr>
+              <a:t> по количеству</a:t>
+            </a:r>
+            <a:r>
+              <a:rPr lang="en-US" sz="3200" dirty="0">
+                <a:latin typeface="HSE Sans" panose="02000000000000000000" pitchFamily="2" charset="0"/>
+              </a:rPr>
+              <a:t> (100</a:t>
+            </a:r>
+            <a:r>
+              <a:rPr lang="ru-RU" sz="3200" dirty="0">
+                <a:latin typeface="HSE Sans" panose="02000000000000000000" pitchFamily="2" charset="0"/>
+              </a:rPr>
+              <a:t> в месяц) и скорости</a:t>
+            </a:r>
+          </a:p>
+        </p:txBody>
+      </p:sp>
+    </p:spTree>
+    <p:extLst>
+      <p:ext uri="{BB962C8B-B14F-4D97-AF65-F5344CB8AC3E}">
+        <p14:creationId xmlns:p14="http://schemas.microsoft.com/office/powerpoint/2010/main" val="2672009830"/>
+      </p:ext>
+    </p:extLst>
+  </p:cSld>
+  <p:clrMapOvr>
+    <a:masterClrMapping/>
+  </p:clrMapOvr>
+</p:sld>
+</file>
+
+<file path=ppt/slides/slide25.xml><?xml version="1.0" encoding="utf-8"?>
+<p:sld xmlns:a="http://schemas.openxmlformats.org/drawingml/2006/main" xmlns:r="http://schemas.openxmlformats.org/officeDocument/2006/relationships" xmlns:p="http://schemas.openxmlformats.org/presentationml/2006/main">
+  <p:cSld>
+    <p:spTree>
+      <p:nvGrpSpPr>
+        <p:cNvPr id="1" name=""/>
+        <p:cNvGrpSpPr/>
+        <p:nvPr/>
+      </p:nvGrpSpPr>
+      <p:grpSpPr>
+        <a:xfrm>
+          <a:off x="0" y="0"/>
+          <a:ext cx="0" cy="0"/>
+          <a:chOff x="0" y="0"/>
+          <a:chExt cx="0" cy="0"/>
+        </a:xfrm>
+      </p:grpSpPr>
+      <p:sp>
+        <p:nvSpPr>
+          <p:cNvPr id="3" name="Заголовок 1">
+            <a:extLst>
+              <a:ext uri="{FF2B5EF4-FFF2-40B4-BE49-F238E27FC236}">
+                <a16:creationId xmlns:a16="http://schemas.microsoft.com/office/drawing/2014/main" id="{A7074DAD-2A23-436E-07F1-567E65A194CB}"/>
+              </a:ext>
+            </a:extLst>
+          </p:cNvPr>
+          <p:cNvSpPr>
+            <a:spLocks noGrp="1"/>
+          </p:cNvSpPr>
+          <p:nvPr>
+            <p:ph type="title"/>
+          </p:nvPr>
+        </p:nvSpPr>
+        <p:spPr>
+          <a:xfrm>
+            <a:off x="441434" y="435458"/>
+            <a:ext cx="11105524" cy="803288"/>
+          </a:xfrm>
+        </p:spPr>
+        <p:txBody>
+          <a:bodyPr>
+            <a:normAutofit/>
+          </a:bodyPr>
+          <a:lstStyle/>
+          <a:p>
+            <a:r>
+              <a:rPr lang="ru-RU" b="1" dirty="0">
+                <a:latin typeface="HSE Sans" panose="02000000000000000000" pitchFamily="2" charset="0"/>
+              </a:rPr>
+              <a:t>Проблемы проекта и планы по развитию</a:t>
+            </a:r>
+          </a:p>
+        </p:txBody>
+      </p:sp>
+      <p:sp>
+        <p:nvSpPr>
+          <p:cNvPr id="2" name="Заголовок 1">
+            <a:extLst>
+              <a:ext uri="{FF2B5EF4-FFF2-40B4-BE49-F238E27FC236}">
+                <a16:creationId xmlns:a16="http://schemas.microsoft.com/office/drawing/2014/main" id="{D2984469-DCAD-0CBC-3188-E93055F0C2BD}"/>
+              </a:ext>
+            </a:extLst>
+          </p:cNvPr>
+          <p:cNvSpPr txBox="1">
+            <a:spLocks/>
+          </p:cNvSpPr>
+          <p:nvPr/>
+        </p:nvSpPr>
+        <p:spPr>
+          <a:xfrm>
+            <a:off x="441433" y="1337334"/>
+            <a:ext cx="11183008" cy="1195660"/>
+          </a:xfrm>
+          <a:prstGeom prst="rect">
+            <a:avLst/>
+          </a:prstGeom>
+        </p:spPr>
+        <p:txBody>
+          <a:bodyPr vert="horz" lIns="91440" tIns="45720" rIns="91440" bIns="45720" rtlCol="0" anchor="t">
+            <a:normAutofit/>
+          </a:bodyPr>
+          <a:lstStyle>
+            <a:lvl1pPr algn="l" defTabSz="914400" rtl="0" eaLnBrk="1" latinLnBrk="0" hangingPunct="1">
+              <a:lnSpc>
+                <a:spcPct val="90000"/>
+              </a:lnSpc>
+              <a:spcBef>
+                <a:spcPct val="0"/>
+              </a:spcBef>
+              <a:buNone/>
+              <a:defRPr sz="4400" kern="1200">
+                <a:solidFill>
+                  <a:schemeClr val="tx1"/>
+                </a:solidFill>
+                <a:latin typeface="+mj-lt"/>
+                <a:ea typeface="+mj-ea"/>
+                <a:cs typeface="+mj-cs"/>
+              </a:defRPr>
+            </a:lvl1pPr>
+          </a:lstStyle>
+          <a:p>
+            <a:pPr marL="571500" indent="-571500">
+              <a:buFont typeface="Arial" panose="020B0604020202020204" pitchFamily="34" charset="0"/>
+              <a:buChar char="•"/>
+            </a:pPr>
+            <a:r>
+              <a:rPr lang="ru-RU" sz="3200" dirty="0">
+                <a:latin typeface="HSE Sans" panose="02000000000000000000" pitchFamily="2" charset="0"/>
+              </a:rPr>
+              <a:t>Ограничение запросов в </a:t>
+            </a:r>
+            <a:r>
+              <a:rPr lang="en-US" sz="3200" dirty="0">
+                <a:latin typeface="HSE Sans" panose="02000000000000000000" pitchFamily="2" charset="0"/>
+              </a:rPr>
+              <a:t>API</a:t>
+            </a:r>
+            <a:r>
+              <a:rPr lang="ru-RU" sz="3200" dirty="0">
+                <a:latin typeface="HSE Sans" panose="02000000000000000000" pitchFamily="2" charset="0"/>
+              </a:rPr>
+              <a:t> по количеству</a:t>
+            </a:r>
+            <a:r>
+              <a:rPr lang="en-US" sz="3200" dirty="0">
+                <a:latin typeface="HSE Sans" panose="02000000000000000000" pitchFamily="2" charset="0"/>
+              </a:rPr>
+              <a:t> (100</a:t>
+            </a:r>
+            <a:r>
+              <a:rPr lang="ru-RU" sz="3200" dirty="0">
+                <a:latin typeface="HSE Sans" panose="02000000000000000000" pitchFamily="2" charset="0"/>
+              </a:rPr>
+              <a:t> в месяц) и скорости</a:t>
+            </a:r>
+          </a:p>
+        </p:txBody>
+      </p:sp>
+      <p:sp>
+        <p:nvSpPr>
+          <p:cNvPr id="4" name="Заголовок 1">
+            <a:extLst>
+              <a:ext uri="{FF2B5EF4-FFF2-40B4-BE49-F238E27FC236}">
+                <a16:creationId xmlns:a16="http://schemas.microsoft.com/office/drawing/2014/main" id="{1CE4FFE6-AAC6-71DD-3303-1B88D35B0E28}"/>
+              </a:ext>
+            </a:extLst>
+          </p:cNvPr>
+          <p:cNvSpPr txBox="1">
+            <a:spLocks/>
+          </p:cNvSpPr>
+          <p:nvPr/>
+        </p:nvSpPr>
+        <p:spPr>
+          <a:xfrm>
+            <a:off x="441433" y="2503990"/>
+            <a:ext cx="11183008" cy="1195660"/>
+          </a:xfrm>
+          <a:prstGeom prst="rect">
+            <a:avLst/>
+          </a:prstGeom>
+        </p:spPr>
+        <p:txBody>
+          <a:bodyPr vert="horz" lIns="91440" tIns="45720" rIns="91440" bIns="45720" rtlCol="0" anchor="t">
+            <a:normAutofit/>
+          </a:bodyPr>
+          <a:lstStyle>
+            <a:lvl1pPr algn="l" defTabSz="914400" rtl="0" eaLnBrk="1" latinLnBrk="0" hangingPunct="1">
+              <a:lnSpc>
+                <a:spcPct val="90000"/>
+              </a:lnSpc>
+              <a:spcBef>
+                <a:spcPct val="0"/>
+              </a:spcBef>
+              <a:buNone/>
+              <a:defRPr sz="4400" kern="1200">
+                <a:solidFill>
+                  <a:schemeClr val="tx1"/>
+                </a:solidFill>
+                <a:latin typeface="+mj-lt"/>
+                <a:ea typeface="+mj-ea"/>
+                <a:cs typeface="+mj-cs"/>
+              </a:defRPr>
+            </a:lvl1pPr>
+          </a:lstStyle>
+          <a:p>
+            <a:pPr marL="571500" indent="-571500">
+              <a:buFont typeface="Arial" panose="020B0604020202020204" pitchFamily="34" charset="0"/>
+              <a:buChar char="•"/>
+            </a:pPr>
+            <a:r>
+              <a:rPr lang="ru-RU" sz="3200" dirty="0">
+                <a:latin typeface="HSE Sans" panose="02000000000000000000" pitchFamily="2" charset="0"/>
+              </a:rPr>
+              <a:t>Возможна выдача неадекватных фотографий, не позволяющих угадать город или страну</a:t>
+            </a:r>
+          </a:p>
+        </p:txBody>
+      </p:sp>
+    </p:spTree>
+    <p:extLst>
+      <p:ext uri="{BB962C8B-B14F-4D97-AF65-F5344CB8AC3E}">
+        <p14:creationId xmlns:p14="http://schemas.microsoft.com/office/powerpoint/2010/main" val="183981471"/>
+      </p:ext>
+    </p:extLst>
+  </p:cSld>
+  <p:clrMapOvr>
+    <a:masterClrMapping/>
+  </p:clrMapOvr>
+</p:sld>
+</file>
+
+<file path=ppt/slides/slide26.xml><?xml version="1.0" encoding="utf-8"?>
+<p:sld xmlns:a="http://schemas.openxmlformats.org/drawingml/2006/main" xmlns:r="http://schemas.openxmlformats.org/officeDocument/2006/relationships" xmlns:p="http://schemas.openxmlformats.org/presentationml/2006/main">
+  <p:cSld>
+    <p:spTree>
+      <p:nvGrpSpPr>
+        <p:cNvPr id="1" name=""/>
+        <p:cNvGrpSpPr/>
+        <p:nvPr/>
+      </p:nvGrpSpPr>
+      <p:grpSpPr>
+        <a:xfrm>
+          <a:off x="0" y="0"/>
+          <a:ext cx="0" cy="0"/>
+          <a:chOff x="0" y="0"/>
+          <a:chExt cx="0" cy="0"/>
+        </a:xfrm>
+      </p:grpSpPr>
+      <p:sp>
+        <p:nvSpPr>
+          <p:cNvPr id="3" name="Заголовок 1">
+            <a:extLst>
+              <a:ext uri="{FF2B5EF4-FFF2-40B4-BE49-F238E27FC236}">
+                <a16:creationId xmlns:a16="http://schemas.microsoft.com/office/drawing/2014/main" id="{A7074DAD-2A23-436E-07F1-567E65A194CB}"/>
+              </a:ext>
+            </a:extLst>
+          </p:cNvPr>
+          <p:cNvSpPr>
+            <a:spLocks noGrp="1"/>
+          </p:cNvSpPr>
+          <p:nvPr>
+            <p:ph type="title"/>
+          </p:nvPr>
+        </p:nvSpPr>
+        <p:spPr>
+          <a:xfrm>
+            <a:off x="441434" y="435458"/>
+            <a:ext cx="11105524" cy="803288"/>
+          </a:xfrm>
+        </p:spPr>
+        <p:txBody>
+          <a:bodyPr>
+            <a:normAutofit/>
+          </a:bodyPr>
+          <a:lstStyle/>
+          <a:p>
+            <a:r>
+              <a:rPr lang="ru-RU" b="1" dirty="0">
+                <a:latin typeface="HSE Sans" panose="02000000000000000000" pitchFamily="2" charset="0"/>
+              </a:rPr>
+              <a:t>Проблемы проекта и планы по развитию</a:t>
+            </a:r>
+          </a:p>
+        </p:txBody>
+      </p:sp>
+      <p:sp>
+        <p:nvSpPr>
+          <p:cNvPr id="2" name="Заголовок 1">
+            <a:extLst>
+              <a:ext uri="{FF2B5EF4-FFF2-40B4-BE49-F238E27FC236}">
+                <a16:creationId xmlns:a16="http://schemas.microsoft.com/office/drawing/2014/main" id="{D2984469-DCAD-0CBC-3188-E93055F0C2BD}"/>
+              </a:ext>
+            </a:extLst>
+          </p:cNvPr>
+          <p:cNvSpPr txBox="1">
+            <a:spLocks/>
+          </p:cNvSpPr>
+          <p:nvPr/>
+        </p:nvSpPr>
+        <p:spPr>
+          <a:xfrm>
+            <a:off x="441433" y="1337334"/>
+            <a:ext cx="11183008" cy="1195660"/>
+          </a:xfrm>
+          <a:prstGeom prst="rect">
+            <a:avLst/>
+          </a:prstGeom>
+        </p:spPr>
+        <p:txBody>
+          <a:bodyPr vert="horz" lIns="91440" tIns="45720" rIns="91440" bIns="45720" rtlCol="0" anchor="t">
+            <a:normAutofit/>
+          </a:bodyPr>
+          <a:lstStyle>
+            <a:lvl1pPr algn="l" defTabSz="914400" rtl="0" eaLnBrk="1" latinLnBrk="0" hangingPunct="1">
+              <a:lnSpc>
+                <a:spcPct val="90000"/>
+              </a:lnSpc>
+              <a:spcBef>
+                <a:spcPct val="0"/>
+              </a:spcBef>
+              <a:buNone/>
+              <a:defRPr sz="4400" kern="1200">
+                <a:solidFill>
+                  <a:schemeClr val="tx1"/>
+                </a:solidFill>
+                <a:latin typeface="+mj-lt"/>
+                <a:ea typeface="+mj-ea"/>
+                <a:cs typeface="+mj-cs"/>
+              </a:defRPr>
+            </a:lvl1pPr>
+          </a:lstStyle>
+          <a:p>
+            <a:pPr marL="571500" indent="-571500">
+              <a:buFont typeface="Arial" panose="020B0604020202020204" pitchFamily="34" charset="0"/>
+              <a:buChar char="•"/>
+            </a:pPr>
+            <a:r>
+              <a:rPr lang="ru-RU" sz="3200" dirty="0">
+                <a:latin typeface="HSE Sans" panose="02000000000000000000" pitchFamily="2" charset="0"/>
+              </a:rPr>
+              <a:t>Взаимодействие пользователей друг с другом: например, возможность бросить вызов</a:t>
+            </a:r>
+          </a:p>
+        </p:txBody>
+      </p:sp>
+    </p:spTree>
+    <p:extLst>
+      <p:ext uri="{BB962C8B-B14F-4D97-AF65-F5344CB8AC3E}">
+        <p14:creationId xmlns:p14="http://schemas.microsoft.com/office/powerpoint/2010/main" val="290659439"/>
+      </p:ext>
+    </p:extLst>
+  </p:cSld>
+  <p:clrMapOvr>
+    <a:masterClrMapping/>
+  </p:clrMapOvr>
+</p:sld>
+</file>
+
+<file path=ppt/slides/slide27.xml><?xml version="1.0" encoding="utf-8"?>
+<p:sld xmlns:a="http://schemas.openxmlformats.org/drawingml/2006/main" xmlns:r="http://schemas.openxmlformats.org/officeDocument/2006/relationships" xmlns:p="http://schemas.openxmlformats.org/presentationml/2006/main">
+  <p:cSld>
+    <p:spTree>
+      <p:nvGrpSpPr>
+        <p:cNvPr id="1" name=""/>
+        <p:cNvGrpSpPr/>
+        <p:nvPr/>
+      </p:nvGrpSpPr>
+      <p:grpSpPr>
+        <a:xfrm>
+          <a:off x="0" y="0"/>
+          <a:ext cx="0" cy="0"/>
+          <a:chOff x="0" y="0"/>
+          <a:chExt cx="0" cy="0"/>
+        </a:xfrm>
+      </p:grpSpPr>
+      <p:sp>
+        <p:nvSpPr>
+          <p:cNvPr id="3" name="Заголовок 1">
+            <a:extLst>
+              <a:ext uri="{FF2B5EF4-FFF2-40B4-BE49-F238E27FC236}">
+                <a16:creationId xmlns:a16="http://schemas.microsoft.com/office/drawing/2014/main" id="{A7074DAD-2A23-436E-07F1-567E65A194CB}"/>
+              </a:ext>
+            </a:extLst>
+          </p:cNvPr>
+          <p:cNvSpPr>
+            <a:spLocks noGrp="1"/>
+          </p:cNvSpPr>
+          <p:nvPr>
+            <p:ph type="title"/>
+          </p:nvPr>
+        </p:nvSpPr>
+        <p:spPr>
+          <a:xfrm>
+            <a:off x="441434" y="435458"/>
+            <a:ext cx="11105524" cy="803288"/>
+          </a:xfrm>
+        </p:spPr>
+        <p:txBody>
+          <a:bodyPr>
+            <a:normAutofit/>
+          </a:bodyPr>
+          <a:lstStyle/>
+          <a:p>
+            <a:r>
+              <a:rPr lang="ru-RU" b="1" dirty="0">
+                <a:latin typeface="HSE Sans" panose="02000000000000000000" pitchFamily="2" charset="0"/>
+              </a:rPr>
+              <a:t>Проблемы проекта и планы по развитию</a:t>
+            </a:r>
+          </a:p>
+        </p:txBody>
+      </p:sp>
+      <p:sp>
+        <p:nvSpPr>
+          <p:cNvPr id="2" name="Заголовок 1">
+            <a:extLst>
+              <a:ext uri="{FF2B5EF4-FFF2-40B4-BE49-F238E27FC236}">
+                <a16:creationId xmlns:a16="http://schemas.microsoft.com/office/drawing/2014/main" id="{D2984469-DCAD-0CBC-3188-E93055F0C2BD}"/>
+              </a:ext>
+            </a:extLst>
+          </p:cNvPr>
+          <p:cNvSpPr txBox="1">
+            <a:spLocks/>
+          </p:cNvSpPr>
+          <p:nvPr/>
+        </p:nvSpPr>
+        <p:spPr>
+          <a:xfrm>
+            <a:off x="441433" y="1337334"/>
+            <a:ext cx="11183008" cy="1195660"/>
+          </a:xfrm>
+          <a:prstGeom prst="rect">
+            <a:avLst/>
+          </a:prstGeom>
+        </p:spPr>
+        <p:txBody>
+          <a:bodyPr vert="horz" lIns="91440" tIns="45720" rIns="91440" bIns="45720" rtlCol="0" anchor="t">
+            <a:normAutofit/>
+          </a:bodyPr>
+          <a:lstStyle>
+            <a:lvl1pPr algn="l" defTabSz="914400" rtl="0" eaLnBrk="1" latinLnBrk="0" hangingPunct="1">
+              <a:lnSpc>
+                <a:spcPct val="90000"/>
+              </a:lnSpc>
+              <a:spcBef>
+                <a:spcPct val="0"/>
+              </a:spcBef>
+              <a:buNone/>
+              <a:defRPr sz="4400" kern="1200">
+                <a:solidFill>
+                  <a:schemeClr val="tx1"/>
+                </a:solidFill>
+                <a:latin typeface="+mj-lt"/>
+                <a:ea typeface="+mj-ea"/>
+                <a:cs typeface="+mj-cs"/>
+              </a:defRPr>
+            </a:lvl1pPr>
+          </a:lstStyle>
+          <a:p>
+            <a:pPr marL="571500" indent="-571500">
+              <a:buFont typeface="Arial" panose="020B0604020202020204" pitchFamily="34" charset="0"/>
+              <a:buChar char="•"/>
+            </a:pPr>
+            <a:r>
+              <a:rPr lang="ru-RU" sz="3200" dirty="0">
+                <a:latin typeface="HSE Sans" panose="02000000000000000000" pitchFamily="2" charset="0"/>
+              </a:rPr>
+              <a:t>Взаимодействие пользователей друг с другом: например, возможность бросить вызов</a:t>
+            </a:r>
+          </a:p>
+        </p:txBody>
+      </p:sp>
+      <p:sp>
+        <p:nvSpPr>
+          <p:cNvPr id="6" name="Заголовок 1">
+            <a:extLst>
+              <a:ext uri="{FF2B5EF4-FFF2-40B4-BE49-F238E27FC236}">
+                <a16:creationId xmlns:a16="http://schemas.microsoft.com/office/drawing/2014/main" id="{EE838358-F56D-22A2-963B-42147E93298D}"/>
+              </a:ext>
+            </a:extLst>
+          </p:cNvPr>
+          <p:cNvSpPr txBox="1">
+            <a:spLocks/>
+          </p:cNvSpPr>
+          <p:nvPr/>
+        </p:nvSpPr>
+        <p:spPr>
+          <a:xfrm>
+            <a:off x="402692" y="2532994"/>
+            <a:ext cx="11183008" cy="1195660"/>
+          </a:xfrm>
+          <a:prstGeom prst="rect">
+            <a:avLst/>
+          </a:prstGeom>
+        </p:spPr>
+        <p:txBody>
+          <a:bodyPr vert="horz" lIns="91440" tIns="45720" rIns="91440" bIns="45720" rtlCol="0" anchor="t">
+            <a:normAutofit/>
+          </a:bodyPr>
+          <a:lstStyle>
+            <a:lvl1pPr algn="l" defTabSz="914400" rtl="0" eaLnBrk="1" latinLnBrk="0" hangingPunct="1">
+              <a:lnSpc>
+                <a:spcPct val="90000"/>
+              </a:lnSpc>
+              <a:spcBef>
+                <a:spcPct val="0"/>
+              </a:spcBef>
+              <a:buNone/>
+              <a:defRPr sz="4400" kern="1200">
+                <a:solidFill>
+                  <a:schemeClr val="tx1"/>
+                </a:solidFill>
+                <a:latin typeface="+mj-lt"/>
+                <a:ea typeface="+mj-ea"/>
+                <a:cs typeface="+mj-cs"/>
+              </a:defRPr>
+            </a:lvl1pPr>
+          </a:lstStyle>
+          <a:p>
+            <a:pPr marL="571500" indent="-571500">
+              <a:buFont typeface="Arial" panose="020B0604020202020204" pitchFamily="34" charset="0"/>
+              <a:buChar char="•"/>
+            </a:pPr>
+            <a:r>
+              <a:rPr lang="ru-RU" sz="3200" dirty="0">
+                <a:latin typeface="HSE Sans" panose="02000000000000000000" pitchFamily="2" charset="0"/>
+              </a:rPr>
+              <a:t>Версия на английском языке</a:t>
+            </a:r>
+          </a:p>
+        </p:txBody>
+      </p:sp>
+    </p:spTree>
+    <p:extLst>
+      <p:ext uri="{BB962C8B-B14F-4D97-AF65-F5344CB8AC3E}">
+        <p14:creationId xmlns:p14="http://schemas.microsoft.com/office/powerpoint/2010/main" val="2396460266"/>
       </p:ext>
     </p:extLst>
   </p:cSld>
@@ -4684,8 +7895,8 @@
         </p:nvSpPr>
         <p:spPr>
           <a:xfrm>
-            <a:off x="441433" y="435457"/>
-            <a:ext cx="10562897" cy="1445895"/>
+            <a:off x="441433" y="435458"/>
+            <a:ext cx="10562897" cy="1020392"/>
           </a:xfrm>
         </p:spPr>
         <p:txBody>
@@ -4698,18 +7909,7 @@
               <a:rPr lang="ru-RU" b="1" dirty="0">
                 <a:latin typeface="HSE Sans" panose="02000000000000000000" pitchFamily="2" charset="0"/>
               </a:rPr>
-              <a:t>Выдача фотографий</a:t>
-            </a:r>
-            <a:br>
-              <a:rPr lang="ru-RU" b="1" dirty="0">
-                <a:latin typeface="HSE Sans" panose="02000000000000000000" pitchFamily="2" charset="0"/>
-              </a:rPr>
-            </a:br>
-            <a:r>
-              <a:rPr lang="ru-RU" sz="3200" i="1" dirty="0">
-                <a:latin typeface="HSE Sans" panose="02000000000000000000" pitchFamily="2" charset="0"/>
-              </a:rPr>
-              <a:t>Глеб Хитрин</a:t>
+              <a:t>Правила</a:t>
             </a:r>
             <a:endParaRPr lang="ru-RU" b="1" i="1" dirty="0">
               <a:latin typeface="HSE Sans" panose="02000000000000000000" pitchFamily="2" charset="0"/>
@@ -4717,99 +7917,66 @@
           </a:p>
         </p:txBody>
       </p:sp>
-      <p:pic>
-        <p:nvPicPr>
-          <p:cNvPr id="2" name="Рисунок 1">
-            <a:extLst>
-              <a:ext uri="{FF2B5EF4-FFF2-40B4-BE49-F238E27FC236}">
-                <a16:creationId xmlns:a16="http://schemas.microsoft.com/office/drawing/2014/main" id="{547A183C-4FBF-28F8-6760-4FA0DF54E105}"/>
-              </a:ext>
-            </a:extLst>
-          </p:cNvPr>
-          <p:cNvPicPr>
-            <a:picLocks noChangeAspect="1"/>
-          </p:cNvPicPr>
+      <p:sp>
+        <p:nvSpPr>
+          <p:cNvPr id="6" name="Заголовок 1">
+            <a:extLst>
+              <a:ext uri="{FF2B5EF4-FFF2-40B4-BE49-F238E27FC236}">
+                <a16:creationId xmlns:a16="http://schemas.microsoft.com/office/drawing/2014/main" id="{BCF2ADD2-B2ED-9944-95DC-A270F377CD88}"/>
+              </a:ext>
+            </a:extLst>
+          </p:cNvPr>
+          <p:cNvSpPr txBox="1">
+            <a:spLocks/>
+          </p:cNvSpPr>
           <p:nvPr/>
-        </p:nvPicPr>
-        <p:blipFill rotWithShape="1">
-          <a:blip r:embed="rId2"/>
-          <a:srcRect l="23090" r="23090"/>
-          <a:stretch/>
-        </p:blipFill>
-        <p:spPr>
-          <a:xfrm>
-            <a:off x="4653455" y="1455849"/>
-            <a:ext cx="2885090" cy="3053089"/>
+        </p:nvSpPr>
+        <p:spPr>
+          <a:xfrm>
+            <a:off x="441432" y="1455850"/>
+            <a:ext cx="3152373" cy="691927"/>
           </a:xfrm>
           <a:prstGeom prst="rect">
             <a:avLst/>
           </a:prstGeom>
         </p:spPr>
-      </p:pic>
-      <p:pic>
-        <p:nvPicPr>
-          <p:cNvPr id="4" name="Рисунок 3">
-            <a:extLst>
-              <a:ext uri="{FF2B5EF4-FFF2-40B4-BE49-F238E27FC236}">
-                <a16:creationId xmlns:a16="http://schemas.microsoft.com/office/drawing/2014/main" id="{66B75983-F99F-937F-0255-5A31810FBD51}"/>
-              </a:ext>
-            </a:extLst>
-          </p:cNvPr>
-          <p:cNvPicPr>
-            <a:picLocks noChangeAspect="1"/>
-          </p:cNvPicPr>
-          <p:nvPr/>
-        </p:nvPicPr>
-        <p:blipFill>
-          <a:blip r:embed="rId3"/>
-          <a:stretch>
-            <a:fillRect/>
-          </a:stretch>
-        </p:blipFill>
-        <p:spPr>
-          <a:xfrm>
-            <a:off x="4361515" y="4684329"/>
-            <a:ext cx="3468969" cy="570843"/>
-          </a:xfrm>
-          <a:prstGeom prst="rect">
-            <a:avLst/>
-          </a:prstGeom>
-        </p:spPr>
-      </p:pic>
-      <p:pic>
-        <p:nvPicPr>
-          <p:cNvPr id="5" name="Рисунок 4">
-            <a:extLst>
-              <a:ext uri="{FF2B5EF4-FFF2-40B4-BE49-F238E27FC236}">
-                <a16:creationId xmlns:a16="http://schemas.microsoft.com/office/drawing/2014/main" id="{53BDA74D-26DC-5EFA-AD31-8096C6DD0E43}"/>
-              </a:ext>
-            </a:extLst>
-          </p:cNvPr>
-          <p:cNvPicPr>
-            <a:picLocks noChangeAspect="1"/>
-          </p:cNvPicPr>
-          <p:nvPr/>
-        </p:nvPicPr>
-        <p:blipFill>
-          <a:blip r:embed="rId4"/>
-          <a:stretch>
-            <a:fillRect/>
-          </a:stretch>
-        </p:blipFill>
-        <p:spPr>
-          <a:xfrm>
-            <a:off x="3575999" y="5349762"/>
-            <a:ext cx="5040000" cy="565091"/>
-          </a:xfrm>
-          <a:prstGeom prst="rect">
-            <a:avLst/>
-          </a:prstGeom>
-        </p:spPr>
-      </p:pic>
+        <p:txBody>
+          <a:bodyPr vert="horz" lIns="91440" tIns="45720" rIns="91440" bIns="45720" rtlCol="0" anchor="t">
+            <a:normAutofit/>
+          </a:bodyPr>
+          <a:lstStyle>
+            <a:lvl1pPr algn="l" defTabSz="914400" rtl="0" eaLnBrk="1" latinLnBrk="0" hangingPunct="1">
+              <a:lnSpc>
+                <a:spcPct val="90000"/>
+              </a:lnSpc>
+              <a:spcBef>
+                <a:spcPct val="0"/>
+              </a:spcBef>
+              <a:buNone/>
+              <a:defRPr sz="4400" kern="1200">
+                <a:solidFill>
+                  <a:schemeClr val="tx1"/>
+                </a:solidFill>
+                <a:latin typeface="+mj-lt"/>
+                <a:ea typeface="+mj-ea"/>
+                <a:cs typeface="+mj-cs"/>
+              </a:defRPr>
+            </a:lvl1pPr>
+          </a:lstStyle>
+          <a:p>
+            <a:r>
+              <a:rPr lang="ru-RU" sz="3200" dirty="0">
+                <a:latin typeface="HSE Sans" panose="02000000000000000000" pitchFamily="2" charset="0"/>
+              </a:rPr>
+              <a:t>Два режима:</a:t>
+            </a:r>
+          </a:p>
+        </p:txBody>
+      </p:sp>
     </p:spTree>
     <p:extLst>
       <p:ext uri="{BB962C8B-B14F-4D97-AF65-F5344CB8AC3E}">
-        <p14:creationId xmlns:p14="http://schemas.microsoft.com/office/powerpoint/2010/main" val="1469093645"/>
+        <p14:creationId xmlns:p14="http://schemas.microsoft.com/office/powerpoint/2010/main" val="215230512"/>
       </p:ext>
     </p:extLst>
   </p:cSld>
@@ -4854,12 +8021,12 @@
         </p:nvSpPr>
         <p:spPr>
           <a:xfrm>
-            <a:off x="441434" y="435458"/>
-            <a:ext cx="6926318" cy="803288"/>
-          </a:xfrm>
-        </p:spPr>
-        <p:txBody>
-          <a:bodyPr>
+            <a:off x="441433" y="435458"/>
+            <a:ext cx="10562897" cy="1020392"/>
+          </a:xfrm>
+        </p:spPr>
+        <p:txBody>
+          <a:bodyPr anchor="t">
             <a:normAutofit/>
           </a:bodyPr>
           <a:lstStyle/>
@@ -4868,17 +8035,20 @@
               <a:rPr lang="ru-RU" b="1" dirty="0">
                 <a:latin typeface="HSE Sans" panose="02000000000000000000" pitchFamily="2" charset="0"/>
               </a:rPr>
-              <a:t>Выдача фотографий</a:t>
-            </a:r>
-          </a:p>
-        </p:txBody>
-      </p:sp>
-      <p:sp>
-        <p:nvSpPr>
-          <p:cNvPr id="4" name="Заголовок 1">
-            <a:extLst>
-              <a:ext uri="{FF2B5EF4-FFF2-40B4-BE49-F238E27FC236}">
-                <a16:creationId xmlns:a16="http://schemas.microsoft.com/office/drawing/2014/main" id="{13A2292D-5D69-A67B-A6F2-D863D9916F94}"/>
+              <a:t>Правила</a:t>
+            </a:r>
+            <a:endParaRPr lang="ru-RU" b="1" i="1" dirty="0">
+              <a:latin typeface="HSE Sans" panose="02000000000000000000" pitchFamily="2" charset="0"/>
+            </a:endParaRPr>
+          </a:p>
+        </p:txBody>
+      </p:sp>
+      <p:sp>
+        <p:nvSpPr>
+          <p:cNvPr id="6" name="Заголовок 1">
+            <a:extLst>
+              <a:ext uri="{FF2B5EF4-FFF2-40B4-BE49-F238E27FC236}">
+                <a16:creationId xmlns:a16="http://schemas.microsoft.com/office/drawing/2014/main" id="{BCF2ADD2-B2ED-9944-95DC-A270F377CD88}"/>
               </a:ext>
             </a:extLst>
           </p:cNvPr>
@@ -4889,15 +8059,15 @@
         </p:nvSpPr>
         <p:spPr>
           <a:xfrm>
-            <a:off x="441434" y="1337333"/>
-            <a:ext cx="3941380" cy="1269233"/>
+            <a:off x="441432" y="1455850"/>
+            <a:ext cx="3152373" cy="691927"/>
           </a:xfrm>
           <a:prstGeom prst="rect">
             <a:avLst/>
           </a:prstGeom>
         </p:spPr>
         <p:txBody>
-          <a:bodyPr vert="horz" lIns="91440" tIns="45720" rIns="91440" bIns="45720" rtlCol="0" anchor="ctr">
+          <a:bodyPr vert="horz" lIns="91440" tIns="45720" rIns="91440" bIns="45720" rtlCol="0" anchor="t">
             <a:normAutofit/>
           </a:bodyPr>
           <a:lstStyle>
@@ -4920,63 +8090,21 @@
             </a:lvl1pPr>
           </a:lstStyle>
           <a:p>
-            <a:pPr algn="ctr"/>
-            <a:r>
-              <a:rPr lang="ru-RU" sz="3600" dirty="0">
-                <a:latin typeface="HSE Sans" panose="02000000000000000000" pitchFamily="2" charset="0"/>
-              </a:rPr>
-              <a:t>Выбор случайного города из списка</a:t>
-            </a:r>
-          </a:p>
-        </p:txBody>
-      </p:sp>
-      <p:cxnSp>
-        <p:nvCxnSpPr>
-          <p:cNvPr id="6" name="Прямая со стрелкой 5">
-            <a:extLst>
-              <a:ext uri="{FF2B5EF4-FFF2-40B4-BE49-F238E27FC236}">
-                <a16:creationId xmlns:a16="http://schemas.microsoft.com/office/drawing/2014/main" id="{178125AD-28CD-5611-F201-383BA54BCC6C}"/>
-              </a:ext>
-            </a:extLst>
-          </p:cNvPr>
-          <p:cNvCxnSpPr>
-            <a:stCxn id="4" idx="3"/>
-          </p:cNvCxnSpPr>
-          <p:nvPr/>
-        </p:nvCxnSpPr>
-        <p:spPr>
-          <a:xfrm flipV="1">
-            <a:off x="4382814" y="1965434"/>
-            <a:ext cx="2532993" cy="6516"/>
-          </a:xfrm>
-          <a:prstGeom prst="straightConnector1">
-            <a:avLst/>
-          </a:prstGeom>
-          <a:ln>
-            <a:tailEnd type="triangle"/>
-          </a:ln>
-        </p:spPr>
-        <p:style>
-          <a:lnRef idx="3">
-            <a:schemeClr val="dk1"/>
-          </a:lnRef>
-          <a:fillRef idx="0">
-            <a:schemeClr val="dk1"/>
-          </a:fillRef>
-          <a:effectRef idx="2">
-            <a:schemeClr val="dk1"/>
-          </a:effectRef>
-          <a:fontRef idx="minor">
-            <a:schemeClr val="tx1"/>
-          </a:fontRef>
-        </p:style>
-      </p:cxnSp>
+            <a:r>
+              <a:rPr lang="ru-RU" sz="3200" dirty="0">
+                <a:latin typeface="HSE Sans" panose="02000000000000000000" pitchFamily="2" charset="0"/>
+              </a:rPr>
+              <a:t>Два режима:</a:t>
+            </a:r>
+          </a:p>
+        </p:txBody>
+      </p:sp>
       <p:sp>
         <p:nvSpPr>
           <p:cNvPr id="7" name="Заголовок 1">
             <a:extLst>
               <a:ext uri="{FF2B5EF4-FFF2-40B4-BE49-F238E27FC236}">
-                <a16:creationId xmlns:a16="http://schemas.microsoft.com/office/drawing/2014/main" id="{F6F263D7-C112-0861-B515-664B465C628D}"/>
+                <a16:creationId xmlns:a16="http://schemas.microsoft.com/office/drawing/2014/main" id="{135AA68E-992E-3B1B-F5D7-5E86579404CD}"/>
               </a:ext>
             </a:extLst>
           </p:cNvPr>
@@ -4987,15 +8115,15 @@
         </p:nvSpPr>
         <p:spPr>
           <a:xfrm>
-            <a:off x="6915807" y="1337333"/>
-            <a:ext cx="3941380" cy="1269233"/>
+            <a:off x="441431" y="2597078"/>
+            <a:ext cx="3907285" cy="691927"/>
           </a:xfrm>
           <a:prstGeom prst="rect">
             <a:avLst/>
           </a:prstGeom>
         </p:spPr>
         <p:txBody>
-          <a:bodyPr vert="horz" lIns="91440" tIns="45720" rIns="91440" bIns="45720" rtlCol="0" anchor="ctr">
+          <a:bodyPr vert="horz" lIns="91440" tIns="45720" rIns="91440" bIns="45720" rtlCol="0" anchor="t">
             <a:normAutofit/>
           </a:bodyPr>
           <a:lstStyle>
@@ -5018,29 +8146,75 @@
             </a:lvl1pPr>
           </a:lstStyle>
           <a:p>
-            <a:pPr algn="ctr"/>
-            <a:r>
-              <a:rPr lang="ru-RU" sz="3600" dirty="0">
-                <a:latin typeface="HSE Sans" panose="02000000000000000000" pitchFamily="2" charset="0"/>
-              </a:rPr>
-              <a:t>Запрос в </a:t>
-            </a:r>
-            <a:r>
-              <a:rPr lang="en-US" sz="3600" dirty="0">
-                <a:latin typeface="HSE Sans" panose="02000000000000000000" pitchFamily="2" charset="0"/>
-              </a:rPr>
-              <a:t>Google Maps API</a:t>
-            </a:r>
-            <a:endParaRPr lang="ru-RU" sz="3600" dirty="0">
-              <a:latin typeface="HSE Sans" panose="02000000000000000000" pitchFamily="2" charset="0"/>
-            </a:endParaRPr>
+            <a:r>
+              <a:rPr lang="ru-RU" sz="3200" b="1" dirty="0">
+                <a:latin typeface="HSE Sans" panose="02000000000000000000" pitchFamily="2" charset="0"/>
+              </a:rPr>
+              <a:t>Города России</a:t>
+            </a:r>
+          </a:p>
+        </p:txBody>
+      </p:sp>
+      <p:sp>
+        <p:nvSpPr>
+          <p:cNvPr id="10" name="Заголовок 1">
+            <a:extLst>
+              <a:ext uri="{FF2B5EF4-FFF2-40B4-BE49-F238E27FC236}">
+                <a16:creationId xmlns:a16="http://schemas.microsoft.com/office/drawing/2014/main" id="{70C85B74-36AB-9309-2166-406DFB32936D}"/>
+              </a:ext>
+            </a:extLst>
+          </p:cNvPr>
+          <p:cNvSpPr txBox="1">
+            <a:spLocks/>
+          </p:cNvSpPr>
+          <p:nvPr/>
+        </p:nvSpPr>
+        <p:spPr>
+          <a:xfrm>
+            <a:off x="441430" y="3515833"/>
+            <a:ext cx="5438374" cy="3099391"/>
+          </a:xfrm>
+          <a:prstGeom prst="rect">
+            <a:avLst/>
+          </a:prstGeom>
+        </p:spPr>
+        <p:txBody>
+          <a:bodyPr vert="horz" lIns="91440" tIns="45720" rIns="91440" bIns="45720" rtlCol="0" anchor="t">
+            <a:normAutofit/>
+          </a:bodyPr>
+          <a:lstStyle>
+            <a:lvl1pPr algn="l" defTabSz="914400" rtl="0" eaLnBrk="1" latinLnBrk="0" hangingPunct="1">
+              <a:lnSpc>
+                <a:spcPct val="90000"/>
+              </a:lnSpc>
+              <a:spcBef>
+                <a:spcPct val="0"/>
+              </a:spcBef>
+              <a:buNone/>
+              <a:defRPr sz="4400" kern="1200">
+                <a:solidFill>
+                  <a:schemeClr val="tx1"/>
+                </a:solidFill>
+                <a:latin typeface="+mj-lt"/>
+                <a:ea typeface="+mj-ea"/>
+                <a:cs typeface="+mj-cs"/>
+              </a:defRPr>
+            </a:lvl1pPr>
+          </a:lstStyle>
+          <a:p>
+            <a:r>
+              <a:rPr lang="ru-RU" sz="3200" dirty="0">
+                <a:latin typeface="HSE Sans" panose="02000000000000000000" pitchFamily="2" charset="0"/>
+              </a:rPr>
+              <a:t>Нужно по 5 фотографиям определить российский город. Количество баллов зависит от расстояния между введённым городом и верным. Максимум: 1000 б.</a:t>
+            </a:r>
           </a:p>
         </p:txBody>
       </p:sp>
     </p:spTree>
     <p:extLst>
       <p:ext uri="{BB962C8B-B14F-4D97-AF65-F5344CB8AC3E}">
-        <p14:creationId xmlns:p14="http://schemas.microsoft.com/office/powerpoint/2010/main" val="721618430"/>
+        <p14:creationId xmlns:p14="http://schemas.microsoft.com/office/powerpoint/2010/main" val="1672195845"/>
       </p:ext>
     </p:extLst>
   </p:cSld>
@@ -5085,12 +8259,12 @@
         </p:nvSpPr>
         <p:spPr>
           <a:xfrm>
-            <a:off x="441434" y="435458"/>
-            <a:ext cx="6926318" cy="803288"/>
-          </a:xfrm>
-        </p:spPr>
-        <p:txBody>
-          <a:bodyPr>
+            <a:off x="441433" y="435458"/>
+            <a:ext cx="10562897" cy="1020392"/>
+          </a:xfrm>
+        </p:spPr>
+        <p:txBody>
+          <a:bodyPr anchor="t">
             <a:normAutofit/>
           </a:bodyPr>
           <a:lstStyle/>
@@ -5099,17 +8273,20 @@
               <a:rPr lang="ru-RU" b="1" dirty="0">
                 <a:latin typeface="HSE Sans" panose="02000000000000000000" pitchFamily="2" charset="0"/>
               </a:rPr>
-              <a:t>Выдача фотографий</a:t>
-            </a:r>
-          </a:p>
-        </p:txBody>
-      </p:sp>
-      <p:sp>
-        <p:nvSpPr>
-          <p:cNvPr id="4" name="Заголовок 1">
-            <a:extLst>
-              <a:ext uri="{FF2B5EF4-FFF2-40B4-BE49-F238E27FC236}">
-                <a16:creationId xmlns:a16="http://schemas.microsoft.com/office/drawing/2014/main" id="{13A2292D-5D69-A67B-A6F2-D863D9916F94}"/>
+              <a:t>Правила</a:t>
+            </a:r>
+            <a:endParaRPr lang="ru-RU" b="1" i="1" dirty="0">
+              <a:latin typeface="HSE Sans" panose="02000000000000000000" pitchFamily="2" charset="0"/>
+            </a:endParaRPr>
+          </a:p>
+        </p:txBody>
+      </p:sp>
+      <p:sp>
+        <p:nvSpPr>
+          <p:cNvPr id="6" name="Заголовок 1">
+            <a:extLst>
+              <a:ext uri="{FF2B5EF4-FFF2-40B4-BE49-F238E27FC236}">
+                <a16:creationId xmlns:a16="http://schemas.microsoft.com/office/drawing/2014/main" id="{BCF2ADD2-B2ED-9944-95DC-A270F377CD88}"/>
               </a:ext>
             </a:extLst>
           </p:cNvPr>
@@ -5120,15 +8297,15 @@
         </p:nvSpPr>
         <p:spPr>
           <a:xfrm>
-            <a:off x="441434" y="1337333"/>
-            <a:ext cx="3941380" cy="1269233"/>
+            <a:off x="441432" y="1455850"/>
+            <a:ext cx="3152373" cy="691927"/>
           </a:xfrm>
           <a:prstGeom prst="rect">
             <a:avLst/>
           </a:prstGeom>
         </p:spPr>
         <p:txBody>
-          <a:bodyPr vert="horz" lIns="91440" tIns="45720" rIns="91440" bIns="45720" rtlCol="0" anchor="ctr">
+          <a:bodyPr vert="horz" lIns="91440" tIns="45720" rIns="91440" bIns="45720" rtlCol="0" anchor="t">
             <a:normAutofit/>
           </a:bodyPr>
           <a:lstStyle>
@@ -5151,63 +8328,21 @@
             </a:lvl1pPr>
           </a:lstStyle>
           <a:p>
-            <a:pPr algn="ctr"/>
-            <a:r>
-              <a:rPr lang="ru-RU" sz="3600" dirty="0">
-                <a:latin typeface="HSE Sans" panose="02000000000000000000" pitchFamily="2" charset="0"/>
-              </a:rPr>
-              <a:t>Выбор случайного города из списка</a:t>
-            </a:r>
-          </a:p>
-        </p:txBody>
-      </p:sp>
-      <p:cxnSp>
-        <p:nvCxnSpPr>
-          <p:cNvPr id="6" name="Прямая со стрелкой 5">
-            <a:extLst>
-              <a:ext uri="{FF2B5EF4-FFF2-40B4-BE49-F238E27FC236}">
-                <a16:creationId xmlns:a16="http://schemas.microsoft.com/office/drawing/2014/main" id="{178125AD-28CD-5611-F201-383BA54BCC6C}"/>
-              </a:ext>
-            </a:extLst>
-          </p:cNvPr>
-          <p:cNvCxnSpPr>
-            <a:stCxn id="4" idx="3"/>
-          </p:cNvCxnSpPr>
-          <p:nvPr/>
-        </p:nvCxnSpPr>
-        <p:spPr>
-          <a:xfrm flipV="1">
-            <a:off x="4382814" y="1965434"/>
-            <a:ext cx="2532993" cy="6516"/>
-          </a:xfrm>
-          <a:prstGeom prst="straightConnector1">
-            <a:avLst/>
-          </a:prstGeom>
-          <a:ln>
-            <a:tailEnd type="triangle"/>
-          </a:ln>
-        </p:spPr>
-        <p:style>
-          <a:lnRef idx="3">
-            <a:schemeClr val="dk1"/>
-          </a:lnRef>
-          <a:fillRef idx="0">
-            <a:schemeClr val="dk1"/>
-          </a:fillRef>
-          <a:effectRef idx="2">
-            <a:schemeClr val="dk1"/>
-          </a:effectRef>
-          <a:fontRef idx="minor">
-            <a:schemeClr val="tx1"/>
-          </a:fontRef>
-        </p:style>
-      </p:cxnSp>
+            <a:r>
+              <a:rPr lang="ru-RU" sz="3200" dirty="0">
+                <a:latin typeface="HSE Sans" panose="02000000000000000000" pitchFamily="2" charset="0"/>
+              </a:rPr>
+              <a:t>Два режима:</a:t>
+            </a:r>
+          </a:p>
+        </p:txBody>
+      </p:sp>
       <p:sp>
         <p:nvSpPr>
           <p:cNvPr id="7" name="Заголовок 1">
             <a:extLst>
               <a:ext uri="{FF2B5EF4-FFF2-40B4-BE49-F238E27FC236}">
-                <a16:creationId xmlns:a16="http://schemas.microsoft.com/office/drawing/2014/main" id="{F6F263D7-C112-0861-B515-664B465C628D}"/>
+                <a16:creationId xmlns:a16="http://schemas.microsoft.com/office/drawing/2014/main" id="{135AA68E-992E-3B1B-F5D7-5E86579404CD}"/>
               </a:ext>
             </a:extLst>
           </p:cNvPr>
@@ -5218,15 +8353,15 @@
         </p:nvSpPr>
         <p:spPr>
           <a:xfrm>
-            <a:off x="6915807" y="1337333"/>
-            <a:ext cx="3941380" cy="1269233"/>
+            <a:off x="441431" y="2597078"/>
+            <a:ext cx="3907285" cy="691927"/>
           </a:xfrm>
           <a:prstGeom prst="rect">
             <a:avLst/>
           </a:prstGeom>
         </p:spPr>
         <p:txBody>
-          <a:bodyPr vert="horz" lIns="91440" tIns="45720" rIns="91440" bIns="45720" rtlCol="0" anchor="ctr">
+          <a:bodyPr vert="horz" lIns="91440" tIns="45720" rIns="91440" bIns="45720" rtlCol="0" anchor="t">
             <a:normAutofit/>
           </a:bodyPr>
           <a:lstStyle>
@@ -5249,73 +8384,21 @@
             </a:lvl1pPr>
           </a:lstStyle>
           <a:p>
-            <a:pPr algn="ctr"/>
-            <a:r>
-              <a:rPr lang="ru-RU" sz="3600" dirty="0">
-                <a:latin typeface="HSE Sans" panose="02000000000000000000" pitchFamily="2" charset="0"/>
-              </a:rPr>
-              <a:t>Запрос в </a:t>
-            </a:r>
-            <a:r>
-              <a:rPr lang="en-US" sz="3600" dirty="0">
-                <a:latin typeface="HSE Sans" panose="02000000000000000000" pitchFamily="2" charset="0"/>
-              </a:rPr>
-              <a:t>Google Maps API</a:t>
-            </a:r>
-            <a:endParaRPr lang="ru-RU" sz="3600" dirty="0">
-              <a:latin typeface="HSE Sans" panose="02000000000000000000" pitchFamily="2" charset="0"/>
-            </a:endParaRPr>
-          </a:p>
-        </p:txBody>
-      </p:sp>
-      <p:cxnSp>
-        <p:nvCxnSpPr>
-          <p:cNvPr id="8" name="Прямая со стрелкой 7">
-            <a:extLst>
-              <a:ext uri="{FF2B5EF4-FFF2-40B4-BE49-F238E27FC236}">
-                <a16:creationId xmlns:a16="http://schemas.microsoft.com/office/drawing/2014/main" id="{3A02CBC6-7796-BE6A-8AF9-DA68FC56757E}"/>
-              </a:ext>
-            </a:extLst>
-          </p:cNvPr>
-          <p:cNvCxnSpPr>
-            <a:cxnSpLocks/>
-            <a:stCxn id="7" idx="2"/>
-          </p:cNvCxnSpPr>
-          <p:nvPr/>
-        </p:nvCxnSpPr>
-        <p:spPr>
-          <a:xfrm>
-            <a:off x="8886497" y="2606566"/>
-            <a:ext cx="0" cy="1481958"/>
-          </a:xfrm>
-          <a:prstGeom prst="straightConnector1">
-            <a:avLst/>
-          </a:prstGeom>
-          <a:ln>
-            <a:tailEnd type="triangle"/>
-          </a:ln>
-        </p:spPr>
-        <p:style>
-          <a:lnRef idx="3">
-            <a:schemeClr val="dk1"/>
-          </a:lnRef>
-          <a:fillRef idx="0">
-            <a:schemeClr val="dk1"/>
-          </a:fillRef>
-          <a:effectRef idx="2">
-            <a:schemeClr val="dk1"/>
-          </a:effectRef>
-          <a:fontRef idx="minor">
-            <a:schemeClr val="tx1"/>
-          </a:fontRef>
-        </p:style>
-      </p:cxnSp>
-      <p:sp>
-        <p:nvSpPr>
-          <p:cNvPr id="11" name="Заголовок 1">
-            <a:extLst>
-              <a:ext uri="{FF2B5EF4-FFF2-40B4-BE49-F238E27FC236}">
-                <a16:creationId xmlns:a16="http://schemas.microsoft.com/office/drawing/2014/main" id="{ED921B46-47FA-A74B-8367-EFC16F942101}"/>
+            <a:r>
+              <a:rPr lang="ru-RU" sz="3200" b="1" dirty="0">
+                <a:latin typeface="HSE Sans" panose="02000000000000000000" pitchFamily="2" charset="0"/>
+              </a:rPr>
+              <a:t>Города России</a:t>
+            </a:r>
+          </a:p>
+        </p:txBody>
+      </p:sp>
+      <p:sp>
+        <p:nvSpPr>
+          <p:cNvPr id="8" name="Заголовок 1">
+            <a:extLst>
+              <a:ext uri="{FF2B5EF4-FFF2-40B4-BE49-F238E27FC236}">
+                <a16:creationId xmlns:a16="http://schemas.microsoft.com/office/drawing/2014/main" id="{83F4BB54-5DDC-FB28-0B8A-6037F33F783F}"/>
               </a:ext>
             </a:extLst>
           </p:cNvPr>
@@ -5326,15 +8409,15 @@
         </p:nvSpPr>
         <p:spPr>
           <a:xfrm>
-            <a:off x="6915807" y="4251434"/>
-            <a:ext cx="3941380" cy="1269233"/>
+            <a:off x="8284716" y="2597078"/>
+            <a:ext cx="3465854" cy="691927"/>
           </a:xfrm>
           <a:prstGeom prst="rect">
             <a:avLst/>
           </a:prstGeom>
         </p:spPr>
         <p:txBody>
-          <a:bodyPr vert="horz" lIns="91440" tIns="45720" rIns="91440" bIns="45720" rtlCol="0" anchor="ctr">
+          <a:bodyPr vert="horz" lIns="91440" tIns="45720" rIns="91440" bIns="45720" rtlCol="0" anchor="t">
             <a:normAutofit/>
           </a:bodyPr>
           <a:lstStyle>
@@ -5357,29 +8440,142 @@
             </a:lvl1pPr>
           </a:lstStyle>
           <a:p>
-            <a:pPr algn="ctr"/>
-            <a:r>
-              <a:rPr lang="ru-RU" sz="3600" dirty="0">
-                <a:latin typeface="HSE Sans" panose="02000000000000000000" pitchFamily="2" charset="0"/>
-              </a:rPr>
-              <a:t>Запрос в </a:t>
-            </a:r>
-            <a:r>
-              <a:rPr lang="en-US" sz="3600" dirty="0">
-                <a:latin typeface="HSE Sans" panose="02000000000000000000" pitchFamily="2" charset="0"/>
-              </a:rPr>
-              <a:t>Google Maps Photos API</a:t>
-            </a:r>
-            <a:endParaRPr lang="ru-RU" sz="3600" dirty="0">
-              <a:latin typeface="HSE Sans" panose="02000000000000000000" pitchFamily="2" charset="0"/>
-            </a:endParaRPr>
+            <a:pPr algn="r"/>
+            <a:r>
+              <a:rPr lang="ru-RU" sz="3200" b="1" dirty="0">
+                <a:latin typeface="HSE Sans" panose="02000000000000000000" pitchFamily="2" charset="0"/>
+              </a:rPr>
+              <a:t>Страны мира</a:t>
+            </a:r>
+          </a:p>
+        </p:txBody>
+      </p:sp>
+      <p:sp>
+        <p:nvSpPr>
+          <p:cNvPr id="9" name="Заголовок 1">
+            <a:extLst>
+              <a:ext uri="{FF2B5EF4-FFF2-40B4-BE49-F238E27FC236}">
+                <a16:creationId xmlns:a16="http://schemas.microsoft.com/office/drawing/2014/main" id="{CC73F519-A7CE-5414-5F69-C80CFA089866}"/>
+              </a:ext>
+            </a:extLst>
+          </p:cNvPr>
+          <p:cNvSpPr txBox="1">
+            <a:spLocks/>
+          </p:cNvSpPr>
+          <p:nvPr/>
+        </p:nvSpPr>
+        <p:spPr>
+          <a:xfrm>
+            <a:off x="6549655" y="3515834"/>
+            <a:ext cx="5200915" cy="3099391"/>
+          </a:xfrm>
+          <a:prstGeom prst="rect">
+            <a:avLst/>
+          </a:prstGeom>
+        </p:spPr>
+        <p:txBody>
+          <a:bodyPr vert="horz" lIns="91440" tIns="45720" rIns="91440" bIns="45720" rtlCol="0" anchor="t">
+            <a:normAutofit/>
+          </a:bodyPr>
+          <a:lstStyle>
+            <a:lvl1pPr algn="l" defTabSz="914400" rtl="0" eaLnBrk="1" latinLnBrk="0" hangingPunct="1">
+              <a:lnSpc>
+                <a:spcPct val="90000"/>
+              </a:lnSpc>
+              <a:spcBef>
+                <a:spcPct val="0"/>
+              </a:spcBef>
+              <a:buNone/>
+              <a:defRPr sz="4400" kern="1200">
+                <a:solidFill>
+                  <a:schemeClr val="tx1"/>
+                </a:solidFill>
+                <a:latin typeface="+mj-lt"/>
+                <a:ea typeface="+mj-ea"/>
+                <a:cs typeface="+mj-cs"/>
+              </a:defRPr>
+            </a:lvl1pPr>
+          </a:lstStyle>
+          <a:p>
+            <a:pPr algn="r"/>
+            <a:r>
+              <a:rPr lang="ru-RU" sz="3200" dirty="0">
+                <a:latin typeface="HSE Sans" panose="02000000000000000000" pitchFamily="2" charset="0"/>
+              </a:rPr>
+              <a:t>Нужно по 5 фотографиям определить страну. </a:t>
+            </a:r>
+          </a:p>
+          <a:p>
+            <a:pPr algn="r"/>
+            <a:r>
+              <a:rPr lang="ru-RU" sz="3200" dirty="0">
+                <a:latin typeface="HSE Sans" panose="02000000000000000000" pitchFamily="2" charset="0"/>
+              </a:rPr>
+              <a:t>Верный ответ: 1 балл, неверный ответ: 0 баллов</a:t>
+            </a:r>
+          </a:p>
+        </p:txBody>
+      </p:sp>
+      <p:sp>
+        <p:nvSpPr>
+          <p:cNvPr id="10" name="Заголовок 1">
+            <a:extLst>
+              <a:ext uri="{FF2B5EF4-FFF2-40B4-BE49-F238E27FC236}">
+                <a16:creationId xmlns:a16="http://schemas.microsoft.com/office/drawing/2014/main" id="{70C85B74-36AB-9309-2166-406DFB32936D}"/>
+              </a:ext>
+            </a:extLst>
+          </p:cNvPr>
+          <p:cNvSpPr txBox="1">
+            <a:spLocks/>
+          </p:cNvSpPr>
+          <p:nvPr/>
+        </p:nvSpPr>
+        <p:spPr>
+          <a:xfrm>
+            <a:off x="441430" y="3515833"/>
+            <a:ext cx="5438374" cy="3099391"/>
+          </a:xfrm>
+          <a:prstGeom prst="rect">
+            <a:avLst/>
+          </a:prstGeom>
+        </p:spPr>
+        <p:txBody>
+          <a:bodyPr vert="horz" lIns="91440" tIns="45720" rIns="91440" bIns="45720" rtlCol="0" anchor="t">
+            <a:normAutofit/>
+          </a:bodyPr>
+          <a:lstStyle>
+            <a:lvl1pPr algn="l" defTabSz="914400" rtl="0" eaLnBrk="1" latinLnBrk="0" hangingPunct="1">
+              <a:lnSpc>
+                <a:spcPct val="90000"/>
+              </a:lnSpc>
+              <a:spcBef>
+                <a:spcPct val="0"/>
+              </a:spcBef>
+              <a:buNone/>
+              <a:defRPr sz="4400" kern="1200">
+                <a:solidFill>
+                  <a:schemeClr val="tx1"/>
+                </a:solidFill>
+                <a:latin typeface="+mj-lt"/>
+                <a:ea typeface="+mj-ea"/>
+                <a:cs typeface="+mj-cs"/>
+              </a:defRPr>
+            </a:lvl1pPr>
+          </a:lstStyle>
+          <a:p>
+            <a:r>
+              <a:rPr lang="ru-RU" sz="3200" dirty="0">
+                <a:latin typeface="HSE Sans" panose="02000000000000000000" pitchFamily="2" charset="0"/>
+              </a:rPr>
+              <a:t>Нужно по 5 фотографиям определить российский город. Количество баллов зависит от расстояния между введённым городом и верным. Максимум: 1000 б.</a:t>
+            </a:r>
           </a:p>
         </p:txBody>
       </p:sp>
     </p:spTree>
     <p:extLst>
       <p:ext uri="{BB962C8B-B14F-4D97-AF65-F5344CB8AC3E}">
-        <p14:creationId xmlns:p14="http://schemas.microsoft.com/office/powerpoint/2010/main" val="1342929471"/>
+        <p14:creationId xmlns:p14="http://schemas.microsoft.com/office/powerpoint/2010/main" val="3474280987"/>
       </p:ext>
     </p:extLst>
   </p:cSld>
@@ -5424,12 +8620,12 @@
         </p:nvSpPr>
         <p:spPr>
           <a:xfrm>
-            <a:off x="441434" y="435458"/>
-            <a:ext cx="6926318" cy="803288"/>
-          </a:xfrm>
-        </p:spPr>
-        <p:txBody>
-          <a:bodyPr>
+            <a:off x="441433" y="435457"/>
+            <a:ext cx="10562897" cy="1445895"/>
+          </a:xfrm>
+        </p:spPr>
+        <p:txBody>
+          <a:bodyPr anchor="t">
             <a:normAutofit/>
           </a:bodyPr>
           <a:lstStyle/>
@@ -5438,17 +8634,31 @@
               <a:rPr lang="ru-RU" b="1" dirty="0">
                 <a:latin typeface="HSE Sans" panose="02000000000000000000" pitchFamily="2" charset="0"/>
               </a:rPr>
-              <a:t>Выдача фотографий</a:t>
-            </a:r>
-          </a:p>
-        </p:txBody>
-      </p:sp>
-      <p:sp>
-        <p:nvSpPr>
-          <p:cNvPr id="4" name="Заголовок 1">
-            <a:extLst>
-              <a:ext uri="{FF2B5EF4-FFF2-40B4-BE49-F238E27FC236}">
-                <a16:creationId xmlns:a16="http://schemas.microsoft.com/office/drawing/2014/main" id="{13A2292D-5D69-A67B-A6F2-D863D9916F94}"/>
+              <a:t>Хранение стран и городов</a:t>
+            </a:r>
+            <a:br>
+              <a:rPr lang="ru-RU" b="1" dirty="0">
+                <a:latin typeface="HSE Sans" panose="02000000000000000000" pitchFamily="2" charset="0"/>
+              </a:rPr>
+            </a:br>
+            <a:r>
+              <a:rPr lang="ru-RU" sz="3200" i="1" dirty="0">
+                <a:latin typeface="HSE Sans" panose="02000000000000000000" pitchFamily="2" charset="0"/>
+              </a:rPr>
+              <a:t>Глеб Хитрин, Наталья Югансон</a:t>
+            </a:r>
+            <a:endParaRPr lang="ru-RU" b="1" i="1" dirty="0">
+              <a:latin typeface="HSE Sans" panose="02000000000000000000" pitchFamily="2" charset="0"/>
+            </a:endParaRPr>
+          </a:p>
+        </p:txBody>
+      </p:sp>
+      <p:sp>
+        <p:nvSpPr>
+          <p:cNvPr id="6" name="Заголовок 1">
+            <a:extLst>
+              <a:ext uri="{FF2B5EF4-FFF2-40B4-BE49-F238E27FC236}">
+                <a16:creationId xmlns:a16="http://schemas.microsoft.com/office/drawing/2014/main" id="{FEBD4366-5BD9-7033-89D6-368A041B3BE2}"/>
               </a:ext>
             </a:extLst>
           </p:cNvPr>
@@ -5459,15 +8669,15 @@
         </p:nvSpPr>
         <p:spPr>
           <a:xfrm>
-            <a:off x="441434" y="1337333"/>
-            <a:ext cx="3941380" cy="1269233"/>
+            <a:off x="441433" y="1881352"/>
+            <a:ext cx="11183008" cy="798053"/>
           </a:xfrm>
           <a:prstGeom prst="rect">
             <a:avLst/>
           </a:prstGeom>
         </p:spPr>
         <p:txBody>
-          <a:bodyPr vert="horz" lIns="91440" tIns="45720" rIns="91440" bIns="45720" rtlCol="0" anchor="ctr">
+          <a:bodyPr vert="horz" lIns="91440" tIns="45720" rIns="91440" bIns="45720" rtlCol="0" anchor="t">
             <a:normAutofit/>
           </a:bodyPr>
           <a:lstStyle>
@@ -5490,63 +8700,28 @@
             </a:lvl1pPr>
           </a:lstStyle>
           <a:p>
-            <a:pPr algn="ctr"/>
-            <a:r>
-              <a:rPr lang="ru-RU" sz="3600" dirty="0">
-                <a:latin typeface="HSE Sans" panose="02000000000000000000" pitchFamily="2" charset="0"/>
-              </a:rPr>
-              <a:t>Выбор случайного города из списка</a:t>
-            </a:r>
-          </a:p>
-        </p:txBody>
-      </p:sp>
-      <p:cxnSp>
-        <p:nvCxnSpPr>
-          <p:cNvPr id="6" name="Прямая со стрелкой 5">
-            <a:extLst>
-              <a:ext uri="{FF2B5EF4-FFF2-40B4-BE49-F238E27FC236}">
-                <a16:creationId xmlns:a16="http://schemas.microsoft.com/office/drawing/2014/main" id="{178125AD-28CD-5611-F201-383BA54BCC6C}"/>
-              </a:ext>
-            </a:extLst>
-          </p:cNvPr>
-          <p:cNvCxnSpPr>
-            <a:stCxn id="4" idx="3"/>
-          </p:cNvCxnSpPr>
-          <p:nvPr/>
-        </p:nvCxnSpPr>
-        <p:spPr>
-          <a:xfrm flipV="1">
-            <a:off x="4382814" y="1965434"/>
-            <a:ext cx="2532993" cy="6516"/>
-          </a:xfrm>
-          <a:prstGeom prst="straightConnector1">
-            <a:avLst/>
-          </a:prstGeom>
-          <a:ln>
-            <a:tailEnd type="triangle"/>
-          </a:ln>
-        </p:spPr>
-        <p:style>
-          <a:lnRef idx="3">
-            <a:schemeClr val="dk1"/>
-          </a:lnRef>
-          <a:fillRef idx="0">
-            <a:schemeClr val="dk1"/>
-          </a:fillRef>
-          <a:effectRef idx="2">
-            <a:schemeClr val="dk1"/>
-          </a:effectRef>
-          <a:fontRef idx="minor">
-            <a:schemeClr val="tx1"/>
-          </a:fontRef>
-        </p:style>
-      </p:cxnSp>
+            <a:pPr marL="571500" indent="-571500">
+              <a:buFont typeface="Arial" panose="020B0604020202020204" pitchFamily="34" charset="0"/>
+              <a:buChar char="•"/>
+            </a:pPr>
+            <a:r>
+              <a:rPr lang="en-US" sz="3200" dirty="0">
+                <a:latin typeface="HSE Sans" panose="02000000000000000000" pitchFamily="2" charset="0"/>
+              </a:rPr>
+              <a:t>countries.py</a:t>
+            </a:r>
+            <a:endParaRPr lang="ru-RU" sz="3200" dirty="0">
+              <a:latin typeface="HSE Sans" panose="02000000000000000000" pitchFamily="2" charset="0"/>
+            </a:endParaRPr>
+          </a:p>
+        </p:txBody>
+      </p:sp>
       <p:sp>
         <p:nvSpPr>
           <p:cNvPr id="7" name="Заголовок 1">
             <a:extLst>
               <a:ext uri="{FF2B5EF4-FFF2-40B4-BE49-F238E27FC236}">
-                <a16:creationId xmlns:a16="http://schemas.microsoft.com/office/drawing/2014/main" id="{F6F263D7-C112-0861-B515-664B465C628D}"/>
+                <a16:creationId xmlns:a16="http://schemas.microsoft.com/office/drawing/2014/main" id="{F90FC07B-3BD3-3658-A7BC-5CF02A2ED108}"/>
               </a:ext>
             </a:extLst>
           </p:cNvPr>
@@ -5557,15 +8732,15 @@
         </p:nvSpPr>
         <p:spPr>
           <a:xfrm>
-            <a:off x="6915807" y="1337333"/>
-            <a:ext cx="3941380" cy="1269233"/>
+            <a:off x="441433" y="2679405"/>
+            <a:ext cx="11183008" cy="798053"/>
           </a:xfrm>
           <a:prstGeom prst="rect">
             <a:avLst/>
           </a:prstGeom>
         </p:spPr>
         <p:txBody>
-          <a:bodyPr vert="horz" lIns="91440" tIns="45720" rIns="91440" bIns="45720" rtlCol="0" anchor="ctr">
+          <a:bodyPr vert="horz" lIns="91440" tIns="45720" rIns="91440" bIns="45720" rtlCol="0" anchor="t">
             <a:normAutofit/>
           </a:bodyPr>
           <a:lstStyle>
@@ -5588,73 +8763,28 @@
             </a:lvl1pPr>
           </a:lstStyle>
           <a:p>
-            <a:pPr algn="ctr"/>
-            <a:r>
-              <a:rPr lang="ru-RU" sz="3600" dirty="0">
-                <a:latin typeface="HSE Sans" panose="02000000000000000000" pitchFamily="2" charset="0"/>
-              </a:rPr>
-              <a:t>Запрос в </a:t>
-            </a:r>
-            <a:r>
-              <a:rPr lang="en-US" sz="3600" dirty="0">
-                <a:latin typeface="HSE Sans" panose="02000000000000000000" pitchFamily="2" charset="0"/>
-              </a:rPr>
-              <a:t>Google Maps API</a:t>
-            </a:r>
-            <a:endParaRPr lang="ru-RU" sz="3600" dirty="0">
+            <a:pPr marL="571500" indent="-571500">
+              <a:buFont typeface="Arial" panose="020B0604020202020204" pitchFamily="34" charset="0"/>
+              <a:buChar char="•"/>
+            </a:pPr>
+            <a:r>
+              <a:rPr lang="en-US" sz="3200" dirty="0">
+                <a:latin typeface="HSE Sans" panose="02000000000000000000" pitchFamily="2" charset="0"/>
+              </a:rPr>
+              <a:t>all_russian_cities.py</a:t>
+            </a:r>
+            <a:endParaRPr lang="ru-RU" sz="3200" dirty="0">
               <a:latin typeface="HSE Sans" panose="02000000000000000000" pitchFamily="2" charset="0"/>
             </a:endParaRPr>
           </a:p>
         </p:txBody>
       </p:sp>
-      <p:cxnSp>
-        <p:nvCxnSpPr>
-          <p:cNvPr id="8" name="Прямая со стрелкой 7">
-            <a:extLst>
-              <a:ext uri="{FF2B5EF4-FFF2-40B4-BE49-F238E27FC236}">
-                <a16:creationId xmlns:a16="http://schemas.microsoft.com/office/drawing/2014/main" id="{3A02CBC6-7796-BE6A-8AF9-DA68FC56757E}"/>
-              </a:ext>
-            </a:extLst>
-          </p:cNvPr>
-          <p:cNvCxnSpPr>
-            <a:cxnSpLocks/>
-            <a:stCxn id="7" idx="2"/>
-          </p:cNvCxnSpPr>
-          <p:nvPr/>
-        </p:nvCxnSpPr>
-        <p:spPr>
-          <a:xfrm>
-            <a:off x="8886497" y="2606566"/>
-            <a:ext cx="0" cy="1481958"/>
-          </a:xfrm>
-          <a:prstGeom prst="straightConnector1">
-            <a:avLst/>
-          </a:prstGeom>
-          <a:ln>
-            <a:tailEnd type="triangle"/>
-          </a:ln>
-        </p:spPr>
-        <p:style>
-          <a:lnRef idx="3">
-            <a:schemeClr val="dk1"/>
-          </a:lnRef>
-          <a:fillRef idx="0">
-            <a:schemeClr val="dk1"/>
-          </a:fillRef>
-          <a:effectRef idx="2">
-            <a:schemeClr val="dk1"/>
-          </a:effectRef>
-          <a:fontRef idx="minor">
-            <a:schemeClr val="tx1"/>
-          </a:fontRef>
-        </p:style>
-      </p:cxnSp>
-      <p:sp>
-        <p:nvSpPr>
-          <p:cNvPr id="11" name="Заголовок 1">
-            <a:extLst>
-              <a:ext uri="{FF2B5EF4-FFF2-40B4-BE49-F238E27FC236}">
-                <a16:creationId xmlns:a16="http://schemas.microsoft.com/office/drawing/2014/main" id="{ED921B46-47FA-A74B-8367-EFC16F942101}"/>
+      <p:sp>
+        <p:nvSpPr>
+          <p:cNvPr id="8" name="Заголовок 1">
+            <a:extLst>
+              <a:ext uri="{FF2B5EF4-FFF2-40B4-BE49-F238E27FC236}">
+                <a16:creationId xmlns:a16="http://schemas.microsoft.com/office/drawing/2014/main" id="{D081E158-6FD9-0B76-4528-3A986615FD77}"/>
               </a:ext>
             </a:extLst>
           </p:cNvPr>
@@ -5665,15 +8795,15 @@
         </p:nvSpPr>
         <p:spPr>
           <a:xfrm>
-            <a:off x="6915807" y="4251434"/>
-            <a:ext cx="3941380" cy="1269233"/>
+            <a:off x="441433" y="3477458"/>
+            <a:ext cx="11183008" cy="798053"/>
           </a:xfrm>
           <a:prstGeom prst="rect">
             <a:avLst/>
           </a:prstGeom>
         </p:spPr>
         <p:txBody>
-          <a:bodyPr vert="horz" lIns="91440" tIns="45720" rIns="91440" bIns="45720" rtlCol="0" anchor="ctr">
+          <a:bodyPr vert="horz" lIns="91440" tIns="45720" rIns="91440" bIns="45720" rtlCol="0" anchor="t">
             <a:normAutofit/>
           </a:bodyPr>
           <a:lstStyle>
@@ -5696,128 +8826,26 @@
             </a:lvl1pPr>
           </a:lstStyle>
           <a:p>
-            <a:pPr algn="ctr"/>
-            <a:r>
-              <a:rPr lang="ru-RU" sz="3600" dirty="0">
-                <a:latin typeface="HSE Sans" panose="02000000000000000000" pitchFamily="2" charset="0"/>
-              </a:rPr>
-              <a:t>Запрос в </a:t>
-            </a:r>
-            <a:r>
-              <a:rPr lang="en-US" sz="3600" dirty="0">
-                <a:latin typeface="HSE Sans" panose="02000000000000000000" pitchFamily="2" charset="0"/>
-              </a:rPr>
-              <a:t>Google Maps Photos API</a:t>
-            </a:r>
-            <a:endParaRPr lang="ru-RU" sz="3600" dirty="0">
+            <a:pPr marL="571500" indent="-571500">
+              <a:buFont typeface="Arial" panose="020B0604020202020204" pitchFamily="34" charset="0"/>
+              <a:buChar char="•"/>
+            </a:pPr>
+            <a:r>
+              <a:rPr lang="en-US" sz="3200" dirty="0">
+                <a:latin typeface="HSE Sans" panose="02000000000000000000" pitchFamily="2" charset="0"/>
+              </a:rPr>
+              <a:t>big_russian_cities.json</a:t>
+            </a:r>
+            <a:endParaRPr lang="ru-RU" sz="3200" dirty="0">
               <a:latin typeface="HSE Sans" panose="02000000000000000000" pitchFamily="2" charset="0"/>
             </a:endParaRPr>
-          </a:p>
-        </p:txBody>
-      </p:sp>
-      <p:cxnSp>
-        <p:nvCxnSpPr>
-          <p:cNvPr id="12" name="Прямая со стрелкой 11">
-            <a:extLst>
-              <a:ext uri="{FF2B5EF4-FFF2-40B4-BE49-F238E27FC236}">
-                <a16:creationId xmlns:a16="http://schemas.microsoft.com/office/drawing/2014/main" id="{AD62E1BF-89C0-88CC-FD91-4590A7B0A00B}"/>
-              </a:ext>
-            </a:extLst>
-          </p:cNvPr>
-          <p:cNvCxnSpPr>
-            <a:cxnSpLocks/>
-            <a:stCxn id="11" idx="1"/>
-          </p:cNvCxnSpPr>
-          <p:nvPr/>
-        </p:nvCxnSpPr>
-        <p:spPr>
-          <a:xfrm flipH="1">
-            <a:off x="4519448" y="4886051"/>
-            <a:ext cx="2396359" cy="0"/>
-          </a:xfrm>
-          <a:prstGeom prst="straightConnector1">
-            <a:avLst/>
-          </a:prstGeom>
-          <a:ln>
-            <a:tailEnd type="triangle"/>
-          </a:ln>
-        </p:spPr>
-        <p:style>
-          <a:lnRef idx="3">
-            <a:schemeClr val="dk1"/>
-          </a:lnRef>
-          <a:fillRef idx="0">
-            <a:schemeClr val="dk1"/>
-          </a:fillRef>
-          <a:effectRef idx="2">
-            <a:schemeClr val="dk1"/>
-          </a:effectRef>
-          <a:fontRef idx="minor">
-            <a:schemeClr val="tx1"/>
-          </a:fontRef>
-        </p:style>
-      </p:cxnSp>
-      <p:sp>
-        <p:nvSpPr>
-          <p:cNvPr id="15" name="Заголовок 1">
-            <a:extLst>
-              <a:ext uri="{FF2B5EF4-FFF2-40B4-BE49-F238E27FC236}">
-                <a16:creationId xmlns:a16="http://schemas.microsoft.com/office/drawing/2014/main" id="{B190CEBB-CA9A-67FC-3426-59F0EEE89DEC}"/>
-              </a:ext>
-            </a:extLst>
-          </p:cNvPr>
-          <p:cNvSpPr txBox="1">
-            <a:spLocks/>
-          </p:cNvSpPr>
-          <p:nvPr/>
-        </p:nvSpPr>
-        <p:spPr>
-          <a:xfrm>
-            <a:off x="441434" y="4251433"/>
-            <a:ext cx="3941380" cy="1269233"/>
-          </a:xfrm>
-          <a:prstGeom prst="rect">
-            <a:avLst/>
-          </a:prstGeom>
-        </p:spPr>
-        <p:txBody>
-          <a:bodyPr vert="horz" lIns="91440" tIns="45720" rIns="91440" bIns="45720" rtlCol="0" anchor="ctr">
-            <a:normAutofit/>
-          </a:bodyPr>
-          <a:lstStyle>
-            <a:lvl1pPr algn="l" defTabSz="914400" rtl="0" eaLnBrk="1" latinLnBrk="0" hangingPunct="1">
-              <a:lnSpc>
-                <a:spcPct val="90000"/>
-              </a:lnSpc>
-              <a:spcBef>
-                <a:spcPct val="0"/>
-              </a:spcBef>
-              <a:buNone/>
-              <a:defRPr sz="4400" kern="1200">
-                <a:solidFill>
-                  <a:schemeClr val="tx1"/>
-                </a:solidFill>
-                <a:latin typeface="+mj-lt"/>
-                <a:ea typeface="+mj-ea"/>
-                <a:cs typeface="+mj-cs"/>
-              </a:defRPr>
-            </a:lvl1pPr>
-          </a:lstStyle>
-          <a:p>
-            <a:pPr algn="ctr"/>
-            <a:r>
-              <a:rPr lang="ru-RU" sz="3600" dirty="0">
-                <a:latin typeface="HSE Sans" panose="02000000000000000000" pitchFamily="2" charset="0"/>
-              </a:rPr>
-              <a:t>Выдача случайных фотографий</a:t>
-            </a:r>
           </a:p>
         </p:txBody>
       </p:sp>
     </p:spTree>
     <p:extLst>
       <p:ext uri="{BB962C8B-B14F-4D97-AF65-F5344CB8AC3E}">
-        <p14:creationId xmlns:p14="http://schemas.microsoft.com/office/powerpoint/2010/main" val="2966452075"/>
+        <p14:creationId xmlns:p14="http://schemas.microsoft.com/office/powerpoint/2010/main" val="590421226"/>
       </p:ext>
     </p:extLst>
   </p:cSld>
@@ -5862,12 +8890,12 @@
         </p:nvSpPr>
         <p:spPr>
           <a:xfrm>
-            <a:off x="441434" y="435458"/>
-            <a:ext cx="6926318" cy="803288"/>
-          </a:xfrm>
-        </p:spPr>
-        <p:txBody>
-          <a:bodyPr>
+            <a:off x="441433" y="435457"/>
+            <a:ext cx="10562897" cy="798053"/>
+          </a:xfrm>
+        </p:spPr>
+        <p:txBody>
+          <a:bodyPr anchor="t">
             <a:normAutofit/>
           </a:bodyPr>
           <a:lstStyle/>
@@ -5876,17 +8904,90 @@
               <a:rPr lang="ru-RU" b="1" dirty="0">
                 <a:latin typeface="HSE Sans" panose="02000000000000000000" pitchFamily="2" charset="0"/>
               </a:rPr>
-              <a:t>Выдача фотографий</a:t>
+              <a:t>Хранение стран и городов</a:t>
+            </a:r>
+            <a:endParaRPr lang="ru-RU" b="1" i="1" dirty="0">
+              <a:latin typeface="HSE Sans" panose="02000000000000000000" pitchFamily="2" charset="0"/>
+            </a:endParaRPr>
+          </a:p>
+        </p:txBody>
+      </p:sp>
+      <p:sp>
+        <p:nvSpPr>
+          <p:cNvPr id="6" name="Заголовок 1">
+            <a:extLst>
+              <a:ext uri="{FF2B5EF4-FFF2-40B4-BE49-F238E27FC236}">
+                <a16:creationId xmlns:a16="http://schemas.microsoft.com/office/drawing/2014/main" id="{FEBD4366-5BD9-7033-89D6-368A041B3BE2}"/>
+              </a:ext>
+            </a:extLst>
+          </p:cNvPr>
+          <p:cNvSpPr txBox="1">
+            <a:spLocks/>
+          </p:cNvSpPr>
+          <p:nvPr/>
+        </p:nvSpPr>
+        <p:spPr>
+          <a:xfrm>
+            <a:off x="441433" y="1244143"/>
+            <a:ext cx="2567581" cy="1275773"/>
+          </a:xfrm>
+          <a:prstGeom prst="rect">
+            <a:avLst/>
+          </a:prstGeom>
+        </p:spPr>
+        <p:txBody>
+          <a:bodyPr vert="horz" lIns="91440" tIns="45720" rIns="91440" bIns="45720" rtlCol="0" anchor="t">
+            <a:normAutofit/>
+          </a:bodyPr>
+          <a:lstStyle>
+            <a:lvl1pPr algn="l" defTabSz="914400" rtl="0" eaLnBrk="1" latinLnBrk="0" hangingPunct="1">
+              <a:lnSpc>
+                <a:spcPct val="90000"/>
+              </a:lnSpc>
+              <a:spcBef>
+                <a:spcPct val="0"/>
+              </a:spcBef>
+              <a:buNone/>
+              <a:defRPr sz="4400" kern="1200">
+                <a:solidFill>
+                  <a:schemeClr val="tx1"/>
+                </a:solidFill>
+                <a:latin typeface="+mj-lt"/>
+                <a:ea typeface="+mj-ea"/>
+                <a:cs typeface="+mj-cs"/>
+              </a:defRPr>
+            </a:lvl1pPr>
+          </a:lstStyle>
+          <a:p>
+            <a:r>
+              <a:rPr lang="en-US" sz="3200" dirty="0">
+                <a:latin typeface="HSE Sans" panose="02000000000000000000" pitchFamily="2" charset="0"/>
+              </a:rPr>
+              <a:t>countries.py:</a:t>
+            </a:r>
+          </a:p>
+          <a:p>
+            <a:r>
+              <a:rPr lang="en-US" sz="3200" dirty="0">
+                <a:latin typeface="HSE Sans" panose="02000000000000000000" pitchFamily="2" charset="0"/>
+              </a:rPr>
+              <a:t>132 </a:t>
+            </a:r>
+            <a:r>
+              <a:rPr lang="ru-RU" sz="3200" dirty="0">
+                <a:latin typeface="HSE Sans" panose="02000000000000000000" pitchFamily="2" charset="0"/>
+              </a:rPr>
+              <a:t>страны</a:t>
             </a:r>
           </a:p>
         </p:txBody>
       </p:sp>
       <p:pic>
         <p:nvPicPr>
-          <p:cNvPr id="14" name="Рисунок 13">
-            <a:extLst>
-              <a:ext uri="{FF2B5EF4-FFF2-40B4-BE49-F238E27FC236}">
-                <a16:creationId xmlns:a16="http://schemas.microsoft.com/office/drawing/2014/main" id="{93A08D01-7C8A-2BCF-80B4-505BF90CA66A}"/>
+          <p:cNvPr id="4" name="Рисунок 3">
+            <a:extLst>
+              <a:ext uri="{FF2B5EF4-FFF2-40B4-BE49-F238E27FC236}">
+                <a16:creationId xmlns:a16="http://schemas.microsoft.com/office/drawing/2014/main" id="{4173C13A-7E15-EEE5-6816-F1CD9987F18B}"/>
               </a:ext>
             </a:extLst>
           </p:cNvPr>
@@ -5895,15 +8996,16 @@
           </p:cNvPicPr>
           <p:nvPr/>
         </p:nvPicPr>
-        <p:blipFill rotWithShape="1">
+        <p:blipFill>
           <a:blip r:embed="rId2"/>
-          <a:srcRect r="49274"/>
-          <a:stretch/>
+          <a:stretch>
+            <a:fillRect/>
+          </a:stretch>
         </p:blipFill>
         <p:spPr>
           <a:xfrm>
-            <a:off x="339396" y="1337333"/>
-            <a:ext cx="3941371" cy="2163600"/>
+            <a:off x="3618125" y="1382367"/>
+            <a:ext cx="7772400" cy="4641162"/>
           </a:xfrm>
           <a:prstGeom prst="rect">
             <a:avLst/>
@@ -5913,7 +9015,7 @@
     </p:spTree>
     <p:extLst>
       <p:ext uri="{BB962C8B-B14F-4D97-AF65-F5344CB8AC3E}">
-        <p14:creationId xmlns:p14="http://schemas.microsoft.com/office/powerpoint/2010/main" val="1844663721"/>
+        <p14:creationId xmlns:p14="http://schemas.microsoft.com/office/powerpoint/2010/main" val="100079474"/>
       </p:ext>
     </p:extLst>
   </p:cSld>
@@ -5958,12 +9060,12 @@
         </p:nvSpPr>
         <p:spPr>
           <a:xfrm>
-            <a:off x="441434" y="435458"/>
-            <a:ext cx="6926318" cy="803288"/>
-          </a:xfrm>
-        </p:spPr>
-        <p:txBody>
-          <a:bodyPr>
+            <a:off x="441433" y="435457"/>
+            <a:ext cx="10562897" cy="798053"/>
+          </a:xfrm>
+        </p:spPr>
+        <p:txBody>
+          <a:bodyPr anchor="t">
             <a:normAutofit/>
           </a:bodyPr>
           <a:lstStyle/>
@@ -5972,59 +9074,108 @@
               <a:rPr lang="ru-RU" b="1" dirty="0">
                 <a:latin typeface="HSE Sans" panose="02000000000000000000" pitchFamily="2" charset="0"/>
               </a:rPr>
-              <a:t>Выдача фотографий</a:t>
-            </a:r>
-          </a:p>
-        </p:txBody>
-      </p:sp>
-      <p:cxnSp>
-        <p:nvCxnSpPr>
-          <p:cNvPr id="6" name="Прямая со стрелкой 5">
-            <a:extLst>
-              <a:ext uri="{FF2B5EF4-FFF2-40B4-BE49-F238E27FC236}">
-                <a16:creationId xmlns:a16="http://schemas.microsoft.com/office/drawing/2014/main" id="{178125AD-28CD-5611-F201-383BA54BCC6C}"/>
-              </a:ext>
-            </a:extLst>
-          </p:cNvPr>
-          <p:cNvCxnSpPr>
-            <a:cxnSpLocks/>
-            <a:stCxn id="14" idx="3"/>
-          </p:cNvCxnSpPr>
+              <a:t>Хранение стран и городов</a:t>
+            </a:r>
+            <a:endParaRPr lang="ru-RU" b="1" i="1" dirty="0">
+              <a:latin typeface="HSE Sans" panose="02000000000000000000" pitchFamily="2" charset="0"/>
+            </a:endParaRPr>
+          </a:p>
+        </p:txBody>
+      </p:sp>
+      <p:sp>
+        <p:nvSpPr>
+          <p:cNvPr id="6" name="Заголовок 1">
+            <a:extLst>
+              <a:ext uri="{FF2B5EF4-FFF2-40B4-BE49-F238E27FC236}">
+                <a16:creationId xmlns:a16="http://schemas.microsoft.com/office/drawing/2014/main" id="{FEBD4366-5BD9-7033-89D6-368A041B3BE2}"/>
+              </a:ext>
+            </a:extLst>
+          </p:cNvPr>
+          <p:cNvSpPr txBox="1">
+            <a:spLocks/>
+          </p:cNvSpPr>
           <p:nvPr/>
-        </p:nvCxnSpPr>
-        <p:spPr>
-          <a:xfrm flipV="1">
-            <a:off x="4280767" y="2404627"/>
-            <a:ext cx="1436860" cy="14506"/>
-          </a:xfrm>
-          <a:prstGeom prst="straightConnector1">
+        </p:nvSpPr>
+        <p:spPr>
+          <a:xfrm>
+            <a:off x="441433" y="1244143"/>
+            <a:ext cx="4088037" cy="1732973"/>
+          </a:xfrm>
+          <a:prstGeom prst="rect">
             <a:avLst/>
           </a:prstGeom>
-          <a:ln>
-            <a:tailEnd type="triangle"/>
-          </a:ln>
-        </p:spPr>
-        <p:style>
-          <a:lnRef idx="3">
-            <a:schemeClr val="dk1"/>
-          </a:lnRef>
-          <a:fillRef idx="0">
-            <a:schemeClr val="dk1"/>
-          </a:fillRef>
-          <a:effectRef idx="2">
-            <a:schemeClr val="dk1"/>
-          </a:effectRef>
-          <a:fontRef idx="minor">
-            <a:schemeClr val="tx1"/>
-          </a:fontRef>
-        </p:style>
-      </p:cxnSp>
+        </p:spPr>
+        <p:txBody>
+          <a:bodyPr vert="horz" lIns="91440" tIns="45720" rIns="91440" bIns="45720" rtlCol="0" anchor="t">
+            <a:normAutofit/>
+          </a:bodyPr>
+          <a:lstStyle>
+            <a:lvl1pPr algn="l" defTabSz="914400" rtl="0" eaLnBrk="1" latinLnBrk="0" hangingPunct="1">
+              <a:lnSpc>
+                <a:spcPct val="90000"/>
+              </a:lnSpc>
+              <a:spcBef>
+                <a:spcPct val="0"/>
+              </a:spcBef>
+              <a:buNone/>
+              <a:defRPr sz="4400" kern="1200">
+                <a:solidFill>
+                  <a:schemeClr val="tx1"/>
+                </a:solidFill>
+                <a:latin typeface="+mj-lt"/>
+                <a:ea typeface="+mj-ea"/>
+                <a:cs typeface="+mj-cs"/>
+              </a:defRPr>
+            </a:lvl1pPr>
+          </a:lstStyle>
+          <a:p>
+            <a:r>
+              <a:rPr lang="en-US" sz="3200" dirty="0">
+                <a:latin typeface="HSE Sans" panose="02000000000000000000" pitchFamily="2" charset="0"/>
+              </a:rPr>
+              <a:t>all_russian_cities.py:</a:t>
+            </a:r>
+            <a:r>
+              <a:rPr lang="ru-RU" sz="3200" dirty="0">
+                <a:latin typeface="HSE Sans" panose="02000000000000000000" pitchFamily="2" charset="0"/>
+              </a:rPr>
+              <a:t> </a:t>
+            </a:r>
+            <a:endParaRPr lang="en-US" sz="3200" dirty="0">
+              <a:latin typeface="HSE Sans" panose="02000000000000000000" pitchFamily="2" charset="0"/>
+            </a:endParaRPr>
+          </a:p>
+          <a:p>
+            <a:r>
+              <a:rPr lang="en-US" sz="3200" b="1" i="1" u="sng" dirty="0">
+                <a:solidFill>
+                  <a:srgbClr val="FF0000"/>
+                </a:solidFill>
+                <a:latin typeface="HSE Sans" panose="02000000000000000000" pitchFamily="2" charset="0"/>
+              </a:rPr>
+              <a:t>X</a:t>
+            </a:r>
+            <a:r>
+              <a:rPr lang="en-US" sz="3200" dirty="0">
+                <a:latin typeface="HSE Sans" panose="02000000000000000000" pitchFamily="2" charset="0"/>
+              </a:rPr>
+              <a:t> </a:t>
+            </a:r>
+            <a:r>
+              <a:rPr lang="ru-RU" sz="3200" dirty="0">
+                <a:latin typeface="HSE Sans" panose="02000000000000000000" pitchFamily="2" charset="0"/>
+              </a:rPr>
+              <a:t>городов</a:t>
+            </a:r>
+          </a:p>
+        </p:txBody>
+      </p:sp>
       <p:pic>
         <p:nvPicPr>
-          <p:cNvPr id="14" name="Рисунок 13">
-            <a:extLst>
-              <a:ext uri="{FF2B5EF4-FFF2-40B4-BE49-F238E27FC236}">
-                <a16:creationId xmlns:a16="http://schemas.microsoft.com/office/drawing/2014/main" id="{93A08D01-7C8A-2BCF-80B4-505BF90CA66A}"/>
+          <p:cNvPr id="5" name="Рисунок 4">
+            <a:extLst>
+              <a:ext uri="{FF2B5EF4-FFF2-40B4-BE49-F238E27FC236}">
+                <a16:creationId xmlns:a16="http://schemas.microsoft.com/office/drawing/2014/main" id="{5CB078DD-37EB-AA40-0951-E3B83E57249D}"/>
               </a:ext>
             </a:extLst>
           </p:cNvPr>
@@ -6035,43 +9186,13 @@
         </p:nvPicPr>
         <p:blipFill rotWithShape="1">
           <a:blip r:embed="rId2"/>
-          <a:srcRect r="49274"/>
+          <a:srcRect b="5680"/>
           <a:stretch/>
         </p:blipFill>
         <p:spPr>
           <a:xfrm>
-            <a:off x="339396" y="1337333"/>
-            <a:ext cx="3941371" cy="2163600"/>
-          </a:xfrm>
-          <a:prstGeom prst="rect">
-            <a:avLst/>
-          </a:prstGeom>
-        </p:spPr>
-      </p:pic>
-      <p:pic>
-        <p:nvPicPr>
-          <p:cNvPr id="18" name="Рисунок 17">
-            <a:extLst>
-              <a:ext uri="{FF2B5EF4-FFF2-40B4-BE49-F238E27FC236}">
-                <a16:creationId xmlns:a16="http://schemas.microsoft.com/office/drawing/2014/main" id="{341998B7-7D67-9A5E-983F-19F2B2A83658}"/>
-              </a:ext>
-            </a:extLst>
-          </p:cNvPr>
-          <p:cNvPicPr>
-            <a:picLocks noChangeAspect="1"/>
-          </p:cNvPicPr>
-          <p:nvPr/>
-        </p:nvPicPr>
-        <p:blipFill>
-          <a:blip r:embed="rId3"/>
-          <a:stretch>
-            <a:fillRect/>
-          </a:stretch>
-        </p:blipFill>
-        <p:spPr>
-          <a:xfrm>
-            <a:off x="5950827" y="1249647"/>
-            <a:ext cx="6241173" cy="2338971"/>
+            <a:off x="5352830" y="1307941"/>
+            <a:ext cx="5651500" cy="4767521"/>
           </a:xfrm>
           <a:prstGeom prst="rect">
             <a:avLst/>
@@ -6081,7 +9202,7 @@
     </p:spTree>
     <p:extLst>
       <p:ext uri="{BB962C8B-B14F-4D97-AF65-F5344CB8AC3E}">
-        <p14:creationId xmlns:p14="http://schemas.microsoft.com/office/powerpoint/2010/main" val="4081743801"/>
+        <p14:creationId xmlns:p14="http://schemas.microsoft.com/office/powerpoint/2010/main" val="2431558688"/>
       </p:ext>
     </p:extLst>
   </p:cSld>
@@ -6126,12 +9247,12 @@
         </p:nvSpPr>
         <p:spPr>
           <a:xfrm>
-            <a:off x="441434" y="435458"/>
-            <a:ext cx="6926318" cy="803288"/>
-          </a:xfrm>
-        </p:spPr>
-        <p:txBody>
-          <a:bodyPr>
+            <a:off x="441433" y="435457"/>
+            <a:ext cx="10562897" cy="798053"/>
+          </a:xfrm>
+        </p:spPr>
+        <p:txBody>
+          <a:bodyPr anchor="t">
             <a:normAutofit/>
           </a:bodyPr>
           <a:lstStyle/>
@@ -6140,100 +9261,108 @@
               <a:rPr lang="ru-RU" b="1" dirty="0">
                 <a:latin typeface="HSE Sans" panose="02000000000000000000" pitchFamily="2" charset="0"/>
               </a:rPr>
-              <a:t>Выдача фотографий</a:t>
-            </a:r>
-          </a:p>
-        </p:txBody>
-      </p:sp>
-      <p:cxnSp>
-        <p:nvCxnSpPr>
-          <p:cNvPr id="6" name="Прямая со стрелкой 5">
-            <a:extLst>
-              <a:ext uri="{FF2B5EF4-FFF2-40B4-BE49-F238E27FC236}">
-                <a16:creationId xmlns:a16="http://schemas.microsoft.com/office/drawing/2014/main" id="{178125AD-28CD-5611-F201-383BA54BCC6C}"/>
-              </a:ext>
-            </a:extLst>
-          </p:cNvPr>
-          <p:cNvCxnSpPr>
-            <a:cxnSpLocks/>
-            <a:stCxn id="14" idx="3"/>
-          </p:cNvCxnSpPr>
+              <a:t>Хранение стран и городов</a:t>
+            </a:r>
+            <a:endParaRPr lang="ru-RU" b="1" i="1" dirty="0">
+              <a:latin typeface="HSE Sans" panose="02000000000000000000" pitchFamily="2" charset="0"/>
+            </a:endParaRPr>
+          </a:p>
+        </p:txBody>
+      </p:sp>
+      <p:sp>
+        <p:nvSpPr>
+          <p:cNvPr id="6" name="Заголовок 1">
+            <a:extLst>
+              <a:ext uri="{FF2B5EF4-FFF2-40B4-BE49-F238E27FC236}">
+                <a16:creationId xmlns:a16="http://schemas.microsoft.com/office/drawing/2014/main" id="{FEBD4366-5BD9-7033-89D6-368A041B3BE2}"/>
+              </a:ext>
+            </a:extLst>
+          </p:cNvPr>
+          <p:cNvSpPr txBox="1">
+            <a:spLocks/>
+          </p:cNvSpPr>
           <p:nvPr/>
-        </p:nvCxnSpPr>
-        <p:spPr>
-          <a:xfrm flipV="1">
-            <a:off x="4280767" y="2404627"/>
-            <a:ext cx="1436860" cy="14506"/>
-          </a:xfrm>
-          <a:prstGeom prst="straightConnector1">
+        </p:nvSpPr>
+        <p:spPr>
+          <a:xfrm>
+            <a:off x="441433" y="1244143"/>
+            <a:ext cx="4088037" cy="1732973"/>
+          </a:xfrm>
+          <a:prstGeom prst="rect">
             <a:avLst/>
           </a:prstGeom>
-          <a:ln>
-            <a:tailEnd type="triangle"/>
-          </a:ln>
-        </p:spPr>
-        <p:style>
-          <a:lnRef idx="3">
-            <a:schemeClr val="dk1"/>
-          </a:lnRef>
-          <a:fillRef idx="0">
-            <a:schemeClr val="dk1"/>
-          </a:fillRef>
-          <a:effectRef idx="2">
-            <a:schemeClr val="dk1"/>
-          </a:effectRef>
-          <a:fontRef idx="minor">
-            <a:schemeClr val="tx1"/>
-          </a:fontRef>
-        </p:style>
-      </p:cxnSp>
-      <p:cxnSp>
-        <p:nvCxnSpPr>
-          <p:cNvPr id="8" name="Прямая со стрелкой 7">
-            <a:extLst>
-              <a:ext uri="{FF2B5EF4-FFF2-40B4-BE49-F238E27FC236}">
-                <a16:creationId xmlns:a16="http://schemas.microsoft.com/office/drawing/2014/main" id="{3A02CBC6-7796-BE6A-8AF9-DA68FC56757E}"/>
-              </a:ext>
-            </a:extLst>
-          </p:cNvPr>
-          <p:cNvCxnSpPr>
-            <a:cxnSpLocks/>
-          </p:cNvCxnSpPr>
-          <p:nvPr/>
-        </p:nvCxnSpPr>
-        <p:spPr>
-          <a:xfrm>
-            <a:off x="8886497" y="3925612"/>
-            <a:ext cx="0" cy="960437"/>
-          </a:xfrm>
-          <a:prstGeom prst="straightConnector1">
-            <a:avLst/>
-          </a:prstGeom>
-          <a:ln>
-            <a:tailEnd type="triangle"/>
-          </a:ln>
-        </p:spPr>
-        <p:style>
-          <a:lnRef idx="3">
-            <a:schemeClr val="dk1"/>
-          </a:lnRef>
-          <a:fillRef idx="0">
-            <a:schemeClr val="dk1"/>
-          </a:fillRef>
-          <a:effectRef idx="2">
-            <a:schemeClr val="dk1"/>
-          </a:effectRef>
-          <a:fontRef idx="minor">
-            <a:schemeClr val="tx1"/>
-          </a:fontRef>
-        </p:style>
-      </p:cxnSp>
+        </p:spPr>
+        <p:txBody>
+          <a:bodyPr vert="horz" lIns="91440" tIns="45720" rIns="91440" bIns="45720" rtlCol="0" anchor="t">
+            <a:normAutofit/>
+          </a:bodyPr>
+          <a:lstStyle>
+            <a:lvl1pPr algn="l" defTabSz="914400" rtl="0" eaLnBrk="1" latinLnBrk="0" hangingPunct="1">
+              <a:lnSpc>
+                <a:spcPct val="90000"/>
+              </a:lnSpc>
+              <a:spcBef>
+                <a:spcPct val="0"/>
+              </a:spcBef>
+              <a:buNone/>
+              <a:defRPr sz="4400" kern="1200">
+                <a:solidFill>
+                  <a:schemeClr val="tx1"/>
+                </a:solidFill>
+                <a:latin typeface="+mj-lt"/>
+                <a:ea typeface="+mj-ea"/>
+                <a:cs typeface="+mj-cs"/>
+              </a:defRPr>
+            </a:lvl1pPr>
+          </a:lstStyle>
+          <a:p>
+            <a:r>
+              <a:rPr lang="en-US" sz="3200" dirty="0">
+                <a:latin typeface="HSE Sans" panose="02000000000000000000" pitchFamily="2" charset="0"/>
+              </a:rPr>
+              <a:t>big_russian_cities.py:</a:t>
+            </a:r>
+            <a:r>
+              <a:rPr lang="ru-RU" sz="3200" dirty="0">
+                <a:latin typeface="HSE Sans" panose="02000000000000000000" pitchFamily="2" charset="0"/>
+              </a:rPr>
+              <a:t> </a:t>
+            </a:r>
+            <a:endParaRPr lang="en-US" sz="3200" dirty="0">
+              <a:latin typeface="HSE Sans" panose="02000000000000000000" pitchFamily="2" charset="0"/>
+            </a:endParaRPr>
+          </a:p>
+          <a:p>
+            <a:r>
+              <a:rPr lang="en-US" sz="3200" b="1" i="1" u="sng" dirty="0">
+                <a:solidFill>
+                  <a:srgbClr val="FF0000"/>
+                </a:solidFill>
+                <a:latin typeface="HSE Sans" panose="02000000000000000000" pitchFamily="2" charset="0"/>
+              </a:rPr>
+              <a:t>Y</a:t>
+            </a:r>
+            <a:r>
+              <a:rPr lang="en-US" sz="3200" dirty="0">
+                <a:latin typeface="HSE Sans" panose="02000000000000000000" pitchFamily="2" charset="0"/>
+              </a:rPr>
+              <a:t> </a:t>
+            </a:r>
+            <a:r>
+              <a:rPr lang="ru-RU" sz="3200" dirty="0">
+                <a:latin typeface="HSE Sans" panose="02000000000000000000" pitchFamily="2" charset="0"/>
+              </a:rPr>
+              <a:t>городов</a:t>
+            </a:r>
+          </a:p>
+        </p:txBody>
+      </p:sp>
       <p:pic>
         <p:nvPicPr>
-          <p:cNvPr id="14" name="Рисунок 13">
-            <a:extLst>
-              <a:ext uri="{FF2B5EF4-FFF2-40B4-BE49-F238E27FC236}">
-                <a16:creationId xmlns:a16="http://schemas.microsoft.com/office/drawing/2014/main" id="{93A08D01-7C8A-2BCF-80B4-505BF90CA66A}"/>
+          <p:cNvPr id="8" name="Рисунок 7">
+            <a:extLst>
+              <a:ext uri="{FF2B5EF4-FFF2-40B4-BE49-F238E27FC236}">
+                <a16:creationId xmlns:a16="http://schemas.microsoft.com/office/drawing/2014/main" id="{9FB9B520-9D43-C265-5A27-B7D8481A53A3}"/>
               </a:ext>
             </a:extLst>
           </p:cNvPr>
@@ -6243,74 +9372,14 @@
           <p:nvPr/>
         </p:nvPicPr>
         <p:blipFill rotWithShape="1">
-          <a:blip r:embed="rId2"/>
-          <a:srcRect r="49274"/>
+          <a:blip r:embed="rId3"/>
+          <a:srcRect b="25003"/>
           <a:stretch/>
         </p:blipFill>
         <p:spPr>
           <a:xfrm>
-            <a:off x="339396" y="1337333"/>
-            <a:ext cx="3941371" cy="2163600"/>
-          </a:xfrm>
-          <a:prstGeom prst="rect">
-            <a:avLst/>
-          </a:prstGeom>
-        </p:spPr>
-      </p:pic>
-      <p:pic>
-        <p:nvPicPr>
-          <p:cNvPr id="18" name="Рисунок 17">
-            <a:extLst>
-              <a:ext uri="{FF2B5EF4-FFF2-40B4-BE49-F238E27FC236}">
-                <a16:creationId xmlns:a16="http://schemas.microsoft.com/office/drawing/2014/main" id="{341998B7-7D67-9A5E-983F-19F2B2A83658}"/>
-              </a:ext>
-            </a:extLst>
-          </p:cNvPr>
-          <p:cNvPicPr>
-            <a:picLocks noChangeAspect="1"/>
-          </p:cNvPicPr>
-          <p:nvPr/>
-        </p:nvPicPr>
-        <p:blipFill>
-          <a:blip r:embed="rId3"/>
-          <a:stretch>
-            <a:fillRect/>
-          </a:stretch>
-        </p:blipFill>
-        <p:spPr>
-          <a:xfrm>
-            <a:off x="5950827" y="1249647"/>
-            <a:ext cx="6241173" cy="2338971"/>
-          </a:xfrm>
-          <a:prstGeom prst="rect">
-            <a:avLst/>
-          </a:prstGeom>
-        </p:spPr>
-      </p:pic>
-      <p:pic>
-        <p:nvPicPr>
-          <p:cNvPr id="23" name="Рисунок 22">
-            <a:extLst>
-              <a:ext uri="{FF2B5EF4-FFF2-40B4-BE49-F238E27FC236}">
-                <a16:creationId xmlns:a16="http://schemas.microsoft.com/office/drawing/2014/main" id="{ADDDFB4A-70B2-EFAD-C2FA-83EFC0C2879A}"/>
-              </a:ext>
-            </a:extLst>
-          </p:cNvPr>
-          <p:cNvPicPr>
-            <a:picLocks noChangeAspect="1"/>
-          </p:cNvPicPr>
-          <p:nvPr/>
-        </p:nvPicPr>
-        <p:blipFill>
-          <a:blip r:embed="rId4"/>
-          <a:stretch>
-            <a:fillRect/>
-          </a:stretch>
-        </p:blipFill>
-        <p:spPr>
-          <a:xfrm>
-            <a:off x="6180963" y="5050990"/>
-            <a:ext cx="5411067" cy="557363"/>
+            <a:off x="4980765" y="1307941"/>
+            <a:ext cx="5384800" cy="4209902"/>
           </a:xfrm>
           <a:prstGeom prst="rect">
             <a:avLst/>
@@ -6320,7 +9389,7 @@
     </p:spTree>
     <p:extLst>
       <p:ext uri="{BB962C8B-B14F-4D97-AF65-F5344CB8AC3E}">
-        <p14:creationId xmlns:p14="http://schemas.microsoft.com/office/powerpoint/2010/main" val="2495044685"/>
+        <p14:creationId xmlns:p14="http://schemas.microsoft.com/office/powerpoint/2010/main" val="3707913817"/>
       </p:ext>
     </p:extLst>
   </p:cSld>
@@ -6623,4 +9692,299 @@
     </a:ext>
   </a:extLst>
 </a:theme>
+</file>
+
+<file path=ppt/theme/theme2.xml><?xml version="1.0" encoding="utf-8"?>
+<a:theme xmlns:a="http://schemas.openxmlformats.org/drawingml/2006/main" name="Тема Office">
+  <a:themeElements>
+    <a:clrScheme name="Стандартная">
+      <a:dk1>
+        <a:sysClr val="windowText" lastClr="000000"/>
+      </a:dk1>
+      <a:lt1>
+        <a:sysClr val="window" lastClr="FFFFFF"/>
+      </a:lt1>
+      <a:dk2>
+        <a:srgbClr val="44546A"/>
+      </a:dk2>
+      <a:lt2>
+        <a:srgbClr val="E7E6E6"/>
+      </a:lt2>
+      <a:accent1>
+        <a:srgbClr val="4472C4"/>
+      </a:accent1>
+      <a:accent2>
+        <a:srgbClr val="ED7D31"/>
+      </a:accent2>
+      <a:accent3>
+        <a:srgbClr val="A5A5A5"/>
+      </a:accent3>
+      <a:accent4>
+        <a:srgbClr val="FFC000"/>
+      </a:accent4>
+      <a:accent5>
+        <a:srgbClr val="5B9BD5"/>
+      </a:accent5>
+      <a:accent6>
+        <a:srgbClr val="70AD47"/>
+      </a:accent6>
+      <a:hlink>
+        <a:srgbClr val="0563C1"/>
+      </a:hlink>
+      <a:folHlink>
+        <a:srgbClr val="954F72"/>
+      </a:folHlink>
+    </a:clrScheme>
+    <a:fontScheme name="Стандартная">
+      <a:majorFont>
+        <a:latin typeface="Calibri Light" panose="020F0302020204030204"/>
+        <a:ea typeface=""/>
+        <a:cs typeface=""/>
+        <a:font script="Jpan" typeface="游ゴシック Light"/>
+        <a:font script="Hang" typeface="맑은 고딕"/>
+        <a:font script="Hans" typeface="等线 Light"/>
+        <a:font script="Hant" typeface="新細明體"/>
+        <a:font script="Arab" typeface="Times New Roman"/>
+        <a:font script="Hebr" typeface="Times New Roman"/>
+        <a:font script="Thai" typeface="Angsana New"/>
+        <a:font script="Ethi" typeface="Nyala"/>
+        <a:font script="Beng" typeface="Vrinda"/>
+        <a:font script="Gujr" typeface="Shruti"/>
+        <a:font script="Khmr" typeface="MoolBoran"/>
+        <a:font script="Knda" typeface="Tunga"/>
+        <a:font script="Guru" typeface="Raavi"/>
+        <a:font script="Cans" typeface="Euphemia"/>
+        <a:font script="Cher" typeface="Plantagenet Cherokee"/>
+        <a:font script="Yiii" typeface="Microsoft Yi Baiti"/>
+        <a:font script="Tibt" typeface="Microsoft Himalaya"/>
+        <a:font script="Thaa" typeface="MV Boli"/>
+        <a:font script="Deva" typeface="Mangal"/>
+        <a:font script="Telu" typeface="Gautami"/>
+        <a:font script="Taml" typeface="Latha"/>
+        <a:font script="Syrc" typeface="Estrangelo Edessa"/>
+        <a:font script="Orya" typeface="Kalinga"/>
+        <a:font script="Mlym" typeface="Kartika"/>
+        <a:font script="Laoo" typeface="DokChampa"/>
+        <a:font script="Sinh" typeface="Iskoola Pota"/>
+        <a:font script="Mong" typeface="Mongolian Baiti"/>
+        <a:font script="Viet" typeface="Times New Roman"/>
+        <a:font script="Uigh" typeface="Microsoft Uighur"/>
+        <a:font script="Geor" typeface="Sylfaen"/>
+        <a:font script="Armn" typeface="Arial"/>
+        <a:font script="Bugi" typeface="Leelawadee UI"/>
+        <a:font script="Bopo" typeface="Microsoft JhengHei"/>
+        <a:font script="Java" typeface="Javanese Text"/>
+        <a:font script="Lisu" typeface="Segoe UI"/>
+        <a:font script="Mymr" typeface="Myanmar Text"/>
+        <a:font script="Nkoo" typeface="Ebrima"/>
+        <a:font script="Olck" typeface="Nirmala UI"/>
+        <a:font script="Osma" typeface="Ebrima"/>
+        <a:font script="Phag" typeface="Phagspa"/>
+        <a:font script="Syrn" typeface="Estrangelo Edessa"/>
+        <a:font script="Syrj" typeface="Estrangelo Edessa"/>
+        <a:font script="Syre" typeface="Estrangelo Edessa"/>
+        <a:font script="Sora" typeface="Nirmala UI"/>
+        <a:font script="Tale" typeface="Microsoft Tai Le"/>
+        <a:font script="Talu" typeface="Microsoft New Tai Lue"/>
+        <a:font script="Tfng" typeface="Ebrima"/>
+      </a:majorFont>
+      <a:minorFont>
+        <a:latin typeface="Calibri" panose="020F0502020204030204"/>
+        <a:ea typeface=""/>
+        <a:cs typeface=""/>
+        <a:font script="Jpan" typeface="游ゴシック"/>
+        <a:font script="Hang" typeface="맑은 고딕"/>
+        <a:font script="Hans" typeface="等线"/>
+        <a:font script="Hant" typeface="新細明體"/>
+        <a:font script="Arab" typeface="Arial"/>
+        <a:font script="Hebr" typeface="Arial"/>
+        <a:font script="Thai" typeface="Cordia New"/>
+        <a:font script="Ethi" typeface="Nyala"/>
+        <a:font script="Beng" typeface="Vrinda"/>
+        <a:font script="Gujr" typeface="Shruti"/>
+        <a:font script="Khmr" typeface="DaunPenh"/>
+        <a:font script="Knda" typeface="Tunga"/>
+        <a:font script="Guru" typeface="Raavi"/>
+        <a:font script="Cans" typeface="Euphemia"/>
+        <a:font script="Cher" typeface="Plantagenet Cherokee"/>
+        <a:font script="Yiii" typeface="Microsoft Yi Baiti"/>
+        <a:font script="Tibt" typeface="Microsoft Himalaya"/>
+        <a:font script="Thaa" typeface="MV Boli"/>
+        <a:font script="Deva" typeface="Mangal"/>
+        <a:font script="Telu" typeface="Gautami"/>
+        <a:font script="Taml" typeface="Latha"/>
+        <a:font script="Syrc" typeface="Estrangelo Edessa"/>
+        <a:font script="Orya" typeface="Kalinga"/>
+        <a:font script="Mlym" typeface="Kartika"/>
+        <a:font script="Laoo" typeface="DokChampa"/>
+        <a:font script="Sinh" typeface="Iskoola Pota"/>
+        <a:font script="Mong" typeface="Mongolian Baiti"/>
+        <a:font script="Viet" typeface="Arial"/>
+        <a:font script="Uigh" typeface="Microsoft Uighur"/>
+        <a:font script="Geor" typeface="Sylfaen"/>
+        <a:font script="Armn" typeface="Arial"/>
+        <a:font script="Bugi" typeface="Leelawadee UI"/>
+        <a:font script="Bopo" typeface="Microsoft JhengHei"/>
+        <a:font script="Java" typeface="Javanese Text"/>
+        <a:font script="Lisu" typeface="Segoe UI"/>
+        <a:font script="Mymr" typeface="Myanmar Text"/>
+        <a:font script="Nkoo" typeface="Ebrima"/>
+        <a:font script="Olck" typeface="Nirmala UI"/>
+        <a:font script="Osma" typeface="Ebrima"/>
+        <a:font script="Phag" typeface="Phagspa"/>
+        <a:font script="Syrn" typeface="Estrangelo Edessa"/>
+        <a:font script="Syrj" typeface="Estrangelo Edessa"/>
+        <a:font script="Syre" typeface="Estrangelo Edessa"/>
+        <a:font script="Sora" typeface="Nirmala UI"/>
+        <a:font script="Tale" typeface="Microsoft Tai Le"/>
+        <a:font script="Talu" typeface="Microsoft New Tai Lue"/>
+        <a:font script="Tfng" typeface="Ebrima"/>
+      </a:minorFont>
+    </a:fontScheme>
+    <a:fmtScheme name="Стандартная">
+      <a:fillStyleLst>
+        <a:solidFill>
+          <a:schemeClr val="phClr"/>
+        </a:solidFill>
+        <a:gradFill rotWithShape="1">
+          <a:gsLst>
+            <a:gs pos="0">
+              <a:schemeClr val="phClr">
+                <a:lumMod val="110000"/>
+                <a:satMod val="105000"/>
+                <a:tint val="67000"/>
+              </a:schemeClr>
+            </a:gs>
+            <a:gs pos="50000">
+              <a:schemeClr val="phClr">
+                <a:lumMod val="105000"/>
+                <a:satMod val="103000"/>
+                <a:tint val="73000"/>
+              </a:schemeClr>
+            </a:gs>
+            <a:gs pos="100000">
+              <a:schemeClr val="phClr">
+                <a:lumMod val="105000"/>
+                <a:satMod val="109000"/>
+                <a:tint val="81000"/>
+              </a:schemeClr>
+            </a:gs>
+          </a:gsLst>
+          <a:lin ang="5400000" scaled="0"/>
+        </a:gradFill>
+        <a:gradFill rotWithShape="1">
+          <a:gsLst>
+            <a:gs pos="0">
+              <a:schemeClr val="phClr">
+                <a:satMod val="103000"/>
+                <a:lumMod val="102000"/>
+                <a:tint val="94000"/>
+              </a:schemeClr>
+            </a:gs>
+            <a:gs pos="50000">
+              <a:schemeClr val="phClr">
+                <a:satMod val="110000"/>
+                <a:lumMod val="100000"/>
+                <a:shade val="100000"/>
+              </a:schemeClr>
+            </a:gs>
+            <a:gs pos="100000">
+              <a:schemeClr val="phClr">
+                <a:lumMod val="99000"/>
+                <a:satMod val="120000"/>
+                <a:shade val="78000"/>
+              </a:schemeClr>
+            </a:gs>
+          </a:gsLst>
+          <a:lin ang="5400000" scaled="0"/>
+        </a:gradFill>
+      </a:fillStyleLst>
+      <a:lnStyleLst>
+        <a:ln w="6350" cap="flat" cmpd="sng" algn="ctr">
+          <a:solidFill>
+            <a:schemeClr val="phClr"/>
+          </a:solidFill>
+          <a:prstDash val="solid"/>
+          <a:miter lim="800000"/>
+        </a:ln>
+        <a:ln w="12700" cap="flat" cmpd="sng" algn="ctr">
+          <a:solidFill>
+            <a:schemeClr val="phClr"/>
+          </a:solidFill>
+          <a:prstDash val="solid"/>
+          <a:miter lim="800000"/>
+        </a:ln>
+        <a:ln w="19050" cap="flat" cmpd="sng" algn="ctr">
+          <a:solidFill>
+            <a:schemeClr val="phClr"/>
+          </a:solidFill>
+          <a:prstDash val="solid"/>
+          <a:miter lim="800000"/>
+        </a:ln>
+      </a:lnStyleLst>
+      <a:effectStyleLst>
+        <a:effectStyle>
+          <a:effectLst/>
+        </a:effectStyle>
+        <a:effectStyle>
+          <a:effectLst/>
+        </a:effectStyle>
+        <a:effectStyle>
+          <a:effectLst>
+            <a:outerShdw blurRad="57150" dist="19050" dir="5400000" algn="ctr" rotWithShape="0">
+              <a:srgbClr val="000000">
+                <a:alpha val="63000"/>
+              </a:srgbClr>
+            </a:outerShdw>
+          </a:effectLst>
+        </a:effectStyle>
+      </a:effectStyleLst>
+      <a:bgFillStyleLst>
+        <a:solidFill>
+          <a:schemeClr val="phClr"/>
+        </a:solidFill>
+        <a:solidFill>
+          <a:schemeClr val="phClr">
+            <a:tint val="95000"/>
+            <a:satMod val="170000"/>
+          </a:schemeClr>
+        </a:solidFill>
+        <a:gradFill rotWithShape="1">
+          <a:gsLst>
+            <a:gs pos="0">
+              <a:schemeClr val="phClr">
+                <a:tint val="93000"/>
+                <a:satMod val="150000"/>
+                <a:shade val="98000"/>
+                <a:lumMod val="102000"/>
+              </a:schemeClr>
+            </a:gs>
+            <a:gs pos="50000">
+              <a:schemeClr val="phClr">
+                <a:tint val="98000"/>
+                <a:satMod val="130000"/>
+                <a:shade val="90000"/>
+                <a:lumMod val="103000"/>
+              </a:schemeClr>
+            </a:gs>
+            <a:gs pos="100000">
+              <a:schemeClr val="phClr">
+                <a:shade val="63000"/>
+                <a:satMod val="120000"/>
+              </a:schemeClr>
+            </a:gs>
+          </a:gsLst>
+          <a:lin ang="5400000" scaled="0"/>
+        </a:gradFill>
+      </a:bgFillStyleLst>
+    </a:fmtScheme>
+  </a:themeElements>
+  <a:objectDefaults/>
+  <a:extraClrSchemeLst/>
+  <a:extLst>
+    <a:ext uri="{05A4C25C-085E-4340-85A3-A5531E510DB2}">
+      <thm15:themeFamily xmlns:thm15="http://schemas.microsoft.com/office/thememl/2012/main" name="Office Theme" id="{62F939B6-93AF-4DB8-9C6B-D6C7DFDC589F}" vid="{4A3C46E8-61CC-4603-A589-7422A47A8E4A}"/>
+    </a:ext>
+  </a:extLst>
+</a:theme>
 </file>
--- a/Презентация GeoQuest.pptx
+++ b/Презентация GeoQuest.pptx
@@ -223,7 +223,7 @@
           <a:p>
             <a:fld id="{700B8B7E-C4FC-3647-948A-9C9E38C730D4}" type="datetimeFigureOut">
               <a:rPr lang="ru-RU" smtClean="0"/>
-              <a:t>24.12.2023</a:t>
+              <a:t>25.12.2023</a:t>
             </a:fld>
             <a:endParaRPr lang="ru-RU"/>
           </a:p>
@@ -805,7 +805,7 @@
           <a:p>
             <a:fld id="{680DAA94-26E2-1742-B349-986C74FAAB48}" type="datetimeFigureOut">
               <a:rPr lang="ru-RU" smtClean="0"/>
-              <a:t>24.12.2023</a:t>
+              <a:t>25.12.2023</a:t>
             </a:fld>
             <a:endParaRPr lang="ru-RU"/>
           </a:p>
@@ -1003,7 +1003,7 @@
           <a:p>
             <a:fld id="{680DAA94-26E2-1742-B349-986C74FAAB48}" type="datetimeFigureOut">
               <a:rPr lang="ru-RU" smtClean="0"/>
-              <a:t>24.12.2023</a:t>
+              <a:t>25.12.2023</a:t>
             </a:fld>
             <a:endParaRPr lang="ru-RU"/>
           </a:p>
@@ -1211,7 +1211,7 @@
           <a:p>
             <a:fld id="{680DAA94-26E2-1742-B349-986C74FAAB48}" type="datetimeFigureOut">
               <a:rPr lang="ru-RU" smtClean="0"/>
-              <a:t>24.12.2023</a:t>
+              <a:t>25.12.2023</a:t>
             </a:fld>
             <a:endParaRPr lang="ru-RU"/>
           </a:p>
@@ -1409,7 +1409,7 @@
           <a:p>
             <a:fld id="{680DAA94-26E2-1742-B349-986C74FAAB48}" type="datetimeFigureOut">
               <a:rPr lang="ru-RU" smtClean="0"/>
-              <a:t>24.12.2023</a:t>
+              <a:t>25.12.2023</a:t>
             </a:fld>
             <a:endParaRPr lang="ru-RU"/>
           </a:p>
@@ -1684,7 +1684,7 @@
           <a:p>
             <a:fld id="{680DAA94-26E2-1742-B349-986C74FAAB48}" type="datetimeFigureOut">
               <a:rPr lang="ru-RU" smtClean="0"/>
-              <a:t>24.12.2023</a:t>
+              <a:t>25.12.2023</a:t>
             </a:fld>
             <a:endParaRPr lang="ru-RU"/>
           </a:p>
@@ -1949,7 +1949,7 @@
           <a:p>
             <a:fld id="{680DAA94-26E2-1742-B349-986C74FAAB48}" type="datetimeFigureOut">
               <a:rPr lang="ru-RU" smtClean="0"/>
-              <a:t>24.12.2023</a:t>
+              <a:t>25.12.2023</a:t>
             </a:fld>
             <a:endParaRPr lang="ru-RU"/>
           </a:p>
@@ -2361,7 +2361,7 @@
           <a:p>
             <a:fld id="{680DAA94-26E2-1742-B349-986C74FAAB48}" type="datetimeFigureOut">
               <a:rPr lang="ru-RU" smtClean="0"/>
-              <a:t>24.12.2023</a:t>
+              <a:t>25.12.2023</a:t>
             </a:fld>
             <a:endParaRPr lang="ru-RU"/>
           </a:p>
@@ -2502,7 +2502,7 @@
           <a:p>
             <a:fld id="{680DAA94-26E2-1742-B349-986C74FAAB48}" type="datetimeFigureOut">
               <a:rPr lang="ru-RU" smtClean="0"/>
-              <a:t>24.12.2023</a:t>
+              <a:t>25.12.2023</a:t>
             </a:fld>
             <a:endParaRPr lang="ru-RU"/>
           </a:p>
@@ -2615,7 +2615,7 @@
           <a:p>
             <a:fld id="{680DAA94-26E2-1742-B349-986C74FAAB48}" type="datetimeFigureOut">
               <a:rPr lang="ru-RU" smtClean="0"/>
-              <a:t>24.12.2023</a:t>
+              <a:t>25.12.2023</a:t>
             </a:fld>
             <a:endParaRPr lang="ru-RU"/>
           </a:p>
@@ -2926,7 +2926,7 @@
           <a:p>
             <a:fld id="{680DAA94-26E2-1742-B349-986C74FAAB48}" type="datetimeFigureOut">
               <a:rPr lang="ru-RU" smtClean="0"/>
-              <a:t>24.12.2023</a:t>
+              <a:t>25.12.2023</a:t>
             </a:fld>
             <a:endParaRPr lang="ru-RU"/>
           </a:p>
@@ -3214,7 +3214,7 @@
           <a:p>
             <a:fld id="{680DAA94-26E2-1742-B349-986C74FAAB48}" type="datetimeFigureOut">
               <a:rPr lang="ru-RU" smtClean="0"/>
-              <a:t>24.12.2023</a:t>
+              <a:t>25.12.2023</a:t>
             </a:fld>
             <a:endParaRPr lang="ru-RU"/>
           </a:p>
@@ -3455,7 +3455,7 @@
           <a:p>
             <a:fld id="{680DAA94-26E2-1742-B349-986C74FAAB48}" type="datetimeFigureOut">
               <a:rPr lang="ru-RU" smtClean="0"/>
-              <a:t>24.12.2023</a:t>
+              <a:t>25.12.2023</a:t>
             </a:fld>
             <a:endParaRPr lang="ru-RU"/>
           </a:p>
@@ -6229,8 +6229,8 @@
           </a:p>
         </p:txBody>
       </p:sp>
-      <mc:AlternateContent xmlns:mc="http://schemas.openxmlformats.org/markup-compatibility/2006">
-        <mc:Choice xmlns:a14="http://schemas.microsoft.com/office/drawing/2010/main" Requires="a14">
+      <mc:AlternateContent xmlns:mc="http://schemas.openxmlformats.org/markup-compatibility/2006" xmlns:a14="http://schemas.microsoft.com/office/drawing/2010/main">
+        <mc:Choice Requires="a14">
           <p:sp>
             <p:nvSpPr>
               <p:cNvPr id="2" name="TextBox 1">
@@ -6259,6 +6259,7 @@
               </a:bodyPr>
               <a:lstStyle/>
               <a:p>
+                <a:pPr/>
                 <a14:m>
                   <m:oMathPara xmlns:m="http://schemas.openxmlformats.org/officeDocument/2006/math">
                     <m:oMathParaPr>
@@ -6365,7 +6366,7 @@
             </p:txBody>
           </p:sp>
         </mc:Choice>
-        <mc:Fallback>
+        <mc:Fallback xmlns="">
           <p:sp>
             <p:nvSpPr>
               <p:cNvPr id="2" name="TextBox 1">
@@ -6410,8 +6411,8 @@
           </p:sp>
         </mc:Fallback>
       </mc:AlternateContent>
-      <mc:AlternateContent xmlns:mc="http://schemas.openxmlformats.org/markup-compatibility/2006">
-        <mc:Choice xmlns:a14="http://schemas.microsoft.com/office/drawing/2010/main" Requires="a14">
+      <mc:AlternateContent xmlns:mc="http://schemas.openxmlformats.org/markup-compatibility/2006" xmlns:a14="http://schemas.microsoft.com/office/drawing/2010/main">
+        <mc:Choice Requires="a14">
           <p:sp>
             <p:nvSpPr>
               <p:cNvPr id="4" name="Заголовок 1">
@@ -6480,7 +6481,7 @@
             </p:txBody>
           </p:sp>
         </mc:Choice>
-        <mc:Fallback>
+        <mc:Fallback xmlns="">
           <p:sp>
             <p:nvSpPr>
               <p:cNvPr id="4" name="Заголовок 1">
@@ -9147,13 +9148,10 @@
           </a:p>
           <a:p>
             <a:r>
-              <a:rPr lang="en-US" sz="3200" b="1" i="1" u="sng" dirty="0">
-                <a:solidFill>
-                  <a:srgbClr val="FF0000"/>
-                </a:solidFill>
-                <a:latin typeface="HSE Sans" panose="02000000000000000000" pitchFamily="2" charset="0"/>
-              </a:rPr>
-              <a:t>X</a:t>
+              <a:rPr lang="ru-RU" sz="3200" dirty="0">
+                <a:latin typeface="HSE Sans" panose="02000000000000000000" pitchFamily="2" charset="0"/>
+              </a:rPr>
+              <a:t>1115</a:t>
             </a:r>
             <a:r>
               <a:rPr lang="en-US" sz="3200" dirty="0">
@@ -9334,13 +9332,10 @@
           </a:p>
           <a:p>
             <a:r>
-              <a:rPr lang="en-US" sz="3200" b="1" i="1" u="sng" dirty="0">
-                <a:solidFill>
-                  <a:srgbClr val="FF0000"/>
-                </a:solidFill>
-                <a:latin typeface="HSE Sans" panose="02000000000000000000" pitchFamily="2" charset="0"/>
-              </a:rPr>
-              <a:t>Y</a:t>
+              <a:rPr lang="ru-RU" sz="3200" dirty="0">
+                <a:latin typeface="HSE Sans" panose="02000000000000000000" pitchFamily="2" charset="0"/>
+              </a:rPr>
+              <a:t>93</a:t>
             </a:r>
             <a:r>
               <a:rPr lang="en-US" sz="3200" dirty="0">
@@ -9352,7 +9347,7 @@
               <a:rPr lang="ru-RU" sz="3200" dirty="0">
                 <a:latin typeface="HSE Sans" panose="02000000000000000000" pitchFamily="2" charset="0"/>
               </a:rPr>
-              <a:t>городов</a:t>
+              <a:t>города</a:t>
             </a:r>
           </a:p>
         </p:txBody>

--- a/Презентация GeoQuest.pptx
+++ b/Презентация GeoQuest.pptx
@@ -5,7 +5,7 @@
     <p:sldMasterId id="2147483648" r:id="rId1"/>
   </p:sldMasterIdLst>
   <p:notesMasterIdLst>
-    <p:notesMasterId r:id="rId29"/>
+    <p:notesMasterId r:id="rId32"/>
   </p:notesMasterIdLst>
   <p:sldIdLst>
     <p:sldId id="256" r:id="rId2"/>
@@ -27,14 +27,17 @@
     <p:sldId id="265" r:id="rId18"/>
     <p:sldId id="270" r:id="rId19"/>
     <p:sldId id="274" r:id="rId20"/>
-    <p:sldId id="273" r:id="rId21"/>
-    <p:sldId id="268" r:id="rId22"/>
-    <p:sldId id="271" r:id="rId23"/>
-    <p:sldId id="275" r:id="rId24"/>
-    <p:sldId id="287" r:id="rId25"/>
-    <p:sldId id="286" r:id="rId26"/>
-    <p:sldId id="267" r:id="rId27"/>
-    <p:sldId id="288" r:id="rId28"/>
+    <p:sldId id="268" r:id="rId21"/>
+    <p:sldId id="289" r:id="rId22"/>
+    <p:sldId id="290" r:id="rId23"/>
+    <p:sldId id="291" r:id="rId24"/>
+    <p:sldId id="292" r:id="rId25"/>
+    <p:sldId id="271" r:id="rId26"/>
+    <p:sldId id="275" r:id="rId27"/>
+    <p:sldId id="287" r:id="rId28"/>
+    <p:sldId id="286" r:id="rId29"/>
+    <p:sldId id="267" r:id="rId30"/>
+    <p:sldId id="288" r:id="rId31"/>
   </p:sldIdLst>
   <p:sldSz cx="12192000" cy="6858000"/>
   <p:notesSz cx="6858000" cy="9144000"/>
@@ -649,6 +652,258 @@
     <p:extLst>
       <p:ext uri="{BB962C8B-B14F-4D97-AF65-F5344CB8AC3E}">
         <p14:creationId xmlns:p14="http://schemas.microsoft.com/office/powerpoint/2010/main" val="1990038050"/>
+      </p:ext>
+    </p:extLst>
+  </p:cSld>
+  <p:clrMapOvr>
+    <a:masterClrMapping/>
+  </p:clrMapOvr>
+</p:notes>
+</file>
+
+<file path=ppt/notesSlides/notesSlide3.xml><?xml version="1.0" encoding="utf-8"?>
+<p:notes xmlns:a="http://schemas.openxmlformats.org/drawingml/2006/main" xmlns:r="http://schemas.openxmlformats.org/officeDocument/2006/relationships" xmlns:p="http://schemas.openxmlformats.org/presentationml/2006/main">
+  <p:cSld>
+    <p:spTree>
+      <p:nvGrpSpPr>
+        <p:cNvPr id="1" name=""/>
+        <p:cNvGrpSpPr/>
+        <p:nvPr/>
+      </p:nvGrpSpPr>
+      <p:grpSpPr>
+        <a:xfrm>
+          <a:off x="0" y="0"/>
+          <a:ext cx="0" cy="0"/>
+          <a:chOff x="0" y="0"/>
+          <a:chExt cx="0" cy="0"/>
+        </a:xfrm>
+      </p:grpSpPr>
+      <p:sp>
+        <p:nvSpPr>
+          <p:cNvPr id="2" name="Образ слайда 1"/>
+          <p:cNvSpPr>
+            <a:spLocks noGrp="1" noRot="1" noChangeAspect="1"/>
+          </p:cNvSpPr>
+          <p:nvPr>
+            <p:ph type="sldImg"/>
+          </p:nvPr>
+        </p:nvSpPr>
+        <p:spPr/>
+      </p:sp>
+      <p:sp>
+        <p:nvSpPr>
+          <p:cNvPr id="3" name="Заметки 2"/>
+          <p:cNvSpPr>
+            <a:spLocks noGrp="1"/>
+          </p:cNvSpPr>
+          <p:nvPr>
+            <p:ph type="body" idx="1"/>
+          </p:nvPr>
+        </p:nvSpPr>
+        <p:spPr/>
+        <p:txBody>
+          <a:bodyPr/>
+          <a:lstStyle/>
+          <a:p>
+            <a:endParaRPr lang="ru-RU" dirty="0"/>
+          </a:p>
+        </p:txBody>
+      </p:sp>
+      <p:sp>
+        <p:nvSpPr>
+          <p:cNvPr id="4" name="Номер слайда 3"/>
+          <p:cNvSpPr>
+            <a:spLocks noGrp="1"/>
+          </p:cNvSpPr>
+          <p:nvPr>
+            <p:ph type="sldNum" sz="quarter" idx="5"/>
+          </p:nvPr>
+        </p:nvSpPr>
+        <p:spPr/>
+        <p:txBody>
+          <a:bodyPr/>
+          <a:lstStyle/>
+          <a:p>
+            <a:fld id="{0051E452-0920-9149-A80C-CC973ADD1620}" type="slidenum">
+              <a:rPr lang="ru-RU" smtClean="0"/>
+              <a:t>22</a:t>
+            </a:fld>
+            <a:endParaRPr lang="ru-RU"/>
+          </a:p>
+        </p:txBody>
+      </p:sp>
+    </p:spTree>
+    <p:extLst>
+      <p:ext uri="{BB962C8B-B14F-4D97-AF65-F5344CB8AC3E}">
+        <p14:creationId xmlns:p14="http://schemas.microsoft.com/office/powerpoint/2010/main" val="195282735"/>
+      </p:ext>
+    </p:extLst>
+  </p:cSld>
+  <p:clrMapOvr>
+    <a:masterClrMapping/>
+  </p:clrMapOvr>
+</p:notes>
+</file>
+
+<file path=ppt/notesSlides/notesSlide4.xml><?xml version="1.0" encoding="utf-8"?>
+<p:notes xmlns:a="http://schemas.openxmlformats.org/drawingml/2006/main" xmlns:r="http://schemas.openxmlformats.org/officeDocument/2006/relationships" xmlns:p="http://schemas.openxmlformats.org/presentationml/2006/main">
+  <p:cSld>
+    <p:spTree>
+      <p:nvGrpSpPr>
+        <p:cNvPr id="1" name=""/>
+        <p:cNvGrpSpPr/>
+        <p:nvPr/>
+      </p:nvGrpSpPr>
+      <p:grpSpPr>
+        <a:xfrm>
+          <a:off x="0" y="0"/>
+          <a:ext cx="0" cy="0"/>
+          <a:chOff x="0" y="0"/>
+          <a:chExt cx="0" cy="0"/>
+        </a:xfrm>
+      </p:grpSpPr>
+      <p:sp>
+        <p:nvSpPr>
+          <p:cNvPr id="2" name="Образ слайда 1"/>
+          <p:cNvSpPr>
+            <a:spLocks noGrp="1" noRot="1" noChangeAspect="1"/>
+          </p:cNvSpPr>
+          <p:nvPr>
+            <p:ph type="sldImg"/>
+          </p:nvPr>
+        </p:nvSpPr>
+        <p:spPr/>
+      </p:sp>
+      <p:sp>
+        <p:nvSpPr>
+          <p:cNvPr id="3" name="Заметки 2"/>
+          <p:cNvSpPr>
+            <a:spLocks noGrp="1"/>
+          </p:cNvSpPr>
+          <p:nvPr>
+            <p:ph type="body" idx="1"/>
+          </p:nvPr>
+        </p:nvSpPr>
+        <p:spPr/>
+        <p:txBody>
+          <a:bodyPr/>
+          <a:lstStyle/>
+          <a:p>
+            <a:endParaRPr lang="ru-RU" dirty="0"/>
+          </a:p>
+        </p:txBody>
+      </p:sp>
+      <p:sp>
+        <p:nvSpPr>
+          <p:cNvPr id="4" name="Номер слайда 3"/>
+          <p:cNvSpPr>
+            <a:spLocks noGrp="1"/>
+          </p:cNvSpPr>
+          <p:nvPr>
+            <p:ph type="sldNum" sz="quarter" idx="5"/>
+          </p:nvPr>
+        </p:nvSpPr>
+        <p:spPr/>
+        <p:txBody>
+          <a:bodyPr/>
+          <a:lstStyle/>
+          <a:p>
+            <a:fld id="{0051E452-0920-9149-A80C-CC973ADD1620}" type="slidenum">
+              <a:rPr lang="ru-RU" smtClean="0"/>
+              <a:t>23</a:t>
+            </a:fld>
+            <a:endParaRPr lang="ru-RU"/>
+          </a:p>
+        </p:txBody>
+      </p:sp>
+    </p:spTree>
+    <p:extLst>
+      <p:ext uri="{BB962C8B-B14F-4D97-AF65-F5344CB8AC3E}">
+        <p14:creationId xmlns:p14="http://schemas.microsoft.com/office/powerpoint/2010/main" val="1069092482"/>
+      </p:ext>
+    </p:extLst>
+  </p:cSld>
+  <p:clrMapOvr>
+    <a:masterClrMapping/>
+  </p:clrMapOvr>
+</p:notes>
+</file>
+
+<file path=ppt/notesSlides/notesSlide5.xml><?xml version="1.0" encoding="utf-8"?>
+<p:notes xmlns:a="http://schemas.openxmlformats.org/drawingml/2006/main" xmlns:r="http://schemas.openxmlformats.org/officeDocument/2006/relationships" xmlns:p="http://schemas.openxmlformats.org/presentationml/2006/main">
+  <p:cSld>
+    <p:spTree>
+      <p:nvGrpSpPr>
+        <p:cNvPr id="1" name=""/>
+        <p:cNvGrpSpPr/>
+        <p:nvPr/>
+      </p:nvGrpSpPr>
+      <p:grpSpPr>
+        <a:xfrm>
+          <a:off x="0" y="0"/>
+          <a:ext cx="0" cy="0"/>
+          <a:chOff x="0" y="0"/>
+          <a:chExt cx="0" cy="0"/>
+        </a:xfrm>
+      </p:grpSpPr>
+      <p:sp>
+        <p:nvSpPr>
+          <p:cNvPr id="2" name="Образ слайда 1"/>
+          <p:cNvSpPr>
+            <a:spLocks noGrp="1" noRot="1" noChangeAspect="1"/>
+          </p:cNvSpPr>
+          <p:nvPr>
+            <p:ph type="sldImg"/>
+          </p:nvPr>
+        </p:nvSpPr>
+        <p:spPr/>
+      </p:sp>
+      <p:sp>
+        <p:nvSpPr>
+          <p:cNvPr id="3" name="Заметки 2"/>
+          <p:cNvSpPr>
+            <a:spLocks noGrp="1"/>
+          </p:cNvSpPr>
+          <p:nvPr>
+            <p:ph type="body" idx="1"/>
+          </p:nvPr>
+        </p:nvSpPr>
+        <p:spPr/>
+        <p:txBody>
+          <a:bodyPr/>
+          <a:lstStyle/>
+          <a:p>
+            <a:endParaRPr lang="ru-RU" dirty="0"/>
+          </a:p>
+        </p:txBody>
+      </p:sp>
+      <p:sp>
+        <p:nvSpPr>
+          <p:cNvPr id="4" name="Номер слайда 3"/>
+          <p:cNvSpPr>
+            <a:spLocks noGrp="1"/>
+          </p:cNvSpPr>
+          <p:nvPr>
+            <p:ph type="sldNum" sz="quarter" idx="5"/>
+          </p:nvPr>
+        </p:nvSpPr>
+        <p:spPr/>
+        <p:txBody>
+          <a:bodyPr/>
+          <a:lstStyle/>
+          <a:p>
+            <a:fld id="{0051E452-0920-9149-A80C-CC973ADD1620}" type="slidenum">
+              <a:rPr lang="ru-RU" smtClean="0"/>
+              <a:t>24</a:t>
+            </a:fld>
+            <a:endParaRPr lang="ru-RU"/>
+          </a:p>
+        </p:txBody>
+      </p:sp>
+    </p:spTree>
+    <p:extLst>
+      <p:ext uri="{BB962C8B-B14F-4D97-AF65-F5344CB8AC3E}">
+        <p14:creationId xmlns:p14="http://schemas.microsoft.com/office/powerpoint/2010/main" val="2446882025"/>
       </p:ext>
     </p:extLst>
   </p:cSld>
@@ -6851,7 +7106,7 @@
               <a:rPr lang="ru-RU" b="1" dirty="0">
                 <a:latin typeface="HSE Sans" panose="02000000000000000000" pitchFamily="2" charset="0"/>
               </a:rPr>
-              <a:t>База данных пользователей и рейтинг</a:t>
+              <a:t>Реализация бота</a:t>
             </a:r>
             <a:br>
               <a:rPr lang="ru-RU" b="1" dirty="0">
@@ -6870,10 +7125,199 @@
           </a:p>
         </p:txBody>
       </p:sp>
+      <p:sp>
+        <p:nvSpPr>
+          <p:cNvPr id="5" name="Заголовок 1">
+            <a:extLst>
+              <a:ext uri="{FF2B5EF4-FFF2-40B4-BE49-F238E27FC236}">
+                <a16:creationId xmlns:a16="http://schemas.microsoft.com/office/drawing/2014/main" id="{C4478258-CEF9-FEFA-7994-A4C69A91A506}"/>
+              </a:ext>
+            </a:extLst>
+          </p:cNvPr>
+          <p:cNvSpPr txBox="1">
+            <a:spLocks/>
+          </p:cNvSpPr>
+          <p:nvPr/>
+        </p:nvSpPr>
+        <p:spPr>
+          <a:xfrm>
+            <a:off x="441433" y="1881352"/>
+            <a:ext cx="11183008" cy="798053"/>
+          </a:xfrm>
+          <a:prstGeom prst="rect">
+            <a:avLst/>
+          </a:prstGeom>
+        </p:spPr>
+        <p:txBody>
+          <a:bodyPr vert="horz" lIns="91440" tIns="45720" rIns="91440" bIns="45720" rtlCol="0" anchor="t">
+            <a:normAutofit/>
+          </a:bodyPr>
+          <a:lstStyle>
+            <a:lvl1pPr algn="l" defTabSz="914400" rtl="0" eaLnBrk="1" latinLnBrk="0" hangingPunct="1">
+              <a:lnSpc>
+                <a:spcPct val="90000"/>
+              </a:lnSpc>
+              <a:spcBef>
+                <a:spcPct val="0"/>
+              </a:spcBef>
+              <a:buNone/>
+              <a:defRPr sz="4400" kern="1200">
+                <a:solidFill>
+                  <a:schemeClr val="tx1"/>
+                </a:solidFill>
+                <a:latin typeface="+mj-lt"/>
+                <a:ea typeface="+mj-ea"/>
+                <a:cs typeface="+mj-cs"/>
+              </a:defRPr>
+            </a:lvl1pPr>
+          </a:lstStyle>
+          <a:p>
+            <a:pPr marL="571500" indent="-571500">
+              <a:buFont typeface="Arial" panose="020B0604020202020204" pitchFamily="34" charset="0"/>
+              <a:buChar char="•"/>
+            </a:pPr>
+            <a:r>
+              <a:rPr lang="en-US" sz="3200" dirty="0">
+                <a:latin typeface="HSE Sans" panose="02000000000000000000" pitchFamily="2" charset="0"/>
+              </a:rPr>
+              <a:t>keyboards.py</a:t>
+            </a:r>
+            <a:endParaRPr lang="ru-RU" sz="3200" dirty="0">
+              <a:latin typeface="HSE Sans" panose="02000000000000000000" pitchFamily="2" charset="0"/>
+            </a:endParaRPr>
+          </a:p>
+        </p:txBody>
+      </p:sp>
+      <p:sp>
+        <p:nvSpPr>
+          <p:cNvPr id="6" name="Заголовок 1">
+            <a:extLst>
+              <a:ext uri="{FF2B5EF4-FFF2-40B4-BE49-F238E27FC236}">
+                <a16:creationId xmlns:a16="http://schemas.microsoft.com/office/drawing/2014/main" id="{4110938C-14D1-D17E-C4FF-EFFEA04B2780}"/>
+              </a:ext>
+            </a:extLst>
+          </p:cNvPr>
+          <p:cNvSpPr txBox="1">
+            <a:spLocks/>
+          </p:cNvSpPr>
+          <p:nvPr/>
+        </p:nvSpPr>
+        <p:spPr>
+          <a:xfrm>
+            <a:off x="441433" y="2679405"/>
+            <a:ext cx="11183008" cy="798053"/>
+          </a:xfrm>
+          <a:prstGeom prst="rect">
+            <a:avLst/>
+          </a:prstGeom>
+        </p:spPr>
+        <p:txBody>
+          <a:bodyPr vert="horz" lIns="91440" tIns="45720" rIns="91440" bIns="45720" rtlCol="0" anchor="t">
+            <a:normAutofit/>
+          </a:bodyPr>
+          <a:lstStyle>
+            <a:lvl1pPr algn="l" defTabSz="914400" rtl="0" eaLnBrk="1" latinLnBrk="0" hangingPunct="1">
+              <a:lnSpc>
+                <a:spcPct val="90000"/>
+              </a:lnSpc>
+              <a:spcBef>
+                <a:spcPct val="0"/>
+              </a:spcBef>
+              <a:buNone/>
+              <a:defRPr sz="4400" kern="1200">
+                <a:solidFill>
+                  <a:schemeClr val="tx1"/>
+                </a:solidFill>
+                <a:latin typeface="+mj-lt"/>
+                <a:ea typeface="+mj-ea"/>
+                <a:cs typeface="+mj-cs"/>
+              </a:defRPr>
+            </a:lvl1pPr>
+          </a:lstStyle>
+          <a:p>
+            <a:pPr marL="571500" indent="-571500">
+              <a:buFont typeface="Arial" panose="020B0604020202020204" pitchFamily="34" charset="0"/>
+              <a:buChar char="•"/>
+            </a:pPr>
+            <a:r>
+              <a:rPr lang="en-US" sz="3200" dirty="0">
+                <a:latin typeface="HSE Sans" panose="02000000000000000000" pitchFamily="2" charset="0"/>
+              </a:rPr>
+              <a:t>handlers.py</a:t>
+            </a:r>
+            <a:endParaRPr lang="ru-RU" sz="3200" dirty="0">
+              <a:latin typeface="HSE Sans" panose="02000000000000000000" pitchFamily="2" charset="0"/>
+            </a:endParaRPr>
+          </a:p>
+        </p:txBody>
+      </p:sp>
+      <p:sp>
+        <p:nvSpPr>
+          <p:cNvPr id="7" name="Заголовок 1">
+            <a:extLst>
+              <a:ext uri="{FF2B5EF4-FFF2-40B4-BE49-F238E27FC236}">
+                <a16:creationId xmlns:a16="http://schemas.microsoft.com/office/drawing/2014/main" id="{DCE134D4-88B9-C2F9-07E6-9922CEECEDED}"/>
+              </a:ext>
+            </a:extLst>
+          </p:cNvPr>
+          <p:cNvSpPr txBox="1">
+            <a:spLocks/>
+          </p:cNvSpPr>
+          <p:nvPr/>
+        </p:nvSpPr>
+        <p:spPr>
+          <a:xfrm>
+            <a:off x="441433" y="3477458"/>
+            <a:ext cx="11183008" cy="798053"/>
+          </a:xfrm>
+          <a:prstGeom prst="rect">
+            <a:avLst/>
+          </a:prstGeom>
+        </p:spPr>
+        <p:txBody>
+          <a:bodyPr vert="horz" lIns="91440" tIns="45720" rIns="91440" bIns="45720" rtlCol="0" anchor="t">
+            <a:normAutofit/>
+          </a:bodyPr>
+          <a:lstStyle>
+            <a:lvl1pPr algn="l" defTabSz="914400" rtl="0" eaLnBrk="1" latinLnBrk="0" hangingPunct="1">
+              <a:lnSpc>
+                <a:spcPct val="90000"/>
+              </a:lnSpc>
+              <a:spcBef>
+                <a:spcPct val="0"/>
+              </a:spcBef>
+              <a:buNone/>
+              <a:defRPr sz="4400" kern="1200">
+                <a:solidFill>
+                  <a:schemeClr val="tx1"/>
+                </a:solidFill>
+                <a:latin typeface="+mj-lt"/>
+                <a:ea typeface="+mj-ea"/>
+                <a:cs typeface="+mj-cs"/>
+              </a:defRPr>
+            </a:lvl1pPr>
+          </a:lstStyle>
+          <a:p>
+            <a:pPr marL="571500" indent="-571500">
+              <a:buFont typeface="Arial" panose="020B0604020202020204" pitchFamily="34" charset="0"/>
+              <a:buChar char="•"/>
+            </a:pPr>
+            <a:r>
+              <a:rPr lang="en-US" sz="3200" dirty="0" err="1">
+                <a:latin typeface="HSE Sans" panose="02000000000000000000" pitchFamily="2" charset="0"/>
+              </a:rPr>
+              <a:t>main.py</a:t>
+            </a:r>
+            <a:endParaRPr lang="ru-RU" sz="3200" dirty="0">
+              <a:latin typeface="HSE Sans" panose="02000000000000000000" pitchFamily="2" charset="0"/>
+            </a:endParaRPr>
+          </a:p>
+        </p:txBody>
+      </p:sp>
     </p:spTree>
     <p:extLst>
       <p:ext uri="{BB962C8B-B14F-4D97-AF65-F5344CB8AC3E}">
-        <p14:creationId xmlns:p14="http://schemas.microsoft.com/office/powerpoint/2010/main" val="795793177"/>
+        <p14:creationId xmlns:p14="http://schemas.microsoft.com/office/powerpoint/2010/main" val="4118145410"/>
       </p:ext>
     </p:extLst>
   </p:cSld>
@@ -6919,7 +7363,7 @@
         <p:spPr>
           <a:xfrm>
             <a:off x="441433" y="435458"/>
-            <a:ext cx="10562897" cy="1298750"/>
+            <a:ext cx="10562897" cy="830316"/>
           </a:xfrm>
         </p:spPr>
         <p:txBody>
@@ -6934,27 +7378,101 @@
               </a:rPr>
               <a:t>Реализация бота</a:t>
             </a:r>
-            <a:br>
-              <a:rPr lang="ru-RU" b="1" dirty="0">
-                <a:latin typeface="HSE Sans" panose="02000000000000000000" pitchFamily="2" charset="0"/>
-              </a:rPr>
-            </a:br>
-            <a:r>
-              <a:rPr lang="ru-RU" sz="3200" i="1" dirty="0">
-                <a:latin typeface="HSE Sans" panose="02000000000000000000" pitchFamily="2" charset="0"/>
-              </a:rPr>
-              <a:t>Михаил Тищенко</a:t>
-            </a:r>
             <a:endParaRPr lang="ru-RU" b="1" i="1" dirty="0">
               <a:latin typeface="HSE Sans" panose="02000000000000000000" pitchFamily="2" charset="0"/>
             </a:endParaRPr>
           </a:p>
         </p:txBody>
       </p:sp>
+      <p:sp>
+        <p:nvSpPr>
+          <p:cNvPr id="2" name="Заголовок 1">
+            <a:extLst>
+              <a:ext uri="{FF2B5EF4-FFF2-40B4-BE49-F238E27FC236}">
+                <a16:creationId xmlns:a16="http://schemas.microsoft.com/office/drawing/2014/main" id="{4BAB2B80-8098-E914-50B6-B6A2A5497669}"/>
+              </a:ext>
+            </a:extLst>
+          </p:cNvPr>
+          <p:cNvSpPr txBox="1">
+            <a:spLocks/>
+          </p:cNvSpPr>
+          <p:nvPr/>
+        </p:nvSpPr>
+        <p:spPr>
+          <a:xfrm>
+            <a:off x="441433" y="1265774"/>
+            <a:ext cx="2567581" cy="830316"/>
+          </a:xfrm>
+          <a:prstGeom prst="rect">
+            <a:avLst/>
+          </a:prstGeom>
+        </p:spPr>
+        <p:txBody>
+          <a:bodyPr vert="horz" lIns="91440" tIns="45720" rIns="91440" bIns="45720" rtlCol="0" anchor="t">
+            <a:normAutofit/>
+          </a:bodyPr>
+          <a:lstStyle>
+            <a:lvl1pPr algn="l" defTabSz="914400" rtl="0" eaLnBrk="1" latinLnBrk="0" hangingPunct="1">
+              <a:lnSpc>
+                <a:spcPct val="90000"/>
+              </a:lnSpc>
+              <a:spcBef>
+                <a:spcPct val="0"/>
+              </a:spcBef>
+              <a:buNone/>
+              <a:defRPr sz="4400" kern="1200">
+                <a:solidFill>
+                  <a:schemeClr val="tx1"/>
+                </a:solidFill>
+                <a:latin typeface="+mj-lt"/>
+                <a:ea typeface="+mj-ea"/>
+                <a:cs typeface="+mj-cs"/>
+              </a:defRPr>
+            </a:lvl1pPr>
+          </a:lstStyle>
+          <a:p>
+            <a:r>
+              <a:rPr lang="en-US" sz="3200" dirty="0">
+                <a:latin typeface="HSE Sans" panose="02000000000000000000" pitchFamily="2" charset="0"/>
+              </a:rPr>
+              <a:t>keyboards.py:</a:t>
+            </a:r>
+          </a:p>
+        </p:txBody>
+      </p:sp>
+      <p:pic>
+        <p:nvPicPr>
+          <p:cNvPr id="6" name="Рисунок 5">
+            <a:extLst>
+              <a:ext uri="{FF2B5EF4-FFF2-40B4-BE49-F238E27FC236}">
+                <a16:creationId xmlns:a16="http://schemas.microsoft.com/office/drawing/2014/main" id="{BD189FA9-F5F3-BE50-AA40-225D2FE6DCF5}"/>
+              </a:ext>
+            </a:extLst>
+          </p:cNvPr>
+          <p:cNvPicPr>
+            <a:picLocks noChangeAspect="1"/>
+          </p:cNvPicPr>
+          <p:nvPr/>
+        </p:nvPicPr>
+        <p:blipFill rotWithShape="1">
+          <a:blip r:embed="rId2"/>
+          <a:srcRect b="19191"/>
+          <a:stretch/>
+        </p:blipFill>
+        <p:spPr>
+          <a:xfrm>
+            <a:off x="6919738" y="1384007"/>
+            <a:ext cx="4830829" cy="5038535"/>
+          </a:xfrm>
+          <a:prstGeom prst="rect">
+            <a:avLst/>
+          </a:prstGeom>
+        </p:spPr>
+      </p:pic>
     </p:spTree>
     <p:extLst>
       <p:ext uri="{BB962C8B-B14F-4D97-AF65-F5344CB8AC3E}">
-        <p14:creationId xmlns:p14="http://schemas.microsoft.com/office/powerpoint/2010/main" val="4118145410"/>
+        <p14:creationId xmlns:p14="http://schemas.microsoft.com/office/powerpoint/2010/main" val="31448408"/>
       </p:ext>
     </p:extLst>
   </p:cSld>
@@ -7000,7 +7518,7 @@
         <p:spPr>
           <a:xfrm>
             <a:off x="441433" y="435458"/>
-            <a:ext cx="10562897" cy="1298750"/>
+            <a:ext cx="10562897" cy="830316"/>
           </a:xfrm>
         </p:spPr>
         <p:txBody>
@@ -7013,18 +7531,7 @@
               <a:rPr lang="ru-RU" b="1" dirty="0">
                 <a:latin typeface="HSE Sans" panose="02000000000000000000" pitchFamily="2" charset="0"/>
               </a:rPr>
-              <a:t>Хостинг</a:t>
-            </a:r>
-            <a:br>
-              <a:rPr lang="ru-RU" b="1" dirty="0">
-                <a:latin typeface="HSE Sans" panose="02000000000000000000" pitchFamily="2" charset="0"/>
-              </a:rPr>
-            </a:br>
-            <a:r>
-              <a:rPr lang="ru-RU" sz="3200" i="1" dirty="0">
-                <a:latin typeface="HSE Sans" panose="02000000000000000000" pitchFamily="2" charset="0"/>
-              </a:rPr>
-              <a:t>Наталья Югансон</a:t>
+              <a:t>Реализация бота</a:t>
             </a:r>
             <a:endParaRPr lang="ru-RU" b="1" i="1" dirty="0">
               <a:latin typeface="HSE Sans" panose="02000000000000000000" pitchFamily="2" charset="0"/>
@@ -7032,10 +7539,96 @@
           </a:p>
         </p:txBody>
       </p:sp>
+      <p:sp>
+        <p:nvSpPr>
+          <p:cNvPr id="2" name="Заголовок 1">
+            <a:extLst>
+              <a:ext uri="{FF2B5EF4-FFF2-40B4-BE49-F238E27FC236}">
+                <a16:creationId xmlns:a16="http://schemas.microsoft.com/office/drawing/2014/main" id="{4BAB2B80-8098-E914-50B6-B6A2A5497669}"/>
+              </a:ext>
+            </a:extLst>
+          </p:cNvPr>
+          <p:cNvSpPr txBox="1">
+            <a:spLocks/>
+          </p:cNvSpPr>
+          <p:nvPr/>
+        </p:nvSpPr>
+        <p:spPr>
+          <a:xfrm>
+            <a:off x="441433" y="1265774"/>
+            <a:ext cx="2567581" cy="830316"/>
+          </a:xfrm>
+          <a:prstGeom prst="rect">
+            <a:avLst/>
+          </a:prstGeom>
+        </p:spPr>
+        <p:txBody>
+          <a:bodyPr vert="horz" lIns="91440" tIns="45720" rIns="91440" bIns="45720" rtlCol="0" anchor="t">
+            <a:normAutofit/>
+          </a:bodyPr>
+          <a:lstStyle>
+            <a:lvl1pPr algn="l" defTabSz="914400" rtl="0" eaLnBrk="1" latinLnBrk="0" hangingPunct="1">
+              <a:lnSpc>
+                <a:spcPct val="90000"/>
+              </a:lnSpc>
+              <a:spcBef>
+                <a:spcPct val="0"/>
+              </a:spcBef>
+              <a:buNone/>
+              <a:defRPr sz="4400" kern="1200">
+                <a:solidFill>
+                  <a:schemeClr val="tx1"/>
+                </a:solidFill>
+                <a:latin typeface="+mj-lt"/>
+                <a:ea typeface="+mj-ea"/>
+                <a:cs typeface="+mj-cs"/>
+              </a:defRPr>
+            </a:lvl1pPr>
+          </a:lstStyle>
+          <a:p>
+            <a:r>
+              <a:rPr lang="en-US" sz="3200" dirty="0">
+                <a:latin typeface="HSE Sans" panose="02000000000000000000" pitchFamily="2" charset="0"/>
+              </a:rPr>
+              <a:t>handlers.py:</a:t>
+            </a:r>
+          </a:p>
+        </p:txBody>
+      </p:sp>
+      <p:pic>
+        <p:nvPicPr>
+          <p:cNvPr id="5" name="Рисунок 4">
+            <a:extLst>
+              <a:ext uri="{FF2B5EF4-FFF2-40B4-BE49-F238E27FC236}">
+                <a16:creationId xmlns:a16="http://schemas.microsoft.com/office/drawing/2014/main" id="{7FE36BBC-34CF-755E-61C2-EBCD3DF9FC67}"/>
+              </a:ext>
+            </a:extLst>
+          </p:cNvPr>
+          <p:cNvPicPr>
+            <a:picLocks noChangeAspect="1"/>
+          </p:cNvPicPr>
+          <p:nvPr/>
+        </p:nvPicPr>
+        <p:blipFill>
+          <a:blip r:embed="rId3"/>
+          <a:stretch>
+            <a:fillRect/>
+          </a:stretch>
+        </p:blipFill>
+        <p:spPr>
+          <a:xfrm>
+            <a:off x="5629167" y="1367942"/>
+            <a:ext cx="6121400" cy="5054600"/>
+          </a:xfrm>
+          <a:prstGeom prst="rect">
+            <a:avLst/>
+          </a:prstGeom>
+        </p:spPr>
+      </p:pic>
     </p:spTree>
     <p:extLst>
       <p:ext uri="{BB962C8B-B14F-4D97-AF65-F5344CB8AC3E}">
-        <p14:creationId xmlns:p14="http://schemas.microsoft.com/office/powerpoint/2010/main" val="2046649465"/>
+        <p14:creationId xmlns:p14="http://schemas.microsoft.com/office/powerpoint/2010/main" val="2115790049"/>
       </p:ext>
     </p:extLst>
   </p:cSld>
@@ -7081,7 +7674,7 @@
         <p:spPr>
           <a:xfrm>
             <a:off x="441433" y="435458"/>
-            <a:ext cx="10562897" cy="1298750"/>
+            <a:ext cx="10562897" cy="830316"/>
           </a:xfrm>
         </p:spPr>
         <p:txBody>
@@ -7094,18 +7687,7 @@
               <a:rPr lang="ru-RU" b="1" dirty="0">
                 <a:latin typeface="HSE Sans" panose="02000000000000000000" pitchFamily="2" charset="0"/>
               </a:rPr>
-              <a:t>Тестирование</a:t>
-            </a:r>
-            <a:br>
-              <a:rPr lang="ru-RU" b="1" dirty="0">
-                <a:latin typeface="HSE Sans" panose="02000000000000000000" pitchFamily="2" charset="0"/>
-              </a:rPr>
-            </a:br>
-            <a:r>
-              <a:rPr lang="ru-RU" sz="3200" i="1" dirty="0">
-                <a:latin typeface="HSE Sans" panose="02000000000000000000" pitchFamily="2" charset="0"/>
-              </a:rPr>
-              <a:t>Глеб Хитрин</a:t>
+              <a:t>Реализация бота</a:t>
             </a:r>
             <a:endParaRPr lang="ru-RU" b="1" i="1" dirty="0">
               <a:latin typeface="HSE Sans" panose="02000000000000000000" pitchFamily="2" charset="0"/>
@@ -7118,7 +7700,7 @@
           <p:cNvPr id="2" name="Заголовок 1">
             <a:extLst>
               <a:ext uri="{FF2B5EF4-FFF2-40B4-BE49-F238E27FC236}">
-                <a16:creationId xmlns:a16="http://schemas.microsoft.com/office/drawing/2014/main" id="{C1D486DB-D638-A46C-8BA3-B363FA045472}"/>
+                <a16:creationId xmlns:a16="http://schemas.microsoft.com/office/drawing/2014/main" id="{4BAB2B80-8098-E914-50B6-B6A2A5497669}"/>
               </a:ext>
             </a:extLst>
           </p:cNvPr>
@@ -7129,8 +7711,8 @@
         </p:nvSpPr>
         <p:spPr>
           <a:xfrm>
-            <a:off x="441433" y="2130250"/>
-            <a:ext cx="11126790" cy="2739462"/>
+            <a:off x="441433" y="1265774"/>
+            <a:ext cx="2567581" cy="830316"/>
           </a:xfrm>
           <a:prstGeom prst="rect">
             <a:avLst/>
@@ -7161,21 +7743,48 @@
           </a:lstStyle>
           <a:p>
             <a:r>
-              <a:rPr lang="ru-RU" sz="3200" dirty="0">
-                <a:latin typeface="HSE Sans" panose="02000000000000000000" pitchFamily="2" charset="0"/>
-              </a:rPr>
-              <a:t>Для внешнего тестирования были выбраны два человека. Все комментарии и замечания учтены в текущей реализации либо добавлены в планы по развитию проекта </a:t>
-            </a:r>
-            <a:endParaRPr lang="ru-RU" dirty="0">
-              <a:latin typeface="HSE Sans" panose="02000000000000000000" pitchFamily="2" charset="0"/>
-            </a:endParaRPr>
-          </a:p>
-        </p:txBody>
-      </p:sp>
+              <a:rPr lang="en-US" sz="3200" dirty="0">
+                <a:latin typeface="HSE Sans" panose="02000000000000000000" pitchFamily="2" charset="0"/>
+              </a:rPr>
+              <a:t>handlers.py:</a:t>
+            </a:r>
+          </a:p>
+        </p:txBody>
+      </p:sp>
+      <p:pic>
+        <p:nvPicPr>
+          <p:cNvPr id="6" name="Рисунок 5">
+            <a:extLst>
+              <a:ext uri="{FF2B5EF4-FFF2-40B4-BE49-F238E27FC236}">
+                <a16:creationId xmlns:a16="http://schemas.microsoft.com/office/drawing/2014/main" id="{3B9D34A9-4B6E-693B-C47E-DB7B96546E2E}"/>
+              </a:ext>
+            </a:extLst>
+          </p:cNvPr>
+          <p:cNvPicPr>
+            <a:picLocks noChangeAspect="1"/>
+          </p:cNvPicPr>
+          <p:nvPr/>
+        </p:nvPicPr>
+        <p:blipFill>
+          <a:blip r:embed="rId3"/>
+          <a:stretch>
+            <a:fillRect/>
+          </a:stretch>
+        </p:blipFill>
+        <p:spPr>
+          <a:xfrm>
+            <a:off x="4575067" y="1412918"/>
+            <a:ext cx="7175500" cy="4838700"/>
+          </a:xfrm>
+          <a:prstGeom prst="rect">
+            <a:avLst/>
+          </a:prstGeom>
+        </p:spPr>
+      </p:pic>
     </p:spTree>
     <p:extLst>
       <p:ext uri="{BB962C8B-B14F-4D97-AF65-F5344CB8AC3E}">
-        <p14:creationId xmlns:p14="http://schemas.microsoft.com/office/powerpoint/2010/main" val="1189135311"/>
+        <p14:creationId xmlns:p14="http://schemas.microsoft.com/office/powerpoint/2010/main" val="3260215362"/>
       </p:ext>
     </p:extLst>
   </p:cSld>
@@ -7220,12 +7829,12 @@
         </p:nvSpPr>
         <p:spPr>
           <a:xfrm>
-            <a:off x="441434" y="435458"/>
-            <a:ext cx="11105524" cy="803288"/>
-          </a:xfrm>
-        </p:spPr>
-        <p:txBody>
-          <a:bodyPr>
+            <a:off x="441433" y="435458"/>
+            <a:ext cx="10562897" cy="830316"/>
+          </a:xfrm>
+        </p:spPr>
+        <p:txBody>
+          <a:bodyPr anchor="t">
             <a:normAutofit/>
           </a:bodyPr>
           <a:lstStyle/>
@@ -7234,8 +7843,11 @@
               <a:rPr lang="ru-RU" b="1" dirty="0">
                 <a:latin typeface="HSE Sans" panose="02000000000000000000" pitchFamily="2" charset="0"/>
               </a:rPr>
-              <a:t>Проблемы проекта и планы по развитию</a:t>
-            </a:r>
+              <a:t>Реализация бота</a:t>
+            </a:r>
+            <a:endParaRPr lang="ru-RU" b="1" i="1" dirty="0">
+              <a:latin typeface="HSE Sans" panose="02000000000000000000" pitchFamily="2" charset="0"/>
+            </a:endParaRPr>
           </a:p>
         </p:txBody>
       </p:sp>
@@ -7244,7 +7856,7 @@
           <p:cNvPr id="2" name="Заголовок 1">
             <a:extLst>
               <a:ext uri="{FF2B5EF4-FFF2-40B4-BE49-F238E27FC236}">
-                <a16:creationId xmlns:a16="http://schemas.microsoft.com/office/drawing/2014/main" id="{D2984469-DCAD-0CBC-3188-E93055F0C2BD}"/>
+                <a16:creationId xmlns:a16="http://schemas.microsoft.com/office/drawing/2014/main" id="{4BAB2B80-8098-E914-50B6-B6A2A5497669}"/>
               </a:ext>
             </a:extLst>
           </p:cNvPr>
@@ -7255,8 +7867,8 @@
         </p:nvSpPr>
         <p:spPr>
           <a:xfrm>
-            <a:off x="441433" y="1337334"/>
-            <a:ext cx="11183008" cy="1195660"/>
+            <a:off x="441433" y="1265774"/>
+            <a:ext cx="2567581" cy="830316"/>
           </a:xfrm>
           <a:prstGeom prst="rect">
             <a:avLst/>
@@ -7286,47 +7898,49 @@
             </a:lvl1pPr>
           </a:lstStyle>
           <a:p>
-            <a:pPr marL="571500" indent="-571500">
-              <a:buFont typeface="Arial" panose="020B0604020202020204" pitchFamily="34" charset="0"/>
-              <a:buChar char="•"/>
-            </a:pPr>
-            <a:r>
-              <a:rPr lang="ru-RU" sz="3200" dirty="0">
-                <a:latin typeface="HSE Sans" panose="02000000000000000000" pitchFamily="2" charset="0"/>
-              </a:rPr>
-              <a:t>Ограничение запросов в </a:t>
-            </a:r>
             <a:r>
               <a:rPr lang="en-US" sz="3200" dirty="0">
                 <a:latin typeface="HSE Sans" panose="02000000000000000000" pitchFamily="2" charset="0"/>
               </a:rPr>
-              <a:t>API</a:t>
-            </a:r>
-            <a:r>
-              <a:rPr lang="ru-RU" sz="3200" dirty="0">
-                <a:latin typeface="HSE Sans" panose="02000000000000000000" pitchFamily="2" charset="0"/>
-              </a:rPr>
-              <a:t> по количеству</a:t>
-            </a:r>
-            <a:r>
-              <a:rPr lang="en-US" sz="3200" dirty="0">
-                <a:latin typeface="HSE Sans" panose="02000000000000000000" pitchFamily="2" charset="0"/>
-              </a:rPr>
-              <a:t> (100</a:t>
-            </a:r>
-            <a:r>
-              <a:rPr lang="ru-RU" sz="3200" dirty="0">
-                <a:latin typeface="HSE Sans" panose="02000000000000000000" pitchFamily="2" charset="0"/>
-              </a:rPr>
-              <a:t> в месяц) и скорости</a:t>
-            </a:r>
-          </a:p>
-        </p:txBody>
-      </p:sp>
+              <a:t>main.py:</a:t>
+            </a:r>
+          </a:p>
+        </p:txBody>
+      </p:sp>
+      <p:pic>
+        <p:nvPicPr>
+          <p:cNvPr id="8" name="Рисунок 7">
+            <a:extLst>
+              <a:ext uri="{FF2B5EF4-FFF2-40B4-BE49-F238E27FC236}">
+                <a16:creationId xmlns:a16="http://schemas.microsoft.com/office/drawing/2014/main" id="{6287017B-202D-9DE6-CA2D-FEC8A5F05094}"/>
+              </a:ext>
+            </a:extLst>
+          </p:cNvPr>
+          <p:cNvPicPr>
+            <a:picLocks noChangeAspect="1"/>
+          </p:cNvPicPr>
+          <p:nvPr/>
+        </p:nvPicPr>
+        <p:blipFill>
+          <a:blip r:embed="rId3"/>
+          <a:stretch>
+            <a:fillRect/>
+          </a:stretch>
+        </p:blipFill>
+        <p:spPr>
+          <a:xfrm>
+            <a:off x="5048469" y="1424369"/>
+            <a:ext cx="6702098" cy="3139848"/>
+          </a:xfrm>
+          <a:prstGeom prst="rect">
+            <a:avLst/>
+          </a:prstGeom>
+        </p:spPr>
+      </p:pic>
     </p:spTree>
     <p:extLst>
       <p:ext uri="{BB962C8B-B14F-4D97-AF65-F5344CB8AC3E}">
-        <p14:creationId xmlns:p14="http://schemas.microsoft.com/office/powerpoint/2010/main" val="2672009830"/>
+        <p14:creationId xmlns:p14="http://schemas.microsoft.com/office/powerpoint/2010/main" val="2148947112"/>
       </p:ext>
     </p:extLst>
   </p:cSld>
@@ -7371,12 +7985,12 @@
         </p:nvSpPr>
         <p:spPr>
           <a:xfrm>
-            <a:off x="441434" y="435458"/>
-            <a:ext cx="11105524" cy="803288"/>
-          </a:xfrm>
-        </p:spPr>
-        <p:txBody>
-          <a:bodyPr>
+            <a:off x="441433" y="435458"/>
+            <a:ext cx="10562897" cy="1298750"/>
+          </a:xfrm>
+        </p:spPr>
+        <p:txBody>
+          <a:bodyPr anchor="t">
             <a:normAutofit/>
           </a:bodyPr>
           <a:lstStyle/>
@@ -7385,159 +7999,29 @@
               <a:rPr lang="ru-RU" b="1" dirty="0">
                 <a:latin typeface="HSE Sans" panose="02000000000000000000" pitchFamily="2" charset="0"/>
               </a:rPr>
-              <a:t>Проблемы проекта и планы по развитию</a:t>
-            </a:r>
-          </a:p>
-        </p:txBody>
-      </p:sp>
-      <p:sp>
-        <p:nvSpPr>
-          <p:cNvPr id="2" name="Заголовок 1">
-            <a:extLst>
-              <a:ext uri="{FF2B5EF4-FFF2-40B4-BE49-F238E27FC236}">
-                <a16:creationId xmlns:a16="http://schemas.microsoft.com/office/drawing/2014/main" id="{D2984469-DCAD-0CBC-3188-E93055F0C2BD}"/>
-              </a:ext>
-            </a:extLst>
-          </p:cNvPr>
-          <p:cNvSpPr txBox="1">
-            <a:spLocks/>
-          </p:cNvSpPr>
-          <p:nvPr/>
-        </p:nvSpPr>
-        <p:spPr>
-          <a:xfrm>
-            <a:off x="441433" y="1337334"/>
-            <a:ext cx="11183008" cy="1195660"/>
-          </a:xfrm>
-          <a:prstGeom prst="rect">
-            <a:avLst/>
-          </a:prstGeom>
-        </p:spPr>
-        <p:txBody>
-          <a:bodyPr vert="horz" lIns="91440" tIns="45720" rIns="91440" bIns="45720" rtlCol="0" anchor="t">
-            <a:normAutofit/>
-          </a:bodyPr>
-          <a:lstStyle>
-            <a:lvl1pPr algn="l" defTabSz="914400" rtl="0" eaLnBrk="1" latinLnBrk="0" hangingPunct="1">
-              <a:lnSpc>
-                <a:spcPct val="90000"/>
-              </a:lnSpc>
-              <a:spcBef>
-                <a:spcPct val="0"/>
-              </a:spcBef>
-              <a:buNone/>
-              <a:defRPr sz="4400" kern="1200">
-                <a:solidFill>
-                  <a:schemeClr val="tx1"/>
-                </a:solidFill>
-                <a:latin typeface="+mj-lt"/>
-                <a:ea typeface="+mj-ea"/>
-                <a:cs typeface="+mj-cs"/>
-              </a:defRPr>
-            </a:lvl1pPr>
-          </a:lstStyle>
-          <a:p>
-            <a:pPr marL="571500" indent="-571500">
-              <a:buFont typeface="Arial" panose="020B0604020202020204" pitchFamily="34" charset="0"/>
-              <a:buChar char="•"/>
-            </a:pPr>
-            <a:r>
-              <a:rPr lang="ru-RU" sz="3200" dirty="0">
-                <a:latin typeface="HSE Sans" panose="02000000000000000000" pitchFamily="2" charset="0"/>
-              </a:rPr>
-              <a:t>Ограничение запросов в </a:t>
-            </a:r>
-            <a:r>
-              <a:rPr lang="en-US" sz="3200" dirty="0">
-                <a:latin typeface="HSE Sans" panose="02000000000000000000" pitchFamily="2" charset="0"/>
-              </a:rPr>
-              <a:t>API</a:t>
-            </a:r>
-            <a:r>
-              <a:rPr lang="ru-RU" sz="3200" dirty="0">
-                <a:latin typeface="HSE Sans" panose="02000000000000000000" pitchFamily="2" charset="0"/>
-              </a:rPr>
-              <a:t> по количеству</a:t>
-            </a:r>
-            <a:r>
-              <a:rPr lang="en-US" sz="3200" dirty="0">
-                <a:latin typeface="HSE Sans" panose="02000000000000000000" pitchFamily="2" charset="0"/>
-              </a:rPr>
-              <a:t> (100</a:t>
-            </a:r>
-            <a:r>
-              <a:rPr lang="ru-RU" sz="3200" dirty="0">
-                <a:latin typeface="HSE Sans" panose="02000000000000000000" pitchFamily="2" charset="0"/>
-              </a:rPr>
-              <a:t> в месяц) и скорости</a:t>
-            </a:r>
-          </a:p>
-        </p:txBody>
-      </p:sp>
-      <p:sp>
-        <p:nvSpPr>
-          <p:cNvPr id="4" name="Заголовок 1">
-            <a:extLst>
-              <a:ext uri="{FF2B5EF4-FFF2-40B4-BE49-F238E27FC236}">
-                <a16:creationId xmlns:a16="http://schemas.microsoft.com/office/drawing/2014/main" id="{1CE4FFE6-AAC6-71DD-3303-1B88D35B0E28}"/>
-              </a:ext>
-            </a:extLst>
-          </p:cNvPr>
-          <p:cNvSpPr txBox="1">
-            <a:spLocks/>
-          </p:cNvSpPr>
-          <p:nvPr/>
-        </p:nvSpPr>
-        <p:spPr>
-          <a:xfrm>
-            <a:off x="441433" y="2503990"/>
-            <a:ext cx="11183008" cy="1195660"/>
-          </a:xfrm>
-          <a:prstGeom prst="rect">
-            <a:avLst/>
-          </a:prstGeom>
-        </p:spPr>
-        <p:txBody>
-          <a:bodyPr vert="horz" lIns="91440" tIns="45720" rIns="91440" bIns="45720" rtlCol="0" anchor="t">
-            <a:normAutofit/>
-          </a:bodyPr>
-          <a:lstStyle>
-            <a:lvl1pPr algn="l" defTabSz="914400" rtl="0" eaLnBrk="1" latinLnBrk="0" hangingPunct="1">
-              <a:lnSpc>
-                <a:spcPct val="90000"/>
-              </a:lnSpc>
-              <a:spcBef>
-                <a:spcPct val="0"/>
-              </a:spcBef>
-              <a:buNone/>
-              <a:defRPr sz="4400" kern="1200">
-                <a:solidFill>
-                  <a:schemeClr val="tx1"/>
-                </a:solidFill>
-                <a:latin typeface="+mj-lt"/>
-                <a:ea typeface="+mj-ea"/>
-                <a:cs typeface="+mj-cs"/>
-              </a:defRPr>
-            </a:lvl1pPr>
-          </a:lstStyle>
-          <a:p>
-            <a:pPr marL="571500" indent="-571500">
-              <a:buFont typeface="Arial" panose="020B0604020202020204" pitchFamily="34" charset="0"/>
-              <a:buChar char="•"/>
-            </a:pPr>
-            <a:r>
-              <a:rPr lang="ru-RU" sz="3200" dirty="0">
-                <a:latin typeface="HSE Sans" panose="02000000000000000000" pitchFamily="2" charset="0"/>
-              </a:rPr>
-              <a:t>Возможна выдача неадекватных фотографий, не позволяющих угадать город или страну</a:t>
-            </a:r>
+              <a:t>Хостинг</a:t>
+            </a:r>
+            <a:br>
+              <a:rPr lang="ru-RU" b="1" dirty="0">
+                <a:latin typeface="HSE Sans" panose="02000000000000000000" pitchFamily="2" charset="0"/>
+              </a:rPr>
+            </a:br>
+            <a:r>
+              <a:rPr lang="ru-RU" sz="3200" i="1" dirty="0">
+                <a:latin typeface="HSE Sans" panose="02000000000000000000" pitchFamily="2" charset="0"/>
+              </a:rPr>
+              <a:t>Наталья Югансон</a:t>
+            </a:r>
+            <a:endParaRPr lang="ru-RU" b="1" i="1" dirty="0">
+              <a:latin typeface="HSE Sans" panose="02000000000000000000" pitchFamily="2" charset="0"/>
+            </a:endParaRPr>
           </a:p>
         </p:txBody>
       </p:sp>
     </p:spTree>
     <p:extLst>
       <p:ext uri="{BB962C8B-B14F-4D97-AF65-F5344CB8AC3E}">
-        <p14:creationId xmlns:p14="http://schemas.microsoft.com/office/powerpoint/2010/main" val="183981471"/>
+        <p14:creationId xmlns:p14="http://schemas.microsoft.com/office/powerpoint/2010/main" val="2046649465"/>
       </p:ext>
     </p:extLst>
   </p:cSld>
@@ -7582,12 +8066,12 @@
         </p:nvSpPr>
         <p:spPr>
           <a:xfrm>
-            <a:off x="441434" y="435458"/>
-            <a:ext cx="11105524" cy="803288"/>
-          </a:xfrm>
-        </p:spPr>
-        <p:txBody>
-          <a:bodyPr>
+            <a:off x="441433" y="435458"/>
+            <a:ext cx="10562897" cy="1298750"/>
+          </a:xfrm>
+        </p:spPr>
+        <p:txBody>
+          <a:bodyPr anchor="t">
             <a:normAutofit/>
           </a:bodyPr>
           <a:lstStyle/>
@@ -7596,8 +8080,22 @@
               <a:rPr lang="ru-RU" b="1" dirty="0">
                 <a:latin typeface="HSE Sans" panose="02000000000000000000" pitchFamily="2" charset="0"/>
               </a:rPr>
-              <a:t>Проблемы проекта и планы по развитию</a:t>
-            </a:r>
+              <a:t>Тестирование</a:t>
+            </a:r>
+            <a:br>
+              <a:rPr lang="ru-RU" b="1" dirty="0">
+                <a:latin typeface="HSE Sans" panose="02000000000000000000" pitchFamily="2" charset="0"/>
+              </a:rPr>
+            </a:br>
+            <a:r>
+              <a:rPr lang="ru-RU" sz="3200" i="1" dirty="0">
+                <a:latin typeface="HSE Sans" panose="02000000000000000000" pitchFamily="2" charset="0"/>
+              </a:rPr>
+              <a:t>Глеб Хитрин</a:t>
+            </a:r>
+            <a:endParaRPr lang="ru-RU" b="1" i="1" dirty="0">
+              <a:latin typeface="HSE Sans" panose="02000000000000000000" pitchFamily="2" charset="0"/>
+            </a:endParaRPr>
           </a:p>
         </p:txBody>
       </p:sp>
@@ -7606,7 +8104,7 @@
           <p:cNvPr id="2" name="Заголовок 1">
             <a:extLst>
               <a:ext uri="{FF2B5EF4-FFF2-40B4-BE49-F238E27FC236}">
-                <a16:creationId xmlns:a16="http://schemas.microsoft.com/office/drawing/2014/main" id="{D2984469-DCAD-0CBC-3188-E93055F0C2BD}"/>
+                <a16:creationId xmlns:a16="http://schemas.microsoft.com/office/drawing/2014/main" id="{C1D486DB-D638-A46C-8BA3-B363FA045472}"/>
               </a:ext>
             </a:extLst>
           </p:cNvPr>
@@ -7617,8 +8115,8 @@
         </p:nvSpPr>
         <p:spPr>
           <a:xfrm>
-            <a:off x="441433" y="1337334"/>
-            <a:ext cx="11183008" cy="1195660"/>
+            <a:off x="441433" y="2130250"/>
+            <a:ext cx="11126790" cy="2739462"/>
           </a:xfrm>
           <a:prstGeom prst="rect">
             <a:avLst/>
@@ -7648,23 +8146,22 @@
             </a:lvl1pPr>
           </a:lstStyle>
           <a:p>
-            <a:pPr marL="571500" indent="-571500">
-              <a:buFont typeface="Arial" panose="020B0604020202020204" pitchFamily="34" charset="0"/>
-              <a:buChar char="•"/>
-            </a:pPr>
             <a:r>
               <a:rPr lang="ru-RU" sz="3200" dirty="0">
                 <a:latin typeface="HSE Sans" panose="02000000000000000000" pitchFamily="2" charset="0"/>
               </a:rPr>
-              <a:t>Взаимодействие пользователей друг с другом: например, возможность бросить вызов</a:t>
-            </a:r>
+              <a:t>Для внешнего тестирования были выбраны два человека. Все комментарии и замечания учтены в текущей реализации либо добавлены в планы по развитию проекта </a:t>
+            </a:r>
+            <a:endParaRPr lang="ru-RU" dirty="0">
+              <a:latin typeface="HSE Sans" panose="02000000000000000000" pitchFamily="2" charset="0"/>
+            </a:endParaRPr>
           </a:p>
         </p:txBody>
       </p:sp>
     </p:spTree>
     <p:extLst>
       <p:ext uri="{BB962C8B-B14F-4D97-AF65-F5344CB8AC3E}">
-        <p14:creationId xmlns:p14="http://schemas.microsoft.com/office/powerpoint/2010/main" val="290659439"/>
+        <p14:creationId xmlns:p14="http://schemas.microsoft.com/office/powerpoint/2010/main" val="1189135311"/>
       </p:ext>
     </p:extLst>
   </p:cSld>
@@ -7783,17 +8280,108 @@
               <a:rPr lang="ru-RU" sz="3200" dirty="0">
                 <a:latin typeface="HSE Sans" panose="02000000000000000000" pitchFamily="2" charset="0"/>
               </a:rPr>
-              <a:t>Взаимодействие пользователей друг с другом: например, возможность бросить вызов</a:t>
-            </a:r>
-          </a:p>
-        </p:txBody>
-      </p:sp>
-      <p:sp>
-        <p:nvSpPr>
-          <p:cNvPr id="6" name="Заголовок 1">
-            <a:extLst>
-              <a:ext uri="{FF2B5EF4-FFF2-40B4-BE49-F238E27FC236}">
-                <a16:creationId xmlns:a16="http://schemas.microsoft.com/office/drawing/2014/main" id="{EE838358-F56D-22A2-963B-42147E93298D}"/>
+              <a:t>Ограничение запросов в </a:t>
+            </a:r>
+            <a:r>
+              <a:rPr lang="en-US" sz="3200" dirty="0">
+                <a:latin typeface="HSE Sans" panose="02000000000000000000" pitchFamily="2" charset="0"/>
+              </a:rPr>
+              <a:t>API</a:t>
+            </a:r>
+            <a:r>
+              <a:rPr lang="ru-RU" sz="3200" dirty="0">
+                <a:latin typeface="HSE Sans" panose="02000000000000000000" pitchFamily="2" charset="0"/>
+              </a:rPr>
+              <a:t> по количеству</a:t>
+            </a:r>
+            <a:r>
+              <a:rPr lang="en-US" sz="3200" dirty="0">
+                <a:latin typeface="HSE Sans" panose="02000000000000000000" pitchFamily="2" charset="0"/>
+              </a:rPr>
+              <a:t> (100</a:t>
+            </a:r>
+            <a:r>
+              <a:rPr lang="ru-RU" sz="3200" dirty="0">
+                <a:latin typeface="HSE Sans" panose="02000000000000000000" pitchFamily="2" charset="0"/>
+              </a:rPr>
+              <a:t> в месяц) и скорости</a:t>
+            </a:r>
+          </a:p>
+        </p:txBody>
+      </p:sp>
+    </p:spTree>
+    <p:extLst>
+      <p:ext uri="{BB962C8B-B14F-4D97-AF65-F5344CB8AC3E}">
+        <p14:creationId xmlns:p14="http://schemas.microsoft.com/office/powerpoint/2010/main" val="2672009830"/>
+      </p:ext>
+    </p:extLst>
+  </p:cSld>
+  <p:clrMapOvr>
+    <a:masterClrMapping/>
+  </p:clrMapOvr>
+</p:sld>
+</file>
+
+<file path=ppt/slides/slide28.xml><?xml version="1.0" encoding="utf-8"?>
+<p:sld xmlns:a="http://schemas.openxmlformats.org/drawingml/2006/main" xmlns:r="http://schemas.openxmlformats.org/officeDocument/2006/relationships" xmlns:p="http://schemas.openxmlformats.org/presentationml/2006/main">
+  <p:cSld>
+    <p:spTree>
+      <p:nvGrpSpPr>
+        <p:cNvPr id="1" name=""/>
+        <p:cNvGrpSpPr/>
+        <p:nvPr/>
+      </p:nvGrpSpPr>
+      <p:grpSpPr>
+        <a:xfrm>
+          <a:off x="0" y="0"/>
+          <a:ext cx="0" cy="0"/>
+          <a:chOff x="0" y="0"/>
+          <a:chExt cx="0" cy="0"/>
+        </a:xfrm>
+      </p:grpSpPr>
+      <p:sp>
+        <p:nvSpPr>
+          <p:cNvPr id="3" name="Заголовок 1">
+            <a:extLst>
+              <a:ext uri="{FF2B5EF4-FFF2-40B4-BE49-F238E27FC236}">
+                <a16:creationId xmlns:a16="http://schemas.microsoft.com/office/drawing/2014/main" id="{A7074DAD-2A23-436E-07F1-567E65A194CB}"/>
+              </a:ext>
+            </a:extLst>
+          </p:cNvPr>
+          <p:cNvSpPr>
+            <a:spLocks noGrp="1"/>
+          </p:cNvSpPr>
+          <p:nvPr>
+            <p:ph type="title"/>
+          </p:nvPr>
+        </p:nvSpPr>
+        <p:spPr>
+          <a:xfrm>
+            <a:off x="441434" y="435458"/>
+            <a:ext cx="11105524" cy="803288"/>
+          </a:xfrm>
+        </p:spPr>
+        <p:txBody>
+          <a:bodyPr>
+            <a:normAutofit/>
+          </a:bodyPr>
+          <a:lstStyle/>
+          <a:p>
+            <a:r>
+              <a:rPr lang="ru-RU" b="1" dirty="0">
+                <a:latin typeface="HSE Sans" panose="02000000000000000000" pitchFamily="2" charset="0"/>
+              </a:rPr>
+              <a:t>Проблемы проекта и планы по развитию</a:t>
+            </a:r>
+          </a:p>
+        </p:txBody>
+      </p:sp>
+      <p:sp>
+        <p:nvSpPr>
+          <p:cNvPr id="2" name="Заголовок 1">
+            <a:extLst>
+              <a:ext uri="{FF2B5EF4-FFF2-40B4-BE49-F238E27FC236}">
+                <a16:creationId xmlns:a16="http://schemas.microsoft.com/office/drawing/2014/main" id="{D2984469-DCAD-0CBC-3188-E93055F0C2BD}"/>
               </a:ext>
             </a:extLst>
           </p:cNvPr>
@@ -7804,7 +8392,7 @@
         </p:nvSpPr>
         <p:spPr>
           <a:xfrm>
-            <a:off x="402692" y="2532994"/>
+            <a:off x="441433" y="1337334"/>
             <a:ext cx="11183008" cy="1195660"/>
           </a:xfrm>
           <a:prstGeom prst="rect">
@@ -7843,7 +8431,91 @@
               <a:rPr lang="ru-RU" sz="3200" dirty="0">
                 <a:latin typeface="HSE Sans" panose="02000000000000000000" pitchFamily="2" charset="0"/>
               </a:rPr>
-              <a:t>Версия на английском языке</a:t>
+              <a:t>Ограничение запросов в </a:t>
+            </a:r>
+            <a:r>
+              <a:rPr lang="en-US" sz="3200" dirty="0">
+                <a:latin typeface="HSE Sans" panose="02000000000000000000" pitchFamily="2" charset="0"/>
+              </a:rPr>
+              <a:t>API</a:t>
+            </a:r>
+            <a:r>
+              <a:rPr lang="ru-RU" sz="3200" dirty="0">
+                <a:latin typeface="HSE Sans" panose="02000000000000000000" pitchFamily="2" charset="0"/>
+              </a:rPr>
+              <a:t> по количеству</a:t>
+            </a:r>
+            <a:r>
+              <a:rPr lang="en-US" sz="3200" dirty="0">
+                <a:latin typeface="HSE Sans" panose="02000000000000000000" pitchFamily="2" charset="0"/>
+              </a:rPr>
+              <a:t> (100</a:t>
+            </a:r>
+            <a:r>
+              <a:rPr lang="ru-RU" sz="3200" dirty="0">
+                <a:latin typeface="HSE Sans" panose="02000000000000000000" pitchFamily="2" charset="0"/>
+              </a:rPr>
+              <a:t> в месяц) и скорости</a:t>
+            </a:r>
+          </a:p>
+        </p:txBody>
+      </p:sp>
+      <p:sp>
+        <p:nvSpPr>
+          <p:cNvPr id="4" name="Заголовок 1">
+            <a:extLst>
+              <a:ext uri="{FF2B5EF4-FFF2-40B4-BE49-F238E27FC236}">
+                <a16:creationId xmlns:a16="http://schemas.microsoft.com/office/drawing/2014/main" id="{1CE4FFE6-AAC6-71DD-3303-1B88D35B0E28}"/>
+              </a:ext>
+            </a:extLst>
+          </p:cNvPr>
+          <p:cNvSpPr txBox="1">
+            <a:spLocks/>
+          </p:cNvSpPr>
+          <p:nvPr/>
+        </p:nvSpPr>
+        <p:spPr>
+          <a:xfrm>
+            <a:off x="441433" y="2503990"/>
+            <a:ext cx="11183008" cy="1195660"/>
+          </a:xfrm>
+          <a:prstGeom prst="rect">
+            <a:avLst/>
+          </a:prstGeom>
+        </p:spPr>
+        <p:txBody>
+          <a:bodyPr vert="horz" lIns="91440" tIns="45720" rIns="91440" bIns="45720" rtlCol="0" anchor="t">
+            <a:normAutofit/>
+          </a:bodyPr>
+          <a:lstStyle>
+            <a:lvl1pPr algn="l" defTabSz="914400" rtl="0" eaLnBrk="1" latinLnBrk="0" hangingPunct="1">
+              <a:lnSpc>
+                <a:spcPct val="90000"/>
+              </a:lnSpc>
+              <a:spcBef>
+                <a:spcPct val="0"/>
+              </a:spcBef>
+              <a:buNone/>
+              <a:defRPr sz="4400" kern="1200">
+                <a:solidFill>
+                  <a:schemeClr val="tx1"/>
+                </a:solidFill>
+                <a:latin typeface="+mj-lt"/>
+                <a:ea typeface="+mj-ea"/>
+                <a:cs typeface="+mj-cs"/>
+              </a:defRPr>
+            </a:lvl1pPr>
+          </a:lstStyle>
+          <a:p>
+            <a:pPr marL="571500" indent="-571500">
+              <a:buFont typeface="Arial" panose="020B0604020202020204" pitchFamily="34" charset="0"/>
+              <a:buChar char="•"/>
+            </a:pPr>
+            <a:r>
+              <a:rPr lang="ru-RU" sz="3200" dirty="0">
+                <a:latin typeface="HSE Sans" panose="02000000000000000000" pitchFamily="2" charset="0"/>
+              </a:rPr>
+              <a:t>Возможна выдача неадекватных фотографий, не позволяющих угадать город или страну</a:t>
             </a:r>
           </a:p>
         </p:txBody>
@@ -7851,7 +8523,134 @@
     </p:spTree>
     <p:extLst>
       <p:ext uri="{BB962C8B-B14F-4D97-AF65-F5344CB8AC3E}">
-        <p14:creationId xmlns:p14="http://schemas.microsoft.com/office/powerpoint/2010/main" val="2396460266"/>
+        <p14:creationId xmlns:p14="http://schemas.microsoft.com/office/powerpoint/2010/main" val="183981471"/>
+      </p:ext>
+    </p:extLst>
+  </p:cSld>
+  <p:clrMapOvr>
+    <a:masterClrMapping/>
+  </p:clrMapOvr>
+</p:sld>
+</file>
+
+<file path=ppt/slides/slide29.xml><?xml version="1.0" encoding="utf-8"?>
+<p:sld xmlns:a="http://schemas.openxmlformats.org/drawingml/2006/main" xmlns:r="http://schemas.openxmlformats.org/officeDocument/2006/relationships" xmlns:p="http://schemas.openxmlformats.org/presentationml/2006/main">
+  <p:cSld>
+    <p:spTree>
+      <p:nvGrpSpPr>
+        <p:cNvPr id="1" name=""/>
+        <p:cNvGrpSpPr/>
+        <p:nvPr/>
+      </p:nvGrpSpPr>
+      <p:grpSpPr>
+        <a:xfrm>
+          <a:off x="0" y="0"/>
+          <a:ext cx="0" cy="0"/>
+          <a:chOff x="0" y="0"/>
+          <a:chExt cx="0" cy="0"/>
+        </a:xfrm>
+      </p:grpSpPr>
+      <p:sp>
+        <p:nvSpPr>
+          <p:cNvPr id="3" name="Заголовок 1">
+            <a:extLst>
+              <a:ext uri="{FF2B5EF4-FFF2-40B4-BE49-F238E27FC236}">
+                <a16:creationId xmlns:a16="http://schemas.microsoft.com/office/drawing/2014/main" id="{A7074DAD-2A23-436E-07F1-567E65A194CB}"/>
+              </a:ext>
+            </a:extLst>
+          </p:cNvPr>
+          <p:cNvSpPr>
+            <a:spLocks noGrp="1"/>
+          </p:cNvSpPr>
+          <p:nvPr>
+            <p:ph type="title"/>
+          </p:nvPr>
+        </p:nvSpPr>
+        <p:spPr>
+          <a:xfrm>
+            <a:off x="441434" y="435458"/>
+            <a:ext cx="11105524" cy="803288"/>
+          </a:xfrm>
+        </p:spPr>
+        <p:txBody>
+          <a:bodyPr>
+            <a:normAutofit/>
+          </a:bodyPr>
+          <a:lstStyle/>
+          <a:p>
+            <a:r>
+              <a:rPr lang="ru-RU" b="1" dirty="0">
+                <a:latin typeface="HSE Sans" panose="02000000000000000000" pitchFamily="2" charset="0"/>
+              </a:rPr>
+              <a:t>Проблемы проекта и планы по развитию</a:t>
+            </a:r>
+          </a:p>
+        </p:txBody>
+      </p:sp>
+      <p:sp>
+        <p:nvSpPr>
+          <p:cNvPr id="2" name="Заголовок 1">
+            <a:extLst>
+              <a:ext uri="{FF2B5EF4-FFF2-40B4-BE49-F238E27FC236}">
+                <a16:creationId xmlns:a16="http://schemas.microsoft.com/office/drawing/2014/main" id="{D2984469-DCAD-0CBC-3188-E93055F0C2BD}"/>
+              </a:ext>
+            </a:extLst>
+          </p:cNvPr>
+          <p:cNvSpPr txBox="1">
+            <a:spLocks/>
+          </p:cNvSpPr>
+          <p:nvPr/>
+        </p:nvSpPr>
+        <p:spPr>
+          <a:xfrm>
+            <a:off x="441433" y="1337334"/>
+            <a:ext cx="11183008" cy="1195660"/>
+          </a:xfrm>
+          <a:prstGeom prst="rect">
+            <a:avLst/>
+          </a:prstGeom>
+        </p:spPr>
+        <p:txBody>
+          <a:bodyPr vert="horz" lIns="91440" tIns="45720" rIns="91440" bIns="45720" rtlCol="0" anchor="t">
+            <a:normAutofit/>
+          </a:bodyPr>
+          <a:lstStyle>
+            <a:lvl1pPr algn="l" defTabSz="914400" rtl="0" eaLnBrk="1" latinLnBrk="0" hangingPunct="1">
+              <a:lnSpc>
+                <a:spcPct val="90000"/>
+              </a:lnSpc>
+              <a:spcBef>
+                <a:spcPct val="0"/>
+              </a:spcBef>
+              <a:buNone/>
+              <a:defRPr sz="4400" kern="1200">
+                <a:solidFill>
+                  <a:schemeClr val="tx1"/>
+                </a:solidFill>
+                <a:latin typeface="+mj-lt"/>
+                <a:ea typeface="+mj-ea"/>
+                <a:cs typeface="+mj-cs"/>
+              </a:defRPr>
+            </a:lvl1pPr>
+          </a:lstStyle>
+          <a:p>
+            <a:pPr marL="571500" indent="-571500">
+              <a:buFont typeface="Arial" panose="020B0604020202020204" pitchFamily="34" charset="0"/>
+              <a:buChar char="•"/>
+            </a:pPr>
+            <a:r>
+              <a:rPr lang="ru-RU" sz="3200" dirty="0">
+                <a:latin typeface="HSE Sans" panose="02000000000000000000" pitchFamily="2" charset="0"/>
+              </a:rPr>
+              <a:t>Взаимодействие пользователей друг с другом: например, возможность бросить вызов</a:t>
+            </a:r>
+          </a:p>
+        </p:txBody>
+      </p:sp>
+    </p:spTree>
+    <p:extLst>
+      <p:ext uri="{BB962C8B-B14F-4D97-AF65-F5344CB8AC3E}">
+        <p14:creationId xmlns:p14="http://schemas.microsoft.com/office/powerpoint/2010/main" val="290659439"/>
       </p:ext>
     </p:extLst>
   </p:cSld>
@@ -7978,6 +8777,193 @@
     <p:extLst>
       <p:ext uri="{BB962C8B-B14F-4D97-AF65-F5344CB8AC3E}">
         <p14:creationId xmlns:p14="http://schemas.microsoft.com/office/powerpoint/2010/main" val="215230512"/>
+      </p:ext>
+    </p:extLst>
+  </p:cSld>
+  <p:clrMapOvr>
+    <a:masterClrMapping/>
+  </p:clrMapOvr>
+</p:sld>
+</file>
+
+<file path=ppt/slides/slide30.xml><?xml version="1.0" encoding="utf-8"?>
+<p:sld xmlns:a="http://schemas.openxmlformats.org/drawingml/2006/main" xmlns:r="http://schemas.openxmlformats.org/officeDocument/2006/relationships" xmlns:p="http://schemas.openxmlformats.org/presentationml/2006/main">
+  <p:cSld>
+    <p:spTree>
+      <p:nvGrpSpPr>
+        <p:cNvPr id="1" name=""/>
+        <p:cNvGrpSpPr/>
+        <p:nvPr/>
+      </p:nvGrpSpPr>
+      <p:grpSpPr>
+        <a:xfrm>
+          <a:off x="0" y="0"/>
+          <a:ext cx="0" cy="0"/>
+          <a:chOff x="0" y="0"/>
+          <a:chExt cx="0" cy="0"/>
+        </a:xfrm>
+      </p:grpSpPr>
+      <p:sp>
+        <p:nvSpPr>
+          <p:cNvPr id="3" name="Заголовок 1">
+            <a:extLst>
+              <a:ext uri="{FF2B5EF4-FFF2-40B4-BE49-F238E27FC236}">
+                <a16:creationId xmlns:a16="http://schemas.microsoft.com/office/drawing/2014/main" id="{A7074DAD-2A23-436E-07F1-567E65A194CB}"/>
+              </a:ext>
+            </a:extLst>
+          </p:cNvPr>
+          <p:cNvSpPr>
+            <a:spLocks noGrp="1"/>
+          </p:cNvSpPr>
+          <p:nvPr>
+            <p:ph type="title"/>
+          </p:nvPr>
+        </p:nvSpPr>
+        <p:spPr>
+          <a:xfrm>
+            <a:off x="441434" y="435458"/>
+            <a:ext cx="11105524" cy="803288"/>
+          </a:xfrm>
+        </p:spPr>
+        <p:txBody>
+          <a:bodyPr>
+            <a:normAutofit/>
+          </a:bodyPr>
+          <a:lstStyle/>
+          <a:p>
+            <a:r>
+              <a:rPr lang="ru-RU" b="1" dirty="0">
+                <a:latin typeface="HSE Sans" panose="02000000000000000000" pitchFamily="2" charset="0"/>
+              </a:rPr>
+              <a:t>Проблемы проекта и планы по развитию</a:t>
+            </a:r>
+          </a:p>
+        </p:txBody>
+      </p:sp>
+      <p:sp>
+        <p:nvSpPr>
+          <p:cNvPr id="2" name="Заголовок 1">
+            <a:extLst>
+              <a:ext uri="{FF2B5EF4-FFF2-40B4-BE49-F238E27FC236}">
+                <a16:creationId xmlns:a16="http://schemas.microsoft.com/office/drawing/2014/main" id="{D2984469-DCAD-0CBC-3188-E93055F0C2BD}"/>
+              </a:ext>
+            </a:extLst>
+          </p:cNvPr>
+          <p:cNvSpPr txBox="1">
+            <a:spLocks/>
+          </p:cNvSpPr>
+          <p:nvPr/>
+        </p:nvSpPr>
+        <p:spPr>
+          <a:xfrm>
+            <a:off x="441433" y="1337334"/>
+            <a:ext cx="11183008" cy="1195660"/>
+          </a:xfrm>
+          <a:prstGeom prst="rect">
+            <a:avLst/>
+          </a:prstGeom>
+        </p:spPr>
+        <p:txBody>
+          <a:bodyPr vert="horz" lIns="91440" tIns="45720" rIns="91440" bIns="45720" rtlCol="0" anchor="t">
+            <a:normAutofit/>
+          </a:bodyPr>
+          <a:lstStyle>
+            <a:lvl1pPr algn="l" defTabSz="914400" rtl="0" eaLnBrk="1" latinLnBrk="0" hangingPunct="1">
+              <a:lnSpc>
+                <a:spcPct val="90000"/>
+              </a:lnSpc>
+              <a:spcBef>
+                <a:spcPct val="0"/>
+              </a:spcBef>
+              <a:buNone/>
+              <a:defRPr sz="4400" kern="1200">
+                <a:solidFill>
+                  <a:schemeClr val="tx1"/>
+                </a:solidFill>
+                <a:latin typeface="+mj-lt"/>
+                <a:ea typeface="+mj-ea"/>
+                <a:cs typeface="+mj-cs"/>
+              </a:defRPr>
+            </a:lvl1pPr>
+          </a:lstStyle>
+          <a:p>
+            <a:pPr marL="571500" indent="-571500">
+              <a:buFont typeface="Arial" panose="020B0604020202020204" pitchFamily="34" charset="0"/>
+              <a:buChar char="•"/>
+            </a:pPr>
+            <a:r>
+              <a:rPr lang="ru-RU" sz="3200" dirty="0">
+                <a:latin typeface="HSE Sans" panose="02000000000000000000" pitchFamily="2" charset="0"/>
+              </a:rPr>
+              <a:t>Взаимодействие пользователей друг с другом: например, возможность бросить вызов</a:t>
+            </a:r>
+          </a:p>
+        </p:txBody>
+      </p:sp>
+      <p:sp>
+        <p:nvSpPr>
+          <p:cNvPr id="6" name="Заголовок 1">
+            <a:extLst>
+              <a:ext uri="{FF2B5EF4-FFF2-40B4-BE49-F238E27FC236}">
+                <a16:creationId xmlns:a16="http://schemas.microsoft.com/office/drawing/2014/main" id="{EE838358-F56D-22A2-963B-42147E93298D}"/>
+              </a:ext>
+            </a:extLst>
+          </p:cNvPr>
+          <p:cNvSpPr txBox="1">
+            <a:spLocks/>
+          </p:cNvSpPr>
+          <p:nvPr/>
+        </p:nvSpPr>
+        <p:spPr>
+          <a:xfrm>
+            <a:off x="402692" y="2532994"/>
+            <a:ext cx="11183008" cy="1195660"/>
+          </a:xfrm>
+          <a:prstGeom prst="rect">
+            <a:avLst/>
+          </a:prstGeom>
+        </p:spPr>
+        <p:txBody>
+          <a:bodyPr vert="horz" lIns="91440" tIns="45720" rIns="91440" bIns="45720" rtlCol="0" anchor="t">
+            <a:normAutofit/>
+          </a:bodyPr>
+          <a:lstStyle>
+            <a:lvl1pPr algn="l" defTabSz="914400" rtl="0" eaLnBrk="1" latinLnBrk="0" hangingPunct="1">
+              <a:lnSpc>
+                <a:spcPct val="90000"/>
+              </a:lnSpc>
+              <a:spcBef>
+                <a:spcPct val="0"/>
+              </a:spcBef>
+              <a:buNone/>
+              <a:defRPr sz="4400" kern="1200">
+                <a:solidFill>
+                  <a:schemeClr val="tx1"/>
+                </a:solidFill>
+                <a:latin typeface="+mj-lt"/>
+                <a:ea typeface="+mj-ea"/>
+                <a:cs typeface="+mj-cs"/>
+              </a:defRPr>
+            </a:lvl1pPr>
+          </a:lstStyle>
+          <a:p>
+            <a:pPr marL="571500" indent="-571500">
+              <a:buFont typeface="Arial" panose="020B0604020202020204" pitchFamily="34" charset="0"/>
+              <a:buChar char="•"/>
+            </a:pPr>
+            <a:r>
+              <a:rPr lang="ru-RU" sz="3200" dirty="0">
+                <a:latin typeface="HSE Sans" panose="02000000000000000000" pitchFamily="2" charset="0"/>
+              </a:rPr>
+              <a:t>Версия на английском языке</a:t>
+            </a:r>
+          </a:p>
+        </p:txBody>
+      </p:sp>
+    </p:spTree>
+    <p:extLst>
+      <p:ext uri="{BB962C8B-B14F-4D97-AF65-F5344CB8AC3E}">
+        <p14:creationId xmlns:p14="http://schemas.microsoft.com/office/powerpoint/2010/main" val="2396460266"/>
       </p:ext>
     </p:extLst>
   </p:cSld>
@@ -9005,7 +9991,7 @@
         </p:blipFill>
         <p:spPr>
           <a:xfrm>
-            <a:off x="3618125" y="1382367"/>
+            <a:off x="3978167" y="1392878"/>
             <a:ext cx="7772400" cy="4641162"/>
           </a:xfrm>
           <a:prstGeom prst="rect">
@@ -9189,7 +10175,7 @@
         </p:blipFill>
         <p:spPr>
           <a:xfrm>
-            <a:off x="5352830" y="1307941"/>
+            <a:off x="6099067" y="1318452"/>
             <a:ext cx="5651500" cy="4767521"/>
           </a:xfrm>
           <a:prstGeom prst="rect">
